--- a/Capstone-Project/Market Mix Modelling.pptx
+++ b/Capstone-Project/Market Mix Modelling.pptx
@@ -5,17 +5,18 @@
     <p:sldMasterId id="2147483660" r:id="rId1"/>
   </p:sldMasterIdLst>
   <p:notesMasterIdLst>
-    <p:notesMasterId r:id="rId10"/>
+    <p:notesMasterId r:id="rId11"/>
   </p:notesMasterIdLst>
   <p:sldIdLst>
     <p:sldId id="287" r:id="rId2"/>
     <p:sldId id="257" r:id="rId3"/>
     <p:sldId id="303" r:id="rId4"/>
-    <p:sldId id="276" r:id="rId5"/>
-    <p:sldId id="300" r:id="rId6"/>
-    <p:sldId id="301" r:id="rId7"/>
-    <p:sldId id="302" r:id="rId8"/>
-    <p:sldId id="288" r:id="rId9"/>
+    <p:sldId id="304" r:id="rId5"/>
+    <p:sldId id="276" r:id="rId6"/>
+    <p:sldId id="300" r:id="rId7"/>
+    <p:sldId id="301" r:id="rId8"/>
+    <p:sldId id="302" r:id="rId9"/>
+    <p:sldId id="288" r:id="rId10"/>
   </p:sldIdLst>
   <p:sldSz cx="12192000" cy="6858000"/>
   <p:notesSz cx="6858000" cy="9144000"/>
@@ -122,6 +123,7 @@
             <p14:sldId id="287"/>
             <p14:sldId id="257"/>
             <p14:sldId id="303"/>
+            <p14:sldId id="304"/>
             <p14:sldId id="276"/>
             <p14:sldId id="300"/>
             <p14:sldId id="301"/>
@@ -157,11 +159,11 @@
 </file>
 
 <file path=ppt/diagrams/colors1.xml><?xml version="1.0" encoding="utf-8"?>
-<dgm:colorsDef xmlns:dgm="http://schemas.openxmlformats.org/drawingml/2006/diagram" xmlns:a="http://schemas.openxmlformats.org/drawingml/2006/main" uniqueId="urn:microsoft.com/office/officeart/2005/8/colors/colorful2">
+<dgm:colorsDef xmlns:dgm="http://schemas.openxmlformats.org/drawingml/2006/diagram" xmlns:a="http://schemas.openxmlformats.org/drawingml/2006/main" uniqueId="urn:microsoft.com/office/officeart/2005/8/colors/colorful1">
   <dgm:title val=""/>
   <dgm:desc val=""/>
   <dgm:catLst>
-    <dgm:cat type="colorful" pri="10200"/>
+    <dgm:cat type="colorful" pri="10100"/>
   </dgm:catLst>
   <dgm:styleLbl name="node0">
     <dgm:fillClrLst meth="repeat">
@@ -176,9 +178,12 @@
     <dgm:txEffectClrLst/>
   </dgm:styleLbl>
   <dgm:styleLbl name="node1">
-    <dgm:fillClrLst>
+    <dgm:fillClrLst meth="repeat">
       <a:schemeClr val="accent2"/>
       <a:schemeClr val="accent3"/>
+      <a:schemeClr val="accent4"/>
+      <a:schemeClr val="accent5"/>
+      <a:schemeClr val="accent6"/>
     </dgm:fillClrLst>
     <dgm:linClrLst meth="repeat">
       <a:schemeClr val="lt1"/>
@@ -189,13 +194,19 @@
     <dgm:txEffectClrLst/>
   </dgm:styleLbl>
   <dgm:styleLbl name="alignNode1">
-    <dgm:fillClrLst>
+    <dgm:fillClrLst meth="repeat">
       <a:schemeClr val="accent2"/>
       <a:schemeClr val="accent3"/>
+      <a:schemeClr val="accent4"/>
+      <a:schemeClr val="accent5"/>
+      <a:schemeClr val="accent6"/>
     </dgm:fillClrLst>
-    <dgm:linClrLst>
+    <dgm:linClrLst meth="repeat">
       <a:schemeClr val="accent2"/>
       <a:schemeClr val="accent3"/>
+      <a:schemeClr val="accent4"/>
+      <a:schemeClr val="accent5"/>
+      <a:schemeClr val="accent6"/>
     </dgm:linClrLst>
     <dgm:effectClrLst/>
     <dgm:txLinClrLst/>
@@ -203,9 +214,12 @@
     <dgm:txEffectClrLst/>
   </dgm:styleLbl>
   <dgm:styleLbl name="lnNode1">
-    <dgm:fillClrLst>
+    <dgm:fillClrLst meth="repeat">
       <a:schemeClr val="accent2"/>
       <a:schemeClr val="accent3"/>
+      <a:schemeClr val="accent4"/>
+      <a:schemeClr val="accent5"/>
+      <a:schemeClr val="accent6"/>
     </dgm:fillClrLst>
     <dgm:linClrLst meth="repeat">
       <a:schemeClr val="lt1"/>
@@ -216,11 +230,20 @@
     <dgm:txEffectClrLst/>
   </dgm:styleLbl>
   <dgm:styleLbl name="vennNode1">
-    <dgm:fillClrLst>
+    <dgm:fillClrLst meth="repeat">
       <a:schemeClr val="accent2">
         <a:alpha val="50000"/>
       </a:schemeClr>
       <a:schemeClr val="accent3">
+        <a:alpha val="50000"/>
+      </a:schemeClr>
+      <a:schemeClr val="accent4">
+        <a:alpha val="50000"/>
+      </a:schemeClr>
+      <a:schemeClr val="accent5">
+        <a:alpha val="50000"/>
+      </a:schemeClr>
+      <a:schemeClr val="accent6">
         <a:alpha val="50000"/>
       </a:schemeClr>
     </dgm:fillClrLst>
@@ -234,6 +257,18 @@
   </dgm:styleLbl>
   <dgm:styleLbl name="node2">
     <dgm:fillClrLst>
+      <a:schemeClr val="accent2"/>
+    </dgm:fillClrLst>
+    <dgm:linClrLst meth="repeat">
+      <a:schemeClr val="lt1"/>
+    </dgm:linClrLst>
+    <dgm:effectClrLst/>
+    <dgm:txLinClrLst/>
+    <dgm:txFillClrLst/>
+    <dgm:txEffectClrLst/>
+  </dgm:styleLbl>
+  <dgm:styleLbl name="node3">
+    <dgm:fillClrLst>
       <a:schemeClr val="accent3"/>
     </dgm:fillClrLst>
     <dgm:linClrLst meth="repeat">
@@ -244,7 +279,7 @@
     <dgm:txFillClrLst/>
     <dgm:txEffectClrLst/>
   </dgm:styleLbl>
-  <dgm:styleLbl name="node3">
+  <dgm:styleLbl name="node4">
     <dgm:fillClrLst>
       <a:schemeClr val="accent4"/>
     </dgm:fillClrLst>
@@ -256,24 +291,21 @@
     <dgm:txFillClrLst/>
     <dgm:txEffectClrLst/>
   </dgm:styleLbl>
-  <dgm:styleLbl name="node4">
-    <dgm:fillClrLst>
-      <a:schemeClr val="accent5"/>
-    </dgm:fillClrLst>
-    <dgm:linClrLst meth="repeat">
-      <a:schemeClr val="lt1"/>
-    </dgm:linClrLst>
-    <dgm:effectClrLst/>
-    <dgm:txLinClrLst/>
-    <dgm:txFillClrLst/>
-    <dgm:txEffectClrLst/>
-  </dgm:styleLbl>
   <dgm:styleLbl name="fgImgPlace1">
-    <dgm:fillClrLst>
+    <dgm:fillClrLst meth="repeat">
       <a:schemeClr val="accent2">
         <a:tint val="50000"/>
       </a:schemeClr>
       <a:schemeClr val="accent3">
+        <a:tint val="50000"/>
+      </a:schemeClr>
+      <a:schemeClr val="accent4">
+        <a:tint val="50000"/>
+      </a:schemeClr>
+      <a:schemeClr val="accent5">
+        <a:tint val="50000"/>
+      </a:schemeClr>
+      <a:schemeClr val="accent6">
         <a:tint val="50000"/>
       </a:schemeClr>
     </dgm:fillClrLst>
@@ -289,10 +321,10 @@
   </dgm:styleLbl>
   <dgm:styleLbl name="alignImgPlace1">
     <dgm:fillClrLst>
-      <a:schemeClr val="accent2">
+      <a:schemeClr val="accent1">
         <a:tint val="50000"/>
       </a:schemeClr>
-      <a:schemeClr val="accent3">
+      <a:schemeClr val="accent2">
         <a:tint val="20000"/>
       </a:schemeClr>
     </dgm:fillClrLst>
@@ -308,10 +340,10 @@
   </dgm:styleLbl>
   <dgm:styleLbl name="bgImgPlace1">
     <dgm:fillClrLst>
-      <a:schemeClr val="accent2">
+      <a:schemeClr val="accent1">
         <a:tint val="50000"/>
       </a:schemeClr>
-      <a:schemeClr val="accent3">
+      <a:schemeClr val="accent2">
         <a:tint val="20000"/>
       </a:schemeClr>
     </dgm:fillClrLst>
@@ -326,11 +358,14 @@
     <dgm:txEffectClrLst/>
   </dgm:styleLbl>
   <dgm:styleLbl name="sibTrans2D1">
-    <dgm:fillClrLst>
+    <dgm:fillClrLst meth="repeat">
       <a:schemeClr val="accent2"/>
       <a:schemeClr val="accent3"/>
+      <a:schemeClr val="accent4"/>
+      <a:schemeClr val="accent5"/>
+      <a:schemeClr val="accent6"/>
     </dgm:fillClrLst>
-    <dgm:linClrLst meth="repeat">
+    <dgm:linClrLst meth="cycle">
       <a:schemeClr val="lt1"/>
     </dgm:linClrLst>
     <dgm:effectClrLst/>
@@ -339,11 +374,14 @@
     <dgm:txEffectClrLst/>
   </dgm:styleLbl>
   <dgm:styleLbl name="fgSibTrans2D1">
-    <dgm:fillClrLst>
+    <dgm:fillClrLst meth="repeat">
       <a:schemeClr val="accent2"/>
       <a:schemeClr val="accent3"/>
+      <a:schemeClr val="accent4"/>
+      <a:schemeClr val="accent5"/>
+      <a:schemeClr val="accent6"/>
     </dgm:fillClrLst>
-    <dgm:linClrLst meth="repeat">
+    <dgm:linClrLst meth="cycle">
       <a:schemeClr val="lt1"/>
     </dgm:linClrLst>
     <dgm:effectClrLst/>
@@ -354,11 +392,14 @@
     <dgm:txEffectClrLst/>
   </dgm:styleLbl>
   <dgm:styleLbl name="bgSibTrans2D1">
-    <dgm:fillClrLst>
+    <dgm:fillClrLst meth="repeat">
       <a:schemeClr val="accent2"/>
       <a:schemeClr val="accent3"/>
+      <a:schemeClr val="accent4"/>
+      <a:schemeClr val="accent5"/>
+      <a:schemeClr val="accent6"/>
     </dgm:fillClrLst>
-    <dgm:linClrLst meth="repeat">
+    <dgm:linClrLst meth="cycle">
       <a:schemeClr val="lt1"/>
     </dgm:linClrLst>
     <dgm:effectClrLst/>
@@ -369,10 +410,19 @@
     <dgm:txEffectClrLst/>
   </dgm:styleLbl>
   <dgm:styleLbl name="sibTrans1D1">
-    <dgm:fillClrLst/>
-    <dgm:linClrLst>
+    <dgm:fillClrLst meth="repeat">
       <a:schemeClr val="accent2"/>
       <a:schemeClr val="accent3"/>
+      <a:schemeClr val="accent4"/>
+      <a:schemeClr val="accent5"/>
+      <a:schemeClr val="accent6"/>
+    </dgm:fillClrLst>
+    <dgm:linClrLst meth="repeat">
+      <a:schemeClr val="accent2"/>
+      <a:schemeClr val="accent3"/>
+      <a:schemeClr val="accent4"/>
+      <a:schemeClr val="accent5"/>
+      <a:schemeClr val="accent6"/>
     </dgm:linClrLst>
     <dgm:effectClrLst/>
     <dgm:txLinClrLst/>
@@ -399,12 +449,10 @@
   </dgm:styleLbl>
   <dgm:styleLbl name="asst0">
     <dgm:fillClrLst meth="repeat">
-      <a:schemeClr val="accent2"/>
+      <a:schemeClr val="accent1"/>
     </dgm:fillClrLst>
     <dgm:linClrLst meth="repeat">
-      <a:schemeClr val="lt1">
-        <a:shade val="80000"/>
-      </a:schemeClr>
+      <a:schemeClr val="lt1"/>
     </dgm:linClrLst>
     <dgm:effectClrLst/>
     <dgm:txLinClrLst/>
@@ -413,12 +461,10 @@
   </dgm:styleLbl>
   <dgm:styleLbl name="asst1">
     <dgm:fillClrLst meth="repeat">
-      <a:schemeClr val="accent3"/>
+      <a:schemeClr val="accent2"/>
     </dgm:fillClrLst>
     <dgm:linClrLst meth="repeat">
-      <a:schemeClr val="lt1">
-        <a:shade val="80000"/>
-      </a:schemeClr>
+      <a:schemeClr val="lt1"/>
     </dgm:linClrLst>
     <dgm:effectClrLst/>
     <dgm:txLinClrLst/>
@@ -426,6 +472,18 @@
     <dgm:txEffectClrLst/>
   </dgm:styleLbl>
   <dgm:styleLbl name="asst2">
+    <dgm:fillClrLst>
+      <a:schemeClr val="accent3"/>
+    </dgm:fillClrLst>
+    <dgm:linClrLst meth="repeat">
+      <a:schemeClr val="lt1"/>
+    </dgm:linClrLst>
+    <dgm:effectClrLst/>
+    <dgm:txLinClrLst/>
+    <dgm:txFillClrLst/>
+    <dgm:txEffectClrLst/>
+  </dgm:styleLbl>
+  <dgm:styleLbl name="asst3">
     <dgm:fillClrLst>
       <a:schemeClr val="accent4"/>
     </dgm:fillClrLst>
@@ -437,21 +495,9 @@
     <dgm:txFillClrLst/>
     <dgm:txEffectClrLst/>
   </dgm:styleLbl>
-  <dgm:styleLbl name="asst3">
+  <dgm:styleLbl name="asst4">
     <dgm:fillClrLst>
       <a:schemeClr val="accent5"/>
-    </dgm:fillClrLst>
-    <dgm:linClrLst meth="repeat">
-      <a:schemeClr val="lt1"/>
-    </dgm:linClrLst>
-    <dgm:effectClrLst/>
-    <dgm:txLinClrLst/>
-    <dgm:txFillClrLst/>
-    <dgm:txEffectClrLst/>
-  </dgm:styleLbl>
-  <dgm:styleLbl name="asst4">
-    <dgm:fillClrLst>
-      <a:schemeClr val="accent6"/>
     </dgm:fillClrLst>
     <dgm:linClrLst meth="repeat">
       <a:schemeClr val="lt1"/>
@@ -518,6 +564,22 @@
       <a:schemeClr val="accent2"/>
     </dgm:fillClrLst>
     <dgm:linClrLst meth="repeat">
+      <a:schemeClr val="accent1"/>
+    </dgm:linClrLst>
+    <dgm:effectClrLst/>
+    <dgm:txLinClrLst/>
+    <dgm:txFillClrLst meth="repeat">
+      <a:schemeClr val="tx1"/>
+    </dgm:txFillClrLst>
+    <dgm:txEffectClrLst/>
+  </dgm:styleLbl>
+  <dgm:styleLbl name="parChTrans1D2">
+    <dgm:fillClrLst meth="repeat">
+      <a:schemeClr val="accent3">
+        <a:tint val="90000"/>
+      </a:schemeClr>
+    </dgm:fillClrLst>
+    <dgm:linClrLst meth="repeat">
       <a:schemeClr val="accent2"/>
     </dgm:linClrLst>
     <dgm:effectClrLst/>
@@ -527,10 +589,10 @@
     </dgm:txFillClrLst>
     <dgm:txEffectClrLst/>
   </dgm:styleLbl>
-  <dgm:styleLbl name="parChTrans1D2">
+  <dgm:styleLbl name="parChTrans1D3">
     <dgm:fillClrLst meth="repeat">
-      <a:schemeClr val="accent2">
-        <a:tint val="90000"/>
+      <a:schemeClr val="accent4">
+        <a:tint val="70000"/>
       </a:schemeClr>
     </dgm:fillClrLst>
     <dgm:linClrLst meth="repeat">
@@ -543,10 +605,10 @@
     </dgm:txFillClrLst>
     <dgm:txEffectClrLst/>
   </dgm:styleLbl>
-  <dgm:styleLbl name="parChTrans1D3">
+  <dgm:styleLbl name="parChTrans1D4">
     <dgm:fillClrLst meth="repeat">
-      <a:schemeClr val="accent2">
-        <a:tint val="70000"/>
+      <a:schemeClr val="accent5">
+        <a:tint val="50000"/>
       </a:schemeClr>
     </dgm:fillClrLst>
     <dgm:linClrLst meth="repeat">
@@ -559,31 +621,18 @@
     </dgm:txFillClrLst>
     <dgm:txEffectClrLst/>
   </dgm:styleLbl>
-  <dgm:styleLbl name="parChTrans1D4">
-    <dgm:fillClrLst meth="repeat">
-      <a:schemeClr val="accent2">
-        <a:tint val="50000"/>
-      </a:schemeClr>
-    </dgm:fillClrLst>
-    <dgm:linClrLst meth="repeat">
-      <a:schemeClr val="accent5"/>
-    </dgm:linClrLst>
-    <dgm:effectClrLst/>
-    <dgm:txLinClrLst/>
-    <dgm:txFillClrLst meth="repeat">
-      <a:schemeClr val="tx1"/>
-    </dgm:txFillClrLst>
-    <dgm:txEffectClrLst/>
-  </dgm:styleLbl>
   <dgm:styleLbl name="fgAcc1">
     <dgm:fillClrLst meth="repeat">
       <a:schemeClr val="lt1">
         <a:alpha val="90000"/>
       </a:schemeClr>
     </dgm:fillClrLst>
-    <dgm:linClrLst>
+    <dgm:linClrLst meth="repeat">
       <a:schemeClr val="accent2"/>
       <a:schemeClr val="accent3"/>
+      <a:schemeClr val="accent4"/>
+      <a:schemeClr val="accent5"/>
+      <a:schemeClr val="accent6"/>
     </dgm:linClrLst>
     <dgm:effectClrLst/>
     <dgm:txLinClrLst/>
@@ -598,9 +647,12 @@
         <a:alpha val="90000"/>
       </a:schemeClr>
     </dgm:fillClrLst>
-    <dgm:linClrLst>
+    <dgm:linClrLst meth="repeat">
       <a:schemeClr val="accent2"/>
       <a:schemeClr val="accent3"/>
+      <a:schemeClr val="accent4"/>
+      <a:schemeClr val="accent5"/>
+      <a:schemeClr val="accent6"/>
     </dgm:linClrLst>
     <dgm:effectClrLst/>
     <dgm:txLinClrLst/>
@@ -615,9 +667,12 @@
         <a:alpha val="90000"/>
       </a:schemeClr>
     </dgm:fillClrLst>
-    <dgm:linClrLst>
+    <dgm:linClrLst meth="repeat">
       <a:schemeClr val="accent2"/>
       <a:schemeClr val="accent3"/>
+      <a:schemeClr val="accent4"/>
+      <a:schemeClr val="accent5"/>
+      <a:schemeClr val="accent6"/>
     </dgm:linClrLst>
     <dgm:effectClrLst/>
     <dgm:txLinClrLst/>
@@ -633,7 +688,7 @@
       </a:schemeClr>
     </dgm:fillClrLst>
     <dgm:linClrLst meth="repeat">
-      <a:schemeClr val="accent2"/>
+      <a:schemeClr val="accent1"/>
     </dgm:linClrLst>
     <dgm:effectClrLst/>
     <dgm:txLinClrLst/>
@@ -648,9 +703,12 @@
         <a:alpha val="90000"/>
       </a:schemeClr>
     </dgm:fillClrLst>
-    <dgm:linClrLst>
+    <dgm:linClrLst meth="repeat">
       <a:schemeClr val="accent2"/>
       <a:schemeClr val="accent3"/>
+      <a:schemeClr val="accent4"/>
+      <a:schemeClr val="accent5"/>
+      <a:schemeClr val="accent6"/>
     </dgm:linClrLst>
     <dgm:effectClrLst/>
     <dgm:txLinClrLst/>
@@ -663,9 +721,12 @@
     <dgm:fillClrLst meth="repeat">
       <a:schemeClr val="lt1"/>
     </dgm:fillClrLst>
-    <dgm:linClrLst>
+    <dgm:linClrLst meth="repeat">
       <a:schemeClr val="accent2"/>
       <a:schemeClr val="accent3"/>
+      <a:schemeClr val="accent4"/>
+      <a:schemeClr val="accent5"/>
+      <a:schemeClr val="accent6"/>
     </dgm:linClrLst>
     <dgm:effectClrLst/>
     <dgm:txLinClrLst/>
@@ -678,9 +739,12 @@
     <dgm:fillClrLst meth="repeat">
       <a:schemeClr val="lt1"/>
     </dgm:fillClrLst>
-    <dgm:linClrLst>
+    <dgm:linClrLst meth="repeat">
       <a:schemeClr val="accent2"/>
       <a:schemeClr val="accent3"/>
+      <a:schemeClr val="accent4"/>
+      <a:schemeClr val="accent5"/>
+      <a:schemeClr val="accent6"/>
     </dgm:linClrLst>
     <dgm:effectClrLst/>
     <dgm:txLinClrLst/>
@@ -693,9 +757,12 @@
     <dgm:fillClrLst meth="repeat">
       <a:schemeClr val="lt1"/>
     </dgm:fillClrLst>
-    <dgm:linClrLst>
+    <dgm:linClrLst meth="repeat">
       <a:schemeClr val="accent2"/>
       <a:schemeClr val="accent3"/>
+      <a:schemeClr val="accent4"/>
+      <a:schemeClr val="accent5"/>
+      <a:schemeClr val="accent6"/>
     </dgm:linClrLst>
     <dgm:effectClrLst/>
     <dgm:txLinClrLst/>
@@ -705,7 +772,7 @@
     <dgm:txEffectClrLst/>
   </dgm:styleLbl>
   <dgm:styleLbl name="fgAccFollowNode1">
-    <dgm:fillClrLst>
+    <dgm:fillClrLst meth="repeat">
       <a:schemeClr val="accent2">
         <a:tint val="40000"/>
         <a:alpha val="90000"/>
@@ -714,13 +781,37 @@
         <a:tint val="40000"/>
         <a:alpha val="90000"/>
       </a:schemeClr>
+      <a:schemeClr val="accent4">
+        <a:tint val="40000"/>
+        <a:alpha val="90000"/>
+      </a:schemeClr>
+      <a:schemeClr val="accent5">
+        <a:tint val="40000"/>
+        <a:alpha val="90000"/>
+      </a:schemeClr>
+      <a:schemeClr val="accent6">
+        <a:tint val="40000"/>
+        <a:alpha val="90000"/>
+      </a:schemeClr>
     </dgm:fillClrLst>
-    <dgm:linClrLst>
+    <dgm:linClrLst meth="repeat">
       <a:schemeClr val="accent2">
         <a:tint val="40000"/>
         <a:alpha val="90000"/>
       </a:schemeClr>
       <a:schemeClr val="accent3">
+        <a:tint val="40000"/>
+        <a:alpha val="90000"/>
+      </a:schemeClr>
+      <a:schemeClr val="accent4">
+        <a:tint val="40000"/>
+        <a:alpha val="90000"/>
+      </a:schemeClr>
+      <a:schemeClr val="accent5">
+        <a:tint val="40000"/>
+        <a:alpha val="90000"/>
+      </a:schemeClr>
+      <a:schemeClr val="accent6">
         <a:tint val="40000"/>
         <a:alpha val="90000"/>
       </a:schemeClr>
@@ -733,7 +824,7 @@
     <dgm:txEffectClrLst/>
   </dgm:styleLbl>
   <dgm:styleLbl name="alignAccFollowNode1">
-    <dgm:fillClrLst>
+    <dgm:fillClrLst meth="repeat">
       <a:schemeClr val="accent2">
         <a:tint val="40000"/>
         <a:alpha val="90000"/>
@@ -742,13 +833,37 @@
         <a:tint val="40000"/>
         <a:alpha val="90000"/>
       </a:schemeClr>
+      <a:schemeClr val="accent4">
+        <a:tint val="40000"/>
+        <a:alpha val="90000"/>
+      </a:schemeClr>
+      <a:schemeClr val="accent5">
+        <a:tint val="40000"/>
+        <a:alpha val="90000"/>
+      </a:schemeClr>
+      <a:schemeClr val="accent6">
+        <a:tint val="40000"/>
+        <a:alpha val="90000"/>
+      </a:schemeClr>
     </dgm:fillClrLst>
-    <dgm:linClrLst>
+    <dgm:linClrLst meth="repeat">
       <a:schemeClr val="accent2">
         <a:tint val="40000"/>
         <a:alpha val="90000"/>
       </a:schemeClr>
       <a:schemeClr val="accent3">
+        <a:tint val="40000"/>
+        <a:alpha val="90000"/>
+      </a:schemeClr>
+      <a:schemeClr val="accent4">
+        <a:tint val="40000"/>
+        <a:alpha val="90000"/>
+      </a:schemeClr>
+      <a:schemeClr val="accent5">
+        <a:tint val="40000"/>
+        <a:alpha val="90000"/>
+      </a:schemeClr>
+      <a:schemeClr val="accent6">
         <a:tint val="40000"/>
         <a:alpha val="90000"/>
       </a:schemeClr>
@@ -761,7 +876,7 @@
     <dgm:txEffectClrLst/>
   </dgm:styleLbl>
   <dgm:styleLbl name="bgAccFollowNode1">
-    <dgm:fillClrLst>
+    <dgm:fillClrLst meth="repeat">
       <a:schemeClr val="accent2">
         <a:tint val="40000"/>
         <a:alpha val="90000"/>
@@ -770,13 +885,37 @@
         <a:tint val="40000"/>
         <a:alpha val="90000"/>
       </a:schemeClr>
+      <a:schemeClr val="accent4">
+        <a:tint val="40000"/>
+        <a:alpha val="90000"/>
+      </a:schemeClr>
+      <a:schemeClr val="accent5">
+        <a:tint val="40000"/>
+        <a:alpha val="90000"/>
+      </a:schemeClr>
+      <a:schemeClr val="accent6">
+        <a:tint val="40000"/>
+        <a:alpha val="90000"/>
+      </a:schemeClr>
     </dgm:fillClrLst>
-    <dgm:linClrLst>
+    <dgm:linClrLst meth="repeat">
       <a:schemeClr val="accent2">
         <a:tint val="40000"/>
         <a:alpha val="90000"/>
       </a:schemeClr>
       <a:schemeClr val="accent3">
+        <a:tint val="40000"/>
+        <a:alpha val="90000"/>
+      </a:schemeClr>
+      <a:schemeClr val="accent4">
+        <a:tint val="40000"/>
+        <a:alpha val="90000"/>
+      </a:schemeClr>
+      <a:schemeClr val="accent5">
+        <a:tint val="40000"/>
+        <a:alpha val="90000"/>
+      </a:schemeClr>
+      <a:schemeClr val="accent6">
         <a:tint val="40000"/>
         <a:alpha val="90000"/>
       </a:schemeClr>
@@ -811,6 +950,22 @@
       </a:schemeClr>
     </dgm:fillClrLst>
     <dgm:linClrLst>
+      <a:schemeClr val="accent2"/>
+    </dgm:linClrLst>
+    <dgm:effectClrLst/>
+    <dgm:txLinClrLst/>
+    <dgm:txFillClrLst meth="repeat">
+      <a:schemeClr val="dk1"/>
+    </dgm:txFillClrLst>
+    <dgm:txEffectClrLst/>
+  </dgm:styleLbl>
+  <dgm:styleLbl name="fgAcc3">
+    <dgm:fillClrLst meth="repeat">
+      <a:schemeClr val="lt1">
+        <a:alpha val="90000"/>
+      </a:schemeClr>
+    </dgm:fillClrLst>
+    <dgm:linClrLst>
       <a:schemeClr val="accent3"/>
     </dgm:linClrLst>
     <dgm:effectClrLst/>
@@ -820,7 +975,7 @@
     </dgm:txFillClrLst>
     <dgm:txEffectClrLst/>
   </dgm:styleLbl>
-  <dgm:styleLbl name="fgAcc3">
+  <dgm:styleLbl name="fgAcc4">
     <dgm:fillClrLst meth="repeat">
       <a:schemeClr val="lt1">
         <a:alpha val="90000"/>
@@ -828,22 +983,6 @@
     </dgm:fillClrLst>
     <dgm:linClrLst>
       <a:schemeClr val="accent4"/>
-    </dgm:linClrLst>
-    <dgm:effectClrLst/>
-    <dgm:txLinClrLst/>
-    <dgm:txFillClrLst meth="repeat">
-      <a:schemeClr val="dk1"/>
-    </dgm:txFillClrLst>
-    <dgm:txEffectClrLst/>
-  </dgm:styleLbl>
-  <dgm:styleLbl name="fgAcc4">
-    <dgm:fillClrLst meth="repeat">
-      <a:schemeClr val="lt1">
-        <a:alpha val="90000"/>
-      </a:schemeClr>
-    </dgm:fillClrLst>
-    <dgm:linClrLst>
-      <a:schemeClr val="accent5"/>
     </dgm:linClrLst>
     <dgm:effectClrLst/>
     <dgm:txLinClrLst/>
@@ -886,7 +1025,7 @@
   </dgm:styleLbl>
   <dgm:styleLbl name="trBgShp">
     <dgm:fillClrLst meth="repeat">
-      <a:schemeClr val="accent2">
+      <a:schemeClr val="accent1">
         <a:tint val="50000"/>
         <a:alpha val="40000"/>
       </a:schemeClr>
@@ -938,11 +1077,930 @@
 </dgm:colorsDef>
 </file>
 
+<file path=ppt/diagrams/colors2.xml><?xml version="1.0" encoding="utf-8"?>
+<dgm:colorsDef xmlns:dgm="http://schemas.openxmlformats.org/drawingml/2006/diagram" xmlns:a="http://schemas.openxmlformats.org/drawingml/2006/main" uniqueId="urn:microsoft.com/office/officeart/2005/8/colors/colorful1">
+  <dgm:title val=""/>
+  <dgm:desc val=""/>
+  <dgm:catLst>
+    <dgm:cat type="colorful" pri="10100"/>
+  </dgm:catLst>
+  <dgm:styleLbl name="node0">
+    <dgm:fillClrLst meth="repeat">
+      <a:schemeClr val="accent1"/>
+    </dgm:fillClrLst>
+    <dgm:linClrLst meth="repeat">
+      <a:schemeClr val="lt1"/>
+    </dgm:linClrLst>
+    <dgm:effectClrLst/>
+    <dgm:txLinClrLst/>
+    <dgm:txFillClrLst/>
+    <dgm:txEffectClrLst/>
+  </dgm:styleLbl>
+  <dgm:styleLbl name="node1">
+    <dgm:fillClrLst meth="repeat">
+      <a:schemeClr val="accent2"/>
+      <a:schemeClr val="accent3"/>
+      <a:schemeClr val="accent4"/>
+      <a:schemeClr val="accent5"/>
+      <a:schemeClr val="accent6"/>
+    </dgm:fillClrLst>
+    <dgm:linClrLst meth="repeat">
+      <a:schemeClr val="lt1"/>
+    </dgm:linClrLst>
+    <dgm:effectClrLst/>
+    <dgm:txLinClrLst/>
+    <dgm:txFillClrLst/>
+    <dgm:txEffectClrLst/>
+  </dgm:styleLbl>
+  <dgm:styleLbl name="alignNode1">
+    <dgm:fillClrLst meth="repeat">
+      <a:schemeClr val="accent2"/>
+      <a:schemeClr val="accent3"/>
+      <a:schemeClr val="accent4"/>
+      <a:schemeClr val="accent5"/>
+      <a:schemeClr val="accent6"/>
+    </dgm:fillClrLst>
+    <dgm:linClrLst meth="repeat">
+      <a:schemeClr val="accent2"/>
+      <a:schemeClr val="accent3"/>
+      <a:schemeClr val="accent4"/>
+      <a:schemeClr val="accent5"/>
+      <a:schemeClr val="accent6"/>
+    </dgm:linClrLst>
+    <dgm:effectClrLst/>
+    <dgm:txLinClrLst/>
+    <dgm:txFillClrLst/>
+    <dgm:txEffectClrLst/>
+  </dgm:styleLbl>
+  <dgm:styleLbl name="lnNode1">
+    <dgm:fillClrLst meth="repeat">
+      <a:schemeClr val="accent2"/>
+      <a:schemeClr val="accent3"/>
+      <a:schemeClr val="accent4"/>
+      <a:schemeClr val="accent5"/>
+      <a:schemeClr val="accent6"/>
+    </dgm:fillClrLst>
+    <dgm:linClrLst meth="repeat">
+      <a:schemeClr val="lt1"/>
+    </dgm:linClrLst>
+    <dgm:effectClrLst/>
+    <dgm:txLinClrLst/>
+    <dgm:txFillClrLst/>
+    <dgm:txEffectClrLst/>
+  </dgm:styleLbl>
+  <dgm:styleLbl name="vennNode1">
+    <dgm:fillClrLst meth="repeat">
+      <a:schemeClr val="accent2">
+        <a:alpha val="50000"/>
+      </a:schemeClr>
+      <a:schemeClr val="accent3">
+        <a:alpha val="50000"/>
+      </a:schemeClr>
+      <a:schemeClr val="accent4">
+        <a:alpha val="50000"/>
+      </a:schemeClr>
+      <a:schemeClr val="accent5">
+        <a:alpha val="50000"/>
+      </a:schemeClr>
+      <a:schemeClr val="accent6">
+        <a:alpha val="50000"/>
+      </a:schemeClr>
+    </dgm:fillClrLst>
+    <dgm:linClrLst meth="repeat">
+      <a:schemeClr val="lt1"/>
+    </dgm:linClrLst>
+    <dgm:effectClrLst/>
+    <dgm:txLinClrLst/>
+    <dgm:txFillClrLst/>
+    <dgm:txEffectClrLst/>
+  </dgm:styleLbl>
+  <dgm:styleLbl name="node2">
+    <dgm:fillClrLst>
+      <a:schemeClr val="accent2"/>
+    </dgm:fillClrLst>
+    <dgm:linClrLst meth="repeat">
+      <a:schemeClr val="lt1"/>
+    </dgm:linClrLst>
+    <dgm:effectClrLst/>
+    <dgm:txLinClrLst/>
+    <dgm:txFillClrLst/>
+    <dgm:txEffectClrLst/>
+  </dgm:styleLbl>
+  <dgm:styleLbl name="node3">
+    <dgm:fillClrLst>
+      <a:schemeClr val="accent3"/>
+    </dgm:fillClrLst>
+    <dgm:linClrLst meth="repeat">
+      <a:schemeClr val="lt1"/>
+    </dgm:linClrLst>
+    <dgm:effectClrLst/>
+    <dgm:txLinClrLst/>
+    <dgm:txFillClrLst/>
+    <dgm:txEffectClrLst/>
+  </dgm:styleLbl>
+  <dgm:styleLbl name="node4">
+    <dgm:fillClrLst>
+      <a:schemeClr val="accent4"/>
+    </dgm:fillClrLst>
+    <dgm:linClrLst meth="repeat">
+      <a:schemeClr val="lt1"/>
+    </dgm:linClrLst>
+    <dgm:effectClrLst/>
+    <dgm:txLinClrLst/>
+    <dgm:txFillClrLst/>
+    <dgm:txEffectClrLst/>
+  </dgm:styleLbl>
+  <dgm:styleLbl name="fgImgPlace1">
+    <dgm:fillClrLst meth="repeat">
+      <a:schemeClr val="accent2">
+        <a:tint val="50000"/>
+      </a:schemeClr>
+      <a:schemeClr val="accent3">
+        <a:tint val="50000"/>
+      </a:schemeClr>
+      <a:schemeClr val="accent4">
+        <a:tint val="50000"/>
+      </a:schemeClr>
+      <a:schemeClr val="accent5">
+        <a:tint val="50000"/>
+      </a:schemeClr>
+      <a:schemeClr val="accent6">
+        <a:tint val="50000"/>
+      </a:schemeClr>
+    </dgm:fillClrLst>
+    <dgm:linClrLst meth="repeat">
+      <a:schemeClr val="lt1"/>
+    </dgm:linClrLst>
+    <dgm:effectClrLst/>
+    <dgm:txLinClrLst/>
+    <dgm:txFillClrLst meth="repeat">
+      <a:schemeClr val="lt1"/>
+    </dgm:txFillClrLst>
+    <dgm:txEffectClrLst/>
+  </dgm:styleLbl>
+  <dgm:styleLbl name="alignImgPlace1">
+    <dgm:fillClrLst>
+      <a:schemeClr val="accent1">
+        <a:tint val="50000"/>
+      </a:schemeClr>
+      <a:schemeClr val="accent2">
+        <a:tint val="20000"/>
+      </a:schemeClr>
+    </dgm:fillClrLst>
+    <dgm:linClrLst meth="repeat">
+      <a:schemeClr val="lt1"/>
+    </dgm:linClrLst>
+    <dgm:effectClrLst/>
+    <dgm:txLinClrLst/>
+    <dgm:txFillClrLst meth="repeat">
+      <a:schemeClr val="lt1"/>
+    </dgm:txFillClrLst>
+    <dgm:txEffectClrLst/>
+  </dgm:styleLbl>
+  <dgm:styleLbl name="bgImgPlace1">
+    <dgm:fillClrLst>
+      <a:schemeClr val="accent1">
+        <a:tint val="50000"/>
+      </a:schemeClr>
+      <a:schemeClr val="accent2">
+        <a:tint val="20000"/>
+      </a:schemeClr>
+    </dgm:fillClrLst>
+    <dgm:linClrLst meth="repeat">
+      <a:schemeClr val="lt1"/>
+    </dgm:linClrLst>
+    <dgm:effectClrLst/>
+    <dgm:txLinClrLst/>
+    <dgm:txFillClrLst meth="repeat">
+      <a:schemeClr val="lt1"/>
+    </dgm:txFillClrLst>
+    <dgm:txEffectClrLst/>
+  </dgm:styleLbl>
+  <dgm:styleLbl name="sibTrans2D1">
+    <dgm:fillClrLst meth="repeat">
+      <a:schemeClr val="accent2"/>
+      <a:schemeClr val="accent3"/>
+      <a:schemeClr val="accent4"/>
+      <a:schemeClr val="accent5"/>
+      <a:schemeClr val="accent6"/>
+    </dgm:fillClrLst>
+    <dgm:linClrLst meth="cycle">
+      <a:schemeClr val="lt1"/>
+    </dgm:linClrLst>
+    <dgm:effectClrLst/>
+    <dgm:txLinClrLst/>
+    <dgm:txFillClrLst/>
+    <dgm:txEffectClrLst/>
+  </dgm:styleLbl>
+  <dgm:styleLbl name="fgSibTrans2D1">
+    <dgm:fillClrLst meth="repeat">
+      <a:schemeClr val="accent2"/>
+      <a:schemeClr val="accent3"/>
+      <a:schemeClr val="accent4"/>
+      <a:schemeClr val="accent5"/>
+      <a:schemeClr val="accent6"/>
+    </dgm:fillClrLst>
+    <dgm:linClrLst meth="cycle">
+      <a:schemeClr val="lt1"/>
+    </dgm:linClrLst>
+    <dgm:effectClrLst/>
+    <dgm:txLinClrLst/>
+    <dgm:txFillClrLst meth="repeat">
+      <a:schemeClr val="lt1"/>
+    </dgm:txFillClrLst>
+    <dgm:txEffectClrLst/>
+  </dgm:styleLbl>
+  <dgm:styleLbl name="bgSibTrans2D1">
+    <dgm:fillClrLst meth="repeat">
+      <a:schemeClr val="accent2"/>
+      <a:schemeClr val="accent3"/>
+      <a:schemeClr val="accent4"/>
+      <a:schemeClr val="accent5"/>
+      <a:schemeClr val="accent6"/>
+    </dgm:fillClrLst>
+    <dgm:linClrLst meth="cycle">
+      <a:schemeClr val="lt1"/>
+    </dgm:linClrLst>
+    <dgm:effectClrLst/>
+    <dgm:txLinClrLst/>
+    <dgm:txFillClrLst meth="repeat">
+      <a:schemeClr val="lt1"/>
+    </dgm:txFillClrLst>
+    <dgm:txEffectClrLst/>
+  </dgm:styleLbl>
+  <dgm:styleLbl name="sibTrans1D1">
+    <dgm:fillClrLst meth="repeat">
+      <a:schemeClr val="accent2"/>
+      <a:schemeClr val="accent3"/>
+      <a:schemeClr val="accent4"/>
+      <a:schemeClr val="accent5"/>
+      <a:schemeClr val="accent6"/>
+    </dgm:fillClrLst>
+    <dgm:linClrLst meth="repeat">
+      <a:schemeClr val="accent2"/>
+      <a:schemeClr val="accent3"/>
+      <a:schemeClr val="accent4"/>
+      <a:schemeClr val="accent5"/>
+      <a:schemeClr val="accent6"/>
+    </dgm:linClrLst>
+    <dgm:effectClrLst/>
+    <dgm:txLinClrLst/>
+    <dgm:txFillClrLst meth="repeat">
+      <a:schemeClr val="tx1"/>
+    </dgm:txFillClrLst>
+    <dgm:txEffectClrLst/>
+  </dgm:styleLbl>
+  <dgm:styleLbl name="callout">
+    <dgm:fillClrLst meth="repeat">
+      <a:schemeClr val="accent2"/>
+    </dgm:fillClrLst>
+    <dgm:linClrLst meth="repeat">
+      <a:schemeClr val="accent2">
+        <a:tint val="50000"/>
+      </a:schemeClr>
+    </dgm:linClrLst>
+    <dgm:effectClrLst/>
+    <dgm:txLinClrLst/>
+    <dgm:txFillClrLst meth="repeat">
+      <a:schemeClr val="tx1"/>
+    </dgm:txFillClrLst>
+    <dgm:txEffectClrLst/>
+  </dgm:styleLbl>
+  <dgm:styleLbl name="asst0">
+    <dgm:fillClrLst meth="repeat">
+      <a:schemeClr val="accent1"/>
+    </dgm:fillClrLst>
+    <dgm:linClrLst meth="repeat">
+      <a:schemeClr val="lt1"/>
+    </dgm:linClrLst>
+    <dgm:effectClrLst/>
+    <dgm:txLinClrLst/>
+    <dgm:txFillClrLst/>
+    <dgm:txEffectClrLst/>
+  </dgm:styleLbl>
+  <dgm:styleLbl name="asst1">
+    <dgm:fillClrLst meth="repeat">
+      <a:schemeClr val="accent2"/>
+    </dgm:fillClrLst>
+    <dgm:linClrLst meth="repeat">
+      <a:schemeClr val="lt1"/>
+    </dgm:linClrLst>
+    <dgm:effectClrLst/>
+    <dgm:txLinClrLst/>
+    <dgm:txFillClrLst/>
+    <dgm:txEffectClrLst/>
+  </dgm:styleLbl>
+  <dgm:styleLbl name="asst2">
+    <dgm:fillClrLst>
+      <a:schemeClr val="accent3"/>
+    </dgm:fillClrLst>
+    <dgm:linClrLst meth="repeat">
+      <a:schemeClr val="lt1"/>
+    </dgm:linClrLst>
+    <dgm:effectClrLst/>
+    <dgm:txLinClrLst/>
+    <dgm:txFillClrLst/>
+    <dgm:txEffectClrLst/>
+  </dgm:styleLbl>
+  <dgm:styleLbl name="asst3">
+    <dgm:fillClrLst>
+      <a:schemeClr val="accent4"/>
+    </dgm:fillClrLst>
+    <dgm:linClrLst meth="repeat">
+      <a:schemeClr val="lt1"/>
+    </dgm:linClrLst>
+    <dgm:effectClrLst/>
+    <dgm:txLinClrLst/>
+    <dgm:txFillClrLst/>
+    <dgm:txEffectClrLst/>
+  </dgm:styleLbl>
+  <dgm:styleLbl name="asst4">
+    <dgm:fillClrLst>
+      <a:schemeClr val="accent5"/>
+    </dgm:fillClrLst>
+    <dgm:linClrLst meth="repeat">
+      <a:schemeClr val="lt1"/>
+    </dgm:linClrLst>
+    <dgm:effectClrLst/>
+    <dgm:txLinClrLst/>
+    <dgm:txFillClrLst/>
+    <dgm:txEffectClrLst/>
+  </dgm:styleLbl>
+  <dgm:styleLbl name="parChTrans2D1">
+    <dgm:fillClrLst meth="repeat">
+      <a:schemeClr val="accent2"/>
+    </dgm:fillClrLst>
+    <dgm:linClrLst meth="repeat">
+      <a:schemeClr val="lt1"/>
+    </dgm:linClrLst>
+    <dgm:effectClrLst/>
+    <dgm:txLinClrLst/>
+    <dgm:txFillClrLst meth="repeat">
+      <a:schemeClr val="lt1"/>
+    </dgm:txFillClrLst>
+    <dgm:txEffectClrLst/>
+  </dgm:styleLbl>
+  <dgm:styleLbl name="parChTrans2D2">
+    <dgm:fillClrLst meth="repeat">
+      <a:schemeClr val="accent3"/>
+    </dgm:fillClrLst>
+    <dgm:linClrLst meth="repeat">
+      <a:schemeClr val="lt1"/>
+    </dgm:linClrLst>
+    <dgm:effectClrLst/>
+    <dgm:txLinClrLst/>
+    <dgm:txFillClrLst/>
+    <dgm:txEffectClrLst/>
+  </dgm:styleLbl>
+  <dgm:styleLbl name="parChTrans2D3">
+    <dgm:fillClrLst meth="repeat">
+      <a:schemeClr val="accent4"/>
+    </dgm:fillClrLst>
+    <dgm:linClrLst meth="repeat">
+      <a:schemeClr val="lt1"/>
+    </dgm:linClrLst>
+    <dgm:effectClrLst/>
+    <dgm:txLinClrLst/>
+    <dgm:txFillClrLst/>
+    <dgm:txEffectClrLst/>
+  </dgm:styleLbl>
+  <dgm:styleLbl name="parChTrans2D4">
+    <dgm:fillClrLst meth="repeat">
+      <a:schemeClr val="accent5"/>
+    </dgm:fillClrLst>
+    <dgm:linClrLst meth="repeat">
+      <a:schemeClr val="lt1"/>
+    </dgm:linClrLst>
+    <dgm:effectClrLst/>
+    <dgm:txLinClrLst/>
+    <dgm:txFillClrLst meth="repeat">
+      <a:schemeClr val="lt1"/>
+    </dgm:txFillClrLst>
+    <dgm:txEffectClrLst/>
+  </dgm:styleLbl>
+  <dgm:styleLbl name="parChTrans1D1">
+    <dgm:fillClrLst meth="repeat">
+      <a:schemeClr val="accent2"/>
+    </dgm:fillClrLst>
+    <dgm:linClrLst meth="repeat">
+      <a:schemeClr val="accent1"/>
+    </dgm:linClrLst>
+    <dgm:effectClrLst/>
+    <dgm:txLinClrLst/>
+    <dgm:txFillClrLst meth="repeat">
+      <a:schemeClr val="tx1"/>
+    </dgm:txFillClrLst>
+    <dgm:txEffectClrLst/>
+  </dgm:styleLbl>
+  <dgm:styleLbl name="parChTrans1D2">
+    <dgm:fillClrLst meth="repeat">
+      <a:schemeClr val="accent3">
+        <a:tint val="90000"/>
+      </a:schemeClr>
+    </dgm:fillClrLst>
+    <dgm:linClrLst meth="repeat">
+      <a:schemeClr val="accent2"/>
+    </dgm:linClrLst>
+    <dgm:effectClrLst/>
+    <dgm:txLinClrLst/>
+    <dgm:txFillClrLst meth="repeat">
+      <a:schemeClr val="tx1"/>
+    </dgm:txFillClrLst>
+    <dgm:txEffectClrLst/>
+  </dgm:styleLbl>
+  <dgm:styleLbl name="parChTrans1D3">
+    <dgm:fillClrLst meth="repeat">
+      <a:schemeClr val="accent4">
+        <a:tint val="70000"/>
+      </a:schemeClr>
+    </dgm:fillClrLst>
+    <dgm:linClrLst meth="repeat">
+      <a:schemeClr val="accent3"/>
+    </dgm:linClrLst>
+    <dgm:effectClrLst/>
+    <dgm:txLinClrLst/>
+    <dgm:txFillClrLst meth="repeat">
+      <a:schemeClr val="tx1"/>
+    </dgm:txFillClrLst>
+    <dgm:txEffectClrLst/>
+  </dgm:styleLbl>
+  <dgm:styleLbl name="parChTrans1D4">
+    <dgm:fillClrLst meth="repeat">
+      <a:schemeClr val="accent5">
+        <a:tint val="50000"/>
+      </a:schemeClr>
+    </dgm:fillClrLst>
+    <dgm:linClrLst meth="repeat">
+      <a:schemeClr val="accent4"/>
+    </dgm:linClrLst>
+    <dgm:effectClrLst/>
+    <dgm:txLinClrLst/>
+    <dgm:txFillClrLst meth="repeat">
+      <a:schemeClr val="tx1"/>
+    </dgm:txFillClrLst>
+    <dgm:txEffectClrLst/>
+  </dgm:styleLbl>
+  <dgm:styleLbl name="fgAcc1">
+    <dgm:fillClrLst meth="repeat">
+      <a:schemeClr val="lt1">
+        <a:alpha val="90000"/>
+      </a:schemeClr>
+    </dgm:fillClrLst>
+    <dgm:linClrLst meth="repeat">
+      <a:schemeClr val="accent2"/>
+      <a:schemeClr val="accent3"/>
+      <a:schemeClr val="accent4"/>
+      <a:schemeClr val="accent5"/>
+      <a:schemeClr val="accent6"/>
+    </dgm:linClrLst>
+    <dgm:effectClrLst/>
+    <dgm:txLinClrLst/>
+    <dgm:txFillClrLst meth="repeat">
+      <a:schemeClr val="dk1"/>
+    </dgm:txFillClrLst>
+    <dgm:txEffectClrLst/>
+  </dgm:styleLbl>
+  <dgm:styleLbl name="conFgAcc1">
+    <dgm:fillClrLst meth="repeat">
+      <a:schemeClr val="lt1">
+        <a:alpha val="90000"/>
+      </a:schemeClr>
+    </dgm:fillClrLst>
+    <dgm:linClrLst meth="repeat">
+      <a:schemeClr val="accent2"/>
+      <a:schemeClr val="accent3"/>
+      <a:schemeClr val="accent4"/>
+      <a:schemeClr val="accent5"/>
+      <a:schemeClr val="accent6"/>
+    </dgm:linClrLst>
+    <dgm:effectClrLst/>
+    <dgm:txLinClrLst/>
+    <dgm:txFillClrLst meth="repeat">
+      <a:schemeClr val="dk1"/>
+    </dgm:txFillClrLst>
+    <dgm:txEffectClrLst/>
+  </dgm:styleLbl>
+  <dgm:styleLbl name="alignAcc1">
+    <dgm:fillClrLst meth="repeat">
+      <a:schemeClr val="lt1">
+        <a:alpha val="90000"/>
+      </a:schemeClr>
+    </dgm:fillClrLst>
+    <dgm:linClrLst meth="repeat">
+      <a:schemeClr val="accent2"/>
+      <a:schemeClr val="accent3"/>
+      <a:schemeClr val="accent4"/>
+      <a:schemeClr val="accent5"/>
+      <a:schemeClr val="accent6"/>
+    </dgm:linClrLst>
+    <dgm:effectClrLst/>
+    <dgm:txLinClrLst/>
+    <dgm:txFillClrLst meth="repeat">
+      <a:schemeClr val="dk1"/>
+    </dgm:txFillClrLst>
+    <dgm:txEffectClrLst/>
+  </dgm:styleLbl>
+  <dgm:styleLbl name="trAlignAcc1">
+    <dgm:fillClrLst meth="repeat">
+      <a:schemeClr val="lt1">
+        <a:alpha val="40000"/>
+      </a:schemeClr>
+    </dgm:fillClrLst>
+    <dgm:linClrLst meth="repeat">
+      <a:schemeClr val="accent1"/>
+    </dgm:linClrLst>
+    <dgm:effectClrLst/>
+    <dgm:txLinClrLst/>
+    <dgm:txFillClrLst meth="repeat">
+      <a:schemeClr val="dk1"/>
+    </dgm:txFillClrLst>
+    <dgm:txEffectClrLst/>
+  </dgm:styleLbl>
+  <dgm:styleLbl name="bgAcc1">
+    <dgm:fillClrLst meth="repeat">
+      <a:schemeClr val="lt1">
+        <a:alpha val="90000"/>
+      </a:schemeClr>
+    </dgm:fillClrLst>
+    <dgm:linClrLst meth="repeat">
+      <a:schemeClr val="accent2"/>
+      <a:schemeClr val="accent3"/>
+      <a:schemeClr val="accent4"/>
+      <a:schemeClr val="accent5"/>
+      <a:schemeClr val="accent6"/>
+    </dgm:linClrLst>
+    <dgm:effectClrLst/>
+    <dgm:txLinClrLst/>
+    <dgm:txFillClrLst meth="repeat">
+      <a:schemeClr val="dk1"/>
+    </dgm:txFillClrLst>
+    <dgm:txEffectClrLst/>
+  </dgm:styleLbl>
+  <dgm:styleLbl name="solidFgAcc1">
+    <dgm:fillClrLst meth="repeat">
+      <a:schemeClr val="lt1"/>
+    </dgm:fillClrLst>
+    <dgm:linClrLst meth="repeat">
+      <a:schemeClr val="accent2"/>
+      <a:schemeClr val="accent3"/>
+      <a:schemeClr val="accent4"/>
+      <a:schemeClr val="accent5"/>
+      <a:schemeClr val="accent6"/>
+    </dgm:linClrLst>
+    <dgm:effectClrLst/>
+    <dgm:txLinClrLst/>
+    <dgm:txFillClrLst meth="repeat">
+      <a:schemeClr val="dk1"/>
+    </dgm:txFillClrLst>
+    <dgm:txEffectClrLst/>
+  </dgm:styleLbl>
+  <dgm:styleLbl name="solidAlignAcc1">
+    <dgm:fillClrLst meth="repeat">
+      <a:schemeClr val="lt1"/>
+    </dgm:fillClrLst>
+    <dgm:linClrLst meth="repeat">
+      <a:schemeClr val="accent2"/>
+      <a:schemeClr val="accent3"/>
+      <a:schemeClr val="accent4"/>
+      <a:schemeClr val="accent5"/>
+      <a:schemeClr val="accent6"/>
+    </dgm:linClrLst>
+    <dgm:effectClrLst/>
+    <dgm:txLinClrLst/>
+    <dgm:txFillClrLst meth="repeat">
+      <a:schemeClr val="dk1"/>
+    </dgm:txFillClrLst>
+    <dgm:txEffectClrLst/>
+  </dgm:styleLbl>
+  <dgm:styleLbl name="solidBgAcc1">
+    <dgm:fillClrLst meth="repeat">
+      <a:schemeClr val="lt1"/>
+    </dgm:fillClrLst>
+    <dgm:linClrLst meth="repeat">
+      <a:schemeClr val="accent2"/>
+      <a:schemeClr val="accent3"/>
+      <a:schemeClr val="accent4"/>
+      <a:schemeClr val="accent5"/>
+      <a:schemeClr val="accent6"/>
+    </dgm:linClrLst>
+    <dgm:effectClrLst/>
+    <dgm:txLinClrLst/>
+    <dgm:txFillClrLst meth="repeat">
+      <a:schemeClr val="dk1"/>
+    </dgm:txFillClrLst>
+    <dgm:txEffectClrLst/>
+  </dgm:styleLbl>
+  <dgm:styleLbl name="fgAccFollowNode1">
+    <dgm:fillClrLst meth="repeat">
+      <a:schemeClr val="accent2">
+        <a:tint val="40000"/>
+        <a:alpha val="90000"/>
+      </a:schemeClr>
+      <a:schemeClr val="accent3">
+        <a:tint val="40000"/>
+        <a:alpha val="90000"/>
+      </a:schemeClr>
+      <a:schemeClr val="accent4">
+        <a:tint val="40000"/>
+        <a:alpha val="90000"/>
+      </a:schemeClr>
+      <a:schemeClr val="accent5">
+        <a:tint val="40000"/>
+        <a:alpha val="90000"/>
+      </a:schemeClr>
+      <a:schemeClr val="accent6">
+        <a:tint val="40000"/>
+        <a:alpha val="90000"/>
+      </a:schemeClr>
+    </dgm:fillClrLst>
+    <dgm:linClrLst meth="repeat">
+      <a:schemeClr val="accent2">
+        <a:tint val="40000"/>
+        <a:alpha val="90000"/>
+      </a:schemeClr>
+      <a:schemeClr val="accent3">
+        <a:tint val="40000"/>
+        <a:alpha val="90000"/>
+      </a:schemeClr>
+      <a:schemeClr val="accent4">
+        <a:tint val="40000"/>
+        <a:alpha val="90000"/>
+      </a:schemeClr>
+      <a:schemeClr val="accent5">
+        <a:tint val="40000"/>
+        <a:alpha val="90000"/>
+      </a:schemeClr>
+      <a:schemeClr val="accent6">
+        <a:tint val="40000"/>
+        <a:alpha val="90000"/>
+      </a:schemeClr>
+    </dgm:linClrLst>
+    <dgm:effectClrLst/>
+    <dgm:txLinClrLst/>
+    <dgm:txFillClrLst meth="repeat">
+      <a:schemeClr val="dk1"/>
+    </dgm:txFillClrLst>
+    <dgm:txEffectClrLst/>
+  </dgm:styleLbl>
+  <dgm:styleLbl name="alignAccFollowNode1">
+    <dgm:fillClrLst meth="repeat">
+      <a:schemeClr val="accent2">
+        <a:tint val="40000"/>
+        <a:alpha val="90000"/>
+      </a:schemeClr>
+      <a:schemeClr val="accent3">
+        <a:tint val="40000"/>
+        <a:alpha val="90000"/>
+      </a:schemeClr>
+      <a:schemeClr val="accent4">
+        <a:tint val="40000"/>
+        <a:alpha val="90000"/>
+      </a:schemeClr>
+      <a:schemeClr val="accent5">
+        <a:tint val="40000"/>
+        <a:alpha val="90000"/>
+      </a:schemeClr>
+      <a:schemeClr val="accent6">
+        <a:tint val="40000"/>
+        <a:alpha val="90000"/>
+      </a:schemeClr>
+    </dgm:fillClrLst>
+    <dgm:linClrLst meth="repeat">
+      <a:schemeClr val="accent2">
+        <a:tint val="40000"/>
+        <a:alpha val="90000"/>
+      </a:schemeClr>
+      <a:schemeClr val="accent3">
+        <a:tint val="40000"/>
+        <a:alpha val="90000"/>
+      </a:schemeClr>
+      <a:schemeClr val="accent4">
+        <a:tint val="40000"/>
+        <a:alpha val="90000"/>
+      </a:schemeClr>
+      <a:schemeClr val="accent5">
+        <a:tint val="40000"/>
+        <a:alpha val="90000"/>
+      </a:schemeClr>
+      <a:schemeClr val="accent6">
+        <a:tint val="40000"/>
+        <a:alpha val="90000"/>
+      </a:schemeClr>
+    </dgm:linClrLst>
+    <dgm:effectClrLst/>
+    <dgm:txLinClrLst/>
+    <dgm:txFillClrLst meth="repeat">
+      <a:schemeClr val="dk1"/>
+    </dgm:txFillClrLst>
+    <dgm:txEffectClrLst/>
+  </dgm:styleLbl>
+  <dgm:styleLbl name="bgAccFollowNode1">
+    <dgm:fillClrLst meth="repeat">
+      <a:schemeClr val="accent2">
+        <a:tint val="40000"/>
+        <a:alpha val="90000"/>
+      </a:schemeClr>
+      <a:schemeClr val="accent3">
+        <a:tint val="40000"/>
+        <a:alpha val="90000"/>
+      </a:schemeClr>
+      <a:schemeClr val="accent4">
+        <a:tint val="40000"/>
+        <a:alpha val="90000"/>
+      </a:schemeClr>
+      <a:schemeClr val="accent5">
+        <a:tint val="40000"/>
+        <a:alpha val="90000"/>
+      </a:schemeClr>
+      <a:schemeClr val="accent6">
+        <a:tint val="40000"/>
+        <a:alpha val="90000"/>
+      </a:schemeClr>
+    </dgm:fillClrLst>
+    <dgm:linClrLst meth="repeat">
+      <a:schemeClr val="accent2">
+        <a:tint val="40000"/>
+        <a:alpha val="90000"/>
+      </a:schemeClr>
+      <a:schemeClr val="accent3">
+        <a:tint val="40000"/>
+        <a:alpha val="90000"/>
+      </a:schemeClr>
+      <a:schemeClr val="accent4">
+        <a:tint val="40000"/>
+        <a:alpha val="90000"/>
+      </a:schemeClr>
+      <a:schemeClr val="accent5">
+        <a:tint val="40000"/>
+        <a:alpha val="90000"/>
+      </a:schemeClr>
+      <a:schemeClr val="accent6">
+        <a:tint val="40000"/>
+        <a:alpha val="90000"/>
+      </a:schemeClr>
+    </dgm:linClrLst>
+    <dgm:effectClrLst/>
+    <dgm:txLinClrLst/>
+    <dgm:txFillClrLst meth="repeat">
+      <a:schemeClr val="dk1"/>
+    </dgm:txFillClrLst>
+    <dgm:txEffectClrLst/>
+  </dgm:styleLbl>
+  <dgm:styleLbl name="fgAcc0">
+    <dgm:fillClrLst meth="repeat">
+      <a:schemeClr val="lt1">
+        <a:alpha val="90000"/>
+      </a:schemeClr>
+    </dgm:fillClrLst>
+    <dgm:linClrLst>
+      <a:schemeClr val="accent1"/>
+    </dgm:linClrLst>
+    <dgm:effectClrLst/>
+    <dgm:txLinClrLst/>
+    <dgm:txFillClrLst meth="repeat">
+      <a:schemeClr val="dk1"/>
+    </dgm:txFillClrLst>
+    <dgm:txEffectClrLst/>
+  </dgm:styleLbl>
+  <dgm:styleLbl name="fgAcc2">
+    <dgm:fillClrLst meth="repeat">
+      <a:schemeClr val="lt1">
+        <a:alpha val="90000"/>
+      </a:schemeClr>
+    </dgm:fillClrLst>
+    <dgm:linClrLst>
+      <a:schemeClr val="accent2"/>
+    </dgm:linClrLst>
+    <dgm:effectClrLst/>
+    <dgm:txLinClrLst/>
+    <dgm:txFillClrLst meth="repeat">
+      <a:schemeClr val="dk1"/>
+    </dgm:txFillClrLst>
+    <dgm:txEffectClrLst/>
+  </dgm:styleLbl>
+  <dgm:styleLbl name="fgAcc3">
+    <dgm:fillClrLst meth="repeat">
+      <a:schemeClr val="lt1">
+        <a:alpha val="90000"/>
+      </a:schemeClr>
+    </dgm:fillClrLst>
+    <dgm:linClrLst>
+      <a:schemeClr val="accent3"/>
+    </dgm:linClrLst>
+    <dgm:effectClrLst/>
+    <dgm:txLinClrLst/>
+    <dgm:txFillClrLst meth="repeat">
+      <a:schemeClr val="dk1"/>
+    </dgm:txFillClrLst>
+    <dgm:txEffectClrLst/>
+  </dgm:styleLbl>
+  <dgm:styleLbl name="fgAcc4">
+    <dgm:fillClrLst meth="repeat">
+      <a:schemeClr val="lt1">
+        <a:alpha val="90000"/>
+      </a:schemeClr>
+    </dgm:fillClrLst>
+    <dgm:linClrLst>
+      <a:schemeClr val="accent4"/>
+    </dgm:linClrLst>
+    <dgm:effectClrLst/>
+    <dgm:txLinClrLst/>
+    <dgm:txFillClrLst meth="repeat">
+      <a:schemeClr val="dk1"/>
+    </dgm:txFillClrLst>
+    <dgm:txEffectClrLst/>
+  </dgm:styleLbl>
+  <dgm:styleLbl name="bgShp">
+    <dgm:fillClrLst meth="repeat">
+      <a:schemeClr val="accent2">
+        <a:tint val="40000"/>
+      </a:schemeClr>
+    </dgm:fillClrLst>
+    <dgm:linClrLst meth="repeat">
+      <a:schemeClr val="dk1"/>
+    </dgm:linClrLst>
+    <dgm:effectClrLst/>
+    <dgm:txLinClrLst/>
+    <dgm:txFillClrLst meth="repeat">
+      <a:schemeClr val="dk1"/>
+    </dgm:txFillClrLst>
+    <dgm:txEffectClrLst/>
+  </dgm:styleLbl>
+  <dgm:styleLbl name="dkBgShp">
+    <dgm:fillClrLst meth="repeat">
+      <a:schemeClr val="accent2">
+        <a:shade val="90000"/>
+      </a:schemeClr>
+    </dgm:fillClrLst>
+    <dgm:linClrLst meth="repeat">
+      <a:schemeClr val="dk1"/>
+    </dgm:linClrLst>
+    <dgm:effectClrLst/>
+    <dgm:txLinClrLst/>
+    <dgm:txFillClrLst meth="repeat">
+      <a:schemeClr val="lt1"/>
+    </dgm:txFillClrLst>
+    <dgm:txEffectClrLst/>
+  </dgm:styleLbl>
+  <dgm:styleLbl name="trBgShp">
+    <dgm:fillClrLst meth="repeat">
+      <a:schemeClr val="accent1">
+        <a:tint val="50000"/>
+        <a:alpha val="40000"/>
+      </a:schemeClr>
+    </dgm:fillClrLst>
+    <dgm:linClrLst meth="repeat">
+      <a:schemeClr val="accent2"/>
+    </dgm:linClrLst>
+    <dgm:effectClrLst/>
+    <dgm:txLinClrLst/>
+    <dgm:txFillClrLst meth="repeat">
+      <a:schemeClr val="lt1"/>
+    </dgm:txFillClrLst>
+    <dgm:txEffectClrLst/>
+  </dgm:styleLbl>
+  <dgm:styleLbl name="fgShp">
+    <dgm:fillClrLst meth="repeat">
+      <a:schemeClr val="accent2">
+        <a:tint val="40000"/>
+      </a:schemeClr>
+    </dgm:fillClrLst>
+    <dgm:linClrLst meth="repeat">
+      <a:schemeClr val="lt1"/>
+    </dgm:linClrLst>
+    <dgm:effectClrLst/>
+    <dgm:txLinClrLst/>
+    <dgm:txFillClrLst meth="repeat">
+      <a:schemeClr val="dk1"/>
+    </dgm:txFillClrLst>
+    <dgm:txEffectClrLst/>
+  </dgm:styleLbl>
+  <dgm:styleLbl name="revTx">
+    <dgm:fillClrLst meth="repeat">
+      <a:schemeClr val="lt1">
+        <a:alpha val="0"/>
+      </a:schemeClr>
+    </dgm:fillClrLst>
+    <dgm:linClrLst meth="repeat">
+      <a:schemeClr val="dk1">
+        <a:alpha val="0"/>
+      </a:schemeClr>
+    </dgm:linClrLst>
+    <dgm:effectClrLst/>
+    <dgm:txLinClrLst/>
+    <dgm:txFillClrLst meth="repeat">
+      <a:schemeClr val="tx1"/>
+    </dgm:txFillClrLst>
+    <dgm:txEffectClrLst/>
+  </dgm:styleLbl>
+</dgm:colorsDef>
+</file>
+
 <file path=ppt/diagrams/data1.xml><?xml version="1.0" encoding="utf-8"?>
 <dgm:dataModel xmlns:dgm="http://schemas.openxmlformats.org/drawingml/2006/diagram" xmlns:a="http://schemas.openxmlformats.org/drawingml/2006/main">
   <dgm:ptLst>
-    <dgm:pt modelId="{6CA08D67-93E0-4429-ACE4-86D5DC40BDAA}" type="doc">
-      <dgm:prSet loTypeId="urn:microsoft.com/office/officeart/2005/8/layout/vList5" loCatId="list" qsTypeId="urn:microsoft.com/office/officeart/2005/8/quickstyle/simple1" qsCatId="simple" csTypeId="urn:microsoft.com/office/officeart/2005/8/colors/colorful2" csCatId="colorful" phldr="1"/>
+    <dgm:pt modelId="{3E012CA5-3234-4045-B6F0-1293A860C315}" type="doc">
+      <dgm:prSet loTypeId="urn:microsoft.com/office/officeart/2005/8/layout/vList5" loCatId="list" qsTypeId="urn:microsoft.com/office/officeart/2005/8/quickstyle/simple1" qsCatId="simple" csTypeId="urn:microsoft.com/office/officeart/2005/8/colors/colorful1" csCatId="colorful" phldr="1"/>
       <dgm:spPr/>
       <dgm:t>
         <a:bodyPr/>
@@ -952,22 +2010,660 @@
         </a:p>
       </dgm:t>
     </dgm:pt>
-    <dgm:pt modelId="{34087479-F0AE-4A1A-B6B4-4B747F2997BA}">
-      <dgm:prSet phldrT="[Text]" custT="1"/>
+    <dgm:pt modelId="{99822876-05EF-46AF-A50E-F097C7B2B59C}">
+      <dgm:prSet custT="1"/>
       <dgm:spPr/>
       <dgm:t>
         <a:bodyPr/>
         <a:lstStyle/>
         <a:p>
           <a:r>
-            <a:rPr lang="en-US" sz="2200" b="0" dirty="0"/>
+            <a:rPr lang="en-US" sz="1800" dirty="0"/>
             <a:t>Order Week</a:t>
           </a:r>
         </a:p>
       </dgm:t>
     </dgm:pt>
-    <dgm:pt modelId="{A355D401-4850-4F85-9064-7CA41FD96703}" type="parTrans" cxnId="{561428C0-CF75-4563-A80D-E73E50ED2E00}">
+    <dgm:pt modelId="{4C7E6D76-4274-4F9B-B400-8BF68BC6D968}" type="parTrans" cxnId="{166866F7-5DE2-4887-9A4E-A84A868224EC}">
       <dgm:prSet/>
+      <dgm:spPr/>
+      <dgm:t>
+        <a:bodyPr/>
+        <a:lstStyle/>
+        <a:p>
+          <a:endParaRPr lang="en-US" sz="800"/>
+        </a:p>
+      </dgm:t>
+    </dgm:pt>
+    <dgm:pt modelId="{7D9739BC-D96C-42E2-A919-85D3A11B7BD6}" type="sibTrans" cxnId="{166866F7-5DE2-4887-9A4E-A84A868224EC}">
+      <dgm:prSet/>
+      <dgm:spPr/>
+      <dgm:t>
+        <a:bodyPr/>
+        <a:lstStyle/>
+        <a:p>
+          <a:endParaRPr lang="en-US" sz="800"/>
+        </a:p>
+      </dgm:t>
+    </dgm:pt>
+    <dgm:pt modelId="{978DD078-22B7-4045-BA85-210DA5AC57A2}">
+      <dgm:prSet custT="1"/>
+      <dgm:spPr/>
+      <dgm:t>
+        <a:bodyPr/>
+        <a:lstStyle/>
+        <a:p>
+          <a:r>
+            <a:rPr lang="en-US" sz="1800" dirty="0"/>
+            <a:t>Week number of the year in which the order was placed.</a:t>
+          </a:r>
+        </a:p>
+      </dgm:t>
+    </dgm:pt>
+    <dgm:pt modelId="{6EFB2E91-22D9-471A-8325-E74F24B52E68}" type="parTrans" cxnId="{CCE4CD0F-4DF2-4879-A302-DF2ACF4540D0}">
+      <dgm:prSet/>
+      <dgm:spPr/>
+      <dgm:t>
+        <a:bodyPr/>
+        <a:lstStyle/>
+        <a:p>
+          <a:endParaRPr lang="en-US" sz="800"/>
+        </a:p>
+      </dgm:t>
+    </dgm:pt>
+    <dgm:pt modelId="{044F2F8B-7C9C-4E33-AC4D-FD128B12E564}" type="sibTrans" cxnId="{CCE4CD0F-4DF2-4879-A302-DF2ACF4540D0}">
+      <dgm:prSet/>
+      <dgm:spPr/>
+      <dgm:t>
+        <a:bodyPr/>
+        <a:lstStyle/>
+        <a:p>
+          <a:endParaRPr lang="en-US" sz="800"/>
+        </a:p>
+      </dgm:t>
+    </dgm:pt>
+    <dgm:pt modelId="{7A65DA34-163A-4E28-B391-5D6EEFB37FE5}">
+      <dgm:prSet custT="1"/>
+      <dgm:spPr/>
+      <dgm:t>
+        <a:bodyPr/>
+        <a:lstStyle/>
+        <a:p>
+          <a:r>
+            <a:rPr lang="en-US" sz="1800"/>
+            <a:t>List Price</a:t>
+          </a:r>
+        </a:p>
+      </dgm:t>
+    </dgm:pt>
+    <dgm:pt modelId="{DC5902A7-36FE-4AF3-AEB3-AB466057FE85}" type="parTrans" cxnId="{AA456BE9-0FC4-435E-962A-CD4FC2658A32}">
+      <dgm:prSet/>
+      <dgm:spPr/>
+      <dgm:t>
+        <a:bodyPr/>
+        <a:lstStyle/>
+        <a:p>
+          <a:endParaRPr lang="en-US" sz="800"/>
+        </a:p>
+      </dgm:t>
+    </dgm:pt>
+    <dgm:pt modelId="{76735494-F97B-486C-95B2-A71121BD5F41}" type="sibTrans" cxnId="{AA456BE9-0FC4-435E-962A-CD4FC2658A32}">
+      <dgm:prSet/>
+      <dgm:spPr/>
+      <dgm:t>
+        <a:bodyPr/>
+        <a:lstStyle/>
+        <a:p>
+          <a:endParaRPr lang="en-US" sz="800"/>
+        </a:p>
+      </dgm:t>
+    </dgm:pt>
+    <dgm:pt modelId="{C559F449-C395-4A01-9A7A-06BEFF6FF2F2}">
+      <dgm:prSet custT="1"/>
+      <dgm:spPr/>
+      <dgm:t>
+        <a:bodyPr/>
+        <a:lstStyle/>
+        <a:p>
+          <a:r>
+            <a:rPr lang="en-US" sz="1800" dirty="0"/>
+            <a:t>Calculated by dividing GMV with no. of unit sold in the order</a:t>
+          </a:r>
+        </a:p>
+      </dgm:t>
+    </dgm:pt>
+    <dgm:pt modelId="{6233AAAA-3AF2-414D-BB48-D8690C182970}" type="parTrans" cxnId="{57315EC1-2C5E-423F-AC06-30FCD73FBDC8}">
+      <dgm:prSet/>
+      <dgm:spPr/>
+      <dgm:t>
+        <a:bodyPr/>
+        <a:lstStyle/>
+        <a:p>
+          <a:endParaRPr lang="en-US" sz="800"/>
+        </a:p>
+      </dgm:t>
+    </dgm:pt>
+    <dgm:pt modelId="{27F94B31-54E4-4509-9352-1B2402587D60}" type="sibTrans" cxnId="{57315EC1-2C5E-423F-AC06-30FCD73FBDC8}">
+      <dgm:prSet/>
+      <dgm:spPr/>
+      <dgm:t>
+        <a:bodyPr/>
+        <a:lstStyle/>
+        <a:p>
+          <a:endParaRPr lang="en-US" sz="800"/>
+        </a:p>
+      </dgm:t>
+    </dgm:pt>
+    <dgm:pt modelId="{48066D2D-C847-4C9C-A539-5F4B6A9F17C9}">
+      <dgm:prSet custT="1"/>
+      <dgm:spPr/>
+      <dgm:t>
+        <a:bodyPr/>
+        <a:lstStyle/>
+        <a:p>
+          <a:r>
+            <a:rPr lang="en-US" sz="1800"/>
+            <a:t>Discount %age</a:t>
+          </a:r>
+        </a:p>
+      </dgm:t>
+    </dgm:pt>
+    <dgm:pt modelId="{3D129DE0-21EB-4ABC-8F54-714120F02FB4}" type="parTrans" cxnId="{50734E1C-D965-4FFE-90F8-3C9F4F5B96E5}">
+      <dgm:prSet/>
+      <dgm:spPr/>
+      <dgm:t>
+        <a:bodyPr/>
+        <a:lstStyle/>
+        <a:p>
+          <a:endParaRPr lang="en-US" sz="800"/>
+        </a:p>
+      </dgm:t>
+    </dgm:pt>
+    <dgm:pt modelId="{255E8590-B84D-44FE-934F-309C60A59AFD}" type="sibTrans" cxnId="{50734E1C-D965-4FFE-90F8-3C9F4F5B96E5}">
+      <dgm:prSet/>
+      <dgm:spPr/>
+      <dgm:t>
+        <a:bodyPr/>
+        <a:lstStyle/>
+        <a:p>
+          <a:endParaRPr lang="en-US" sz="800"/>
+        </a:p>
+      </dgm:t>
+    </dgm:pt>
+    <dgm:pt modelId="{A188C67D-915F-4A9D-8F6E-C279232A916B}">
+      <dgm:prSet custT="1"/>
+      <dgm:spPr/>
+      <dgm:t>
+        <a:bodyPr/>
+        <a:lstStyle/>
+        <a:p>
+          <a:r>
+            <a:rPr lang="en-US" sz="1800"/>
+            <a:t>Difference between MRP and list price of the product</a:t>
+          </a:r>
+        </a:p>
+      </dgm:t>
+    </dgm:pt>
+    <dgm:pt modelId="{12E0BC58-8FE3-4DAD-A618-150D142AA8E5}" type="parTrans" cxnId="{55EE7483-1CEE-4443-9633-157C41E0C255}">
+      <dgm:prSet/>
+      <dgm:spPr/>
+      <dgm:t>
+        <a:bodyPr/>
+        <a:lstStyle/>
+        <a:p>
+          <a:endParaRPr lang="en-US" sz="800"/>
+        </a:p>
+      </dgm:t>
+    </dgm:pt>
+    <dgm:pt modelId="{4C0EB875-AC20-48DF-896E-F514D560A874}" type="sibTrans" cxnId="{55EE7483-1CEE-4443-9633-157C41E0C255}">
+      <dgm:prSet/>
+      <dgm:spPr/>
+      <dgm:t>
+        <a:bodyPr/>
+        <a:lstStyle/>
+        <a:p>
+          <a:endParaRPr lang="en-US" sz="800"/>
+        </a:p>
+      </dgm:t>
+    </dgm:pt>
+    <dgm:pt modelId="{9E07D53A-9174-468C-B7CF-13AA8E949B32}">
+      <dgm:prSet custT="1"/>
+      <dgm:spPr/>
+      <dgm:t>
+        <a:bodyPr/>
+        <a:lstStyle/>
+        <a:p>
+          <a:r>
+            <a:rPr lang="en-US" sz="1800" dirty="0"/>
+            <a:t>Premium Products</a:t>
+          </a:r>
+        </a:p>
+      </dgm:t>
+    </dgm:pt>
+    <dgm:pt modelId="{30BD7D0E-0977-4C25-A6E6-43C1E5F6180D}" type="parTrans" cxnId="{7D19A91F-E31D-4AC4-8F01-26A268F96401}">
+      <dgm:prSet/>
+      <dgm:spPr/>
+      <dgm:t>
+        <a:bodyPr/>
+        <a:lstStyle/>
+        <a:p>
+          <a:endParaRPr lang="en-US" sz="800"/>
+        </a:p>
+      </dgm:t>
+    </dgm:pt>
+    <dgm:pt modelId="{C76646CC-4409-49EE-B357-B2A3685138A9}" type="sibTrans" cxnId="{7D19A91F-E31D-4AC4-8F01-26A268F96401}">
+      <dgm:prSet/>
+      <dgm:spPr/>
+      <dgm:t>
+        <a:bodyPr/>
+        <a:lstStyle/>
+        <a:p>
+          <a:endParaRPr lang="en-US" sz="800"/>
+        </a:p>
+      </dgm:t>
+    </dgm:pt>
+    <dgm:pt modelId="{439520DA-296E-43F2-AE52-4D683538C486}">
+      <dgm:prSet custT="1"/>
+      <dgm:spPr/>
+      <dgm:t>
+        <a:bodyPr/>
+        <a:lstStyle/>
+        <a:p>
+          <a:r>
+            <a:rPr lang="en-US" sz="1800"/>
+            <a:t># of premium products sold as part of total orders in a week </a:t>
+          </a:r>
+        </a:p>
+      </dgm:t>
+    </dgm:pt>
+    <dgm:pt modelId="{F8D1D25B-6A36-4084-80BB-990EC4859663}" type="parTrans" cxnId="{B8581BF8-A79C-4319-81F7-6F2E769A82BA}">
+      <dgm:prSet/>
+      <dgm:spPr/>
+      <dgm:t>
+        <a:bodyPr/>
+        <a:lstStyle/>
+        <a:p>
+          <a:endParaRPr lang="en-US" sz="800"/>
+        </a:p>
+      </dgm:t>
+    </dgm:pt>
+    <dgm:pt modelId="{4C1F574B-08DF-4FA3-A352-BFAE51411BD9}" type="sibTrans" cxnId="{B8581BF8-A79C-4319-81F7-6F2E769A82BA}">
+      <dgm:prSet/>
+      <dgm:spPr/>
+      <dgm:t>
+        <a:bodyPr/>
+        <a:lstStyle/>
+        <a:p>
+          <a:endParaRPr lang="en-US" sz="800"/>
+        </a:p>
+      </dgm:t>
+    </dgm:pt>
+    <dgm:pt modelId="{0C7F6A0D-E032-47B8-A6D6-9A2DEBE2871D}">
+      <dgm:prSet custT="1"/>
+      <dgm:spPr/>
+      <dgm:t>
+        <a:bodyPr/>
+        <a:lstStyle/>
+        <a:p>
+          <a:r>
+            <a:rPr lang="en-US" sz="1800"/>
+            <a:t>Middle Products</a:t>
+          </a:r>
+        </a:p>
+      </dgm:t>
+    </dgm:pt>
+    <dgm:pt modelId="{474734D1-7711-42B7-8227-B6CF658AFD7B}" type="parTrans" cxnId="{234FD815-FCFF-4053-8F83-41C825EABE9E}">
+      <dgm:prSet/>
+      <dgm:spPr/>
+      <dgm:t>
+        <a:bodyPr/>
+        <a:lstStyle/>
+        <a:p>
+          <a:endParaRPr lang="en-US" sz="800"/>
+        </a:p>
+      </dgm:t>
+    </dgm:pt>
+    <dgm:pt modelId="{47EEB750-C0DA-471B-AF5B-3AD387ABC983}" type="sibTrans" cxnId="{234FD815-FCFF-4053-8F83-41C825EABE9E}">
+      <dgm:prSet/>
+      <dgm:spPr/>
+      <dgm:t>
+        <a:bodyPr/>
+        <a:lstStyle/>
+        <a:p>
+          <a:endParaRPr lang="en-US" sz="800"/>
+        </a:p>
+      </dgm:t>
+    </dgm:pt>
+    <dgm:pt modelId="{4EB67256-FB24-440C-96FF-2A2E5F2265C9}">
+      <dgm:prSet custT="1"/>
+      <dgm:spPr/>
+      <dgm:t>
+        <a:bodyPr/>
+        <a:lstStyle/>
+        <a:p>
+          <a:r>
+            <a:rPr lang="en-US" sz="1800"/>
+            <a:t># of middle products sold as part of total orders in a week</a:t>
+          </a:r>
+        </a:p>
+      </dgm:t>
+    </dgm:pt>
+    <dgm:pt modelId="{CD9EC505-0600-4BED-AD62-80123157B0CF}" type="parTrans" cxnId="{80D32FC9-89EF-4429-BBE6-69EA17F98492}">
+      <dgm:prSet/>
+      <dgm:spPr/>
+      <dgm:t>
+        <a:bodyPr/>
+        <a:lstStyle/>
+        <a:p>
+          <a:endParaRPr lang="en-US" sz="800"/>
+        </a:p>
+      </dgm:t>
+    </dgm:pt>
+    <dgm:pt modelId="{F494506B-37E3-4280-93A9-A3AF78516366}" type="sibTrans" cxnId="{80D32FC9-89EF-4429-BBE6-69EA17F98492}">
+      <dgm:prSet/>
+      <dgm:spPr/>
+      <dgm:t>
+        <a:bodyPr/>
+        <a:lstStyle/>
+        <a:p>
+          <a:endParaRPr lang="en-US" sz="800"/>
+        </a:p>
+      </dgm:t>
+    </dgm:pt>
+    <dgm:pt modelId="{75F7F54A-F5D6-426B-9F74-A930B2C1DFF6}">
+      <dgm:prSet custT="1"/>
+      <dgm:spPr/>
+      <dgm:t>
+        <a:bodyPr/>
+        <a:lstStyle/>
+        <a:p>
+          <a:r>
+            <a:rPr lang="en-US" sz="1800" dirty="0"/>
+            <a:t>Mass Products</a:t>
+          </a:r>
+        </a:p>
+      </dgm:t>
+    </dgm:pt>
+    <dgm:pt modelId="{52A80EAD-10D7-4BED-A97E-427D54973690}" type="parTrans" cxnId="{148A1CA6-9AA6-4B4A-8628-52429D87A047}">
+      <dgm:prSet/>
+      <dgm:spPr/>
+      <dgm:t>
+        <a:bodyPr/>
+        <a:lstStyle/>
+        <a:p>
+          <a:endParaRPr lang="en-US" sz="800"/>
+        </a:p>
+      </dgm:t>
+    </dgm:pt>
+    <dgm:pt modelId="{2560F892-237D-4632-BD06-4C8CF986BC8A}" type="sibTrans" cxnId="{148A1CA6-9AA6-4B4A-8628-52429D87A047}">
+      <dgm:prSet/>
+      <dgm:spPr/>
+      <dgm:t>
+        <a:bodyPr/>
+        <a:lstStyle/>
+        <a:p>
+          <a:endParaRPr lang="en-US" sz="800"/>
+        </a:p>
+      </dgm:t>
+    </dgm:pt>
+    <dgm:pt modelId="{D512DA41-6D0B-42D6-A604-69AE2BBDD7F9}">
+      <dgm:prSet custT="1"/>
+      <dgm:spPr/>
+      <dgm:t>
+        <a:bodyPr/>
+        <a:lstStyle/>
+        <a:p>
+          <a:r>
+            <a:rPr lang="en-US" sz="1800" dirty="0"/>
+            <a:t># of mass products sold as part of total orders in a week </a:t>
+          </a:r>
+        </a:p>
+      </dgm:t>
+    </dgm:pt>
+    <dgm:pt modelId="{2969AA03-3D21-4C1B-B2CD-2D07F9831B1A}" type="parTrans" cxnId="{D7FE4E7E-0D3E-474D-A90F-1064CD6C3CA9}">
+      <dgm:prSet/>
+      <dgm:spPr/>
+      <dgm:t>
+        <a:bodyPr/>
+        <a:lstStyle/>
+        <a:p>
+          <a:endParaRPr lang="en-US" sz="800"/>
+        </a:p>
+      </dgm:t>
+    </dgm:pt>
+    <dgm:pt modelId="{1A8DEEC9-5B8E-42BD-9E8F-CD98B93851DC}" type="sibTrans" cxnId="{D7FE4E7E-0D3E-474D-A90F-1064CD6C3CA9}">
+      <dgm:prSet/>
+      <dgm:spPr/>
+      <dgm:t>
+        <a:bodyPr/>
+        <a:lstStyle/>
+        <a:p>
+          <a:endParaRPr lang="en-US" sz="800"/>
+        </a:p>
+      </dgm:t>
+    </dgm:pt>
+    <dgm:pt modelId="{7E3C2565-9C10-4974-B3FF-8C3690A9BF6E}" type="pres">
+      <dgm:prSet presAssocID="{3E012CA5-3234-4045-B6F0-1293A860C315}" presName="Name0" presStyleCnt="0">
+        <dgm:presLayoutVars>
+          <dgm:dir/>
+          <dgm:animLvl val="lvl"/>
+          <dgm:resizeHandles val="exact"/>
+        </dgm:presLayoutVars>
+      </dgm:prSet>
+      <dgm:spPr/>
+    </dgm:pt>
+    <dgm:pt modelId="{DD7D23C1-23FC-4348-8011-1D2EFF9F7C80}" type="pres">
+      <dgm:prSet presAssocID="{99822876-05EF-46AF-A50E-F097C7B2B59C}" presName="linNode" presStyleCnt="0"/>
+      <dgm:spPr/>
+    </dgm:pt>
+    <dgm:pt modelId="{9FD16AC0-8EB6-4689-A213-6226532E18CD}" type="pres">
+      <dgm:prSet presAssocID="{99822876-05EF-46AF-A50E-F097C7B2B59C}" presName="parentText" presStyleLbl="node1" presStyleIdx="0" presStyleCnt="6">
+        <dgm:presLayoutVars>
+          <dgm:chMax val="1"/>
+          <dgm:bulletEnabled val="1"/>
+        </dgm:presLayoutVars>
+      </dgm:prSet>
+      <dgm:spPr/>
+    </dgm:pt>
+    <dgm:pt modelId="{81026ADF-9FD9-4156-9876-56C8859243E4}" type="pres">
+      <dgm:prSet presAssocID="{99822876-05EF-46AF-A50E-F097C7B2B59C}" presName="descendantText" presStyleLbl="alignAccFollowNode1" presStyleIdx="0" presStyleCnt="6">
+        <dgm:presLayoutVars>
+          <dgm:bulletEnabled val="1"/>
+        </dgm:presLayoutVars>
+      </dgm:prSet>
+      <dgm:spPr/>
+    </dgm:pt>
+    <dgm:pt modelId="{9850F2FE-789D-4946-8B28-F3066B8087D7}" type="pres">
+      <dgm:prSet presAssocID="{7D9739BC-D96C-42E2-A919-85D3A11B7BD6}" presName="sp" presStyleCnt="0"/>
+      <dgm:spPr/>
+    </dgm:pt>
+    <dgm:pt modelId="{13D66B3F-3072-4D3E-848F-D2F6793956C9}" type="pres">
+      <dgm:prSet presAssocID="{7A65DA34-163A-4E28-B391-5D6EEFB37FE5}" presName="linNode" presStyleCnt="0"/>
+      <dgm:spPr/>
+    </dgm:pt>
+    <dgm:pt modelId="{F26B2B35-21CE-4C5E-B84F-362A6C01610D}" type="pres">
+      <dgm:prSet presAssocID="{7A65DA34-163A-4E28-B391-5D6EEFB37FE5}" presName="parentText" presStyleLbl="node1" presStyleIdx="1" presStyleCnt="6">
+        <dgm:presLayoutVars>
+          <dgm:chMax val="1"/>
+          <dgm:bulletEnabled val="1"/>
+        </dgm:presLayoutVars>
+      </dgm:prSet>
+      <dgm:spPr/>
+    </dgm:pt>
+    <dgm:pt modelId="{073D70FD-7E61-478F-ADC8-6A8E41846873}" type="pres">
+      <dgm:prSet presAssocID="{7A65DA34-163A-4E28-B391-5D6EEFB37FE5}" presName="descendantText" presStyleLbl="alignAccFollowNode1" presStyleIdx="1" presStyleCnt="6">
+        <dgm:presLayoutVars>
+          <dgm:bulletEnabled val="1"/>
+        </dgm:presLayoutVars>
+      </dgm:prSet>
+      <dgm:spPr/>
+    </dgm:pt>
+    <dgm:pt modelId="{DFB6934A-3B69-47DF-966C-81E9C9C17285}" type="pres">
+      <dgm:prSet presAssocID="{76735494-F97B-486C-95B2-A71121BD5F41}" presName="sp" presStyleCnt="0"/>
+      <dgm:spPr/>
+    </dgm:pt>
+    <dgm:pt modelId="{E199E9DA-BD48-4CBA-9211-97A3136151B9}" type="pres">
+      <dgm:prSet presAssocID="{48066D2D-C847-4C9C-A539-5F4B6A9F17C9}" presName="linNode" presStyleCnt="0"/>
+      <dgm:spPr/>
+    </dgm:pt>
+    <dgm:pt modelId="{86C29B18-2670-43E7-80C8-374A257FBE09}" type="pres">
+      <dgm:prSet presAssocID="{48066D2D-C847-4C9C-A539-5F4B6A9F17C9}" presName="parentText" presStyleLbl="node1" presStyleIdx="2" presStyleCnt="6">
+        <dgm:presLayoutVars>
+          <dgm:chMax val="1"/>
+          <dgm:bulletEnabled val="1"/>
+        </dgm:presLayoutVars>
+      </dgm:prSet>
+      <dgm:spPr/>
+    </dgm:pt>
+    <dgm:pt modelId="{34FDA4E4-6C4F-42BB-91CB-3E45D18ED03C}" type="pres">
+      <dgm:prSet presAssocID="{48066D2D-C847-4C9C-A539-5F4B6A9F17C9}" presName="descendantText" presStyleLbl="alignAccFollowNode1" presStyleIdx="2" presStyleCnt="6">
+        <dgm:presLayoutVars>
+          <dgm:bulletEnabled val="1"/>
+        </dgm:presLayoutVars>
+      </dgm:prSet>
+      <dgm:spPr/>
+    </dgm:pt>
+    <dgm:pt modelId="{1E2842EE-C7DF-4C6B-883D-DEE51A79A9CF}" type="pres">
+      <dgm:prSet presAssocID="{255E8590-B84D-44FE-934F-309C60A59AFD}" presName="sp" presStyleCnt="0"/>
+      <dgm:spPr/>
+    </dgm:pt>
+    <dgm:pt modelId="{62E8CAF0-4924-4E70-9B0F-CB7380E7680B}" type="pres">
+      <dgm:prSet presAssocID="{9E07D53A-9174-468C-B7CF-13AA8E949B32}" presName="linNode" presStyleCnt="0"/>
+      <dgm:spPr/>
+    </dgm:pt>
+    <dgm:pt modelId="{9E772C04-17E7-4D1C-A3E0-704AE69D462F}" type="pres">
+      <dgm:prSet presAssocID="{9E07D53A-9174-468C-B7CF-13AA8E949B32}" presName="parentText" presStyleLbl="node1" presStyleIdx="3" presStyleCnt="6">
+        <dgm:presLayoutVars>
+          <dgm:chMax val="1"/>
+          <dgm:bulletEnabled val="1"/>
+        </dgm:presLayoutVars>
+      </dgm:prSet>
+      <dgm:spPr/>
+    </dgm:pt>
+    <dgm:pt modelId="{0DE0DAC0-7412-4BF0-8C53-D45675133D89}" type="pres">
+      <dgm:prSet presAssocID="{9E07D53A-9174-468C-B7CF-13AA8E949B32}" presName="descendantText" presStyleLbl="alignAccFollowNode1" presStyleIdx="3" presStyleCnt="6">
+        <dgm:presLayoutVars>
+          <dgm:bulletEnabled val="1"/>
+        </dgm:presLayoutVars>
+      </dgm:prSet>
+      <dgm:spPr/>
+    </dgm:pt>
+    <dgm:pt modelId="{53AA3FD6-381C-461D-A970-A63E74125C2D}" type="pres">
+      <dgm:prSet presAssocID="{C76646CC-4409-49EE-B357-B2A3685138A9}" presName="sp" presStyleCnt="0"/>
+      <dgm:spPr/>
+    </dgm:pt>
+    <dgm:pt modelId="{81179771-6BA7-4626-8EAD-399C9F08C0BB}" type="pres">
+      <dgm:prSet presAssocID="{0C7F6A0D-E032-47B8-A6D6-9A2DEBE2871D}" presName="linNode" presStyleCnt="0"/>
+      <dgm:spPr/>
+    </dgm:pt>
+    <dgm:pt modelId="{242E17F4-DB1E-441A-8EF5-E2EC9FF2E6E3}" type="pres">
+      <dgm:prSet presAssocID="{0C7F6A0D-E032-47B8-A6D6-9A2DEBE2871D}" presName="parentText" presStyleLbl="node1" presStyleIdx="4" presStyleCnt="6">
+        <dgm:presLayoutVars>
+          <dgm:chMax val="1"/>
+          <dgm:bulletEnabled val="1"/>
+        </dgm:presLayoutVars>
+      </dgm:prSet>
+      <dgm:spPr/>
+    </dgm:pt>
+    <dgm:pt modelId="{0582AAA2-7A51-4C34-A2D9-1D5C4E703F60}" type="pres">
+      <dgm:prSet presAssocID="{0C7F6A0D-E032-47B8-A6D6-9A2DEBE2871D}" presName="descendantText" presStyleLbl="alignAccFollowNode1" presStyleIdx="4" presStyleCnt="6">
+        <dgm:presLayoutVars>
+          <dgm:bulletEnabled val="1"/>
+        </dgm:presLayoutVars>
+      </dgm:prSet>
+      <dgm:spPr/>
+    </dgm:pt>
+    <dgm:pt modelId="{7553B815-5C5C-4D32-8811-60B08367BA54}" type="pres">
+      <dgm:prSet presAssocID="{47EEB750-C0DA-471B-AF5B-3AD387ABC983}" presName="sp" presStyleCnt="0"/>
+      <dgm:spPr/>
+    </dgm:pt>
+    <dgm:pt modelId="{C168F355-8D89-4FE9-A0B7-AB387519D311}" type="pres">
+      <dgm:prSet presAssocID="{75F7F54A-F5D6-426B-9F74-A930B2C1DFF6}" presName="linNode" presStyleCnt="0"/>
+      <dgm:spPr/>
+    </dgm:pt>
+    <dgm:pt modelId="{44E1CE70-0C68-4C8C-981A-5B74524FE4FC}" type="pres">
+      <dgm:prSet presAssocID="{75F7F54A-F5D6-426B-9F74-A930B2C1DFF6}" presName="parentText" presStyleLbl="node1" presStyleIdx="5" presStyleCnt="6">
+        <dgm:presLayoutVars>
+          <dgm:chMax val="1"/>
+          <dgm:bulletEnabled val="1"/>
+        </dgm:presLayoutVars>
+      </dgm:prSet>
+      <dgm:spPr/>
+    </dgm:pt>
+    <dgm:pt modelId="{F98C40A6-5994-4F5B-97B1-3902D873660C}" type="pres">
+      <dgm:prSet presAssocID="{75F7F54A-F5D6-426B-9F74-A930B2C1DFF6}" presName="descendantText" presStyleLbl="alignAccFollowNode1" presStyleIdx="5" presStyleCnt="6">
+        <dgm:presLayoutVars>
+          <dgm:bulletEnabled val="1"/>
+        </dgm:presLayoutVars>
+      </dgm:prSet>
+      <dgm:spPr/>
+    </dgm:pt>
+  </dgm:ptLst>
+  <dgm:cxnLst>
+    <dgm:cxn modelId="{CCE4CD0F-4DF2-4879-A302-DF2ACF4540D0}" srcId="{99822876-05EF-46AF-A50E-F097C7B2B59C}" destId="{978DD078-22B7-4045-BA85-210DA5AC57A2}" srcOrd="0" destOrd="0" parTransId="{6EFB2E91-22D9-471A-8325-E74F24B52E68}" sibTransId="{044F2F8B-7C9C-4E33-AC4D-FD128B12E564}"/>
+    <dgm:cxn modelId="{234FD815-FCFF-4053-8F83-41C825EABE9E}" srcId="{3E012CA5-3234-4045-B6F0-1293A860C315}" destId="{0C7F6A0D-E032-47B8-A6D6-9A2DEBE2871D}" srcOrd="4" destOrd="0" parTransId="{474734D1-7711-42B7-8227-B6CF658AFD7B}" sibTransId="{47EEB750-C0DA-471B-AF5B-3AD387ABC983}"/>
+    <dgm:cxn modelId="{50734E1C-D965-4FFE-90F8-3C9F4F5B96E5}" srcId="{3E012CA5-3234-4045-B6F0-1293A860C315}" destId="{48066D2D-C847-4C9C-A539-5F4B6A9F17C9}" srcOrd="2" destOrd="0" parTransId="{3D129DE0-21EB-4ABC-8F54-714120F02FB4}" sibTransId="{255E8590-B84D-44FE-934F-309C60A59AFD}"/>
+    <dgm:cxn modelId="{7D19A91F-E31D-4AC4-8F01-26A268F96401}" srcId="{3E012CA5-3234-4045-B6F0-1293A860C315}" destId="{9E07D53A-9174-468C-B7CF-13AA8E949B32}" srcOrd="3" destOrd="0" parTransId="{30BD7D0E-0977-4C25-A6E6-43C1E5F6180D}" sibTransId="{C76646CC-4409-49EE-B357-B2A3685138A9}"/>
+    <dgm:cxn modelId="{4DF80C2A-F50A-4DE7-AC75-4A1D9D2498F5}" type="presOf" srcId="{48066D2D-C847-4C9C-A539-5F4B6A9F17C9}" destId="{86C29B18-2670-43E7-80C8-374A257FBE09}" srcOrd="0" destOrd="0" presId="urn:microsoft.com/office/officeart/2005/8/layout/vList5"/>
+    <dgm:cxn modelId="{296AF02B-2192-4015-A428-2079FF561A19}" type="presOf" srcId="{0C7F6A0D-E032-47B8-A6D6-9A2DEBE2871D}" destId="{242E17F4-DB1E-441A-8EF5-E2EC9FF2E6E3}" srcOrd="0" destOrd="0" presId="urn:microsoft.com/office/officeart/2005/8/layout/vList5"/>
+    <dgm:cxn modelId="{4FD66835-07F9-4C0D-975B-3DFADF4DA93E}" type="presOf" srcId="{439520DA-296E-43F2-AE52-4D683538C486}" destId="{0DE0DAC0-7412-4BF0-8C53-D45675133D89}" srcOrd="0" destOrd="0" presId="urn:microsoft.com/office/officeart/2005/8/layout/vList5"/>
+    <dgm:cxn modelId="{8EE2283B-A541-4478-952F-153C2F7C9164}" type="presOf" srcId="{75F7F54A-F5D6-426B-9F74-A930B2C1DFF6}" destId="{44E1CE70-0C68-4C8C-981A-5B74524FE4FC}" srcOrd="0" destOrd="0" presId="urn:microsoft.com/office/officeart/2005/8/layout/vList5"/>
+    <dgm:cxn modelId="{FA6B8D43-ECB8-4B3C-B505-C69DFDBE00CB}" type="presOf" srcId="{99822876-05EF-46AF-A50E-F097C7B2B59C}" destId="{9FD16AC0-8EB6-4689-A213-6226532E18CD}" srcOrd="0" destOrd="0" presId="urn:microsoft.com/office/officeart/2005/8/layout/vList5"/>
+    <dgm:cxn modelId="{8B77294B-52DD-41A0-90E3-E24A48C99E93}" type="presOf" srcId="{9E07D53A-9174-468C-B7CF-13AA8E949B32}" destId="{9E772C04-17E7-4D1C-A3E0-704AE69D462F}" srcOrd="0" destOrd="0" presId="urn:microsoft.com/office/officeart/2005/8/layout/vList5"/>
+    <dgm:cxn modelId="{3FF5CD54-BAD7-4A75-8A89-899FDA460189}" type="presOf" srcId="{978DD078-22B7-4045-BA85-210DA5AC57A2}" destId="{81026ADF-9FD9-4156-9876-56C8859243E4}" srcOrd="0" destOrd="0" presId="urn:microsoft.com/office/officeart/2005/8/layout/vList5"/>
+    <dgm:cxn modelId="{D7FE4E7E-0D3E-474D-A90F-1064CD6C3CA9}" srcId="{75F7F54A-F5D6-426B-9F74-A930B2C1DFF6}" destId="{D512DA41-6D0B-42D6-A604-69AE2BBDD7F9}" srcOrd="0" destOrd="0" parTransId="{2969AA03-3D21-4C1B-B2CD-2D07F9831B1A}" sibTransId="{1A8DEEC9-5B8E-42BD-9E8F-CD98B93851DC}"/>
+    <dgm:cxn modelId="{26EED37E-18C3-49B7-BAAE-EEF34291BC43}" type="presOf" srcId="{C559F449-C395-4A01-9A7A-06BEFF6FF2F2}" destId="{073D70FD-7E61-478F-ADC8-6A8E41846873}" srcOrd="0" destOrd="0" presId="urn:microsoft.com/office/officeart/2005/8/layout/vList5"/>
+    <dgm:cxn modelId="{55EE7483-1CEE-4443-9633-157C41E0C255}" srcId="{48066D2D-C847-4C9C-A539-5F4B6A9F17C9}" destId="{A188C67D-915F-4A9D-8F6E-C279232A916B}" srcOrd="0" destOrd="0" parTransId="{12E0BC58-8FE3-4DAD-A618-150D142AA8E5}" sibTransId="{4C0EB875-AC20-48DF-896E-F514D560A874}"/>
+    <dgm:cxn modelId="{069336A3-0122-4D71-8110-44F91679E35D}" type="presOf" srcId="{D512DA41-6D0B-42D6-A604-69AE2BBDD7F9}" destId="{F98C40A6-5994-4F5B-97B1-3902D873660C}" srcOrd="0" destOrd="0" presId="urn:microsoft.com/office/officeart/2005/8/layout/vList5"/>
+    <dgm:cxn modelId="{65B31BA6-0A24-4743-B7B4-E6928542BAD3}" type="presOf" srcId="{4EB67256-FB24-440C-96FF-2A2E5F2265C9}" destId="{0582AAA2-7A51-4C34-A2D9-1D5C4E703F60}" srcOrd="0" destOrd="0" presId="urn:microsoft.com/office/officeart/2005/8/layout/vList5"/>
+    <dgm:cxn modelId="{148A1CA6-9AA6-4B4A-8628-52429D87A047}" srcId="{3E012CA5-3234-4045-B6F0-1293A860C315}" destId="{75F7F54A-F5D6-426B-9F74-A930B2C1DFF6}" srcOrd="5" destOrd="0" parTransId="{52A80EAD-10D7-4BED-A97E-427D54973690}" sibTransId="{2560F892-237D-4632-BD06-4C8CF986BC8A}"/>
+    <dgm:cxn modelId="{94C76DA6-F3C3-45FB-9B41-7D993A9D34E5}" type="presOf" srcId="{7A65DA34-163A-4E28-B391-5D6EEFB37FE5}" destId="{F26B2B35-21CE-4C5E-B84F-362A6C01610D}" srcOrd="0" destOrd="0" presId="urn:microsoft.com/office/officeart/2005/8/layout/vList5"/>
+    <dgm:cxn modelId="{1AE7D6B9-70D9-475A-8A65-55E9260B641A}" type="presOf" srcId="{3E012CA5-3234-4045-B6F0-1293A860C315}" destId="{7E3C2565-9C10-4974-B3FF-8C3690A9BF6E}" srcOrd="0" destOrd="0" presId="urn:microsoft.com/office/officeart/2005/8/layout/vList5"/>
+    <dgm:cxn modelId="{57315EC1-2C5E-423F-AC06-30FCD73FBDC8}" srcId="{7A65DA34-163A-4E28-B391-5D6EEFB37FE5}" destId="{C559F449-C395-4A01-9A7A-06BEFF6FF2F2}" srcOrd="0" destOrd="0" parTransId="{6233AAAA-3AF2-414D-BB48-D8690C182970}" sibTransId="{27F94B31-54E4-4509-9352-1B2402587D60}"/>
+    <dgm:cxn modelId="{80D32FC9-89EF-4429-BBE6-69EA17F98492}" srcId="{0C7F6A0D-E032-47B8-A6D6-9A2DEBE2871D}" destId="{4EB67256-FB24-440C-96FF-2A2E5F2265C9}" srcOrd="0" destOrd="0" parTransId="{CD9EC505-0600-4BED-AD62-80123157B0CF}" sibTransId="{F494506B-37E3-4280-93A9-A3AF78516366}"/>
+    <dgm:cxn modelId="{EEBE13E7-7FDD-44D0-8130-50893D16304F}" type="presOf" srcId="{A188C67D-915F-4A9D-8F6E-C279232A916B}" destId="{34FDA4E4-6C4F-42BB-91CB-3E45D18ED03C}" srcOrd="0" destOrd="0" presId="urn:microsoft.com/office/officeart/2005/8/layout/vList5"/>
+    <dgm:cxn modelId="{AA456BE9-0FC4-435E-962A-CD4FC2658A32}" srcId="{3E012CA5-3234-4045-B6F0-1293A860C315}" destId="{7A65DA34-163A-4E28-B391-5D6EEFB37FE5}" srcOrd="1" destOrd="0" parTransId="{DC5902A7-36FE-4AF3-AEB3-AB466057FE85}" sibTransId="{76735494-F97B-486C-95B2-A71121BD5F41}"/>
+    <dgm:cxn modelId="{166866F7-5DE2-4887-9A4E-A84A868224EC}" srcId="{3E012CA5-3234-4045-B6F0-1293A860C315}" destId="{99822876-05EF-46AF-A50E-F097C7B2B59C}" srcOrd="0" destOrd="0" parTransId="{4C7E6D76-4274-4F9B-B400-8BF68BC6D968}" sibTransId="{7D9739BC-D96C-42E2-A919-85D3A11B7BD6}"/>
+    <dgm:cxn modelId="{B8581BF8-A79C-4319-81F7-6F2E769A82BA}" srcId="{9E07D53A-9174-468C-B7CF-13AA8E949B32}" destId="{439520DA-296E-43F2-AE52-4D683538C486}" srcOrd="0" destOrd="0" parTransId="{F8D1D25B-6A36-4084-80BB-990EC4859663}" sibTransId="{4C1F574B-08DF-4FA3-A352-BFAE51411BD9}"/>
+    <dgm:cxn modelId="{957733EA-BB97-4B48-BF97-47F74A38E357}" type="presParOf" srcId="{7E3C2565-9C10-4974-B3FF-8C3690A9BF6E}" destId="{DD7D23C1-23FC-4348-8011-1D2EFF9F7C80}" srcOrd="0" destOrd="0" presId="urn:microsoft.com/office/officeart/2005/8/layout/vList5"/>
+    <dgm:cxn modelId="{76BCBDA4-496F-4752-B183-079F70060D1D}" type="presParOf" srcId="{DD7D23C1-23FC-4348-8011-1D2EFF9F7C80}" destId="{9FD16AC0-8EB6-4689-A213-6226532E18CD}" srcOrd="0" destOrd="0" presId="urn:microsoft.com/office/officeart/2005/8/layout/vList5"/>
+    <dgm:cxn modelId="{6576E042-2440-4C50-91A7-DBE0F3493231}" type="presParOf" srcId="{DD7D23C1-23FC-4348-8011-1D2EFF9F7C80}" destId="{81026ADF-9FD9-4156-9876-56C8859243E4}" srcOrd="1" destOrd="0" presId="urn:microsoft.com/office/officeart/2005/8/layout/vList5"/>
+    <dgm:cxn modelId="{08C92C4C-5A4E-47D2-94FC-8B2837255647}" type="presParOf" srcId="{7E3C2565-9C10-4974-B3FF-8C3690A9BF6E}" destId="{9850F2FE-789D-4946-8B28-F3066B8087D7}" srcOrd="1" destOrd="0" presId="urn:microsoft.com/office/officeart/2005/8/layout/vList5"/>
+    <dgm:cxn modelId="{C44B31DD-0D3E-405A-A47C-2E24070F8A95}" type="presParOf" srcId="{7E3C2565-9C10-4974-B3FF-8C3690A9BF6E}" destId="{13D66B3F-3072-4D3E-848F-D2F6793956C9}" srcOrd="2" destOrd="0" presId="urn:microsoft.com/office/officeart/2005/8/layout/vList5"/>
+    <dgm:cxn modelId="{34018631-F061-418A-9C7B-059DD01F29A2}" type="presParOf" srcId="{13D66B3F-3072-4D3E-848F-D2F6793956C9}" destId="{F26B2B35-21CE-4C5E-B84F-362A6C01610D}" srcOrd="0" destOrd="0" presId="urn:microsoft.com/office/officeart/2005/8/layout/vList5"/>
+    <dgm:cxn modelId="{A343D70A-7329-454E-B742-E7B9818706F7}" type="presParOf" srcId="{13D66B3F-3072-4D3E-848F-D2F6793956C9}" destId="{073D70FD-7E61-478F-ADC8-6A8E41846873}" srcOrd="1" destOrd="0" presId="urn:microsoft.com/office/officeart/2005/8/layout/vList5"/>
+    <dgm:cxn modelId="{326B39DE-0AB2-4C90-BD89-DFF9FB730CDA}" type="presParOf" srcId="{7E3C2565-9C10-4974-B3FF-8C3690A9BF6E}" destId="{DFB6934A-3B69-47DF-966C-81E9C9C17285}" srcOrd="3" destOrd="0" presId="urn:microsoft.com/office/officeart/2005/8/layout/vList5"/>
+    <dgm:cxn modelId="{0D3D9F79-871D-4303-AA36-CCD610B2C9AB}" type="presParOf" srcId="{7E3C2565-9C10-4974-B3FF-8C3690A9BF6E}" destId="{E199E9DA-BD48-4CBA-9211-97A3136151B9}" srcOrd="4" destOrd="0" presId="urn:microsoft.com/office/officeart/2005/8/layout/vList5"/>
+    <dgm:cxn modelId="{847EB697-F24F-4130-BC8B-8881E280716A}" type="presParOf" srcId="{E199E9DA-BD48-4CBA-9211-97A3136151B9}" destId="{86C29B18-2670-43E7-80C8-374A257FBE09}" srcOrd="0" destOrd="0" presId="urn:microsoft.com/office/officeart/2005/8/layout/vList5"/>
+    <dgm:cxn modelId="{CA344F2D-F370-4222-BAE4-C989DE30CD76}" type="presParOf" srcId="{E199E9DA-BD48-4CBA-9211-97A3136151B9}" destId="{34FDA4E4-6C4F-42BB-91CB-3E45D18ED03C}" srcOrd="1" destOrd="0" presId="urn:microsoft.com/office/officeart/2005/8/layout/vList5"/>
+    <dgm:cxn modelId="{9A128712-D815-418A-A3DF-CC27EFC628EA}" type="presParOf" srcId="{7E3C2565-9C10-4974-B3FF-8C3690A9BF6E}" destId="{1E2842EE-C7DF-4C6B-883D-DEE51A79A9CF}" srcOrd="5" destOrd="0" presId="urn:microsoft.com/office/officeart/2005/8/layout/vList5"/>
+    <dgm:cxn modelId="{634C8530-8745-4546-B5DF-FC2E30467A09}" type="presParOf" srcId="{7E3C2565-9C10-4974-B3FF-8C3690A9BF6E}" destId="{62E8CAF0-4924-4E70-9B0F-CB7380E7680B}" srcOrd="6" destOrd="0" presId="urn:microsoft.com/office/officeart/2005/8/layout/vList5"/>
+    <dgm:cxn modelId="{91E2A825-6431-439E-83E1-F0D9B6E4363B}" type="presParOf" srcId="{62E8CAF0-4924-4E70-9B0F-CB7380E7680B}" destId="{9E772C04-17E7-4D1C-A3E0-704AE69D462F}" srcOrd="0" destOrd="0" presId="urn:microsoft.com/office/officeart/2005/8/layout/vList5"/>
+    <dgm:cxn modelId="{F505CB83-8083-4158-957D-DF9C5BB2EC1A}" type="presParOf" srcId="{62E8CAF0-4924-4E70-9B0F-CB7380E7680B}" destId="{0DE0DAC0-7412-4BF0-8C53-D45675133D89}" srcOrd="1" destOrd="0" presId="urn:microsoft.com/office/officeart/2005/8/layout/vList5"/>
+    <dgm:cxn modelId="{648710F4-5346-4108-9F12-F6185D01069C}" type="presParOf" srcId="{7E3C2565-9C10-4974-B3FF-8C3690A9BF6E}" destId="{53AA3FD6-381C-461D-A970-A63E74125C2D}" srcOrd="7" destOrd="0" presId="urn:microsoft.com/office/officeart/2005/8/layout/vList5"/>
+    <dgm:cxn modelId="{67A40CEC-F881-414F-AABD-D43461159AE1}" type="presParOf" srcId="{7E3C2565-9C10-4974-B3FF-8C3690A9BF6E}" destId="{81179771-6BA7-4626-8EAD-399C9F08C0BB}" srcOrd="8" destOrd="0" presId="urn:microsoft.com/office/officeart/2005/8/layout/vList5"/>
+    <dgm:cxn modelId="{66CC25A8-72B3-4251-B0B3-8569E22FE57E}" type="presParOf" srcId="{81179771-6BA7-4626-8EAD-399C9F08C0BB}" destId="{242E17F4-DB1E-441A-8EF5-E2EC9FF2E6E3}" srcOrd="0" destOrd="0" presId="urn:microsoft.com/office/officeart/2005/8/layout/vList5"/>
+    <dgm:cxn modelId="{B8E5915A-A930-485B-B546-AC5820B55494}" type="presParOf" srcId="{81179771-6BA7-4626-8EAD-399C9F08C0BB}" destId="{0582AAA2-7A51-4C34-A2D9-1D5C4E703F60}" srcOrd="1" destOrd="0" presId="urn:microsoft.com/office/officeart/2005/8/layout/vList5"/>
+    <dgm:cxn modelId="{102495F8-8E3D-42CA-BAB9-CD0C538ECE02}" type="presParOf" srcId="{7E3C2565-9C10-4974-B3FF-8C3690A9BF6E}" destId="{7553B815-5C5C-4D32-8811-60B08367BA54}" srcOrd="9" destOrd="0" presId="urn:microsoft.com/office/officeart/2005/8/layout/vList5"/>
+    <dgm:cxn modelId="{ABBBED09-1BC1-46DD-AB5C-AFA1131DFF67}" type="presParOf" srcId="{7E3C2565-9C10-4974-B3FF-8C3690A9BF6E}" destId="{C168F355-8D89-4FE9-A0B7-AB387519D311}" srcOrd="10" destOrd="0" presId="urn:microsoft.com/office/officeart/2005/8/layout/vList5"/>
+    <dgm:cxn modelId="{8F97B404-56C1-46EB-81F8-FCCCD313C301}" type="presParOf" srcId="{C168F355-8D89-4FE9-A0B7-AB387519D311}" destId="{44E1CE70-0C68-4C8C-981A-5B74524FE4FC}" srcOrd="0" destOrd="0" presId="urn:microsoft.com/office/officeart/2005/8/layout/vList5"/>
+    <dgm:cxn modelId="{04775F31-FEA8-4EBC-B12F-FC90B5918B3D}" type="presParOf" srcId="{C168F355-8D89-4FE9-A0B7-AB387519D311}" destId="{F98C40A6-5994-4F5B-97B1-3902D873660C}" srcOrd="1" destOrd="0" presId="urn:microsoft.com/office/officeart/2005/8/layout/vList5"/>
+  </dgm:cxnLst>
+  <dgm:bg/>
+  <dgm:whole/>
+  <dgm:extLst>
+    <a:ext uri="http://schemas.microsoft.com/office/drawing/2008/diagram">
+      <dsp:dataModelExt xmlns:dsp="http://schemas.microsoft.com/office/drawing/2008/diagram" relId="rId6" minVer="http://schemas.openxmlformats.org/drawingml/2006/diagram"/>
+    </a:ext>
+  </dgm:extLst>
+</dgm:dataModel>
+</file>
+
+<file path=ppt/diagrams/data2.xml><?xml version="1.0" encoding="utf-8"?>
+<dgm:dataModel xmlns:dgm="http://schemas.openxmlformats.org/drawingml/2006/diagram" xmlns:a="http://schemas.openxmlformats.org/drawingml/2006/main">
+  <dgm:ptLst>
+    <dgm:pt modelId="{3E012CA5-3234-4045-B6F0-1293A860C315}" type="doc">
+      <dgm:prSet loTypeId="urn:microsoft.com/office/officeart/2005/8/layout/vList5" loCatId="list" qsTypeId="urn:microsoft.com/office/officeart/2005/8/quickstyle/simple1" qsCatId="simple" csTypeId="urn:microsoft.com/office/officeart/2005/8/colors/colorful1" csCatId="colorful" phldr="1"/>
       <dgm:spPr/>
       <dgm:t>
         <a:bodyPr/>
@@ -977,7 +2673,469 @@
         </a:p>
       </dgm:t>
     </dgm:pt>
-    <dgm:pt modelId="{B70C2DCC-500B-442C-900D-F984241C40EF}" type="sibTrans" cxnId="{561428C0-CF75-4563-A80D-E73E50ED2E00}">
+    <dgm:pt modelId="{76095E72-8374-4328-80CB-874715F40233}">
+      <dgm:prSet custT="1"/>
+      <dgm:spPr/>
+      <dgm:t>
+        <a:bodyPr/>
+        <a:lstStyle/>
+        <a:p>
+          <a:r>
+            <a:rPr lang="en-US" sz="1800" dirty="0"/>
+            <a:t>%age of Prepaid orders </a:t>
+          </a:r>
+        </a:p>
+      </dgm:t>
+    </dgm:pt>
+    <dgm:pt modelId="{FF55DFE3-AE05-4BB2-BE95-CAA2A80CDEBF}" type="sibTrans" cxnId="{07039B5C-76DE-46C6-A52B-74F2819DFDC4}">
+      <dgm:prSet/>
+      <dgm:spPr/>
+      <dgm:t>
+        <a:bodyPr/>
+        <a:lstStyle/>
+        <a:p>
+          <a:endParaRPr lang="en-US" sz="800"/>
+        </a:p>
+      </dgm:t>
+    </dgm:pt>
+    <dgm:pt modelId="{0CBCCF85-A0E0-477E-8DDC-9EE95B8DD359}" type="parTrans" cxnId="{07039B5C-76DE-46C6-A52B-74F2819DFDC4}">
+      <dgm:prSet/>
+      <dgm:spPr/>
+      <dgm:t>
+        <a:bodyPr/>
+        <a:lstStyle/>
+        <a:p>
+          <a:endParaRPr lang="en-US" sz="800"/>
+        </a:p>
+      </dgm:t>
+    </dgm:pt>
+    <dgm:pt modelId="{DC632867-49C8-4FF4-8DDF-F69CC3582962}">
+      <dgm:prSet custT="1"/>
+      <dgm:spPr/>
+      <dgm:t>
+        <a:bodyPr/>
+        <a:lstStyle/>
+        <a:p>
+          <a:r>
+            <a:rPr lang="en-US" sz="1800" dirty="0"/>
+            <a:t>% of prepaid orders out of total orders in a week </a:t>
+          </a:r>
+        </a:p>
+      </dgm:t>
+    </dgm:pt>
+    <dgm:pt modelId="{39124A03-5CC2-47B8-AFB2-39569606D8F9}" type="sibTrans" cxnId="{3D894F70-5C61-49FD-AF4D-82195AE56397}">
+      <dgm:prSet/>
+      <dgm:spPr/>
+      <dgm:t>
+        <a:bodyPr/>
+        <a:lstStyle/>
+        <a:p>
+          <a:endParaRPr lang="en-US" sz="800"/>
+        </a:p>
+      </dgm:t>
+    </dgm:pt>
+    <dgm:pt modelId="{2FE8718F-28F1-477D-85F5-0AFE3010D1FE}" type="parTrans" cxnId="{3D894F70-5C61-49FD-AF4D-82195AE56397}">
+      <dgm:prSet/>
+      <dgm:spPr/>
+      <dgm:t>
+        <a:bodyPr/>
+        <a:lstStyle/>
+        <a:p>
+          <a:endParaRPr lang="en-US" sz="800"/>
+        </a:p>
+      </dgm:t>
+    </dgm:pt>
+    <dgm:pt modelId="{14C22DC9-AE1A-4D54-9056-FC3F41A06AB3}">
+      <dgm:prSet custT="1"/>
+      <dgm:spPr/>
+      <dgm:t>
+        <a:bodyPr/>
+        <a:lstStyle/>
+        <a:p>
+          <a:r>
+            <a:rPr lang="en-US" sz="1800" dirty="0"/>
+            <a:t>%age of COD orders</a:t>
+          </a:r>
+        </a:p>
+      </dgm:t>
+    </dgm:pt>
+    <dgm:pt modelId="{D1A4A1FF-8B3A-4F72-93CA-DA25B0183036}" type="sibTrans" cxnId="{21B0F5E0-29E2-4A27-85F4-D0AB0A269B68}">
+      <dgm:prSet/>
+      <dgm:spPr/>
+      <dgm:t>
+        <a:bodyPr/>
+        <a:lstStyle/>
+        <a:p>
+          <a:endParaRPr lang="en-US" sz="800"/>
+        </a:p>
+      </dgm:t>
+    </dgm:pt>
+    <dgm:pt modelId="{880B3E61-7292-41C8-AB77-B0FCC491AC95}" type="parTrans" cxnId="{21B0F5E0-29E2-4A27-85F4-D0AB0A269B68}">
+      <dgm:prSet/>
+      <dgm:spPr/>
+      <dgm:t>
+        <a:bodyPr/>
+        <a:lstStyle/>
+        <a:p>
+          <a:endParaRPr lang="en-US" sz="800"/>
+        </a:p>
+      </dgm:t>
+    </dgm:pt>
+    <dgm:pt modelId="{76E4EBF5-85AB-4C6B-B7F2-0C0588D7B614}">
+      <dgm:prSet custT="1"/>
+      <dgm:spPr/>
+      <dgm:t>
+        <a:bodyPr/>
+        <a:lstStyle/>
+        <a:p>
+          <a:r>
+            <a:rPr lang="en-US" sz="1800" dirty="0"/>
+            <a:t>% of orders delivered on COD out of total orders in a week</a:t>
+          </a:r>
+        </a:p>
+      </dgm:t>
+    </dgm:pt>
+    <dgm:pt modelId="{C52D5A90-ECAC-4769-ADF4-501FADF28938}" type="sibTrans" cxnId="{6A718030-E075-40FD-A76A-015FB17C84B9}">
+      <dgm:prSet/>
+      <dgm:spPr/>
+      <dgm:t>
+        <a:bodyPr/>
+        <a:lstStyle/>
+        <a:p>
+          <a:endParaRPr lang="en-US" sz="800"/>
+        </a:p>
+      </dgm:t>
+    </dgm:pt>
+    <dgm:pt modelId="{6F57B536-68CA-492E-AADB-B14014D77ADE}" type="parTrans" cxnId="{6A718030-E075-40FD-A76A-015FB17C84B9}">
+      <dgm:prSet/>
+      <dgm:spPr/>
+      <dgm:t>
+        <a:bodyPr/>
+        <a:lstStyle/>
+        <a:p>
+          <a:endParaRPr lang="en-US" sz="800"/>
+        </a:p>
+      </dgm:t>
+    </dgm:pt>
+    <dgm:pt modelId="{E05A0AAB-6F20-48EA-903F-42682AEE2F75}">
+      <dgm:prSet custT="1"/>
+      <dgm:spPr/>
+      <dgm:t>
+        <a:bodyPr/>
+        <a:lstStyle/>
+        <a:p>
+          <a:r>
+            <a:rPr lang="en-US" sz="1800" dirty="0"/>
+            <a:t>Holiday Frequency</a:t>
+          </a:r>
+        </a:p>
+      </dgm:t>
+    </dgm:pt>
+    <dgm:pt modelId="{58750619-5E05-4C0A-8A86-8A826A5BE945}" type="sibTrans" cxnId="{511583E6-0AB2-4F78-B70C-F1D3F30236D9}">
+      <dgm:prSet/>
+      <dgm:spPr/>
+      <dgm:t>
+        <a:bodyPr/>
+        <a:lstStyle/>
+        <a:p>
+          <a:endParaRPr lang="en-US" sz="800"/>
+        </a:p>
+      </dgm:t>
+    </dgm:pt>
+    <dgm:pt modelId="{14F11036-5C5D-4F7B-A4F1-4711C70CB87D}" type="parTrans" cxnId="{511583E6-0AB2-4F78-B70C-F1D3F30236D9}">
+      <dgm:prSet/>
+      <dgm:spPr/>
+      <dgm:t>
+        <a:bodyPr/>
+        <a:lstStyle/>
+        <a:p>
+          <a:endParaRPr lang="en-US" sz="800"/>
+        </a:p>
+      </dgm:t>
+    </dgm:pt>
+    <dgm:pt modelId="{69B6FF94-721E-439D-BCED-FCE8A3275EEC}">
+      <dgm:prSet custT="1"/>
+      <dgm:spPr/>
+      <dgm:t>
+        <a:bodyPr/>
+        <a:lstStyle/>
+        <a:p>
+          <a:r>
+            <a:rPr lang="en-US" sz="1800" dirty="0"/>
+            <a:t>No. of holidays in a week</a:t>
+          </a:r>
+        </a:p>
+      </dgm:t>
+    </dgm:pt>
+    <dgm:pt modelId="{A663F84F-0900-4C89-9274-C3210C505833}" type="sibTrans" cxnId="{E5F5E875-CE59-420D-86BD-DF6E975E366F}">
+      <dgm:prSet/>
+      <dgm:spPr/>
+      <dgm:t>
+        <a:bodyPr/>
+        <a:lstStyle/>
+        <a:p>
+          <a:endParaRPr lang="en-US" sz="800"/>
+        </a:p>
+      </dgm:t>
+    </dgm:pt>
+    <dgm:pt modelId="{F0ED530B-6B6A-4146-91D0-589976259A99}" type="parTrans" cxnId="{E5F5E875-CE59-420D-86BD-DF6E975E366F}">
+      <dgm:prSet/>
+      <dgm:spPr/>
+      <dgm:t>
+        <a:bodyPr/>
+        <a:lstStyle/>
+        <a:p>
+          <a:endParaRPr lang="en-US" sz="800"/>
+        </a:p>
+      </dgm:t>
+    </dgm:pt>
+    <dgm:pt modelId="{17D628FC-89FF-4AB2-950B-8F3B120FEC97}">
+      <dgm:prSet custT="1"/>
+      <dgm:spPr/>
+      <dgm:t>
+        <a:bodyPr/>
+        <a:lstStyle/>
+        <a:p>
+          <a:r>
+            <a:rPr lang="en-US" sz="1800" dirty="0"/>
+            <a:t>Lag Variables:</a:t>
+          </a:r>
+        </a:p>
+      </dgm:t>
+    </dgm:pt>
+    <dgm:pt modelId="{8A4DEC68-5204-4163-B010-AF03A67DFEF0}" type="sibTrans" cxnId="{3FFA600C-1AE4-4716-875F-741DBA189671}">
+      <dgm:prSet/>
+      <dgm:spPr/>
+      <dgm:t>
+        <a:bodyPr/>
+        <a:lstStyle/>
+        <a:p>
+          <a:endParaRPr lang="en-US" sz="800"/>
+        </a:p>
+      </dgm:t>
+    </dgm:pt>
+    <dgm:pt modelId="{752A4132-951D-4BA2-9F90-1D2030F5EEBB}" type="parTrans" cxnId="{3FFA600C-1AE4-4716-875F-741DBA189671}">
+      <dgm:prSet/>
+      <dgm:spPr/>
+      <dgm:t>
+        <a:bodyPr/>
+        <a:lstStyle/>
+        <a:p>
+          <a:endParaRPr lang="en-US" sz="800"/>
+        </a:p>
+      </dgm:t>
+    </dgm:pt>
+    <dgm:pt modelId="{EED04F04-83E1-4DBD-85F6-880F917FAEE7}">
+      <dgm:prSet custT="1"/>
+      <dgm:spPr/>
+      <dgm:t>
+        <a:bodyPr/>
+        <a:lstStyle/>
+        <a:p>
+          <a:r>
+            <a:rPr lang="en-US" sz="1600" dirty="0"/>
+            <a:t>Lag of </a:t>
+          </a:r>
+          <a:r>
+            <a:rPr lang="en-US" sz="1600" dirty="0" err="1"/>
+            <a:t>upto</a:t>
+          </a:r>
+          <a:r>
+            <a:rPr lang="en-US" sz="1600" dirty="0"/>
+            <a:t> 3 for:</a:t>
+          </a:r>
+        </a:p>
+      </dgm:t>
+    </dgm:pt>
+    <dgm:pt modelId="{54A168B1-3144-4549-9C40-54BBDE210679}" type="sibTrans" cxnId="{0590D34B-320D-4943-B19A-07D5622A99DD}">
+      <dgm:prSet/>
+      <dgm:spPr/>
+      <dgm:t>
+        <a:bodyPr/>
+        <a:lstStyle/>
+        <a:p>
+          <a:endParaRPr lang="en-US" sz="800"/>
+        </a:p>
+      </dgm:t>
+    </dgm:pt>
+    <dgm:pt modelId="{169AE45A-690C-44D5-80E4-B5054CB552F6}" type="parTrans" cxnId="{0590D34B-320D-4943-B19A-07D5622A99DD}">
+      <dgm:prSet/>
+      <dgm:spPr/>
+      <dgm:t>
+        <a:bodyPr/>
+        <a:lstStyle/>
+        <a:p>
+          <a:endParaRPr lang="en-US" sz="800"/>
+        </a:p>
+      </dgm:t>
+    </dgm:pt>
+    <dgm:pt modelId="{58CA060E-FC7B-40AE-8F3E-31CE9CE1BF14}">
+      <dgm:prSet custT="1"/>
+      <dgm:spPr/>
+      <dgm:t>
+        <a:bodyPr/>
+        <a:lstStyle/>
+        <a:p>
+          <a:r>
+            <a:rPr lang="en-US" sz="1800" dirty="0" err="1"/>
+            <a:t>AdStock</a:t>
+          </a:r>
+          <a:r>
+            <a:rPr lang="en-US" sz="1800" dirty="0"/>
+            <a:t> </a:t>
+          </a:r>
+        </a:p>
+      </dgm:t>
+    </dgm:pt>
+    <dgm:pt modelId="{4C080F2F-D6E4-43BF-B397-7EEEF612F82E}" type="sibTrans" cxnId="{DF38F518-E861-4471-8466-851075D90469}">
+      <dgm:prSet/>
+      <dgm:spPr/>
+      <dgm:t>
+        <a:bodyPr/>
+        <a:lstStyle/>
+        <a:p>
+          <a:endParaRPr lang="en-US" sz="800"/>
+        </a:p>
+      </dgm:t>
+    </dgm:pt>
+    <dgm:pt modelId="{5CC72F05-CEC0-4FC9-8840-182E9929DC4C}" type="parTrans" cxnId="{DF38F518-E861-4471-8466-851075D90469}">
+      <dgm:prSet/>
+      <dgm:spPr/>
+      <dgm:t>
+        <a:bodyPr/>
+        <a:lstStyle/>
+        <a:p>
+          <a:endParaRPr lang="en-US" sz="800"/>
+        </a:p>
+      </dgm:t>
+    </dgm:pt>
+    <dgm:pt modelId="{FE83D179-6412-42F4-AD11-8925447C4E9A}">
+      <dgm:prSet custT="1"/>
+      <dgm:spPr/>
+      <dgm:t>
+        <a:bodyPr/>
+        <a:lstStyle/>
+        <a:p>
+          <a:r>
+            <a:rPr lang="en-US" sz="1800" dirty="0" err="1"/>
+            <a:t>Adstock</a:t>
+          </a:r>
+          <a:r>
+            <a:rPr lang="en-US" sz="1800" dirty="0"/>
+            <a:t> for all advertising medium assuming the effect of advertisement is decreases by 40% every week</a:t>
+          </a:r>
+        </a:p>
+      </dgm:t>
+    </dgm:pt>
+    <dgm:pt modelId="{A9745F2B-1F49-4429-95D4-50113419BE1E}" type="sibTrans" cxnId="{EEFDBA3D-9819-464F-9D06-03E03F09CB37}">
+      <dgm:prSet/>
+      <dgm:spPr/>
+      <dgm:t>
+        <a:bodyPr/>
+        <a:lstStyle/>
+        <a:p>
+          <a:endParaRPr lang="en-US" sz="800"/>
+        </a:p>
+      </dgm:t>
+    </dgm:pt>
+    <dgm:pt modelId="{F7DCCC0B-504D-4D29-BDA7-46DCB11C4659}" type="parTrans" cxnId="{EEFDBA3D-9819-464F-9D06-03E03F09CB37}">
+      <dgm:prSet/>
+      <dgm:spPr/>
+      <dgm:t>
+        <a:bodyPr/>
+        <a:lstStyle/>
+        <a:p>
+          <a:endParaRPr lang="en-US" sz="800"/>
+        </a:p>
+      </dgm:t>
+    </dgm:pt>
+    <dgm:pt modelId="{3FC8DBFE-E05D-4839-B02E-1FD810396429}">
+      <dgm:prSet custT="1"/>
+      <dgm:spPr/>
+      <dgm:t>
+        <a:bodyPr/>
+        <a:lstStyle/>
+        <a:p>
+          <a:r>
+            <a:rPr lang="en-US" sz="1800" dirty="0"/>
+            <a:t>Moving Average</a:t>
+          </a:r>
+        </a:p>
+      </dgm:t>
+    </dgm:pt>
+    <dgm:pt modelId="{4A5F4290-8F5E-4F8B-930F-572A46CD4FA2}" type="sibTrans" cxnId="{0C319327-3DC6-4AB4-A5A2-0C90C574D39C}">
+      <dgm:prSet/>
+      <dgm:spPr/>
+      <dgm:t>
+        <a:bodyPr/>
+        <a:lstStyle/>
+        <a:p>
+          <a:endParaRPr lang="en-US" sz="800"/>
+        </a:p>
+      </dgm:t>
+    </dgm:pt>
+    <dgm:pt modelId="{97F69FD6-6C5D-48E7-88A2-20FDDD3A17EB}" type="parTrans" cxnId="{0C319327-3DC6-4AB4-A5A2-0C90C574D39C}">
+      <dgm:prSet/>
+      <dgm:spPr/>
+      <dgm:t>
+        <a:bodyPr/>
+        <a:lstStyle/>
+        <a:p>
+          <a:endParaRPr lang="en-US" sz="800"/>
+        </a:p>
+      </dgm:t>
+    </dgm:pt>
+    <dgm:pt modelId="{163B7D59-15CF-469F-895F-53340024185D}">
+      <dgm:prSet custT="1"/>
+      <dgm:spPr/>
+      <dgm:t>
+        <a:bodyPr/>
+        <a:lstStyle/>
+        <a:p>
+          <a:r>
+            <a:rPr lang="en-US" sz="1600" dirty="0"/>
+            <a:t>3 week moving average for:</a:t>
+          </a:r>
+        </a:p>
+      </dgm:t>
+    </dgm:pt>
+    <dgm:pt modelId="{D73670F5-DD07-411C-85EB-D91CF599AF63}" type="sibTrans" cxnId="{F8EB04F4-E1B5-4132-8E7D-A2BC298D3BE7}">
+      <dgm:prSet/>
+      <dgm:spPr/>
+      <dgm:t>
+        <a:bodyPr/>
+        <a:lstStyle/>
+        <a:p>
+          <a:endParaRPr lang="en-US" sz="800"/>
+        </a:p>
+      </dgm:t>
+    </dgm:pt>
+    <dgm:pt modelId="{E6D85B51-96B8-42A2-AE7D-E2CF6506FB56}" type="parTrans" cxnId="{F8EB04F4-E1B5-4132-8E7D-A2BC298D3BE7}">
+      <dgm:prSet/>
+      <dgm:spPr/>
+      <dgm:t>
+        <a:bodyPr/>
+        <a:lstStyle/>
+        <a:p>
+          <a:endParaRPr lang="en-US" sz="800"/>
+        </a:p>
+      </dgm:t>
+    </dgm:pt>
+    <dgm:pt modelId="{C51F86DF-F87D-4508-B84A-06F1C934E766}">
+      <dgm:prSet custT="1"/>
+      <dgm:spPr/>
+      <dgm:t>
+        <a:bodyPr/>
+        <a:lstStyle/>
+        <a:p>
+          <a:r>
+            <a:rPr lang="en-US" sz="1600" dirty="0"/>
+            <a:t> List price</a:t>
+          </a:r>
+        </a:p>
+      </dgm:t>
+    </dgm:pt>
+    <dgm:pt modelId="{674EF956-E1D6-4D7F-BAC1-0821609DFDFF}" type="parTrans" cxnId="{CFBFB374-C171-4F54-8533-C879AEC2FEA3}">
       <dgm:prSet/>
       <dgm:spPr/>
       <dgm:t>
@@ -988,21 +3146,7 @@
         </a:p>
       </dgm:t>
     </dgm:pt>
-    <dgm:pt modelId="{4A9DCC43-9E2C-4D39-AF80-E9AD60DE4FB1}">
-      <dgm:prSet phldrT="[Text]" custT="1"/>
-      <dgm:spPr/>
-      <dgm:t>
-        <a:bodyPr/>
-        <a:lstStyle/>
-        <a:p>
-          <a:r>
-            <a:rPr lang="en-US" sz="2200" b="0" dirty="0"/>
-            <a:t>List Price</a:t>
-          </a:r>
-        </a:p>
-      </dgm:t>
-    </dgm:pt>
-    <dgm:pt modelId="{00C36670-8210-4548-A6C4-B5E4AED7A416}" type="parTrans" cxnId="{8BA89468-5A97-420F-9C53-5E17D53C36C5}">
+    <dgm:pt modelId="{5E734FB8-E9F7-466F-9C58-F133F722D852}" type="sibTrans" cxnId="{CFBFB374-C171-4F54-8533-C879AEC2FEA3}">
       <dgm:prSet/>
       <dgm:spPr/>
       <dgm:t>
@@ -1013,7 +3157,21 @@
         </a:p>
       </dgm:t>
     </dgm:pt>
-    <dgm:pt modelId="{44768917-BF4C-4DBD-B31D-E7CAF3DD8BCE}" type="sibTrans" cxnId="{8BA89468-5A97-420F-9C53-5E17D53C36C5}">
+    <dgm:pt modelId="{35FBFFA2-02CD-48A9-A87A-D60517B0FD9D}">
+      <dgm:prSet custT="1"/>
+      <dgm:spPr/>
+      <dgm:t>
+        <a:bodyPr/>
+        <a:lstStyle/>
+        <a:p>
+          <a:r>
+            <a:rPr lang="en-US" sz="1600" dirty="0"/>
+            <a:t>Discount %age</a:t>
+          </a:r>
+        </a:p>
+      </dgm:t>
+    </dgm:pt>
+    <dgm:pt modelId="{9C6FF931-C0C0-46B0-ADBA-C4DBEFB9D424}" type="parTrans" cxnId="{2EBE8E3D-F280-4035-9582-CE0C335C9DFE}">
       <dgm:prSet/>
       <dgm:spPr/>
       <dgm:t>
@@ -1024,71 +3182,7 @@
         </a:p>
       </dgm:t>
     </dgm:pt>
-    <dgm:pt modelId="{1E2C4603-F25B-4E84-86DB-D6CE06BF6F90}">
-      <dgm:prSet phldrT="[Text]" custT="1"/>
-      <dgm:spPr>
-        <a:solidFill>
-          <a:srgbClr val="ED7D31">
-            <a:tint val="40000"/>
-            <a:alpha val="90000"/>
-            <a:hueOff val="-363954"/>
-            <a:satOff val="-32291"/>
-            <a:lumOff val="-330"/>
-            <a:alphaOff val="0"/>
-          </a:srgbClr>
-        </a:solidFill>
-        <a:ln w="12700" cap="flat" cmpd="sng" algn="ctr">
-          <a:solidFill>
-            <a:srgbClr val="ED7D31">
-              <a:tint val="40000"/>
-              <a:alpha val="90000"/>
-              <a:hueOff val="-363954"/>
-              <a:satOff val="-32291"/>
-              <a:lumOff val="-330"/>
-              <a:alphaOff val="0"/>
-            </a:srgbClr>
-          </a:solidFill>
-          <a:prstDash val="solid"/>
-          <a:miter lim="800000"/>
-        </a:ln>
-        <a:effectLst/>
-      </dgm:spPr>
-      <dgm:t>
-        <a:bodyPr spcFirstLastPara="0" vert="horz" wrap="square" lIns="76200" tIns="38100" rIns="76200" bIns="38100" numCol="1" spcCol="1270" anchor="ctr" anchorCtr="0"/>
-        <a:lstStyle/>
-        <a:p>
-          <a:pPr marL="228600" lvl="1" indent="-228600" algn="l" defTabSz="889000">
-            <a:lnSpc>
-              <a:spcPct val="90000"/>
-            </a:lnSpc>
-            <a:spcBef>
-              <a:spcPct val="0"/>
-            </a:spcBef>
-            <a:spcAft>
-              <a:spcPct val="15000"/>
-            </a:spcAft>
-            <a:buChar char="•"/>
-          </a:pPr>
-          <a:r>
-            <a:rPr lang="en-US" sz="2000" kern="1200" dirty="0">
-              <a:solidFill>
-                <a:prstClr val="black">
-                  <a:hueOff val="0"/>
-                  <a:satOff val="0"/>
-                  <a:lumOff val="0"/>
-                  <a:alphaOff val="0"/>
-                </a:prstClr>
-              </a:solidFill>
-              <a:latin typeface="Calibri"/>
-              <a:ea typeface="+mn-ea"/>
-              <a:cs typeface="+mn-cs"/>
-            </a:rPr>
-            <a:t>Calculated by dividing GMV with no. of unit sold in the order</a:t>
-          </a:r>
-        </a:p>
-      </dgm:t>
-    </dgm:pt>
-    <dgm:pt modelId="{917B060C-B860-4691-9E53-B4F50708CA7F}" type="parTrans" cxnId="{7956F654-54DE-48F9-9C58-9DD71B979722}">
+    <dgm:pt modelId="{8E793EBC-9252-4A02-AADC-995B51921107}" type="sibTrans" cxnId="{2EBE8E3D-F280-4035-9582-CE0C335C9DFE}">
       <dgm:prSet/>
       <dgm:spPr/>
       <dgm:t>
@@ -1099,7 +3193,21 @@
         </a:p>
       </dgm:t>
     </dgm:pt>
-    <dgm:pt modelId="{169A709E-44F6-489B-94A0-FB56584E3479}" type="sibTrans" cxnId="{7956F654-54DE-48F9-9C58-9DD71B979722}">
+    <dgm:pt modelId="{5682989B-22C8-4322-96B1-F8F78D9D2321}">
+      <dgm:prSet custT="1"/>
+      <dgm:spPr/>
+      <dgm:t>
+        <a:bodyPr/>
+        <a:lstStyle/>
+        <a:p>
+          <a:r>
+            <a:rPr lang="en-US" sz="1600" dirty="0"/>
+            <a:t>List Price</a:t>
+          </a:r>
+        </a:p>
+      </dgm:t>
+    </dgm:pt>
+    <dgm:pt modelId="{8C8D9065-9A2E-48B3-B5DA-08D95849ACD8}" type="parTrans" cxnId="{00A2B747-B3E5-4359-8006-C06ECCD9FE24}">
       <dgm:prSet/>
       <dgm:spPr/>
       <dgm:t>
@@ -1110,21 +3218,7 @@
         </a:p>
       </dgm:t>
     </dgm:pt>
-    <dgm:pt modelId="{A1D02023-4DF6-4EF9-81D0-81771FB788AE}">
-      <dgm:prSet phldrT="[Text]" custT="1"/>
-      <dgm:spPr/>
-      <dgm:t>
-        <a:bodyPr/>
-        <a:lstStyle/>
-        <a:p>
-          <a:r>
-            <a:rPr lang="en-US" sz="2200" dirty="0"/>
-            <a:t>Discount %age</a:t>
-          </a:r>
-        </a:p>
-      </dgm:t>
-    </dgm:pt>
-    <dgm:pt modelId="{4D339B55-BA8F-4561-92DB-6E32CC818C1E}" type="parTrans" cxnId="{770295B8-549F-4B8F-A707-80FF3D3D5036}">
+    <dgm:pt modelId="{5C878844-0D91-43CE-A5BB-8637A17FC93A}" type="sibTrans" cxnId="{00A2B747-B3E5-4359-8006-C06ECCD9FE24}">
       <dgm:prSet/>
       <dgm:spPr/>
       <dgm:t>
@@ -1135,7 +3229,21 @@
         </a:p>
       </dgm:t>
     </dgm:pt>
-    <dgm:pt modelId="{3D90B53B-D54F-4E45-9B2F-C6453A986791}" type="sibTrans" cxnId="{770295B8-549F-4B8F-A707-80FF3D3D5036}">
+    <dgm:pt modelId="{D04979A1-ECA4-4810-8479-AC789374DBE9}">
+      <dgm:prSet custT="1"/>
+      <dgm:spPr/>
+      <dgm:t>
+        <a:bodyPr/>
+        <a:lstStyle/>
+        <a:p>
+          <a:r>
+            <a:rPr lang="en-US" sz="1600" dirty="0"/>
+            <a:t>Discount %age</a:t>
+          </a:r>
+        </a:p>
+      </dgm:t>
+    </dgm:pt>
+    <dgm:pt modelId="{2C7E0C0A-1FC8-4114-BB2A-3E282FCEFFD6}" type="parTrans" cxnId="{28BE61C1-087C-44B2-9F84-911672E1D963}">
       <dgm:prSet/>
       <dgm:spPr/>
       <dgm:t>
@@ -1146,59 +3254,7 @@
         </a:p>
       </dgm:t>
     </dgm:pt>
-    <dgm:pt modelId="{421AB774-AC35-460E-9554-0EF53FED934A}">
-      <dgm:prSet phldrT="[Text]" custT="1"/>
-      <dgm:spPr>
-        <a:solidFill>
-          <a:srgbClr val="ED7D31">
-            <a:tint val="40000"/>
-            <a:alpha val="90000"/>
-            <a:hueOff val="-363954"/>
-            <a:satOff val="-32291"/>
-            <a:lumOff val="-330"/>
-            <a:alphaOff val="0"/>
-          </a:srgbClr>
-        </a:solidFill>
-        <a:ln w="12700" cap="flat" cmpd="sng" algn="ctr">
-          <a:solidFill>
-            <a:srgbClr val="ED7D31">
-              <a:tint val="40000"/>
-              <a:alpha val="90000"/>
-              <a:hueOff val="-363954"/>
-              <a:satOff val="-32291"/>
-              <a:lumOff val="-330"/>
-              <a:alphaOff val="0"/>
-            </a:srgbClr>
-          </a:solidFill>
-          <a:prstDash val="solid"/>
-          <a:miter lim="800000"/>
-        </a:ln>
-        <a:effectLst/>
-      </dgm:spPr>
-      <dgm:t>
-        <a:bodyPr spcFirstLastPara="0" vert="horz" wrap="square" lIns="76200" tIns="38100" rIns="76200" bIns="38100" numCol="1" spcCol="1270" anchor="ctr" anchorCtr="0"/>
-        <a:lstStyle/>
-        <a:p>
-          <a:r>
-            <a:rPr lang="en-US" sz="2000" kern="1200" dirty="0">
-              <a:solidFill>
-                <a:prstClr val="black">
-                  <a:hueOff val="0"/>
-                  <a:satOff val="0"/>
-                  <a:lumOff val="0"/>
-                  <a:alphaOff val="0"/>
-                </a:prstClr>
-              </a:solidFill>
-              <a:latin typeface="Calibri"/>
-              <a:ea typeface="+mn-ea"/>
-              <a:cs typeface="+mn-cs"/>
-            </a:rPr>
-            <a:t>Difference between MRP and list price of the product</a:t>
-          </a:r>
-        </a:p>
-      </dgm:t>
-    </dgm:pt>
-    <dgm:pt modelId="{F45FCFA9-9C3E-4901-8B93-87F4F83AD67D}" type="parTrans" cxnId="{EDC6B1B2-F9A4-427C-8EC4-2B1B1C8465FB}">
+    <dgm:pt modelId="{942D0D4B-2F90-4D0B-97FC-8AF46F87F338}" type="sibTrans" cxnId="{28BE61C1-087C-44B2-9F84-911672E1D963}">
       <dgm:prSet/>
       <dgm:spPr/>
       <dgm:t>
@@ -1209,532 +3265,8 @@
         </a:p>
       </dgm:t>
     </dgm:pt>
-    <dgm:pt modelId="{44B5E31D-8ABD-4CD6-B5F1-04D45C2F4533}" type="sibTrans" cxnId="{EDC6B1B2-F9A4-427C-8EC4-2B1B1C8465FB}">
-      <dgm:prSet/>
-      <dgm:spPr/>
-      <dgm:t>
-        <a:bodyPr/>
-        <a:lstStyle/>
-        <a:p>
-          <a:endParaRPr lang="en-US"/>
-        </a:p>
-      </dgm:t>
-    </dgm:pt>
-    <dgm:pt modelId="{A685CDB4-262D-473D-B123-185DE6C92145}">
-      <dgm:prSet phldrT="[Text]" custT="1"/>
-      <dgm:spPr/>
-      <dgm:t>
-        <a:bodyPr/>
-        <a:lstStyle/>
-        <a:p>
-          <a:r>
-            <a:rPr lang="en-US" sz="2200" dirty="0"/>
-            <a:t>Premium Products</a:t>
-          </a:r>
-        </a:p>
-      </dgm:t>
-    </dgm:pt>
-    <dgm:pt modelId="{72C0943B-6A91-4357-BF4A-E753F25699CA}" type="parTrans" cxnId="{A344EB87-33CA-4DBA-BF73-62ACBCB11D08}">
-      <dgm:prSet/>
-      <dgm:spPr/>
-      <dgm:t>
-        <a:bodyPr/>
-        <a:lstStyle/>
-        <a:p>
-          <a:endParaRPr lang="en-US"/>
-        </a:p>
-      </dgm:t>
-    </dgm:pt>
-    <dgm:pt modelId="{899F7100-8D0A-450A-8ED6-3550B210CD6F}" type="sibTrans" cxnId="{A344EB87-33CA-4DBA-BF73-62ACBCB11D08}">
-      <dgm:prSet/>
-      <dgm:spPr/>
-      <dgm:t>
-        <a:bodyPr/>
-        <a:lstStyle/>
-        <a:p>
-          <a:endParaRPr lang="en-US"/>
-        </a:p>
-      </dgm:t>
-    </dgm:pt>
-    <dgm:pt modelId="{25C0B545-03D1-48AF-93DE-65ADFBD734B8}">
-      <dgm:prSet phldrT="[Text]"/>
-      <dgm:spPr/>
-      <dgm:t>
-        <a:bodyPr/>
-        <a:lstStyle/>
-        <a:p>
-          <a:r>
-            <a:rPr lang="en-US" sz="1500" dirty="0"/>
-            <a:t># of premium products sold as part of total orders in a week </a:t>
-          </a:r>
-          <a:endParaRPr lang="en-US" sz="1500" b="1" dirty="0"/>
-        </a:p>
-      </dgm:t>
-    </dgm:pt>
-    <dgm:pt modelId="{633334B7-046B-4B2D-B22E-4379862100FF}" type="parTrans" cxnId="{78E5E3C7-55FA-4390-B7C4-88D2745E07B4}">
-      <dgm:prSet/>
-      <dgm:spPr/>
-      <dgm:t>
-        <a:bodyPr/>
-        <a:lstStyle/>
-        <a:p>
-          <a:endParaRPr lang="en-US"/>
-        </a:p>
-      </dgm:t>
-    </dgm:pt>
-    <dgm:pt modelId="{1565F26C-B64C-4543-BA8F-8B1547046C41}" type="sibTrans" cxnId="{78E5E3C7-55FA-4390-B7C4-88D2745E07B4}">
-      <dgm:prSet/>
-      <dgm:spPr/>
-      <dgm:t>
-        <a:bodyPr/>
-        <a:lstStyle/>
-        <a:p>
-          <a:endParaRPr lang="en-US"/>
-        </a:p>
-      </dgm:t>
-    </dgm:pt>
-    <dgm:pt modelId="{ADBD1DB8-67CC-4F95-84C9-7EAC19FF26B8}">
-      <dgm:prSet phldrT="[Text]" custT="1"/>
-      <dgm:spPr/>
-      <dgm:t>
-        <a:bodyPr/>
-        <a:lstStyle/>
-        <a:p>
-          <a:r>
-            <a:rPr lang="en-US" sz="2200" dirty="0"/>
-            <a:t>COD orders</a:t>
-          </a:r>
-        </a:p>
-      </dgm:t>
-    </dgm:pt>
-    <dgm:pt modelId="{AAC90A82-0584-438C-AB70-E6A660E69350}" type="parTrans" cxnId="{5776BDCA-5706-4442-BC67-F98EEF6FC788}">
-      <dgm:prSet/>
-      <dgm:spPr/>
-      <dgm:t>
-        <a:bodyPr/>
-        <a:lstStyle/>
-        <a:p>
-          <a:endParaRPr lang="en-US"/>
-        </a:p>
-      </dgm:t>
-    </dgm:pt>
-    <dgm:pt modelId="{BE0A1070-C050-48C8-9D53-52782795BDE9}" type="sibTrans" cxnId="{5776BDCA-5706-4442-BC67-F98EEF6FC788}">
-      <dgm:prSet/>
-      <dgm:spPr/>
-      <dgm:t>
-        <a:bodyPr/>
-        <a:lstStyle/>
-        <a:p>
-          <a:endParaRPr lang="en-US"/>
-        </a:p>
-      </dgm:t>
-    </dgm:pt>
-    <dgm:pt modelId="{EE23E897-9EE9-46AC-8638-8F0C1B688E82}">
-      <dgm:prSet phldrT="[Text]" custT="1"/>
-      <dgm:spPr/>
-      <dgm:t>
-        <a:bodyPr/>
-        <a:lstStyle/>
-        <a:p>
-          <a:r>
-            <a:rPr lang="en-US" sz="2200" dirty="0"/>
-            <a:t>Prepaid orders</a:t>
-          </a:r>
-        </a:p>
-      </dgm:t>
-    </dgm:pt>
-    <dgm:pt modelId="{80941724-4F13-43BF-BE91-D51C1460F47A}" type="parTrans" cxnId="{E1EBB4DE-69ED-418C-A902-8D361FC99D64}">
-      <dgm:prSet/>
-      <dgm:spPr/>
-      <dgm:t>
-        <a:bodyPr/>
-        <a:lstStyle/>
-        <a:p>
-          <a:endParaRPr lang="en-US"/>
-        </a:p>
-      </dgm:t>
-    </dgm:pt>
-    <dgm:pt modelId="{D13B30A1-590F-4BEF-984A-F16B4D4D9879}" type="sibTrans" cxnId="{E1EBB4DE-69ED-418C-A902-8D361FC99D64}">
-      <dgm:prSet/>
-      <dgm:spPr/>
-      <dgm:t>
-        <a:bodyPr/>
-        <a:lstStyle/>
-        <a:p>
-          <a:endParaRPr lang="en-US"/>
-        </a:p>
-      </dgm:t>
-    </dgm:pt>
-    <dgm:pt modelId="{1672A790-9D6F-4517-9A47-7C32BD966C44}">
-      <dgm:prSet phldrT="[Text]"/>
-      <dgm:spPr/>
-      <dgm:t>
-        <a:bodyPr/>
-        <a:lstStyle/>
-        <a:p>
-          <a:r>
-            <a:rPr lang="en-US" dirty="0"/>
-            <a:t># of mass products sold as part of total orders in a week </a:t>
-          </a:r>
-        </a:p>
-      </dgm:t>
-    </dgm:pt>
-    <dgm:pt modelId="{E4150EEF-3A3D-4208-BDFB-D09B82B529B9}" type="parTrans" cxnId="{3D515A7C-49DD-4DF4-8F4A-09D21F108060}">
-      <dgm:prSet/>
-      <dgm:spPr/>
-      <dgm:t>
-        <a:bodyPr/>
-        <a:lstStyle/>
-        <a:p>
-          <a:endParaRPr lang="en-US"/>
-        </a:p>
-      </dgm:t>
-    </dgm:pt>
-    <dgm:pt modelId="{E99D5011-47A5-45EE-A92A-68B03EF3910D}" type="sibTrans" cxnId="{3D515A7C-49DD-4DF4-8F4A-09D21F108060}">
-      <dgm:prSet/>
-      <dgm:spPr/>
-      <dgm:t>
-        <a:bodyPr/>
-        <a:lstStyle/>
-        <a:p>
-          <a:endParaRPr lang="en-US"/>
-        </a:p>
-      </dgm:t>
-    </dgm:pt>
-    <dgm:pt modelId="{2F833814-1B3F-4F2E-9B9B-1DD54BD41F8D}">
-      <dgm:prSet phldrT="[Text]" custT="1"/>
-      <dgm:spPr/>
-      <dgm:t>
-        <a:bodyPr/>
-        <a:lstStyle/>
-        <a:p>
-          <a:r>
-            <a:rPr lang="en-US" sz="2000" dirty="0"/>
-            <a:t># of prepaid orders out of total orders in a week </a:t>
-          </a:r>
-        </a:p>
-      </dgm:t>
-    </dgm:pt>
-    <dgm:pt modelId="{74D4ADE5-BF57-4B65-A451-DA587958CF5B}" type="parTrans" cxnId="{473E8E37-22AF-4809-9FB4-E98025C2984E}">
-      <dgm:prSet/>
-      <dgm:spPr/>
-      <dgm:t>
-        <a:bodyPr/>
-        <a:lstStyle/>
-        <a:p>
-          <a:endParaRPr lang="en-US"/>
-        </a:p>
-      </dgm:t>
-    </dgm:pt>
-    <dgm:pt modelId="{9CADE847-F562-48E1-ADE5-6233E1BCEB7C}" type="sibTrans" cxnId="{473E8E37-22AF-4809-9FB4-E98025C2984E}">
-      <dgm:prSet/>
-      <dgm:spPr/>
-      <dgm:t>
-        <a:bodyPr/>
-        <a:lstStyle/>
-        <a:p>
-          <a:endParaRPr lang="en-US"/>
-        </a:p>
-      </dgm:t>
-    </dgm:pt>
-    <dgm:pt modelId="{2992C88F-CA25-4B33-9D5F-575C100E77E5}">
-      <dgm:prSet phldrT="[Text]" custT="1"/>
-      <dgm:spPr>
-        <a:solidFill>
-          <a:srgbClr val="ED7D31">
-            <a:tint val="40000"/>
-            <a:alpha val="90000"/>
-            <a:hueOff val="-363954"/>
-            <a:satOff val="-32291"/>
-            <a:lumOff val="-330"/>
-            <a:alphaOff val="0"/>
-          </a:srgbClr>
-        </a:solidFill>
-        <a:ln w="12700" cap="flat" cmpd="sng" algn="ctr">
-          <a:solidFill>
-            <a:srgbClr val="ED7D31">
-              <a:tint val="40000"/>
-              <a:alpha val="90000"/>
-              <a:hueOff val="-363954"/>
-              <a:satOff val="-32291"/>
-              <a:lumOff val="-330"/>
-              <a:alphaOff val="0"/>
-            </a:srgbClr>
-          </a:solidFill>
-          <a:prstDash val="solid"/>
-          <a:miter lim="800000"/>
-        </a:ln>
-        <a:effectLst/>
-      </dgm:spPr>
-      <dgm:t>
-        <a:bodyPr spcFirstLastPara="0" vert="horz" wrap="square" lIns="76200" tIns="38100" rIns="76200" bIns="38100" numCol="1" spcCol="1270" anchor="ctr" anchorCtr="0"/>
-        <a:lstStyle/>
-        <a:p>
-          <a:pPr marL="228600" lvl="1" indent="-228600" algn="l" defTabSz="889000">
-            <a:lnSpc>
-              <a:spcPct val="90000"/>
-            </a:lnSpc>
-            <a:spcBef>
-              <a:spcPct val="0"/>
-            </a:spcBef>
-            <a:spcAft>
-              <a:spcPct val="15000"/>
-            </a:spcAft>
-            <a:buChar char="•"/>
-          </a:pPr>
-          <a:r>
-            <a:rPr lang="en-US" sz="2000" kern="1200" dirty="0">
-              <a:solidFill>
-                <a:prstClr val="black">
-                  <a:hueOff val="0"/>
-                  <a:satOff val="0"/>
-                  <a:lumOff val="0"/>
-                  <a:alphaOff val="0"/>
-                </a:prstClr>
-              </a:solidFill>
-              <a:latin typeface="Calibri"/>
-              <a:ea typeface="+mn-ea"/>
-              <a:cs typeface="+mn-cs"/>
-            </a:rPr>
-            <a:t> Week number of the year in which the order was placed.</a:t>
-          </a:r>
-        </a:p>
-      </dgm:t>
-    </dgm:pt>
-    <dgm:pt modelId="{F75D47A3-603F-4CA7-808C-DA402D5892A5}" type="parTrans" cxnId="{263CA393-16C4-45D7-9C6A-FD60F847283F}">
-      <dgm:prSet/>
-      <dgm:spPr/>
-      <dgm:t>
-        <a:bodyPr/>
-        <a:lstStyle/>
-        <a:p>
-          <a:endParaRPr lang="en-US"/>
-        </a:p>
-      </dgm:t>
-    </dgm:pt>
-    <dgm:pt modelId="{89145D1F-E124-4A26-8031-4F61CF217686}" type="sibTrans" cxnId="{263CA393-16C4-45D7-9C6A-FD60F847283F}">
-      <dgm:prSet/>
-      <dgm:spPr/>
-      <dgm:t>
-        <a:bodyPr/>
-        <a:lstStyle/>
-        <a:p>
-          <a:endParaRPr lang="en-US"/>
-        </a:p>
-      </dgm:t>
-    </dgm:pt>
-    <dgm:pt modelId="{70372D79-BB78-45ED-B6F2-7B0F0BAE1944}">
-      <dgm:prSet phldrT="[Text]" custT="1"/>
-      <dgm:spPr/>
-      <dgm:t>
-        <a:bodyPr/>
-        <a:lstStyle/>
-        <a:p>
-          <a:r>
-            <a:rPr lang="en-US" sz="2000" dirty="0"/>
-            <a:t># of orders delivered on COD out of total orders in a week</a:t>
-          </a:r>
-        </a:p>
-      </dgm:t>
-    </dgm:pt>
-    <dgm:pt modelId="{43D8C67D-8D57-4F15-B454-3355EB21820D}" type="parTrans" cxnId="{A89BBE5C-7082-4519-AABF-9ACCA86AAF25}">
-      <dgm:prSet/>
-      <dgm:spPr/>
-      <dgm:t>
-        <a:bodyPr/>
-        <a:lstStyle/>
-        <a:p>
-          <a:endParaRPr lang="en-US"/>
-        </a:p>
-      </dgm:t>
-    </dgm:pt>
-    <dgm:pt modelId="{457C6F92-D74C-4D97-BBBA-6C578AA5516A}" type="sibTrans" cxnId="{A89BBE5C-7082-4519-AABF-9ACCA86AAF25}">
-      <dgm:prSet/>
-      <dgm:spPr/>
-      <dgm:t>
-        <a:bodyPr/>
-        <a:lstStyle/>
-        <a:p>
-          <a:endParaRPr lang="en-US"/>
-        </a:p>
-      </dgm:t>
-    </dgm:pt>
-    <dgm:pt modelId="{3332E1C4-A310-4BAA-A569-220A55A38817}">
-      <dgm:prSet phldrT="[Text]" custT="1"/>
-      <dgm:spPr/>
-      <dgm:t>
-        <a:bodyPr/>
-        <a:lstStyle/>
-        <a:p>
-          <a:r>
-            <a:rPr lang="en-US" sz="2200" b="0" dirty="0"/>
-            <a:t>Holiday Frequency</a:t>
-          </a:r>
-        </a:p>
-      </dgm:t>
-    </dgm:pt>
-    <dgm:pt modelId="{5DF448F5-2E4C-4852-AC8F-07D9EC1BC0F0}" type="parTrans" cxnId="{8E8BDB0A-5837-465F-A29D-2B240EE47C40}">
-      <dgm:prSet/>
-      <dgm:spPr/>
-      <dgm:t>
-        <a:bodyPr/>
-        <a:lstStyle/>
-        <a:p>
-          <a:endParaRPr lang="en-US"/>
-        </a:p>
-      </dgm:t>
-    </dgm:pt>
-    <dgm:pt modelId="{FF370D77-7DB9-483B-AD07-35C7BBBD761A}" type="sibTrans" cxnId="{8E8BDB0A-5837-465F-A29D-2B240EE47C40}">
-      <dgm:prSet/>
-      <dgm:spPr/>
-      <dgm:t>
-        <a:bodyPr/>
-        <a:lstStyle/>
-        <a:p>
-          <a:endParaRPr lang="en-US"/>
-        </a:p>
-      </dgm:t>
-    </dgm:pt>
-    <dgm:pt modelId="{BB8AA23C-4022-4C6A-A6F1-B61F1A230F18}">
-      <dgm:prSet phldrT="[Text]" custT="1"/>
-      <dgm:spPr>
-        <a:solidFill>
-          <a:srgbClr val="ED7D31">
-            <a:tint val="40000"/>
-            <a:alpha val="90000"/>
-            <a:hueOff val="-849226"/>
-            <a:satOff val="-75346"/>
-            <a:lumOff val="-769"/>
-            <a:alphaOff val="0"/>
-          </a:srgbClr>
-        </a:solidFill>
-        <a:ln w="12700" cap="flat" cmpd="sng" algn="ctr">
-          <a:solidFill>
-            <a:srgbClr val="ED7D31">
-              <a:tint val="40000"/>
-              <a:alpha val="90000"/>
-              <a:hueOff val="-849226"/>
-              <a:satOff val="-75346"/>
-              <a:lumOff val="-769"/>
-              <a:alphaOff val="0"/>
-            </a:srgbClr>
-          </a:solidFill>
-          <a:prstDash val="solid"/>
-          <a:miter lim="800000"/>
-        </a:ln>
-        <a:effectLst/>
-      </dgm:spPr>
-      <dgm:t>
-        <a:bodyPr spcFirstLastPara="0" vert="horz" wrap="square" lIns="76200" tIns="38100" rIns="76200" bIns="38100" numCol="1" spcCol="1270" anchor="ctr" anchorCtr="0"/>
-        <a:lstStyle/>
-        <a:p>
-          <a:pPr marL="114300" lvl="1" indent="-114300" algn="l" defTabSz="533400">
-            <a:lnSpc>
-              <a:spcPct val="90000"/>
-            </a:lnSpc>
-            <a:spcBef>
-              <a:spcPct val="0"/>
-            </a:spcBef>
-            <a:spcAft>
-              <a:spcPct val="15000"/>
-            </a:spcAft>
-            <a:buChar char="•"/>
-          </a:pPr>
-          <a:r>
-            <a:rPr lang="en-US" sz="2000" kern="1200">
-              <a:solidFill>
-                <a:prstClr val="black">
-                  <a:hueOff val="0"/>
-                  <a:satOff val="0"/>
-                  <a:lumOff val="0"/>
-                  <a:alphaOff val="0"/>
-                </a:prstClr>
-              </a:solidFill>
-              <a:latin typeface="Calibri"/>
-              <a:ea typeface="+mn-ea"/>
-              <a:cs typeface="+mn-cs"/>
-            </a:rPr>
-            <a:t> No. </a:t>
-          </a:r>
-          <a:r>
-            <a:rPr lang="en-US" sz="2000" kern="1200" dirty="0">
-              <a:solidFill>
-                <a:prstClr val="black">
-                  <a:hueOff val="0"/>
-                  <a:satOff val="0"/>
-                  <a:lumOff val="0"/>
-                  <a:alphaOff val="0"/>
-                </a:prstClr>
-              </a:solidFill>
-              <a:latin typeface="Calibri"/>
-              <a:ea typeface="+mn-ea"/>
-              <a:cs typeface="+mn-cs"/>
-            </a:rPr>
-            <a:t>of holidays in a week</a:t>
-          </a:r>
-        </a:p>
-      </dgm:t>
-    </dgm:pt>
-    <dgm:pt modelId="{996CFF29-34CF-43EF-945A-BEADFDE4D3AF}" type="parTrans" cxnId="{96EC868F-8E08-40A7-BF52-91296031481E}">
-      <dgm:prSet/>
-      <dgm:spPr/>
-      <dgm:t>
-        <a:bodyPr/>
-        <a:lstStyle/>
-        <a:p>
-          <a:endParaRPr lang="en-US"/>
-        </a:p>
-      </dgm:t>
-    </dgm:pt>
-    <dgm:pt modelId="{983C4643-204A-434A-BB58-D0BE387E95E5}" type="sibTrans" cxnId="{96EC868F-8E08-40A7-BF52-91296031481E}">
-      <dgm:prSet/>
-      <dgm:spPr/>
-      <dgm:t>
-        <a:bodyPr/>
-        <a:lstStyle/>
-        <a:p>
-          <a:endParaRPr lang="en-US"/>
-        </a:p>
-      </dgm:t>
-    </dgm:pt>
-    <dgm:pt modelId="{F7360E30-A759-496B-AB03-C1A6DE71D45E}">
-      <dgm:prSet phldrT="[Text]" custT="1"/>
-      <dgm:spPr/>
-      <dgm:t>
-        <a:bodyPr/>
-        <a:lstStyle/>
-        <a:p>
-          <a:r>
-            <a:rPr lang="en-US" sz="2200" dirty="0"/>
-            <a:t>Mass Products</a:t>
-          </a:r>
-        </a:p>
-      </dgm:t>
-    </dgm:pt>
-    <dgm:pt modelId="{1273C0E9-E614-425D-805D-B7B9E6F47118}" type="sibTrans" cxnId="{42DD1A32-1832-4A63-83C6-678F95F04A94}">
-      <dgm:prSet/>
-      <dgm:spPr/>
-      <dgm:t>
-        <a:bodyPr/>
-        <a:lstStyle/>
-        <a:p>
-          <a:endParaRPr lang="en-US"/>
-        </a:p>
-      </dgm:t>
-    </dgm:pt>
-    <dgm:pt modelId="{FF62E91D-BB00-4012-8048-7C8235A59E6C}" type="parTrans" cxnId="{42DD1A32-1832-4A63-83C6-678F95F04A94}">
-      <dgm:prSet/>
-      <dgm:spPr/>
-      <dgm:t>
-        <a:bodyPr/>
-        <a:lstStyle/>
-        <a:p>
-          <a:endParaRPr lang="en-US"/>
-        </a:p>
-      </dgm:t>
-    </dgm:pt>
-    <dgm:pt modelId="{519BFAA6-674C-4912-B3F6-00F8CB7A1351}" type="pres">
-      <dgm:prSet presAssocID="{6CA08D67-93E0-4429-ACE4-86D5DC40BDAA}" presName="Name0" presStyleCnt="0">
+    <dgm:pt modelId="{7E3C2565-9C10-4974-B3FF-8C3690A9BF6E}" type="pres">
+      <dgm:prSet presAssocID="{3E012CA5-3234-4045-B6F0-1293A860C315}" presName="Name0" presStyleCnt="0">
         <dgm:presLayoutVars>
           <dgm:dir/>
           <dgm:animLvl val="lvl"/>
@@ -1743,12 +3275,12 @@
       </dgm:prSet>
       <dgm:spPr/>
     </dgm:pt>
-    <dgm:pt modelId="{DFFE242A-DCE8-4CD3-9671-87E92A0677BD}" type="pres">
-      <dgm:prSet presAssocID="{34087479-F0AE-4A1A-B6B4-4B747F2997BA}" presName="linNode" presStyleCnt="0"/>
-      <dgm:spPr/>
-    </dgm:pt>
-    <dgm:pt modelId="{E361F646-9974-4145-AD8C-807C7DEED68F}" type="pres">
-      <dgm:prSet presAssocID="{34087479-F0AE-4A1A-B6B4-4B747F2997BA}" presName="parentText" presStyleLbl="node1" presStyleIdx="0" presStyleCnt="8">
+    <dgm:pt modelId="{F75DBAC4-1082-40BD-92B2-0678CEFF64D1}" type="pres">
+      <dgm:prSet presAssocID="{76095E72-8374-4328-80CB-874715F40233}" presName="linNode" presStyleCnt="0"/>
+      <dgm:spPr/>
+    </dgm:pt>
+    <dgm:pt modelId="{5AC7EBF8-ED2B-4B5D-AE10-A1B274D2AD61}" type="pres">
+      <dgm:prSet presAssocID="{76095E72-8374-4328-80CB-874715F40233}" presName="parentText" presStyleLbl="node1" presStyleIdx="0" presStyleCnt="6">
         <dgm:presLayoutVars>
           <dgm:chMax val="1"/>
           <dgm:bulletEnabled val="1"/>
@@ -1756,32 +3288,24 @@
       </dgm:prSet>
       <dgm:spPr/>
     </dgm:pt>
-    <dgm:pt modelId="{50D69F41-1720-4EB4-83B0-676728DBED89}" type="pres">
-      <dgm:prSet presAssocID="{34087479-F0AE-4A1A-B6B4-4B747F2997BA}" presName="descendantText" presStyleLbl="alignAccFollowNode1" presStyleIdx="0" presStyleCnt="8">
+    <dgm:pt modelId="{BDB303D5-8C68-41C2-8FE4-5C8BE78D4037}" type="pres">
+      <dgm:prSet presAssocID="{76095E72-8374-4328-80CB-874715F40233}" presName="descendantText" presStyleLbl="alignAccFollowNode1" presStyleIdx="0" presStyleCnt="6">
         <dgm:presLayoutVars>
           <dgm:bulletEnabled val="1"/>
         </dgm:presLayoutVars>
       </dgm:prSet>
-      <dgm:spPr>
-        <a:xfrm rot="5400000">
-          <a:off x="7346279" y="-3262728"/>
-          <a:ext cx="498164" cy="7148576"/>
-        </a:xfrm>
-        <a:prstGeom prst="round2SameRect">
-          <a:avLst/>
-        </a:prstGeom>
-      </dgm:spPr>
-    </dgm:pt>
-    <dgm:pt modelId="{E99B9D84-08D7-4E7A-B112-2C4C6146B8EF}" type="pres">
-      <dgm:prSet presAssocID="{B70C2DCC-500B-442C-900D-F984241C40EF}" presName="sp" presStyleCnt="0"/>
-      <dgm:spPr/>
-    </dgm:pt>
-    <dgm:pt modelId="{BCF65D6F-AF8C-44E0-861A-AB93C40BEBEA}" type="pres">
-      <dgm:prSet presAssocID="{4A9DCC43-9E2C-4D39-AF80-E9AD60DE4FB1}" presName="linNode" presStyleCnt="0"/>
-      <dgm:spPr/>
-    </dgm:pt>
-    <dgm:pt modelId="{51C22672-416C-4942-9832-5084577AA31E}" type="pres">
-      <dgm:prSet presAssocID="{4A9DCC43-9E2C-4D39-AF80-E9AD60DE4FB1}" presName="parentText" presStyleLbl="node1" presStyleIdx="1" presStyleCnt="8">
+      <dgm:spPr/>
+    </dgm:pt>
+    <dgm:pt modelId="{47205CF9-A9DB-4E61-A914-6A732B3BB128}" type="pres">
+      <dgm:prSet presAssocID="{FF55DFE3-AE05-4BB2-BE95-CAA2A80CDEBF}" presName="sp" presStyleCnt="0"/>
+      <dgm:spPr/>
+    </dgm:pt>
+    <dgm:pt modelId="{F4E71AC2-328D-4CBD-8C35-B577EB3D7DF2}" type="pres">
+      <dgm:prSet presAssocID="{14C22DC9-AE1A-4D54-9056-FC3F41A06AB3}" presName="linNode" presStyleCnt="0"/>
+      <dgm:spPr/>
+    </dgm:pt>
+    <dgm:pt modelId="{2EBDA4C6-D805-4FFA-B347-54243C7AAA63}" type="pres">
+      <dgm:prSet presAssocID="{14C22DC9-AE1A-4D54-9056-FC3F41A06AB3}" presName="parentText" presStyleLbl="node1" presStyleIdx="1" presStyleCnt="6">
         <dgm:presLayoutVars>
           <dgm:chMax val="1"/>
           <dgm:bulletEnabled val="1"/>
@@ -1789,32 +3313,24 @@
       </dgm:prSet>
       <dgm:spPr/>
     </dgm:pt>
-    <dgm:pt modelId="{90C408DC-CC2F-4E5E-A9BF-53462E6A438B}" type="pres">
-      <dgm:prSet presAssocID="{4A9DCC43-9E2C-4D39-AF80-E9AD60DE4FB1}" presName="descendantText" presStyleLbl="alignAccFollowNode1" presStyleIdx="1" presStyleCnt="8">
+    <dgm:pt modelId="{E91A00CA-F6E6-47DC-832D-61F8BBF972FC}" type="pres">
+      <dgm:prSet presAssocID="{14C22DC9-AE1A-4D54-9056-FC3F41A06AB3}" presName="descendantText" presStyleLbl="alignAccFollowNode1" presStyleIdx="1" presStyleCnt="6">
         <dgm:presLayoutVars>
           <dgm:bulletEnabled val="1"/>
         </dgm:presLayoutVars>
       </dgm:prSet>
-      <dgm:spPr>
-        <a:xfrm rot="5400000">
-          <a:off x="7346279" y="-2608888"/>
-          <a:ext cx="498164" cy="7148576"/>
-        </a:xfrm>
-        <a:prstGeom prst="round2SameRect">
-          <a:avLst/>
-        </a:prstGeom>
-      </dgm:spPr>
-    </dgm:pt>
-    <dgm:pt modelId="{4414B9D9-973C-4A84-8BD9-B75A6F84FAAB}" type="pres">
-      <dgm:prSet presAssocID="{44768917-BF4C-4DBD-B31D-E7CAF3DD8BCE}" presName="sp" presStyleCnt="0"/>
-      <dgm:spPr/>
-    </dgm:pt>
-    <dgm:pt modelId="{4F4CEFDD-1837-4F37-BF88-AB7A7B379056}" type="pres">
-      <dgm:prSet presAssocID="{A1D02023-4DF6-4EF9-81D0-81771FB788AE}" presName="linNode" presStyleCnt="0"/>
-      <dgm:spPr/>
-    </dgm:pt>
-    <dgm:pt modelId="{B884C136-2653-4C69-921D-91939C196B5B}" type="pres">
-      <dgm:prSet presAssocID="{A1D02023-4DF6-4EF9-81D0-81771FB788AE}" presName="parentText" presStyleLbl="node1" presStyleIdx="2" presStyleCnt="8">
+      <dgm:spPr/>
+    </dgm:pt>
+    <dgm:pt modelId="{32DA6662-CA0B-4D96-B358-BC0D9FB36D3B}" type="pres">
+      <dgm:prSet presAssocID="{D1A4A1FF-8B3A-4F72-93CA-DA25B0183036}" presName="sp" presStyleCnt="0"/>
+      <dgm:spPr/>
+    </dgm:pt>
+    <dgm:pt modelId="{26E4EE2E-FAC2-4A46-A9EB-F32E7606242C}" type="pres">
+      <dgm:prSet presAssocID="{E05A0AAB-6F20-48EA-903F-42682AEE2F75}" presName="linNode" presStyleCnt="0"/>
+      <dgm:spPr/>
+    </dgm:pt>
+    <dgm:pt modelId="{508458C7-E3A6-4B11-AFA6-634F22CD5570}" type="pres">
+      <dgm:prSet presAssocID="{E05A0AAB-6F20-48EA-903F-42682AEE2F75}" presName="parentText" presStyleLbl="node1" presStyleIdx="2" presStyleCnt="6">
         <dgm:presLayoutVars>
           <dgm:chMax val="1"/>
           <dgm:bulletEnabled val="1"/>
@@ -1822,32 +3338,24 @@
       </dgm:prSet>
       <dgm:spPr/>
     </dgm:pt>
-    <dgm:pt modelId="{1225CF5C-708C-495D-B13D-39E92E264DD5}" type="pres">
-      <dgm:prSet presAssocID="{A1D02023-4DF6-4EF9-81D0-81771FB788AE}" presName="descendantText" presStyleLbl="alignAccFollowNode1" presStyleIdx="2" presStyleCnt="8">
+    <dgm:pt modelId="{0BB85DF4-B5DF-4B16-B9B9-ACE0D54C63A1}" type="pres">
+      <dgm:prSet presAssocID="{E05A0AAB-6F20-48EA-903F-42682AEE2F75}" presName="descendantText" presStyleLbl="alignAccFollowNode1" presStyleIdx="2" presStyleCnt="6">
         <dgm:presLayoutVars>
           <dgm:bulletEnabled val="1"/>
         </dgm:presLayoutVars>
       </dgm:prSet>
-      <dgm:spPr>
-        <a:xfrm rot="5400000">
-          <a:off x="7346279" y="-1955047"/>
-          <a:ext cx="498164" cy="7148576"/>
-        </a:xfrm>
-        <a:prstGeom prst="round2SameRect">
-          <a:avLst/>
-        </a:prstGeom>
-      </dgm:spPr>
-    </dgm:pt>
-    <dgm:pt modelId="{715BC180-A7F6-45D3-8891-5EBC712E5C7B}" type="pres">
-      <dgm:prSet presAssocID="{3D90B53B-D54F-4E45-9B2F-C6453A986791}" presName="sp" presStyleCnt="0"/>
-      <dgm:spPr/>
-    </dgm:pt>
-    <dgm:pt modelId="{ECC68A46-E982-4408-AF55-F0910BA6019A}" type="pres">
-      <dgm:prSet presAssocID="{A685CDB4-262D-473D-B123-185DE6C92145}" presName="linNode" presStyleCnt="0"/>
-      <dgm:spPr/>
-    </dgm:pt>
-    <dgm:pt modelId="{91782B88-FB52-4C91-84E7-AAA7BA1AB728}" type="pres">
-      <dgm:prSet presAssocID="{A685CDB4-262D-473D-B123-185DE6C92145}" presName="parentText" presStyleLbl="node1" presStyleIdx="3" presStyleCnt="8">
+      <dgm:spPr/>
+    </dgm:pt>
+    <dgm:pt modelId="{B118731D-FF67-4D23-A709-E4963BE8744F}" type="pres">
+      <dgm:prSet presAssocID="{58750619-5E05-4C0A-8A86-8A826A5BE945}" presName="sp" presStyleCnt="0"/>
+      <dgm:spPr/>
+    </dgm:pt>
+    <dgm:pt modelId="{24362871-BD6D-4C96-AFF9-CD6833BCF1BC}" type="pres">
+      <dgm:prSet presAssocID="{17D628FC-89FF-4AB2-950B-8F3B120FEC97}" presName="linNode" presStyleCnt="0"/>
+      <dgm:spPr/>
+    </dgm:pt>
+    <dgm:pt modelId="{E2B8142F-E7C4-4A90-B1D8-7BA52262D892}" type="pres">
+      <dgm:prSet presAssocID="{17D628FC-89FF-4AB2-950B-8F3B120FEC97}" presName="parentText" presStyleLbl="node1" presStyleIdx="3" presStyleCnt="6">
         <dgm:presLayoutVars>
           <dgm:chMax val="1"/>
           <dgm:bulletEnabled val="1"/>
@@ -1855,24 +3363,24 @@
       </dgm:prSet>
       <dgm:spPr/>
     </dgm:pt>
-    <dgm:pt modelId="{E69427B1-DAEF-4178-8671-CB46A3E78B47}" type="pres">
-      <dgm:prSet presAssocID="{A685CDB4-262D-473D-B123-185DE6C92145}" presName="descendantText" presStyleLbl="alignAccFollowNode1" presStyleIdx="3" presStyleCnt="8">
+    <dgm:pt modelId="{076F41F0-3E2C-475B-BDEF-6AF649264A80}" type="pres">
+      <dgm:prSet presAssocID="{17D628FC-89FF-4AB2-950B-8F3B120FEC97}" presName="descendantText" presStyleLbl="alignAccFollowNode1" presStyleIdx="3" presStyleCnt="6">
         <dgm:presLayoutVars>
           <dgm:bulletEnabled val="1"/>
         </dgm:presLayoutVars>
       </dgm:prSet>
       <dgm:spPr/>
     </dgm:pt>
-    <dgm:pt modelId="{210CCC33-C7BA-42C1-B202-F8BE93832037}" type="pres">
-      <dgm:prSet presAssocID="{899F7100-8D0A-450A-8ED6-3550B210CD6F}" presName="sp" presStyleCnt="0"/>
-      <dgm:spPr/>
-    </dgm:pt>
-    <dgm:pt modelId="{B50E47FF-1A0A-424F-9A8A-4F37AE3E8686}" type="pres">
-      <dgm:prSet presAssocID="{F7360E30-A759-496B-AB03-C1A6DE71D45E}" presName="linNode" presStyleCnt="0"/>
-      <dgm:spPr/>
-    </dgm:pt>
-    <dgm:pt modelId="{8A4BC7FF-A577-4183-9CD3-6C507D7E35C7}" type="pres">
-      <dgm:prSet presAssocID="{F7360E30-A759-496B-AB03-C1A6DE71D45E}" presName="parentText" presStyleLbl="node1" presStyleIdx="4" presStyleCnt="8">
+    <dgm:pt modelId="{04760906-D0B7-4C23-98EE-681C382B03AC}" type="pres">
+      <dgm:prSet presAssocID="{8A4DEC68-5204-4163-B010-AF03A67DFEF0}" presName="sp" presStyleCnt="0"/>
+      <dgm:spPr/>
+    </dgm:pt>
+    <dgm:pt modelId="{EE01C6F1-637B-458B-9720-39E6CB6CB966}" type="pres">
+      <dgm:prSet presAssocID="{58CA060E-FC7B-40AE-8F3E-31CE9CE1BF14}" presName="linNode" presStyleCnt="0"/>
+      <dgm:spPr/>
+    </dgm:pt>
+    <dgm:pt modelId="{B71A80D3-5ADC-4DE0-9056-7D728CEBFA8E}" type="pres">
+      <dgm:prSet presAssocID="{58CA060E-FC7B-40AE-8F3E-31CE9CE1BF14}" presName="parentText" presStyleLbl="node1" presStyleIdx="4" presStyleCnt="6">
         <dgm:presLayoutVars>
           <dgm:chMax val="1"/>
           <dgm:bulletEnabled val="1"/>
@@ -1880,24 +3388,24 @@
       </dgm:prSet>
       <dgm:spPr/>
     </dgm:pt>
-    <dgm:pt modelId="{502B50DC-DC0C-448D-9BAB-177189A88DD3}" type="pres">
-      <dgm:prSet presAssocID="{F7360E30-A759-496B-AB03-C1A6DE71D45E}" presName="descendantText" presStyleLbl="alignAccFollowNode1" presStyleIdx="4" presStyleCnt="8">
+    <dgm:pt modelId="{C8E0CE8E-FD7B-4A99-A833-1899627904B6}" type="pres">
+      <dgm:prSet presAssocID="{58CA060E-FC7B-40AE-8F3E-31CE9CE1BF14}" presName="descendantText" presStyleLbl="alignAccFollowNode1" presStyleIdx="4" presStyleCnt="6">
         <dgm:presLayoutVars>
           <dgm:bulletEnabled val="1"/>
         </dgm:presLayoutVars>
       </dgm:prSet>
       <dgm:spPr/>
     </dgm:pt>
-    <dgm:pt modelId="{D9D04707-C51B-4A7A-B5D3-D8864EFE45FF}" type="pres">
-      <dgm:prSet presAssocID="{1273C0E9-E614-425D-805D-B7B9E6F47118}" presName="sp" presStyleCnt="0"/>
-      <dgm:spPr/>
-    </dgm:pt>
-    <dgm:pt modelId="{D909A8EA-7D20-4FA2-A672-79E304C23D87}" type="pres">
-      <dgm:prSet presAssocID="{EE23E897-9EE9-46AC-8638-8F0C1B688E82}" presName="linNode" presStyleCnt="0"/>
-      <dgm:spPr/>
-    </dgm:pt>
-    <dgm:pt modelId="{2B654352-FA6E-40AC-9E52-711F843B81CA}" type="pres">
-      <dgm:prSet presAssocID="{EE23E897-9EE9-46AC-8638-8F0C1B688E82}" presName="parentText" presStyleLbl="node1" presStyleIdx="5" presStyleCnt="8">
+    <dgm:pt modelId="{D20DA343-4A8A-4C4C-8C2C-F2008E6E8363}" type="pres">
+      <dgm:prSet presAssocID="{4C080F2F-D6E4-43BF-B397-7EEEF612F82E}" presName="sp" presStyleCnt="0"/>
+      <dgm:spPr/>
+    </dgm:pt>
+    <dgm:pt modelId="{20CB55E1-0641-4CE2-80AC-546B1DAB2E78}" type="pres">
+      <dgm:prSet presAssocID="{3FC8DBFE-E05D-4839-B02E-1FD810396429}" presName="linNode" presStyleCnt="0"/>
+      <dgm:spPr/>
+    </dgm:pt>
+    <dgm:pt modelId="{0E7CF6A8-389F-4155-87E5-1BD950EE0CE2}" type="pres">
+      <dgm:prSet presAssocID="{3FC8DBFE-E05D-4839-B02E-1FD810396429}" presName="parentText" presStyleLbl="node1" presStyleIdx="5" presStyleCnt="6">
         <dgm:presLayoutVars>
           <dgm:chMax val="1"/>
           <dgm:bulletEnabled val="1"/>
@@ -1905,138 +3413,72 @@
       </dgm:prSet>
       <dgm:spPr/>
     </dgm:pt>
-    <dgm:pt modelId="{59EEB785-2133-492C-96DA-7AA76CA09541}" type="pres">
-      <dgm:prSet presAssocID="{EE23E897-9EE9-46AC-8638-8F0C1B688E82}" presName="descendantText" presStyleLbl="alignAccFollowNode1" presStyleIdx="5" presStyleCnt="8">
+    <dgm:pt modelId="{D4F05393-F037-45E6-BCF1-0AF34393EADE}" type="pres">
+      <dgm:prSet presAssocID="{3FC8DBFE-E05D-4839-B02E-1FD810396429}" presName="descendantText" presStyleLbl="alignAccFollowNode1" presStyleIdx="5" presStyleCnt="6">
         <dgm:presLayoutVars>
           <dgm:bulletEnabled val="1"/>
         </dgm:presLayoutVars>
       </dgm:prSet>
       <dgm:spPr/>
     </dgm:pt>
-    <dgm:pt modelId="{78451BC3-F1B1-43E4-9757-5D67FC246CBB}" type="pres">
-      <dgm:prSet presAssocID="{D13B30A1-590F-4BEF-984A-F16B4D4D9879}" presName="sp" presStyleCnt="0"/>
-      <dgm:spPr/>
-    </dgm:pt>
-    <dgm:pt modelId="{DAC156C8-3EF0-4EF8-93AF-B6AE40D06CA2}" type="pres">
-      <dgm:prSet presAssocID="{ADBD1DB8-67CC-4F95-84C9-7EAC19FF26B8}" presName="linNode" presStyleCnt="0"/>
-      <dgm:spPr/>
-    </dgm:pt>
-    <dgm:pt modelId="{BF36C0E9-366A-453F-8561-F7F6C4CFCFD6}" type="pres">
-      <dgm:prSet presAssocID="{ADBD1DB8-67CC-4F95-84C9-7EAC19FF26B8}" presName="parentText" presStyleLbl="node1" presStyleIdx="6" presStyleCnt="8">
-        <dgm:presLayoutVars>
-          <dgm:chMax val="1"/>
-          <dgm:bulletEnabled val="1"/>
-        </dgm:presLayoutVars>
-      </dgm:prSet>
-      <dgm:spPr/>
-    </dgm:pt>
-    <dgm:pt modelId="{6EBB7F6A-8D16-4A8A-8D3C-BF4FAFDB044F}" type="pres">
-      <dgm:prSet presAssocID="{ADBD1DB8-67CC-4F95-84C9-7EAC19FF26B8}" presName="descendantText" presStyleLbl="alignAccFollowNode1" presStyleIdx="6" presStyleCnt="8">
-        <dgm:presLayoutVars>
-          <dgm:bulletEnabled val="1"/>
-        </dgm:presLayoutVars>
-      </dgm:prSet>
-      <dgm:spPr/>
-    </dgm:pt>
-    <dgm:pt modelId="{72D6DE19-571F-4A0C-A0E1-E2582067037B}" type="pres">
-      <dgm:prSet presAssocID="{BE0A1070-C050-48C8-9D53-52782795BDE9}" presName="sp" presStyleCnt="0"/>
-      <dgm:spPr/>
-    </dgm:pt>
-    <dgm:pt modelId="{E5A0E5C7-A3C6-45FE-BA2D-187D9DB780C0}" type="pres">
-      <dgm:prSet presAssocID="{3332E1C4-A310-4BAA-A569-220A55A38817}" presName="linNode" presStyleCnt="0"/>
-      <dgm:spPr/>
-    </dgm:pt>
-    <dgm:pt modelId="{8D38D577-B09E-4036-8E25-9D967F700D95}" type="pres">
-      <dgm:prSet presAssocID="{3332E1C4-A310-4BAA-A569-220A55A38817}" presName="parentText" presStyleLbl="node1" presStyleIdx="7" presStyleCnt="8">
-        <dgm:presLayoutVars>
-          <dgm:chMax val="1"/>
-          <dgm:bulletEnabled val="1"/>
-        </dgm:presLayoutVars>
-      </dgm:prSet>
-      <dgm:spPr/>
-    </dgm:pt>
-    <dgm:pt modelId="{C5CBE9F4-7D51-412A-9393-39BE2C91EB8B}" type="pres">
-      <dgm:prSet presAssocID="{3332E1C4-A310-4BAA-A569-220A55A38817}" presName="descendantText" presStyleLbl="alignAccFollowNode1" presStyleIdx="7" presStyleCnt="8">
-        <dgm:presLayoutVars>
-          <dgm:bulletEnabled val="1"/>
-        </dgm:presLayoutVars>
-      </dgm:prSet>
-      <dgm:spPr>
-        <a:xfrm rot="5400000">
-          <a:off x="7346279" y="1314156"/>
-          <a:ext cx="498164" cy="7148576"/>
-        </a:xfrm>
-        <a:prstGeom prst="round2SameRect">
-          <a:avLst/>
-        </a:prstGeom>
-      </dgm:spPr>
-    </dgm:pt>
   </dgm:ptLst>
   <dgm:cxnLst>
-    <dgm:cxn modelId="{8E8BDB0A-5837-465F-A29D-2B240EE47C40}" srcId="{6CA08D67-93E0-4429-ACE4-86D5DC40BDAA}" destId="{3332E1C4-A310-4BAA-A569-220A55A38817}" srcOrd="7" destOrd="0" parTransId="{5DF448F5-2E4C-4852-AC8F-07D9EC1BC0F0}" sibTransId="{FF370D77-7DB9-483B-AD07-35C7BBBD761A}"/>
-    <dgm:cxn modelId="{006B6911-6FF2-4C15-BAF1-201F01619986}" type="presOf" srcId="{3332E1C4-A310-4BAA-A569-220A55A38817}" destId="{8D38D577-B09E-4036-8E25-9D967F700D95}" srcOrd="0" destOrd="0" presId="urn:microsoft.com/office/officeart/2005/8/layout/vList5"/>
-    <dgm:cxn modelId="{33655215-6E18-43C6-8DF5-5114E0020EEA}" type="presOf" srcId="{4A9DCC43-9E2C-4D39-AF80-E9AD60DE4FB1}" destId="{51C22672-416C-4942-9832-5084577AA31E}" srcOrd="0" destOrd="0" presId="urn:microsoft.com/office/officeart/2005/8/layout/vList5"/>
-    <dgm:cxn modelId="{7D52761A-54FC-44A1-8FD8-B56ED3AADEDF}" type="presOf" srcId="{2F833814-1B3F-4F2E-9B9B-1DD54BD41F8D}" destId="{59EEB785-2133-492C-96DA-7AA76CA09541}" srcOrd="0" destOrd="0" presId="urn:microsoft.com/office/officeart/2005/8/layout/vList5"/>
-    <dgm:cxn modelId="{17555131-9040-4FA9-9F93-7AA123402C0E}" type="presOf" srcId="{2992C88F-CA25-4B33-9D5F-575C100E77E5}" destId="{50D69F41-1720-4EB4-83B0-676728DBED89}" srcOrd="0" destOrd="0" presId="urn:microsoft.com/office/officeart/2005/8/layout/vList5"/>
-    <dgm:cxn modelId="{42DD1A32-1832-4A63-83C6-678F95F04A94}" srcId="{6CA08D67-93E0-4429-ACE4-86D5DC40BDAA}" destId="{F7360E30-A759-496B-AB03-C1A6DE71D45E}" srcOrd="4" destOrd="0" parTransId="{FF62E91D-BB00-4012-8048-7C8235A59E6C}" sibTransId="{1273C0E9-E614-425D-805D-B7B9E6F47118}"/>
-    <dgm:cxn modelId="{8DD0AF32-B7C3-4D3E-9547-BB305D870FC3}" type="presOf" srcId="{25C0B545-03D1-48AF-93DE-65ADFBD734B8}" destId="{E69427B1-DAEF-4178-8671-CB46A3E78B47}" srcOrd="0" destOrd="0" presId="urn:microsoft.com/office/officeart/2005/8/layout/vList5"/>
-    <dgm:cxn modelId="{3A246337-1A37-4971-96B5-C687353AAE04}" type="presOf" srcId="{34087479-F0AE-4A1A-B6B4-4B747F2997BA}" destId="{E361F646-9974-4145-AD8C-807C7DEED68F}" srcOrd="0" destOrd="0" presId="urn:microsoft.com/office/officeart/2005/8/layout/vList5"/>
-    <dgm:cxn modelId="{473E8E37-22AF-4809-9FB4-E98025C2984E}" srcId="{EE23E897-9EE9-46AC-8638-8F0C1B688E82}" destId="{2F833814-1B3F-4F2E-9B9B-1DD54BD41F8D}" srcOrd="0" destOrd="0" parTransId="{74D4ADE5-BF57-4B65-A451-DA587958CF5B}" sibTransId="{9CADE847-F562-48E1-ADE5-6233E1BCEB7C}"/>
-    <dgm:cxn modelId="{9F0DFE3F-F9CF-43E0-8E85-FD42FC76FEC9}" type="presOf" srcId="{1E2C4603-F25B-4E84-86DB-D6CE06BF6F90}" destId="{90C408DC-CC2F-4E5E-A9BF-53462E6A438B}" srcOrd="0" destOrd="0" presId="urn:microsoft.com/office/officeart/2005/8/layout/vList5"/>
-    <dgm:cxn modelId="{A89BBE5C-7082-4519-AABF-9ACCA86AAF25}" srcId="{ADBD1DB8-67CC-4F95-84C9-7EAC19FF26B8}" destId="{70372D79-BB78-45ED-B6F2-7B0F0BAE1944}" srcOrd="0" destOrd="0" parTransId="{43D8C67D-8D57-4F15-B454-3355EB21820D}" sibTransId="{457C6F92-D74C-4D97-BBBA-6C578AA5516A}"/>
-    <dgm:cxn modelId="{8BA89468-5A97-420F-9C53-5E17D53C36C5}" srcId="{6CA08D67-93E0-4429-ACE4-86D5DC40BDAA}" destId="{4A9DCC43-9E2C-4D39-AF80-E9AD60DE4FB1}" srcOrd="1" destOrd="0" parTransId="{00C36670-8210-4548-A6C4-B5E4AED7A416}" sibTransId="{44768917-BF4C-4DBD-B31D-E7CAF3DD8BCE}"/>
-    <dgm:cxn modelId="{7956F654-54DE-48F9-9C58-9DD71B979722}" srcId="{4A9DCC43-9E2C-4D39-AF80-E9AD60DE4FB1}" destId="{1E2C4603-F25B-4E84-86DB-D6CE06BF6F90}" srcOrd="0" destOrd="0" parTransId="{917B060C-B860-4691-9E53-B4F50708CA7F}" sibTransId="{169A709E-44F6-489B-94A0-FB56584E3479}"/>
-    <dgm:cxn modelId="{3D515A7C-49DD-4DF4-8F4A-09D21F108060}" srcId="{F7360E30-A759-496B-AB03-C1A6DE71D45E}" destId="{1672A790-9D6F-4517-9A47-7C32BD966C44}" srcOrd="0" destOrd="0" parTransId="{E4150EEF-3A3D-4208-BDFB-D09B82B529B9}" sibTransId="{E99D5011-47A5-45EE-A92A-68B03EF3910D}"/>
-    <dgm:cxn modelId="{141EB986-6C6F-4220-AAE1-897783AD5C88}" type="presOf" srcId="{A685CDB4-262D-473D-B123-185DE6C92145}" destId="{91782B88-FB52-4C91-84E7-AAA7BA1AB728}" srcOrd="0" destOrd="0" presId="urn:microsoft.com/office/officeart/2005/8/layout/vList5"/>
-    <dgm:cxn modelId="{A344EB87-33CA-4DBA-BF73-62ACBCB11D08}" srcId="{6CA08D67-93E0-4429-ACE4-86D5DC40BDAA}" destId="{A685CDB4-262D-473D-B123-185DE6C92145}" srcOrd="3" destOrd="0" parTransId="{72C0943B-6A91-4357-BF4A-E753F25699CA}" sibTransId="{899F7100-8D0A-450A-8ED6-3550B210CD6F}"/>
-    <dgm:cxn modelId="{96EC868F-8E08-40A7-BF52-91296031481E}" srcId="{3332E1C4-A310-4BAA-A569-220A55A38817}" destId="{BB8AA23C-4022-4C6A-A6F1-B61F1A230F18}" srcOrd="0" destOrd="0" parTransId="{996CFF29-34CF-43EF-945A-BEADFDE4D3AF}" sibTransId="{983C4643-204A-434A-BB58-D0BE387E95E5}"/>
-    <dgm:cxn modelId="{263CA393-16C4-45D7-9C6A-FD60F847283F}" srcId="{34087479-F0AE-4A1A-B6B4-4B747F2997BA}" destId="{2992C88F-CA25-4B33-9D5F-575C100E77E5}" srcOrd="0" destOrd="0" parTransId="{F75D47A3-603F-4CA7-808C-DA402D5892A5}" sibTransId="{89145D1F-E124-4A26-8031-4F61CF217686}"/>
-    <dgm:cxn modelId="{D765AF9E-AF96-4F5A-BABA-509A9EEBA77F}" type="presOf" srcId="{A1D02023-4DF6-4EF9-81D0-81771FB788AE}" destId="{B884C136-2653-4C69-921D-91939C196B5B}" srcOrd="0" destOrd="0" presId="urn:microsoft.com/office/officeart/2005/8/layout/vList5"/>
-    <dgm:cxn modelId="{691E639F-E797-46D7-B2AC-FB11F939DE78}" type="presOf" srcId="{70372D79-BB78-45ED-B6F2-7B0F0BAE1944}" destId="{6EBB7F6A-8D16-4A8A-8D3C-BF4FAFDB044F}" srcOrd="0" destOrd="0" presId="urn:microsoft.com/office/officeart/2005/8/layout/vList5"/>
-    <dgm:cxn modelId="{EDC6B1B2-F9A4-427C-8EC4-2B1B1C8465FB}" srcId="{A1D02023-4DF6-4EF9-81D0-81771FB788AE}" destId="{421AB774-AC35-460E-9554-0EF53FED934A}" srcOrd="0" destOrd="0" parTransId="{F45FCFA9-9C3E-4901-8B93-87F4F83AD67D}" sibTransId="{44B5E31D-8ABD-4CD6-B5F1-04D45C2F4533}"/>
-    <dgm:cxn modelId="{169E40B5-2246-4623-A4C7-DE943B130296}" type="presOf" srcId="{6CA08D67-93E0-4429-ACE4-86D5DC40BDAA}" destId="{519BFAA6-674C-4912-B3F6-00F8CB7A1351}" srcOrd="0" destOrd="0" presId="urn:microsoft.com/office/officeart/2005/8/layout/vList5"/>
-    <dgm:cxn modelId="{770295B8-549F-4B8F-A707-80FF3D3D5036}" srcId="{6CA08D67-93E0-4429-ACE4-86D5DC40BDAA}" destId="{A1D02023-4DF6-4EF9-81D0-81771FB788AE}" srcOrd="2" destOrd="0" parTransId="{4D339B55-BA8F-4561-92DB-6E32CC818C1E}" sibTransId="{3D90B53B-D54F-4E45-9B2F-C6453A986791}"/>
-    <dgm:cxn modelId="{561428C0-CF75-4563-A80D-E73E50ED2E00}" srcId="{6CA08D67-93E0-4429-ACE4-86D5DC40BDAA}" destId="{34087479-F0AE-4A1A-B6B4-4B747F2997BA}" srcOrd="0" destOrd="0" parTransId="{A355D401-4850-4F85-9064-7CA41FD96703}" sibTransId="{B70C2DCC-500B-442C-900D-F984241C40EF}"/>
-    <dgm:cxn modelId="{78E5E3C7-55FA-4390-B7C4-88D2745E07B4}" srcId="{A685CDB4-262D-473D-B123-185DE6C92145}" destId="{25C0B545-03D1-48AF-93DE-65ADFBD734B8}" srcOrd="0" destOrd="0" parTransId="{633334B7-046B-4B2D-B22E-4379862100FF}" sibTransId="{1565F26C-B64C-4543-BA8F-8B1547046C41}"/>
-    <dgm:cxn modelId="{5776BDCA-5706-4442-BC67-F98EEF6FC788}" srcId="{6CA08D67-93E0-4429-ACE4-86D5DC40BDAA}" destId="{ADBD1DB8-67CC-4F95-84C9-7EAC19FF26B8}" srcOrd="6" destOrd="0" parTransId="{AAC90A82-0584-438C-AB70-E6A660E69350}" sibTransId="{BE0A1070-C050-48C8-9D53-52782795BDE9}"/>
-    <dgm:cxn modelId="{9C2422CF-121F-41F6-9F90-1CB631D324ED}" type="presOf" srcId="{ADBD1DB8-67CC-4F95-84C9-7EAC19FF26B8}" destId="{BF36C0E9-366A-453F-8561-F7F6C4CFCFD6}" srcOrd="0" destOrd="0" presId="urn:microsoft.com/office/officeart/2005/8/layout/vList5"/>
-    <dgm:cxn modelId="{FFA795CF-8054-4DED-A2CF-38AD347D7C2A}" type="presOf" srcId="{EE23E897-9EE9-46AC-8638-8F0C1B688E82}" destId="{2B654352-FA6E-40AC-9E52-711F843B81CA}" srcOrd="0" destOrd="0" presId="urn:microsoft.com/office/officeart/2005/8/layout/vList5"/>
-    <dgm:cxn modelId="{F2770FD6-2ECB-462C-AB2C-3EB765166B53}" type="presOf" srcId="{1672A790-9D6F-4517-9A47-7C32BD966C44}" destId="{502B50DC-DC0C-448D-9BAB-177189A88DD3}" srcOrd="0" destOrd="0" presId="urn:microsoft.com/office/officeart/2005/8/layout/vList5"/>
-    <dgm:cxn modelId="{03B1F5DA-92BA-46A1-9472-1559820675DE}" type="presOf" srcId="{F7360E30-A759-496B-AB03-C1A6DE71D45E}" destId="{8A4BC7FF-A577-4183-9CD3-6C507D7E35C7}" srcOrd="0" destOrd="0" presId="urn:microsoft.com/office/officeart/2005/8/layout/vList5"/>
-    <dgm:cxn modelId="{E1EBB4DE-69ED-418C-A902-8D361FC99D64}" srcId="{6CA08D67-93E0-4429-ACE4-86D5DC40BDAA}" destId="{EE23E897-9EE9-46AC-8638-8F0C1B688E82}" srcOrd="5" destOrd="0" parTransId="{80941724-4F13-43BF-BE91-D51C1460F47A}" sibTransId="{D13B30A1-590F-4BEF-984A-F16B4D4D9879}"/>
-    <dgm:cxn modelId="{A68A3EE4-2C41-4B38-827E-5CF60CBB9648}" type="presOf" srcId="{421AB774-AC35-460E-9554-0EF53FED934A}" destId="{1225CF5C-708C-495D-B13D-39E92E264DD5}" srcOrd="0" destOrd="0" presId="urn:microsoft.com/office/officeart/2005/8/layout/vList5"/>
-    <dgm:cxn modelId="{1E213CEB-8940-4933-ADE5-F229A2453447}" type="presOf" srcId="{BB8AA23C-4022-4C6A-A6F1-B61F1A230F18}" destId="{C5CBE9F4-7D51-412A-9393-39BE2C91EB8B}" srcOrd="0" destOrd="0" presId="urn:microsoft.com/office/officeart/2005/8/layout/vList5"/>
-    <dgm:cxn modelId="{2B815B24-23F0-4D51-9CCB-D3D11268067E}" type="presParOf" srcId="{519BFAA6-674C-4912-B3F6-00F8CB7A1351}" destId="{DFFE242A-DCE8-4CD3-9671-87E92A0677BD}" srcOrd="0" destOrd="0" presId="urn:microsoft.com/office/officeart/2005/8/layout/vList5"/>
-    <dgm:cxn modelId="{567BFA91-FBFD-4932-9B54-6EFFF06BD66A}" type="presParOf" srcId="{DFFE242A-DCE8-4CD3-9671-87E92A0677BD}" destId="{E361F646-9974-4145-AD8C-807C7DEED68F}" srcOrd="0" destOrd="0" presId="urn:microsoft.com/office/officeart/2005/8/layout/vList5"/>
-    <dgm:cxn modelId="{E34D588C-BBA8-4B53-BD59-419BB6BBABD6}" type="presParOf" srcId="{DFFE242A-DCE8-4CD3-9671-87E92A0677BD}" destId="{50D69F41-1720-4EB4-83B0-676728DBED89}" srcOrd="1" destOrd="0" presId="urn:microsoft.com/office/officeart/2005/8/layout/vList5"/>
-    <dgm:cxn modelId="{ED2C4728-33BB-4015-9871-4A03AED9E0A6}" type="presParOf" srcId="{519BFAA6-674C-4912-B3F6-00F8CB7A1351}" destId="{E99B9D84-08D7-4E7A-B112-2C4C6146B8EF}" srcOrd="1" destOrd="0" presId="urn:microsoft.com/office/officeart/2005/8/layout/vList5"/>
-    <dgm:cxn modelId="{A1606DB3-4025-43C9-8E98-FA77F091F1EB}" type="presParOf" srcId="{519BFAA6-674C-4912-B3F6-00F8CB7A1351}" destId="{BCF65D6F-AF8C-44E0-861A-AB93C40BEBEA}" srcOrd="2" destOrd="0" presId="urn:microsoft.com/office/officeart/2005/8/layout/vList5"/>
-    <dgm:cxn modelId="{CC67CC05-F73F-483F-BF2A-C8D10C4E5F02}" type="presParOf" srcId="{BCF65D6F-AF8C-44E0-861A-AB93C40BEBEA}" destId="{51C22672-416C-4942-9832-5084577AA31E}" srcOrd="0" destOrd="0" presId="urn:microsoft.com/office/officeart/2005/8/layout/vList5"/>
-    <dgm:cxn modelId="{C3ED5B69-5E33-41FE-9F0B-4BCD042A09EF}" type="presParOf" srcId="{BCF65D6F-AF8C-44E0-861A-AB93C40BEBEA}" destId="{90C408DC-CC2F-4E5E-A9BF-53462E6A438B}" srcOrd="1" destOrd="0" presId="urn:microsoft.com/office/officeart/2005/8/layout/vList5"/>
-    <dgm:cxn modelId="{23482486-58D9-4566-8E09-0A4F70F8299E}" type="presParOf" srcId="{519BFAA6-674C-4912-B3F6-00F8CB7A1351}" destId="{4414B9D9-973C-4A84-8BD9-B75A6F84FAAB}" srcOrd="3" destOrd="0" presId="urn:microsoft.com/office/officeart/2005/8/layout/vList5"/>
-    <dgm:cxn modelId="{DDDCDE3D-AA12-4B47-980E-9E1A974AF601}" type="presParOf" srcId="{519BFAA6-674C-4912-B3F6-00F8CB7A1351}" destId="{4F4CEFDD-1837-4F37-BF88-AB7A7B379056}" srcOrd="4" destOrd="0" presId="urn:microsoft.com/office/officeart/2005/8/layout/vList5"/>
-    <dgm:cxn modelId="{4E7C08FC-4FD8-4F39-87AD-258F9F842EF6}" type="presParOf" srcId="{4F4CEFDD-1837-4F37-BF88-AB7A7B379056}" destId="{B884C136-2653-4C69-921D-91939C196B5B}" srcOrd="0" destOrd="0" presId="urn:microsoft.com/office/officeart/2005/8/layout/vList5"/>
-    <dgm:cxn modelId="{85B34784-1F34-4C2B-A18A-042968CD718E}" type="presParOf" srcId="{4F4CEFDD-1837-4F37-BF88-AB7A7B379056}" destId="{1225CF5C-708C-495D-B13D-39E92E264DD5}" srcOrd="1" destOrd="0" presId="urn:microsoft.com/office/officeart/2005/8/layout/vList5"/>
-    <dgm:cxn modelId="{DC100096-98B3-42F4-A027-FC23D353A094}" type="presParOf" srcId="{519BFAA6-674C-4912-B3F6-00F8CB7A1351}" destId="{715BC180-A7F6-45D3-8891-5EBC712E5C7B}" srcOrd="5" destOrd="0" presId="urn:microsoft.com/office/officeart/2005/8/layout/vList5"/>
-    <dgm:cxn modelId="{997364EF-4BF9-4959-81F0-69B970F6C7F6}" type="presParOf" srcId="{519BFAA6-674C-4912-B3F6-00F8CB7A1351}" destId="{ECC68A46-E982-4408-AF55-F0910BA6019A}" srcOrd="6" destOrd="0" presId="urn:microsoft.com/office/officeart/2005/8/layout/vList5"/>
-    <dgm:cxn modelId="{685B02AD-C0AD-4A52-B26F-1B0C2CD32208}" type="presParOf" srcId="{ECC68A46-E982-4408-AF55-F0910BA6019A}" destId="{91782B88-FB52-4C91-84E7-AAA7BA1AB728}" srcOrd="0" destOrd="0" presId="urn:microsoft.com/office/officeart/2005/8/layout/vList5"/>
-    <dgm:cxn modelId="{FAF20CC9-0518-4F4E-8F70-A6BACB57464D}" type="presParOf" srcId="{ECC68A46-E982-4408-AF55-F0910BA6019A}" destId="{E69427B1-DAEF-4178-8671-CB46A3E78B47}" srcOrd="1" destOrd="0" presId="urn:microsoft.com/office/officeart/2005/8/layout/vList5"/>
-    <dgm:cxn modelId="{B01FE03E-4613-4762-B544-59F0493EDCC7}" type="presParOf" srcId="{519BFAA6-674C-4912-B3F6-00F8CB7A1351}" destId="{210CCC33-C7BA-42C1-B202-F8BE93832037}" srcOrd="7" destOrd="0" presId="urn:microsoft.com/office/officeart/2005/8/layout/vList5"/>
-    <dgm:cxn modelId="{4F8EDCA8-E7C2-4801-975B-60AA4389EBC3}" type="presParOf" srcId="{519BFAA6-674C-4912-B3F6-00F8CB7A1351}" destId="{B50E47FF-1A0A-424F-9A8A-4F37AE3E8686}" srcOrd="8" destOrd="0" presId="urn:microsoft.com/office/officeart/2005/8/layout/vList5"/>
-    <dgm:cxn modelId="{DF24A669-4C5E-4C4C-BC54-DCCBB3C86D5E}" type="presParOf" srcId="{B50E47FF-1A0A-424F-9A8A-4F37AE3E8686}" destId="{8A4BC7FF-A577-4183-9CD3-6C507D7E35C7}" srcOrd="0" destOrd="0" presId="urn:microsoft.com/office/officeart/2005/8/layout/vList5"/>
-    <dgm:cxn modelId="{4209573A-BBC5-4DE3-BD62-15237064749D}" type="presParOf" srcId="{B50E47FF-1A0A-424F-9A8A-4F37AE3E8686}" destId="{502B50DC-DC0C-448D-9BAB-177189A88DD3}" srcOrd="1" destOrd="0" presId="urn:microsoft.com/office/officeart/2005/8/layout/vList5"/>
-    <dgm:cxn modelId="{9D0F8089-DB53-451B-B94C-B802DBC7737B}" type="presParOf" srcId="{519BFAA6-674C-4912-B3F6-00F8CB7A1351}" destId="{D9D04707-C51B-4A7A-B5D3-D8864EFE45FF}" srcOrd="9" destOrd="0" presId="urn:microsoft.com/office/officeart/2005/8/layout/vList5"/>
-    <dgm:cxn modelId="{3D49804F-2C43-469A-BBD4-FD7F1653FAE4}" type="presParOf" srcId="{519BFAA6-674C-4912-B3F6-00F8CB7A1351}" destId="{D909A8EA-7D20-4FA2-A672-79E304C23D87}" srcOrd="10" destOrd="0" presId="urn:microsoft.com/office/officeart/2005/8/layout/vList5"/>
-    <dgm:cxn modelId="{6A37046B-4B26-41DE-B7B0-2E36D147C4C2}" type="presParOf" srcId="{D909A8EA-7D20-4FA2-A672-79E304C23D87}" destId="{2B654352-FA6E-40AC-9E52-711F843B81CA}" srcOrd="0" destOrd="0" presId="urn:microsoft.com/office/officeart/2005/8/layout/vList5"/>
-    <dgm:cxn modelId="{35B27710-38D9-400D-8DDA-F594FFBD8453}" type="presParOf" srcId="{D909A8EA-7D20-4FA2-A672-79E304C23D87}" destId="{59EEB785-2133-492C-96DA-7AA76CA09541}" srcOrd="1" destOrd="0" presId="urn:microsoft.com/office/officeart/2005/8/layout/vList5"/>
-    <dgm:cxn modelId="{2B943054-2ADA-47B0-89CF-277038EB71B8}" type="presParOf" srcId="{519BFAA6-674C-4912-B3F6-00F8CB7A1351}" destId="{78451BC3-F1B1-43E4-9757-5D67FC246CBB}" srcOrd="11" destOrd="0" presId="urn:microsoft.com/office/officeart/2005/8/layout/vList5"/>
-    <dgm:cxn modelId="{EF549D07-EEA3-4F04-ABB4-ED6933B0658D}" type="presParOf" srcId="{519BFAA6-674C-4912-B3F6-00F8CB7A1351}" destId="{DAC156C8-3EF0-4EF8-93AF-B6AE40D06CA2}" srcOrd="12" destOrd="0" presId="urn:microsoft.com/office/officeart/2005/8/layout/vList5"/>
-    <dgm:cxn modelId="{4AEA81AF-E414-4C88-B081-3BDFABA00148}" type="presParOf" srcId="{DAC156C8-3EF0-4EF8-93AF-B6AE40D06CA2}" destId="{BF36C0E9-366A-453F-8561-F7F6C4CFCFD6}" srcOrd="0" destOrd="0" presId="urn:microsoft.com/office/officeart/2005/8/layout/vList5"/>
-    <dgm:cxn modelId="{9228E564-6495-4032-8A78-098C17243C22}" type="presParOf" srcId="{DAC156C8-3EF0-4EF8-93AF-B6AE40D06CA2}" destId="{6EBB7F6A-8D16-4A8A-8D3C-BF4FAFDB044F}" srcOrd="1" destOrd="0" presId="urn:microsoft.com/office/officeart/2005/8/layout/vList5"/>
-    <dgm:cxn modelId="{21D9895A-E427-4C02-A0FF-98B8560CF20F}" type="presParOf" srcId="{519BFAA6-674C-4912-B3F6-00F8CB7A1351}" destId="{72D6DE19-571F-4A0C-A0E1-E2582067037B}" srcOrd="13" destOrd="0" presId="urn:microsoft.com/office/officeart/2005/8/layout/vList5"/>
-    <dgm:cxn modelId="{A9F5733B-2876-4B63-8044-A1F96430D10C}" type="presParOf" srcId="{519BFAA6-674C-4912-B3F6-00F8CB7A1351}" destId="{E5A0E5C7-A3C6-45FE-BA2D-187D9DB780C0}" srcOrd="14" destOrd="0" presId="urn:microsoft.com/office/officeart/2005/8/layout/vList5"/>
-    <dgm:cxn modelId="{DBE29E7A-638B-4C6B-A3E5-72EAF29C893E}" type="presParOf" srcId="{E5A0E5C7-A3C6-45FE-BA2D-187D9DB780C0}" destId="{8D38D577-B09E-4036-8E25-9D967F700D95}" srcOrd="0" destOrd="0" presId="urn:microsoft.com/office/officeart/2005/8/layout/vList5"/>
-    <dgm:cxn modelId="{5BD547FB-BC4F-4599-9597-A4288F160864}" type="presParOf" srcId="{E5A0E5C7-A3C6-45FE-BA2D-187D9DB780C0}" destId="{C5CBE9F4-7D51-412A-9393-39BE2C91EB8B}" srcOrd="1" destOrd="0" presId="urn:microsoft.com/office/officeart/2005/8/layout/vList5"/>
+    <dgm:cxn modelId="{3FFA600C-1AE4-4716-875F-741DBA189671}" srcId="{3E012CA5-3234-4045-B6F0-1293A860C315}" destId="{17D628FC-89FF-4AB2-950B-8F3B120FEC97}" srcOrd="3" destOrd="0" parTransId="{752A4132-951D-4BA2-9F90-1D2030F5EEBB}" sibTransId="{8A4DEC68-5204-4163-B010-AF03A67DFEF0}"/>
+    <dgm:cxn modelId="{302DD310-9BEB-4EC4-9316-E0D5C00A71A2}" type="presOf" srcId="{D04979A1-ECA4-4810-8479-AC789374DBE9}" destId="{076F41F0-3E2C-475B-BDEF-6AF649264A80}" srcOrd="0" destOrd="2" presId="urn:microsoft.com/office/officeart/2005/8/layout/vList5"/>
+    <dgm:cxn modelId="{2FEB0D11-4F41-47B6-954A-D4DDC80FB84E}" type="presOf" srcId="{5682989B-22C8-4322-96B1-F8F78D9D2321}" destId="{076F41F0-3E2C-475B-BDEF-6AF649264A80}" srcOrd="0" destOrd="1" presId="urn:microsoft.com/office/officeart/2005/8/layout/vList5"/>
+    <dgm:cxn modelId="{DF38F518-E861-4471-8466-851075D90469}" srcId="{3E012CA5-3234-4045-B6F0-1293A860C315}" destId="{58CA060E-FC7B-40AE-8F3E-31CE9CE1BF14}" srcOrd="4" destOrd="0" parTransId="{5CC72F05-CEC0-4FC9-8840-182E9929DC4C}" sibTransId="{4C080F2F-D6E4-43BF-B397-7EEEF612F82E}"/>
+    <dgm:cxn modelId="{0C319327-3DC6-4AB4-A5A2-0C90C574D39C}" srcId="{3E012CA5-3234-4045-B6F0-1293A860C315}" destId="{3FC8DBFE-E05D-4839-B02E-1FD810396429}" srcOrd="5" destOrd="0" parTransId="{97F69FD6-6C5D-48E7-88A2-20FDDD3A17EB}" sibTransId="{4A5F4290-8F5E-4F8B-930F-572A46CD4FA2}"/>
+    <dgm:cxn modelId="{6A718030-E075-40FD-A76A-015FB17C84B9}" srcId="{14C22DC9-AE1A-4D54-9056-FC3F41A06AB3}" destId="{76E4EBF5-85AB-4C6B-B7F2-0C0588D7B614}" srcOrd="0" destOrd="0" parTransId="{6F57B536-68CA-492E-AADB-B14014D77ADE}" sibTransId="{C52D5A90-ECAC-4769-ADF4-501FADF28938}"/>
+    <dgm:cxn modelId="{2EBE8E3D-F280-4035-9582-CE0C335C9DFE}" srcId="{163B7D59-15CF-469F-895F-53340024185D}" destId="{35FBFFA2-02CD-48A9-A87A-D60517B0FD9D}" srcOrd="1" destOrd="0" parTransId="{9C6FF931-C0C0-46B0-ADBA-C4DBEFB9D424}" sibTransId="{8E793EBC-9252-4A02-AADC-995B51921107}"/>
+    <dgm:cxn modelId="{EEFDBA3D-9819-464F-9D06-03E03F09CB37}" srcId="{58CA060E-FC7B-40AE-8F3E-31CE9CE1BF14}" destId="{FE83D179-6412-42F4-AD11-8925447C4E9A}" srcOrd="0" destOrd="0" parTransId="{F7DCCC0B-504D-4D29-BDA7-46DCB11C4659}" sibTransId="{A9745F2B-1F49-4429-95D4-50113419BE1E}"/>
+    <dgm:cxn modelId="{3E72CE5B-31FF-4186-AB51-E9DAD83978C8}" type="presOf" srcId="{EED04F04-83E1-4DBD-85F6-880F917FAEE7}" destId="{076F41F0-3E2C-475B-BDEF-6AF649264A80}" srcOrd="0" destOrd="0" presId="urn:microsoft.com/office/officeart/2005/8/layout/vList5"/>
+    <dgm:cxn modelId="{07039B5C-76DE-46C6-A52B-74F2819DFDC4}" srcId="{3E012CA5-3234-4045-B6F0-1293A860C315}" destId="{76095E72-8374-4328-80CB-874715F40233}" srcOrd="0" destOrd="0" parTransId="{0CBCCF85-A0E0-477E-8DDC-9EE95B8DD359}" sibTransId="{FF55DFE3-AE05-4BB2-BE95-CAA2A80CDEBF}"/>
+    <dgm:cxn modelId="{00A2B747-B3E5-4359-8006-C06ECCD9FE24}" srcId="{EED04F04-83E1-4DBD-85F6-880F917FAEE7}" destId="{5682989B-22C8-4322-96B1-F8F78D9D2321}" srcOrd="0" destOrd="0" parTransId="{8C8D9065-9A2E-48B3-B5DA-08D95849ACD8}" sibTransId="{5C878844-0D91-43CE-A5BB-8637A17FC93A}"/>
+    <dgm:cxn modelId="{0590D34B-320D-4943-B19A-07D5622A99DD}" srcId="{17D628FC-89FF-4AB2-950B-8F3B120FEC97}" destId="{EED04F04-83E1-4DBD-85F6-880F917FAEE7}" srcOrd="0" destOrd="0" parTransId="{169AE45A-690C-44D5-80E4-B5054CB552F6}" sibTransId="{54A168B1-3144-4549-9C40-54BBDE210679}"/>
+    <dgm:cxn modelId="{3D894F70-5C61-49FD-AF4D-82195AE56397}" srcId="{76095E72-8374-4328-80CB-874715F40233}" destId="{DC632867-49C8-4FF4-8DDF-F69CC3582962}" srcOrd="0" destOrd="0" parTransId="{2FE8718F-28F1-477D-85F5-0AFE3010D1FE}" sibTransId="{39124A03-5CC2-47B8-AFB2-39569606D8F9}"/>
+    <dgm:cxn modelId="{A0C97C54-F200-4CE9-A335-88BC86511887}" type="presOf" srcId="{14C22DC9-AE1A-4D54-9056-FC3F41A06AB3}" destId="{2EBDA4C6-D805-4FFA-B347-54243C7AAA63}" srcOrd="0" destOrd="0" presId="urn:microsoft.com/office/officeart/2005/8/layout/vList5"/>
+    <dgm:cxn modelId="{CFBFB374-C171-4F54-8533-C879AEC2FEA3}" srcId="{163B7D59-15CF-469F-895F-53340024185D}" destId="{C51F86DF-F87D-4508-B84A-06F1C934E766}" srcOrd="0" destOrd="0" parTransId="{674EF956-E1D6-4D7F-BAC1-0821609DFDFF}" sibTransId="{5E734FB8-E9F7-466F-9C58-F133F722D852}"/>
+    <dgm:cxn modelId="{90ED6A75-D8C6-4673-B90D-0F7B53E15E11}" type="presOf" srcId="{17D628FC-89FF-4AB2-950B-8F3B120FEC97}" destId="{E2B8142F-E7C4-4A90-B1D8-7BA52262D892}" srcOrd="0" destOrd="0" presId="urn:microsoft.com/office/officeart/2005/8/layout/vList5"/>
+    <dgm:cxn modelId="{E5F5E875-CE59-420D-86BD-DF6E975E366F}" srcId="{E05A0AAB-6F20-48EA-903F-42682AEE2F75}" destId="{69B6FF94-721E-439D-BCED-FCE8A3275EEC}" srcOrd="0" destOrd="0" parTransId="{F0ED530B-6B6A-4146-91D0-589976259A99}" sibTransId="{A663F84F-0900-4C89-9274-C3210C505833}"/>
+    <dgm:cxn modelId="{FF77A986-EE9E-48CA-BC11-F705453877A5}" type="presOf" srcId="{C51F86DF-F87D-4508-B84A-06F1C934E766}" destId="{D4F05393-F037-45E6-BCF1-0AF34393EADE}" srcOrd="0" destOrd="1" presId="urn:microsoft.com/office/officeart/2005/8/layout/vList5"/>
+    <dgm:cxn modelId="{FE7CBB8D-C498-47F0-BE85-60FA9100DFAE}" type="presOf" srcId="{DC632867-49C8-4FF4-8DDF-F69CC3582962}" destId="{BDB303D5-8C68-41C2-8FE4-5C8BE78D4037}" srcOrd="0" destOrd="0" presId="urn:microsoft.com/office/officeart/2005/8/layout/vList5"/>
+    <dgm:cxn modelId="{D5826D92-807C-40E0-9584-B4ADE12D4890}" type="presOf" srcId="{163B7D59-15CF-469F-895F-53340024185D}" destId="{D4F05393-F037-45E6-BCF1-0AF34393EADE}" srcOrd="0" destOrd="0" presId="urn:microsoft.com/office/officeart/2005/8/layout/vList5"/>
+    <dgm:cxn modelId="{D5172F93-8C2B-4DCA-B1C6-C6D3A7456063}" type="presOf" srcId="{76E4EBF5-85AB-4C6B-B7F2-0C0588D7B614}" destId="{E91A00CA-F6E6-47DC-832D-61F8BBF972FC}" srcOrd="0" destOrd="0" presId="urn:microsoft.com/office/officeart/2005/8/layout/vList5"/>
+    <dgm:cxn modelId="{D957FAA3-CE5E-49E1-9183-235FB133F678}" type="presOf" srcId="{69B6FF94-721E-439D-BCED-FCE8A3275EEC}" destId="{0BB85DF4-B5DF-4B16-B9B9-ACE0D54C63A1}" srcOrd="0" destOrd="0" presId="urn:microsoft.com/office/officeart/2005/8/layout/vList5"/>
+    <dgm:cxn modelId="{A46FF1A5-077C-413B-AF3A-373B925EB198}" type="presOf" srcId="{35FBFFA2-02CD-48A9-A87A-D60517B0FD9D}" destId="{D4F05393-F037-45E6-BCF1-0AF34393EADE}" srcOrd="0" destOrd="2" presId="urn:microsoft.com/office/officeart/2005/8/layout/vList5"/>
+    <dgm:cxn modelId="{335AF5AB-BD2E-4F8F-963B-F4D07DC57BD5}" type="presOf" srcId="{FE83D179-6412-42F4-AD11-8925447C4E9A}" destId="{C8E0CE8E-FD7B-4A99-A833-1899627904B6}" srcOrd="0" destOrd="0" presId="urn:microsoft.com/office/officeart/2005/8/layout/vList5"/>
+    <dgm:cxn modelId="{941F48B0-08E7-4BDE-8DB1-3BE977F64E48}" type="presOf" srcId="{58CA060E-FC7B-40AE-8F3E-31CE9CE1BF14}" destId="{B71A80D3-5ADC-4DE0-9056-7D728CEBFA8E}" srcOrd="0" destOrd="0" presId="urn:microsoft.com/office/officeart/2005/8/layout/vList5"/>
+    <dgm:cxn modelId="{FF4C87B4-DDD8-438B-9AA2-97B1D9FB3797}" type="presOf" srcId="{E05A0AAB-6F20-48EA-903F-42682AEE2F75}" destId="{508458C7-E3A6-4B11-AFA6-634F22CD5570}" srcOrd="0" destOrd="0" presId="urn:microsoft.com/office/officeart/2005/8/layout/vList5"/>
+    <dgm:cxn modelId="{1AE7D6B9-70D9-475A-8A65-55E9260B641A}" type="presOf" srcId="{3E012CA5-3234-4045-B6F0-1293A860C315}" destId="{7E3C2565-9C10-4974-B3FF-8C3690A9BF6E}" srcOrd="0" destOrd="0" presId="urn:microsoft.com/office/officeart/2005/8/layout/vList5"/>
+    <dgm:cxn modelId="{28BE61C1-087C-44B2-9F84-911672E1D963}" srcId="{EED04F04-83E1-4DBD-85F6-880F917FAEE7}" destId="{D04979A1-ECA4-4810-8479-AC789374DBE9}" srcOrd="1" destOrd="0" parTransId="{2C7E0C0A-1FC8-4114-BB2A-3E282FCEFFD6}" sibTransId="{942D0D4B-2F90-4D0B-97FC-8AF46F87F338}"/>
+    <dgm:cxn modelId="{B3A70FD9-8B12-4F37-A828-9069CA01BB1D}" type="presOf" srcId="{76095E72-8374-4328-80CB-874715F40233}" destId="{5AC7EBF8-ED2B-4B5D-AE10-A1B274D2AD61}" srcOrd="0" destOrd="0" presId="urn:microsoft.com/office/officeart/2005/8/layout/vList5"/>
+    <dgm:cxn modelId="{5A3AF5DA-2522-4338-BBEF-F8859FF3265E}" type="presOf" srcId="{3FC8DBFE-E05D-4839-B02E-1FD810396429}" destId="{0E7CF6A8-389F-4155-87E5-1BD950EE0CE2}" srcOrd="0" destOrd="0" presId="urn:microsoft.com/office/officeart/2005/8/layout/vList5"/>
+    <dgm:cxn modelId="{21B0F5E0-29E2-4A27-85F4-D0AB0A269B68}" srcId="{3E012CA5-3234-4045-B6F0-1293A860C315}" destId="{14C22DC9-AE1A-4D54-9056-FC3F41A06AB3}" srcOrd="1" destOrd="0" parTransId="{880B3E61-7292-41C8-AB77-B0FCC491AC95}" sibTransId="{D1A4A1FF-8B3A-4F72-93CA-DA25B0183036}"/>
+    <dgm:cxn modelId="{511583E6-0AB2-4F78-B70C-F1D3F30236D9}" srcId="{3E012CA5-3234-4045-B6F0-1293A860C315}" destId="{E05A0AAB-6F20-48EA-903F-42682AEE2F75}" srcOrd="2" destOrd="0" parTransId="{14F11036-5C5D-4F7B-A4F1-4711C70CB87D}" sibTransId="{58750619-5E05-4C0A-8A86-8A826A5BE945}"/>
+    <dgm:cxn modelId="{F8EB04F4-E1B5-4132-8E7D-A2BC298D3BE7}" srcId="{3FC8DBFE-E05D-4839-B02E-1FD810396429}" destId="{163B7D59-15CF-469F-895F-53340024185D}" srcOrd="0" destOrd="0" parTransId="{E6D85B51-96B8-42A2-AE7D-E2CF6506FB56}" sibTransId="{D73670F5-DD07-411C-85EB-D91CF599AF63}"/>
+    <dgm:cxn modelId="{02C44114-42CC-4520-A5D4-1AD03B3CB52E}" type="presParOf" srcId="{7E3C2565-9C10-4974-B3FF-8C3690A9BF6E}" destId="{F75DBAC4-1082-40BD-92B2-0678CEFF64D1}" srcOrd="0" destOrd="0" presId="urn:microsoft.com/office/officeart/2005/8/layout/vList5"/>
+    <dgm:cxn modelId="{3372FF55-40BE-4E48-8513-F6018D41AC77}" type="presParOf" srcId="{F75DBAC4-1082-40BD-92B2-0678CEFF64D1}" destId="{5AC7EBF8-ED2B-4B5D-AE10-A1B274D2AD61}" srcOrd="0" destOrd="0" presId="urn:microsoft.com/office/officeart/2005/8/layout/vList5"/>
+    <dgm:cxn modelId="{C8B8560D-42AE-4DF8-A446-8859E387F937}" type="presParOf" srcId="{F75DBAC4-1082-40BD-92B2-0678CEFF64D1}" destId="{BDB303D5-8C68-41C2-8FE4-5C8BE78D4037}" srcOrd="1" destOrd="0" presId="urn:microsoft.com/office/officeart/2005/8/layout/vList5"/>
+    <dgm:cxn modelId="{2E0287CC-A563-4C86-A7E2-AE621C9F7252}" type="presParOf" srcId="{7E3C2565-9C10-4974-B3FF-8C3690A9BF6E}" destId="{47205CF9-A9DB-4E61-A914-6A732B3BB128}" srcOrd="1" destOrd="0" presId="urn:microsoft.com/office/officeart/2005/8/layout/vList5"/>
+    <dgm:cxn modelId="{43384557-C5F8-47C1-A4B7-CE2CA48E23EF}" type="presParOf" srcId="{7E3C2565-9C10-4974-B3FF-8C3690A9BF6E}" destId="{F4E71AC2-328D-4CBD-8C35-B577EB3D7DF2}" srcOrd="2" destOrd="0" presId="urn:microsoft.com/office/officeart/2005/8/layout/vList5"/>
+    <dgm:cxn modelId="{693D2286-2D98-4EAF-852F-B19EC9735CAF}" type="presParOf" srcId="{F4E71AC2-328D-4CBD-8C35-B577EB3D7DF2}" destId="{2EBDA4C6-D805-4FFA-B347-54243C7AAA63}" srcOrd="0" destOrd="0" presId="urn:microsoft.com/office/officeart/2005/8/layout/vList5"/>
+    <dgm:cxn modelId="{061433FF-8863-4EA9-B2DE-40776C1208B5}" type="presParOf" srcId="{F4E71AC2-328D-4CBD-8C35-B577EB3D7DF2}" destId="{E91A00CA-F6E6-47DC-832D-61F8BBF972FC}" srcOrd="1" destOrd="0" presId="urn:microsoft.com/office/officeart/2005/8/layout/vList5"/>
+    <dgm:cxn modelId="{55D23942-0F33-4C51-8DE1-8E38D48904D6}" type="presParOf" srcId="{7E3C2565-9C10-4974-B3FF-8C3690A9BF6E}" destId="{32DA6662-CA0B-4D96-B358-BC0D9FB36D3B}" srcOrd="3" destOrd="0" presId="urn:microsoft.com/office/officeart/2005/8/layout/vList5"/>
+    <dgm:cxn modelId="{5BB2FF80-EC26-43D8-A21D-5725FDEE8129}" type="presParOf" srcId="{7E3C2565-9C10-4974-B3FF-8C3690A9BF6E}" destId="{26E4EE2E-FAC2-4A46-A9EB-F32E7606242C}" srcOrd="4" destOrd="0" presId="urn:microsoft.com/office/officeart/2005/8/layout/vList5"/>
+    <dgm:cxn modelId="{888A3132-AC72-4F98-8434-8585CABE335F}" type="presParOf" srcId="{26E4EE2E-FAC2-4A46-A9EB-F32E7606242C}" destId="{508458C7-E3A6-4B11-AFA6-634F22CD5570}" srcOrd="0" destOrd="0" presId="urn:microsoft.com/office/officeart/2005/8/layout/vList5"/>
+    <dgm:cxn modelId="{1A375F0E-941F-4116-BA4C-B74B62FEF837}" type="presParOf" srcId="{26E4EE2E-FAC2-4A46-A9EB-F32E7606242C}" destId="{0BB85DF4-B5DF-4B16-B9B9-ACE0D54C63A1}" srcOrd="1" destOrd="0" presId="urn:microsoft.com/office/officeart/2005/8/layout/vList5"/>
+    <dgm:cxn modelId="{30728B53-464C-49F5-B87E-B54D5D9C1A85}" type="presParOf" srcId="{7E3C2565-9C10-4974-B3FF-8C3690A9BF6E}" destId="{B118731D-FF67-4D23-A709-E4963BE8744F}" srcOrd="5" destOrd="0" presId="urn:microsoft.com/office/officeart/2005/8/layout/vList5"/>
+    <dgm:cxn modelId="{65FCD20D-84B4-4D13-A820-43D20C588D47}" type="presParOf" srcId="{7E3C2565-9C10-4974-B3FF-8C3690A9BF6E}" destId="{24362871-BD6D-4C96-AFF9-CD6833BCF1BC}" srcOrd="6" destOrd="0" presId="urn:microsoft.com/office/officeart/2005/8/layout/vList5"/>
+    <dgm:cxn modelId="{2C33E07C-2F1F-4CDA-83AD-4A9B2377C7D8}" type="presParOf" srcId="{24362871-BD6D-4C96-AFF9-CD6833BCF1BC}" destId="{E2B8142F-E7C4-4A90-B1D8-7BA52262D892}" srcOrd="0" destOrd="0" presId="urn:microsoft.com/office/officeart/2005/8/layout/vList5"/>
+    <dgm:cxn modelId="{4E30860A-150E-4F66-997C-9267815A3619}" type="presParOf" srcId="{24362871-BD6D-4C96-AFF9-CD6833BCF1BC}" destId="{076F41F0-3E2C-475B-BDEF-6AF649264A80}" srcOrd="1" destOrd="0" presId="urn:microsoft.com/office/officeart/2005/8/layout/vList5"/>
+    <dgm:cxn modelId="{9BA2C98A-0AD2-40F2-B080-14E1A8734364}" type="presParOf" srcId="{7E3C2565-9C10-4974-B3FF-8C3690A9BF6E}" destId="{04760906-D0B7-4C23-98EE-681C382B03AC}" srcOrd="7" destOrd="0" presId="urn:microsoft.com/office/officeart/2005/8/layout/vList5"/>
+    <dgm:cxn modelId="{A56340CB-0B7C-4F8C-A8CE-1C25B25E7F5D}" type="presParOf" srcId="{7E3C2565-9C10-4974-B3FF-8C3690A9BF6E}" destId="{EE01C6F1-637B-458B-9720-39E6CB6CB966}" srcOrd="8" destOrd="0" presId="urn:microsoft.com/office/officeart/2005/8/layout/vList5"/>
+    <dgm:cxn modelId="{05489983-7E69-4108-9011-8AACC1520768}" type="presParOf" srcId="{EE01C6F1-637B-458B-9720-39E6CB6CB966}" destId="{B71A80D3-5ADC-4DE0-9056-7D728CEBFA8E}" srcOrd="0" destOrd="0" presId="urn:microsoft.com/office/officeart/2005/8/layout/vList5"/>
+    <dgm:cxn modelId="{116E17B8-ECF7-4006-913D-E51C6420B4F5}" type="presParOf" srcId="{EE01C6F1-637B-458B-9720-39E6CB6CB966}" destId="{C8E0CE8E-FD7B-4A99-A833-1899627904B6}" srcOrd="1" destOrd="0" presId="urn:microsoft.com/office/officeart/2005/8/layout/vList5"/>
+    <dgm:cxn modelId="{1A964E27-F921-4B25-8D9F-F9101CCB62DC}" type="presParOf" srcId="{7E3C2565-9C10-4974-B3FF-8C3690A9BF6E}" destId="{D20DA343-4A8A-4C4C-8C2C-F2008E6E8363}" srcOrd="9" destOrd="0" presId="urn:microsoft.com/office/officeart/2005/8/layout/vList5"/>
+    <dgm:cxn modelId="{662DC52E-2F88-4528-8463-4956AA0773C4}" type="presParOf" srcId="{7E3C2565-9C10-4974-B3FF-8C3690A9BF6E}" destId="{20CB55E1-0641-4CE2-80AC-546B1DAB2E78}" srcOrd="10" destOrd="0" presId="urn:microsoft.com/office/officeart/2005/8/layout/vList5"/>
+    <dgm:cxn modelId="{1776D4EF-926C-4616-9217-25BB21826469}" type="presParOf" srcId="{20CB55E1-0641-4CE2-80AC-546B1DAB2E78}" destId="{0E7CF6A8-389F-4155-87E5-1BD950EE0CE2}" srcOrd="0" destOrd="0" presId="urn:microsoft.com/office/officeart/2005/8/layout/vList5"/>
+    <dgm:cxn modelId="{41CED96E-AF69-41B5-9EB7-5F5940218075}" type="presParOf" srcId="{20CB55E1-0641-4CE2-80AC-546B1DAB2E78}" destId="{D4F05393-F037-45E6-BCF1-0AF34393EADE}" srcOrd="1" destOrd="0" presId="urn:microsoft.com/office/officeart/2005/8/layout/vList5"/>
   </dgm:cxnLst>
   <dgm:bg/>
   <dgm:whole/>
@@ -2056,39 +3498,39 @@
       <dsp:cNvGrpSpPr/>
     </dsp:nvGrpSpPr>
     <dsp:grpSpPr/>
-    <dsp:sp modelId="{50D69F41-1720-4EB4-83B0-676728DBED89}">
+    <dsp:sp modelId="{81026ADF-9FD9-4156-9876-56C8859243E4}">
       <dsp:nvSpPr>
         <dsp:cNvPr id="0" name=""/>
         <dsp:cNvSpPr/>
       </dsp:nvSpPr>
       <dsp:spPr>
         <a:xfrm rot="5400000">
-          <a:off x="7346279" y="-3262728"/>
-          <a:ext cx="498164" cy="7148576"/>
+          <a:off x="7443059" y="-3209602"/>
+          <a:ext cx="747765" cy="7357121"/>
         </a:xfrm>
         <a:prstGeom prst="round2SameRect">
           <a:avLst/>
         </a:prstGeom>
         <a:solidFill>
-          <a:srgbClr val="ED7D31">
+          <a:schemeClr val="accent2">
             <a:tint val="40000"/>
             <a:alpha val="90000"/>
-            <a:hueOff val="-363954"/>
-            <a:satOff val="-32291"/>
-            <a:lumOff val="-330"/>
+            <a:hueOff val="0"/>
+            <a:satOff val="0"/>
+            <a:lumOff val="0"/>
             <a:alphaOff val="0"/>
-          </a:srgbClr>
+          </a:schemeClr>
         </a:solidFill>
         <a:ln w="12700" cap="flat" cmpd="sng" algn="ctr">
           <a:solidFill>
-            <a:srgbClr val="ED7D31">
+            <a:schemeClr val="accent2">
               <a:tint val="40000"/>
               <a:alpha val="90000"/>
-              <a:hueOff val="-363954"/>
-              <a:satOff val="-32291"/>
-              <a:lumOff val="-330"/>
+              <a:hueOff val="0"/>
+              <a:satOff val="0"/>
+              <a:lumOff val="0"/>
               <a:alphaOff val="0"/>
-            </a:srgbClr>
+            </a:schemeClr>
           </a:solidFill>
           <a:prstDash val="solid"/>
           <a:miter lim="800000"/>
@@ -2108,12 +3550,12 @@
         <a:fontRef idx="minor"/>
       </dsp:style>
       <dsp:txBody>
-        <a:bodyPr spcFirstLastPara="0" vert="horz" wrap="square" lIns="76200" tIns="38100" rIns="76200" bIns="38100" numCol="1" spcCol="1270" anchor="ctr" anchorCtr="0">
+        <a:bodyPr spcFirstLastPara="0" vert="horz" wrap="square" lIns="247650" tIns="123825" rIns="247650" bIns="123825" numCol="1" spcCol="1270" anchor="ctr" anchorCtr="0">
           <a:noAutofit/>
         </a:bodyPr>
         <a:lstStyle/>
         <a:p>
-          <a:pPr marL="228600" lvl="1" indent="-228600" algn="l" defTabSz="889000">
+          <a:pPr marL="171450" lvl="1" indent="-171450" algn="l" defTabSz="800100">
             <a:lnSpc>
               <a:spcPct val="90000"/>
             </a:lnSpc>
@@ -2126,37 +3568,25 @@
             <a:buChar char="•"/>
           </a:pPr>
           <a:r>
-            <a:rPr lang="en-US" sz="2000" kern="1200" dirty="0">
-              <a:solidFill>
-                <a:prstClr val="black">
-                  <a:hueOff val="0"/>
-                  <a:satOff val="0"/>
-                  <a:lumOff val="0"/>
-                  <a:alphaOff val="0"/>
-                </a:prstClr>
-              </a:solidFill>
-              <a:latin typeface="Calibri"/>
-              <a:ea typeface="+mn-ea"/>
-              <a:cs typeface="+mn-cs"/>
-            </a:rPr>
-            <a:t> Week number of the year in which the order was placed.</a:t>
+            <a:rPr lang="en-US" sz="1800" kern="1200" dirty="0"/>
+            <a:t>Week number of the year in which the order was placed.</a:t>
           </a:r>
         </a:p>
       </dsp:txBody>
       <dsp:txXfrm rot="-5400000">
-        <a:off x="4021073" y="86796"/>
-        <a:ext cx="7124258" cy="449528"/>
+        <a:off x="4138382" y="131578"/>
+        <a:ext cx="7320618" cy="674759"/>
       </dsp:txXfrm>
     </dsp:sp>
-    <dsp:sp modelId="{E361F646-9974-4145-AD8C-807C7DEED68F}">
+    <dsp:sp modelId="{9FD16AC0-8EB6-4689-A213-6226532E18CD}">
       <dsp:nvSpPr>
         <dsp:cNvPr id="0" name=""/>
         <dsp:cNvSpPr/>
       </dsp:nvSpPr>
       <dsp:spPr>
         <a:xfrm>
-          <a:off x="0" y="206"/>
-          <a:ext cx="4021074" cy="622705"/>
+          <a:off x="0" y="1605"/>
+          <a:ext cx="4138381" cy="934706"/>
         </a:xfrm>
         <a:prstGeom prst="roundRect">
           <a:avLst/>
@@ -2198,12 +3628,12 @@
         </a:fontRef>
       </dsp:style>
       <dsp:txBody>
-        <a:bodyPr spcFirstLastPara="0" vert="horz" wrap="square" lIns="83820" tIns="41910" rIns="83820" bIns="41910" numCol="1" spcCol="1270" anchor="ctr" anchorCtr="0">
+        <a:bodyPr spcFirstLastPara="0" vert="horz" wrap="square" lIns="68580" tIns="34290" rIns="68580" bIns="34290" numCol="1" spcCol="1270" anchor="ctr" anchorCtr="0">
           <a:noAutofit/>
         </a:bodyPr>
         <a:lstStyle/>
         <a:p>
-          <a:pPr marL="0" lvl="0" indent="0" algn="ctr" defTabSz="977900">
+          <a:pPr marL="0" lvl="0" indent="0" algn="ctr" defTabSz="800100">
             <a:lnSpc>
               <a:spcPct val="90000"/>
             </a:lnSpc>
@@ -2216,49 +3646,49 @@
             <a:buNone/>
           </a:pPr>
           <a:r>
-            <a:rPr lang="en-US" sz="2200" b="0" kern="1200" dirty="0"/>
+            <a:rPr lang="en-US" sz="1800" kern="1200" dirty="0"/>
             <a:t>Order Week</a:t>
           </a:r>
         </a:p>
       </dsp:txBody>
       <dsp:txXfrm>
-        <a:off x="30398" y="30604"/>
-        <a:ext cx="3960278" cy="561909"/>
+        <a:off x="45629" y="47234"/>
+        <a:ext cx="4047123" cy="843448"/>
       </dsp:txXfrm>
     </dsp:sp>
-    <dsp:sp modelId="{90C408DC-CC2F-4E5E-A9BF-53462E6A438B}">
+    <dsp:sp modelId="{073D70FD-7E61-478F-ADC8-6A8E41846873}">
       <dsp:nvSpPr>
         <dsp:cNvPr id="0" name=""/>
         <dsp:cNvSpPr/>
       </dsp:nvSpPr>
       <dsp:spPr>
         <a:xfrm rot="5400000">
-          <a:off x="7346279" y="-2608888"/>
-          <a:ext cx="498164" cy="7148576"/>
+          <a:off x="7443059" y="-2228160"/>
+          <a:ext cx="747765" cy="7357121"/>
         </a:xfrm>
         <a:prstGeom prst="round2SameRect">
           <a:avLst/>
         </a:prstGeom>
         <a:solidFill>
-          <a:srgbClr val="ED7D31">
+          <a:schemeClr val="accent3">
             <a:tint val="40000"/>
             <a:alpha val="90000"/>
-            <a:hueOff val="-363954"/>
-            <a:satOff val="-32291"/>
-            <a:lumOff val="-330"/>
+            <a:hueOff val="0"/>
+            <a:satOff val="0"/>
+            <a:lumOff val="0"/>
             <a:alphaOff val="0"/>
-          </a:srgbClr>
+          </a:schemeClr>
         </a:solidFill>
         <a:ln w="12700" cap="flat" cmpd="sng" algn="ctr">
           <a:solidFill>
-            <a:srgbClr val="ED7D31">
+            <a:schemeClr val="accent3">
               <a:tint val="40000"/>
               <a:alpha val="90000"/>
-              <a:hueOff val="-363954"/>
-              <a:satOff val="-32291"/>
-              <a:lumOff val="-330"/>
+              <a:hueOff val="0"/>
+              <a:satOff val="0"/>
+              <a:lumOff val="0"/>
               <a:alphaOff val="0"/>
-            </a:srgbClr>
+            </a:schemeClr>
           </a:solidFill>
           <a:prstDash val="solid"/>
           <a:miter lim="800000"/>
@@ -2278,12 +3708,12 @@
         <a:fontRef idx="minor"/>
       </dsp:style>
       <dsp:txBody>
-        <a:bodyPr spcFirstLastPara="0" vert="horz" wrap="square" lIns="76200" tIns="38100" rIns="76200" bIns="38100" numCol="1" spcCol="1270" anchor="ctr" anchorCtr="0">
+        <a:bodyPr spcFirstLastPara="0" vert="horz" wrap="square" lIns="247650" tIns="123825" rIns="247650" bIns="123825" numCol="1" spcCol="1270" anchor="ctr" anchorCtr="0">
           <a:noAutofit/>
         </a:bodyPr>
         <a:lstStyle/>
         <a:p>
-          <a:pPr marL="228600" lvl="1" indent="-228600" algn="l" defTabSz="889000">
+          <a:pPr marL="171450" lvl="1" indent="-171450" algn="l" defTabSz="800100">
             <a:lnSpc>
               <a:spcPct val="90000"/>
             </a:lnSpc>
@@ -2296,46 +3726,34 @@
             <a:buChar char="•"/>
           </a:pPr>
           <a:r>
-            <a:rPr lang="en-US" sz="2000" kern="1200" dirty="0">
-              <a:solidFill>
-                <a:prstClr val="black">
-                  <a:hueOff val="0"/>
-                  <a:satOff val="0"/>
-                  <a:lumOff val="0"/>
-                  <a:alphaOff val="0"/>
-                </a:prstClr>
-              </a:solidFill>
-              <a:latin typeface="Calibri"/>
-              <a:ea typeface="+mn-ea"/>
-              <a:cs typeface="+mn-cs"/>
-            </a:rPr>
+            <a:rPr lang="en-US" sz="1800" kern="1200" dirty="0"/>
             <a:t>Calculated by dividing GMV with no. of unit sold in the order</a:t>
           </a:r>
         </a:p>
       </dsp:txBody>
       <dsp:txXfrm rot="-5400000">
-        <a:off x="4021073" y="740636"/>
-        <a:ext cx="7124258" cy="449528"/>
+        <a:off x="4138382" y="1113020"/>
+        <a:ext cx="7320618" cy="674759"/>
       </dsp:txXfrm>
     </dsp:sp>
-    <dsp:sp modelId="{51C22672-416C-4942-9832-5084577AA31E}">
+    <dsp:sp modelId="{F26B2B35-21CE-4C5E-B84F-362A6C01610D}">
       <dsp:nvSpPr>
         <dsp:cNvPr id="0" name=""/>
         <dsp:cNvSpPr/>
       </dsp:nvSpPr>
       <dsp:spPr>
         <a:xfrm>
-          <a:off x="0" y="654047"/>
-          <a:ext cx="4021074" cy="622705"/>
+          <a:off x="0" y="983047"/>
+          <a:ext cx="4138381" cy="934706"/>
         </a:xfrm>
         <a:prstGeom prst="roundRect">
           <a:avLst/>
         </a:prstGeom>
         <a:solidFill>
-          <a:schemeClr val="accent2">
-            <a:hueOff val="-207909"/>
-            <a:satOff val="-11990"/>
-            <a:lumOff val="1233"/>
+          <a:schemeClr val="accent3">
+            <a:hueOff val="0"/>
+            <a:satOff val="0"/>
+            <a:lumOff val="0"/>
             <a:alphaOff val="0"/>
           </a:schemeClr>
         </a:solidFill>
@@ -2368,12 +3786,12 @@
         </a:fontRef>
       </dsp:style>
       <dsp:txBody>
-        <a:bodyPr spcFirstLastPara="0" vert="horz" wrap="square" lIns="83820" tIns="41910" rIns="83820" bIns="41910" numCol="1" spcCol="1270" anchor="ctr" anchorCtr="0">
+        <a:bodyPr spcFirstLastPara="0" vert="horz" wrap="square" lIns="68580" tIns="34290" rIns="68580" bIns="34290" numCol="1" spcCol="1270" anchor="ctr" anchorCtr="0">
           <a:noAutofit/>
         </a:bodyPr>
         <a:lstStyle/>
         <a:p>
-          <a:pPr marL="0" lvl="0" indent="0" algn="ctr" defTabSz="977900">
+          <a:pPr marL="0" lvl="0" indent="0" algn="ctr" defTabSz="800100">
             <a:lnSpc>
               <a:spcPct val="90000"/>
             </a:lnSpc>
@@ -2386,49 +3804,49 @@
             <a:buNone/>
           </a:pPr>
           <a:r>
-            <a:rPr lang="en-US" sz="2200" b="0" kern="1200" dirty="0"/>
+            <a:rPr lang="en-US" sz="1800" kern="1200"/>
             <a:t>List Price</a:t>
           </a:r>
         </a:p>
       </dsp:txBody>
       <dsp:txXfrm>
-        <a:off x="30398" y="684445"/>
-        <a:ext cx="3960278" cy="561909"/>
+        <a:off x="45629" y="1028676"/>
+        <a:ext cx="4047123" cy="843448"/>
       </dsp:txXfrm>
     </dsp:sp>
-    <dsp:sp modelId="{1225CF5C-708C-495D-B13D-39E92E264DD5}">
+    <dsp:sp modelId="{34FDA4E4-6C4F-42BB-91CB-3E45D18ED03C}">
       <dsp:nvSpPr>
         <dsp:cNvPr id="0" name=""/>
         <dsp:cNvSpPr/>
       </dsp:nvSpPr>
       <dsp:spPr>
         <a:xfrm rot="5400000">
-          <a:off x="7346279" y="-1955047"/>
-          <a:ext cx="498164" cy="7148576"/>
+          <a:off x="7443059" y="-1246718"/>
+          <a:ext cx="747765" cy="7357121"/>
         </a:xfrm>
         <a:prstGeom prst="round2SameRect">
           <a:avLst/>
         </a:prstGeom>
         <a:solidFill>
-          <a:srgbClr val="ED7D31">
+          <a:schemeClr val="accent4">
             <a:tint val="40000"/>
             <a:alpha val="90000"/>
-            <a:hueOff val="-363954"/>
-            <a:satOff val="-32291"/>
-            <a:lumOff val="-330"/>
+            <a:hueOff val="0"/>
+            <a:satOff val="0"/>
+            <a:lumOff val="0"/>
             <a:alphaOff val="0"/>
-          </a:srgbClr>
+          </a:schemeClr>
         </a:solidFill>
         <a:ln w="12700" cap="flat" cmpd="sng" algn="ctr">
           <a:solidFill>
-            <a:srgbClr val="ED7D31">
+            <a:schemeClr val="accent4">
               <a:tint val="40000"/>
               <a:alpha val="90000"/>
-              <a:hueOff val="-363954"/>
-              <a:satOff val="-32291"/>
-              <a:lumOff val="-330"/>
+              <a:hueOff val="0"/>
+              <a:satOff val="0"/>
+              <a:lumOff val="0"/>
               <a:alphaOff val="0"/>
-            </a:srgbClr>
+            </a:schemeClr>
           </a:solidFill>
           <a:prstDash val="solid"/>
           <a:miter lim="800000"/>
@@ -2448,12 +3866,12 @@
         <a:fontRef idx="minor"/>
       </dsp:style>
       <dsp:txBody>
-        <a:bodyPr spcFirstLastPara="0" vert="horz" wrap="square" lIns="76200" tIns="38100" rIns="76200" bIns="38100" numCol="1" spcCol="1270" anchor="ctr" anchorCtr="0">
+        <a:bodyPr spcFirstLastPara="0" vert="horz" wrap="square" lIns="247650" tIns="123825" rIns="247650" bIns="123825" numCol="1" spcCol="1270" anchor="ctr" anchorCtr="0">
           <a:noAutofit/>
         </a:bodyPr>
         <a:lstStyle/>
         <a:p>
-          <a:pPr marL="228600" lvl="1" indent="-228600" algn="l" defTabSz="889000">
+          <a:pPr marL="171450" lvl="1" indent="-171450" algn="l" defTabSz="800100">
             <a:lnSpc>
               <a:spcPct val="90000"/>
             </a:lnSpc>
@@ -2466,46 +3884,34 @@
             <a:buChar char="•"/>
           </a:pPr>
           <a:r>
-            <a:rPr lang="en-US" sz="2000" kern="1200" dirty="0">
-              <a:solidFill>
-                <a:prstClr val="black">
-                  <a:hueOff val="0"/>
-                  <a:satOff val="0"/>
-                  <a:lumOff val="0"/>
-                  <a:alphaOff val="0"/>
-                </a:prstClr>
-              </a:solidFill>
-              <a:latin typeface="Calibri"/>
-              <a:ea typeface="+mn-ea"/>
-              <a:cs typeface="+mn-cs"/>
-            </a:rPr>
+            <a:rPr lang="en-US" sz="1800" kern="1200"/>
             <a:t>Difference between MRP and list price of the product</a:t>
           </a:r>
         </a:p>
       </dsp:txBody>
       <dsp:txXfrm rot="-5400000">
-        <a:off x="4021073" y="1394477"/>
-        <a:ext cx="7124258" cy="449528"/>
+        <a:off x="4138382" y="2094462"/>
+        <a:ext cx="7320618" cy="674759"/>
       </dsp:txXfrm>
     </dsp:sp>
-    <dsp:sp modelId="{B884C136-2653-4C69-921D-91939C196B5B}">
+    <dsp:sp modelId="{86C29B18-2670-43E7-80C8-374A257FBE09}">
       <dsp:nvSpPr>
         <dsp:cNvPr id="0" name=""/>
         <dsp:cNvSpPr/>
       </dsp:nvSpPr>
       <dsp:spPr>
         <a:xfrm>
-          <a:off x="0" y="1307887"/>
-          <a:ext cx="4021074" cy="622705"/>
+          <a:off x="0" y="1964488"/>
+          <a:ext cx="4138381" cy="934706"/>
         </a:xfrm>
         <a:prstGeom prst="roundRect">
           <a:avLst/>
         </a:prstGeom>
         <a:solidFill>
-          <a:schemeClr val="accent2">
-            <a:hueOff val="-415818"/>
-            <a:satOff val="-23979"/>
-            <a:lumOff val="2465"/>
+          <a:schemeClr val="accent4">
+            <a:hueOff val="0"/>
+            <a:satOff val="0"/>
+            <a:lumOff val="0"/>
             <a:alphaOff val="0"/>
           </a:schemeClr>
         </a:solidFill>
@@ -2538,12 +3944,12 @@
         </a:fontRef>
       </dsp:style>
       <dsp:txBody>
-        <a:bodyPr spcFirstLastPara="0" vert="horz" wrap="square" lIns="83820" tIns="41910" rIns="83820" bIns="41910" numCol="1" spcCol="1270" anchor="ctr" anchorCtr="0">
+        <a:bodyPr spcFirstLastPara="0" vert="horz" wrap="square" lIns="68580" tIns="34290" rIns="68580" bIns="34290" numCol="1" spcCol="1270" anchor="ctr" anchorCtr="0">
           <a:noAutofit/>
         </a:bodyPr>
         <a:lstStyle/>
         <a:p>
-          <a:pPr marL="0" lvl="0" indent="0" algn="ctr" defTabSz="977900">
+          <a:pPr marL="0" lvl="0" indent="0" algn="ctr" defTabSz="800100">
             <a:lnSpc>
               <a:spcPct val="90000"/>
             </a:lnSpc>
@@ -2556,47 +3962,47 @@
             <a:buNone/>
           </a:pPr>
           <a:r>
-            <a:rPr lang="en-US" sz="2200" kern="1200" dirty="0"/>
+            <a:rPr lang="en-US" sz="1800" kern="1200"/>
             <a:t>Discount %age</a:t>
           </a:r>
         </a:p>
       </dsp:txBody>
       <dsp:txXfrm>
-        <a:off x="30398" y="1338285"/>
-        <a:ext cx="3960278" cy="561909"/>
+        <a:off x="45629" y="2010117"/>
+        <a:ext cx="4047123" cy="843448"/>
       </dsp:txXfrm>
     </dsp:sp>
-    <dsp:sp modelId="{E69427B1-DAEF-4178-8671-CB46A3E78B47}">
+    <dsp:sp modelId="{0DE0DAC0-7412-4BF0-8C53-D45675133D89}">
       <dsp:nvSpPr>
         <dsp:cNvPr id="0" name=""/>
         <dsp:cNvSpPr/>
       </dsp:nvSpPr>
       <dsp:spPr>
         <a:xfrm rot="5400000">
-          <a:off x="7346279" y="-1301206"/>
-          <a:ext cx="498164" cy="7148576"/>
+          <a:off x="7443059" y="-265277"/>
+          <a:ext cx="747765" cy="7357121"/>
         </a:xfrm>
         <a:prstGeom prst="round2SameRect">
           <a:avLst/>
         </a:prstGeom>
         <a:solidFill>
-          <a:schemeClr val="accent2">
+          <a:schemeClr val="accent5">
             <a:tint val="40000"/>
             <a:alpha val="90000"/>
-            <a:hueOff val="-363954"/>
-            <a:satOff val="-32291"/>
-            <a:lumOff val="-330"/>
+            <a:hueOff val="0"/>
+            <a:satOff val="0"/>
+            <a:lumOff val="0"/>
             <a:alphaOff val="0"/>
           </a:schemeClr>
         </a:solidFill>
         <a:ln w="12700" cap="flat" cmpd="sng" algn="ctr">
           <a:solidFill>
-            <a:schemeClr val="accent2">
+            <a:schemeClr val="accent5">
               <a:tint val="40000"/>
               <a:alpha val="90000"/>
-              <a:hueOff val="-363954"/>
-              <a:satOff val="-32291"/>
-              <a:lumOff val="-330"/>
+              <a:hueOff val="0"/>
+              <a:satOff val="0"/>
+              <a:lumOff val="0"/>
               <a:alphaOff val="0"/>
             </a:schemeClr>
           </a:solidFill>
@@ -2618,12 +4024,12 @@
         <a:fontRef idx="minor"/>
       </dsp:style>
       <dsp:txBody>
-        <a:bodyPr spcFirstLastPara="0" vert="horz" wrap="square" lIns="80010" tIns="40005" rIns="80010" bIns="40005" numCol="1" spcCol="1270" anchor="ctr" anchorCtr="0">
+        <a:bodyPr spcFirstLastPara="0" vert="horz" wrap="square" lIns="247650" tIns="123825" rIns="247650" bIns="123825" numCol="1" spcCol="1270" anchor="ctr" anchorCtr="0">
           <a:noAutofit/>
         </a:bodyPr>
         <a:lstStyle/>
         <a:p>
-          <a:pPr marL="228600" lvl="1" indent="-228600" algn="l" defTabSz="933450">
+          <a:pPr marL="171450" lvl="1" indent="-171450" algn="l" defTabSz="800100">
             <a:lnSpc>
               <a:spcPct val="90000"/>
             </a:lnSpc>
@@ -2636,35 +4042,34 @@
             <a:buChar char="•"/>
           </a:pPr>
           <a:r>
-            <a:rPr lang="en-US" sz="2100" kern="1200" dirty="0"/>
+            <a:rPr lang="en-US" sz="1800" kern="1200"/>
             <a:t># of premium products sold as part of total orders in a week </a:t>
           </a:r>
-          <a:endParaRPr lang="en-US" sz="2100" b="1" kern="1200" dirty="0"/>
         </a:p>
       </dsp:txBody>
       <dsp:txXfrm rot="-5400000">
-        <a:off x="4021073" y="2048318"/>
-        <a:ext cx="7124258" cy="449528"/>
+        <a:off x="4138382" y="3075903"/>
+        <a:ext cx="7320618" cy="674759"/>
       </dsp:txXfrm>
     </dsp:sp>
-    <dsp:sp modelId="{91782B88-FB52-4C91-84E7-AAA7BA1AB728}">
+    <dsp:sp modelId="{9E772C04-17E7-4D1C-A3E0-704AE69D462F}">
       <dsp:nvSpPr>
         <dsp:cNvPr id="0" name=""/>
         <dsp:cNvSpPr/>
       </dsp:nvSpPr>
       <dsp:spPr>
         <a:xfrm>
-          <a:off x="0" y="1961728"/>
-          <a:ext cx="4021074" cy="622705"/>
+          <a:off x="0" y="2945930"/>
+          <a:ext cx="4138381" cy="934706"/>
         </a:xfrm>
         <a:prstGeom prst="roundRect">
           <a:avLst/>
         </a:prstGeom>
         <a:solidFill>
-          <a:schemeClr val="accent2">
-            <a:hueOff val="-623727"/>
-            <a:satOff val="-35969"/>
-            <a:lumOff val="3698"/>
+          <a:schemeClr val="accent5">
+            <a:hueOff val="0"/>
+            <a:satOff val="0"/>
+            <a:lumOff val="0"/>
             <a:alphaOff val="0"/>
           </a:schemeClr>
         </a:solidFill>
@@ -2697,12 +4102,12 @@
         </a:fontRef>
       </dsp:style>
       <dsp:txBody>
-        <a:bodyPr spcFirstLastPara="0" vert="horz" wrap="square" lIns="83820" tIns="41910" rIns="83820" bIns="41910" numCol="1" spcCol="1270" anchor="ctr" anchorCtr="0">
+        <a:bodyPr spcFirstLastPara="0" vert="horz" wrap="square" lIns="68580" tIns="34290" rIns="68580" bIns="34290" numCol="1" spcCol="1270" anchor="ctr" anchorCtr="0">
           <a:noAutofit/>
         </a:bodyPr>
         <a:lstStyle/>
         <a:p>
-          <a:pPr marL="0" lvl="0" indent="0" algn="ctr" defTabSz="977900">
+          <a:pPr marL="0" lvl="0" indent="0" algn="ctr" defTabSz="800100">
             <a:lnSpc>
               <a:spcPct val="90000"/>
             </a:lnSpc>
@@ -2715,47 +4120,47 @@
             <a:buNone/>
           </a:pPr>
           <a:r>
-            <a:rPr lang="en-US" sz="2200" kern="1200" dirty="0"/>
+            <a:rPr lang="en-US" sz="1800" kern="1200" dirty="0"/>
             <a:t>Premium Products</a:t>
           </a:r>
         </a:p>
       </dsp:txBody>
       <dsp:txXfrm>
-        <a:off x="30398" y="1992126"/>
-        <a:ext cx="3960278" cy="561909"/>
+        <a:off x="45629" y="2991559"/>
+        <a:ext cx="4047123" cy="843448"/>
       </dsp:txXfrm>
     </dsp:sp>
-    <dsp:sp modelId="{502B50DC-DC0C-448D-9BAB-177189A88DD3}">
+    <dsp:sp modelId="{0582AAA2-7A51-4C34-A2D9-1D5C4E703F60}">
       <dsp:nvSpPr>
         <dsp:cNvPr id="0" name=""/>
         <dsp:cNvSpPr/>
       </dsp:nvSpPr>
       <dsp:spPr>
         <a:xfrm rot="5400000">
-          <a:off x="7346279" y="-647365"/>
-          <a:ext cx="498164" cy="7148576"/>
+          <a:off x="7443059" y="716164"/>
+          <a:ext cx="747765" cy="7357121"/>
         </a:xfrm>
         <a:prstGeom prst="round2SameRect">
           <a:avLst/>
         </a:prstGeom>
         <a:solidFill>
-          <a:schemeClr val="accent2">
+          <a:schemeClr val="accent6">
             <a:tint val="40000"/>
             <a:alpha val="90000"/>
-            <a:hueOff val="-485272"/>
-            <a:satOff val="-43055"/>
-            <a:lumOff val="-439"/>
+            <a:hueOff val="0"/>
+            <a:satOff val="0"/>
+            <a:lumOff val="0"/>
             <a:alphaOff val="0"/>
           </a:schemeClr>
         </a:solidFill>
         <a:ln w="12700" cap="flat" cmpd="sng" algn="ctr">
           <a:solidFill>
-            <a:schemeClr val="accent2">
+            <a:schemeClr val="accent6">
               <a:tint val="40000"/>
               <a:alpha val="90000"/>
-              <a:hueOff val="-485272"/>
-              <a:satOff val="-43055"/>
-              <a:lumOff val="-439"/>
+              <a:hueOff val="0"/>
+              <a:satOff val="0"/>
+              <a:lumOff val="0"/>
               <a:alphaOff val="0"/>
             </a:schemeClr>
           </a:solidFill>
@@ -2777,12 +4182,12 @@
         <a:fontRef idx="minor"/>
       </dsp:style>
       <dsp:txBody>
-        <a:bodyPr spcFirstLastPara="0" vert="horz" wrap="square" lIns="80010" tIns="40005" rIns="80010" bIns="40005" numCol="1" spcCol="1270" anchor="ctr" anchorCtr="0">
+        <a:bodyPr spcFirstLastPara="0" vert="horz" wrap="square" lIns="247650" tIns="123825" rIns="247650" bIns="123825" numCol="1" spcCol="1270" anchor="ctr" anchorCtr="0">
           <a:noAutofit/>
         </a:bodyPr>
         <a:lstStyle/>
         <a:p>
-          <a:pPr marL="228600" lvl="1" indent="-228600" algn="l" defTabSz="933450">
+          <a:pPr marL="171450" lvl="1" indent="-171450" algn="l" defTabSz="800100">
             <a:lnSpc>
               <a:spcPct val="90000"/>
             </a:lnSpc>
@@ -2795,34 +4200,34 @@
             <a:buChar char="•"/>
           </a:pPr>
           <a:r>
-            <a:rPr lang="en-US" sz="2100" kern="1200" dirty="0"/>
-            <a:t># of mass products sold as part of total orders in a week </a:t>
+            <a:rPr lang="en-US" sz="1800" kern="1200"/>
+            <a:t># of middle products sold as part of total orders in a week</a:t>
           </a:r>
         </a:p>
       </dsp:txBody>
       <dsp:txXfrm rot="-5400000">
-        <a:off x="4021073" y="2702159"/>
-        <a:ext cx="7124258" cy="449528"/>
+        <a:off x="4138382" y="4057345"/>
+        <a:ext cx="7320618" cy="674759"/>
       </dsp:txXfrm>
     </dsp:sp>
-    <dsp:sp modelId="{8A4BC7FF-A577-4183-9CD3-6C507D7E35C7}">
+    <dsp:sp modelId="{242E17F4-DB1E-441A-8EF5-E2EC9FF2E6E3}">
       <dsp:nvSpPr>
         <dsp:cNvPr id="0" name=""/>
         <dsp:cNvSpPr/>
       </dsp:nvSpPr>
       <dsp:spPr>
         <a:xfrm>
-          <a:off x="0" y="2615569"/>
-          <a:ext cx="4021074" cy="622705"/>
+          <a:off x="0" y="3927372"/>
+          <a:ext cx="4138381" cy="934706"/>
         </a:xfrm>
         <a:prstGeom prst="roundRect">
           <a:avLst/>
         </a:prstGeom>
         <a:solidFill>
-          <a:schemeClr val="accent2">
-            <a:hueOff val="-831636"/>
-            <a:satOff val="-47959"/>
-            <a:lumOff val="4930"/>
+          <a:schemeClr val="accent6">
+            <a:hueOff val="0"/>
+            <a:satOff val="0"/>
+            <a:lumOff val="0"/>
             <a:alphaOff val="0"/>
           </a:schemeClr>
         </a:solidFill>
@@ -2855,12 +4260,12 @@
         </a:fontRef>
       </dsp:style>
       <dsp:txBody>
-        <a:bodyPr spcFirstLastPara="0" vert="horz" wrap="square" lIns="83820" tIns="41910" rIns="83820" bIns="41910" numCol="1" spcCol="1270" anchor="ctr" anchorCtr="0">
+        <a:bodyPr spcFirstLastPara="0" vert="horz" wrap="square" lIns="68580" tIns="34290" rIns="68580" bIns="34290" numCol="1" spcCol="1270" anchor="ctr" anchorCtr="0">
           <a:noAutofit/>
         </a:bodyPr>
         <a:lstStyle/>
         <a:p>
-          <a:pPr marL="0" lvl="0" indent="0" algn="ctr" defTabSz="977900">
+          <a:pPr marL="0" lvl="0" indent="0" algn="ctr" defTabSz="800100">
             <a:lnSpc>
               <a:spcPct val="90000"/>
             </a:lnSpc>
@@ -2873,25 +4278,25 @@
             <a:buNone/>
           </a:pPr>
           <a:r>
-            <a:rPr lang="en-US" sz="2200" kern="1200" dirty="0"/>
-            <a:t>Mass Products</a:t>
+            <a:rPr lang="en-US" sz="1800" kern="1200"/>
+            <a:t>Middle Products</a:t>
           </a:r>
         </a:p>
       </dsp:txBody>
       <dsp:txXfrm>
-        <a:off x="30398" y="2645967"/>
-        <a:ext cx="3960278" cy="561909"/>
+        <a:off x="45629" y="3973001"/>
+        <a:ext cx="4047123" cy="843448"/>
       </dsp:txXfrm>
     </dsp:sp>
-    <dsp:sp modelId="{59EEB785-2133-492C-96DA-7AA76CA09541}">
+    <dsp:sp modelId="{F98C40A6-5994-4F5B-97B1-3902D873660C}">
       <dsp:nvSpPr>
         <dsp:cNvPr id="0" name=""/>
         <dsp:cNvSpPr/>
       </dsp:nvSpPr>
       <dsp:spPr>
         <a:xfrm rot="5400000">
-          <a:off x="7346279" y="6475"/>
-          <a:ext cx="498164" cy="7148576"/>
+          <a:off x="7443059" y="1697606"/>
+          <a:ext cx="747765" cy="7357121"/>
         </a:xfrm>
         <a:prstGeom prst="round2SameRect">
           <a:avLst/>
@@ -2900,9 +4305,9 @@
           <a:schemeClr val="accent2">
             <a:tint val="40000"/>
             <a:alpha val="90000"/>
-            <a:hueOff val="-606590"/>
-            <a:satOff val="-53819"/>
-            <a:lumOff val="-549"/>
+            <a:hueOff val="0"/>
+            <a:satOff val="0"/>
+            <a:lumOff val="0"/>
             <a:alphaOff val="0"/>
           </a:schemeClr>
         </a:solidFill>
@@ -2911,9 +4316,9 @@
             <a:schemeClr val="accent2">
               <a:tint val="40000"/>
               <a:alpha val="90000"/>
-              <a:hueOff val="-606590"/>
-              <a:satOff val="-53819"/>
-              <a:lumOff val="-549"/>
+              <a:hueOff val="0"/>
+              <a:satOff val="0"/>
+              <a:lumOff val="0"/>
               <a:alphaOff val="0"/>
             </a:schemeClr>
           </a:solidFill>
@@ -2935,12 +4340,12 @@
         <a:fontRef idx="minor"/>
       </dsp:style>
       <dsp:txBody>
-        <a:bodyPr spcFirstLastPara="0" vert="horz" wrap="square" lIns="80010" tIns="40005" rIns="80010" bIns="40005" numCol="1" spcCol="1270" anchor="ctr" anchorCtr="0">
+        <a:bodyPr spcFirstLastPara="0" vert="horz" wrap="square" lIns="247650" tIns="123825" rIns="247650" bIns="123825" numCol="1" spcCol="1270" anchor="ctr" anchorCtr="0">
           <a:noAutofit/>
         </a:bodyPr>
         <a:lstStyle/>
         <a:p>
-          <a:pPr marL="228600" lvl="1" indent="-228600" algn="l" defTabSz="889000">
+          <a:pPr marL="171450" lvl="1" indent="-171450" algn="l" defTabSz="800100">
             <a:lnSpc>
               <a:spcPct val="90000"/>
             </a:lnSpc>
@@ -2953,34 +4358,34 @@
             <a:buChar char="•"/>
           </a:pPr>
           <a:r>
-            <a:rPr lang="en-US" sz="2000" kern="1200" dirty="0"/>
-            <a:t># of prepaid orders out of total orders in a week </a:t>
+            <a:rPr lang="en-US" sz="1800" kern="1200" dirty="0"/>
+            <a:t># of mass products sold as part of total orders in a week </a:t>
           </a:r>
         </a:p>
       </dsp:txBody>
       <dsp:txXfrm rot="-5400000">
-        <a:off x="4021073" y="3355999"/>
-        <a:ext cx="7124258" cy="449528"/>
+        <a:off x="4138382" y="5038787"/>
+        <a:ext cx="7320618" cy="674759"/>
       </dsp:txXfrm>
     </dsp:sp>
-    <dsp:sp modelId="{2B654352-FA6E-40AC-9E52-711F843B81CA}">
+    <dsp:sp modelId="{44E1CE70-0C68-4C8C-981A-5B74524FE4FC}">
       <dsp:nvSpPr>
         <dsp:cNvPr id="0" name=""/>
         <dsp:cNvSpPr/>
       </dsp:nvSpPr>
       <dsp:spPr>
         <a:xfrm>
-          <a:off x="0" y="3269410"/>
-          <a:ext cx="4021074" cy="622705"/>
+          <a:off x="0" y="4908814"/>
+          <a:ext cx="4138381" cy="934706"/>
         </a:xfrm>
         <a:prstGeom prst="roundRect">
           <a:avLst/>
         </a:prstGeom>
         <a:solidFill>
           <a:schemeClr val="accent2">
-            <a:hueOff val="-1039545"/>
-            <a:satOff val="-59949"/>
-            <a:lumOff val="6163"/>
+            <a:hueOff val="0"/>
+            <a:satOff val="0"/>
+            <a:lumOff val="0"/>
             <a:alphaOff val="0"/>
           </a:schemeClr>
         </a:solidFill>
@@ -3013,12 +4418,12 @@
         </a:fontRef>
       </dsp:style>
       <dsp:txBody>
-        <a:bodyPr spcFirstLastPara="0" vert="horz" wrap="square" lIns="83820" tIns="41910" rIns="83820" bIns="41910" numCol="1" spcCol="1270" anchor="ctr" anchorCtr="0">
+        <a:bodyPr spcFirstLastPara="0" vert="horz" wrap="square" lIns="68580" tIns="34290" rIns="68580" bIns="34290" numCol="1" spcCol="1270" anchor="ctr" anchorCtr="0">
           <a:noAutofit/>
         </a:bodyPr>
         <a:lstStyle/>
         <a:p>
-          <a:pPr marL="0" lvl="0" indent="0" algn="ctr" defTabSz="977900">
+          <a:pPr marL="0" lvl="0" indent="0" algn="ctr" defTabSz="800100">
             <a:lnSpc>
               <a:spcPct val="90000"/>
             </a:lnSpc>
@@ -3031,25 +4436,37 @@
             <a:buNone/>
           </a:pPr>
           <a:r>
-            <a:rPr lang="en-US" sz="2200" kern="1200" dirty="0"/>
-            <a:t>Prepaid orders</a:t>
+            <a:rPr lang="en-US" sz="1800" kern="1200" dirty="0"/>
+            <a:t>Mass Products</a:t>
           </a:r>
         </a:p>
       </dsp:txBody>
       <dsp:txXfrm>
-        <a:off x="30398" y="3299808"/>
-        <a:ext cx="3960278" cy="561909"/>
+        <a:off x="45629" y="4954443"/>
+        <a:ext cx="4047123" cy="843448"/>
       </dsp:txXfrm>
     </dsp:sp>
-    <dsp:sp modelId="{6EBB7F6A-8D16-4A8A-8D3C-BF4FAFDB044F}">
+  </dsp:spTree>
+</dsp:drawing>
+</file>
+
+<file path=ppt/diagrams/drawing2.xml><?xml version="1.0" encoding="utf-8"?>
+<dsp:drawing xmlns:dgm="http://schemas.openxmlformats.org/drawingml/2006/diagram" xmlns:dsp="http://schemas.microsoft.com/office/drawing/2008/diagram" xmlns:a="http://schemas.openxmlformats.org/drawingml/2006/main">
+  <dsp:spTree>
+    <dsp:nvGrpSpPr>
+      <dsp:cNvPr id="0" name=""/>
+      <dsp:cNvGrpSpPr/>
+    </dsp:nvGrpSpPr>
+    <dsp:grpSpPr/>
+    <dsp:sp modelId="{BDB303D5-8C68-41C2-8FE4-5C8BE78D4037}">
       <dsp:nvSpPr>
         <dsp:cNvPr id="0" name=""/>
         <dsp:cNvSpPr/>
       </dsp:nvSpPr>
       <dsp:spPr>
         <a:xfrm rot="5400000">
-          <a:off x="7346279" y="660316"/>
-          <a:ext cx="498164" cy="7148576"/>
+          <a:off x="7443059" y="-3209602"/>
+          <a:ext cx="747765" cy="7357121"/>
         </a:xfrm>
         <a:prstGeom prst="round2SameRect">
           <a:avLst/>
@@ -3058,9 +4475,9 @@
           <a:schemeClr val="accent2">
             <a:tint val="40000"/>
             <a:alpha val="90000"/>
-            <a:hueOff val="-727908"/>
-            <a:satOff val="-64582"/>
-            <a:lumOff val="-659"/>
+            <a:hueOff val="0"/>
+            <a:satOff val="0"/>
+            <a:lumOff val="0"/>
             <a:alphaOff val="0"/>
           </a:schemeClr>
         </a:solidFill>
@@ -3069,9 +4486,9 @@
             <a:schemeClr val="accent2">
               <a:tint val="40000"/>
               <a:alpha val="90000"/>
-              <a:hueOff val="-727908"/>
-              <a:satOff val="-64582"/>
-              <a:lumOff val="-659"/>
+              <a:hueOff val="0"/>
+              <a:satOff val="0"/>
+              <a:lumOff val="0"/>
               <a:alphaOff val="0"/>
             </a:schemeClr>
           </a:solidFill>
@@ -3093,12 +4510,12 @@
         <a:fontRef idx="minor"/>
       </dsp:style>
       <dsp:txBody>
-        <a:bodyPr spcFirstLastPara="0" vert="horz" wrap="square" lIns="80010" tIns="40005" rIns="80010" bIns="40005" numCol="1" spcCol="1270" anchor="ctr" anchorCtr="0">
+        <a:bodyPr spcFirstLastPara="0" vert="horz" wrap="square" lIns="247650" tIns="123825" rIns="247650" bIns="123825" numCol="1" spcCol="1270" anchor="ctr" anchorCtr="0">
           <a:noAutofit/>
         </a:bodyPr>
         <a:lstStyle/>
         <a:p>
-          <a:pPr marL="228600" lvl="1" indent="-228600" algn="l" defTabSz="889000">
+          <a:pPr marL="171450" lvl="1" indent="-171450" algn="l" defTabSz="800100">
             <a:lnSpc>
               <a:spcPct val="90000"/>
             </a:lnSpc>
@@ -3111,34 +4528,34 @@
             <a:buChar char="•"/>
           </a:pPr>
           <a:r>
-            <a:rPr lang="en-US" sz="2000" kern="1200" dirty="0"/>
-            <a:t># of orders delivered on COD out of total orders in a week</a:t>
+            <a:rPr lang="en-US" sz="1800" kern="1200" dirty="0"/>
+            <a:t>% of prepaid orders out of total orders in a week </a:t>
           </a:r>
         </a:p>
       </dsp:txBody>
       <dsp:txXfrm rot="-5400000">
-        <a:off x="4021073" y="4009840"/>
-        <a:ext cx="7124258" cy="449528"/>
+        <a:off x="4138382" y="131578"/>
+        <a:ext cx="7320618" cy="674759"/>
       </dsp:txXfrm>
     </dsp:sp>
-    <dsp:sp modelId="{BF36C0E9-366A-453F-8561-F7F6C4CFCFD6}">
+    <dsp:sp modelId="{5AC7EBF8-ED2B-4B5D-AE10-A1B274D2AD61}">
       <dsp:nvSpPr>
         <dsp:cNvPr id="0" name=""/>
         <dsp:cNvSpPr/>
       </dsp:nvSpPr>
       <dsp:spPr>
         <a:xfrm>
-          <a:off x="0" y="3923251"/>
-          <a:ext cx="4021074" cy="622705"/>
+          <a:off x="0" y="1605"/>
+          <a:ext cx="4138381" cy="934706"/>
         </a:xfrm>
         <a:prstGeom prst="roundRect">
           <a:avLst/>
         </a:prstGeom>
         <a:solidFill>
           <a:schemeClr val="accent2">
-            <a:hueOff val="-1247454"/>
-            <a:satOff val="-71938"/>
-            <a:lumOff val="7395"/>
+            <a:hueOff val="0"/>
+            <a:satOff val="0"/>
+            <a:lumOff val="0"/>
             <a:alphaOff val="0"/>
           </a:schemeClr>
         </a:solidFill>
@@ -3171,12 +4588,12 @@
         </a:fontRef>
       </dsp:style>
       <dsp:txBody>
-        <a:bodyPr spcFirstLastPara="0" vert="horz" wrap="square" lIns="83820" tIns="41910" rIns="83820" bIns="41910" numCol="1" spcCol="1270" anchor="ctr" anchorCtr="0">
+        <a:bodyPr spcFirstLastPara="0" vert="horz" wrap="square" lIns="68580" tIns="34290" rIns="68580" bIns="34290" numCol="1" spcCol="1270" anchor="ctr" anchorCtr="0">
           <a:noAutofit/>
         </a:bodyPr>
         <a:lstStyle/>
         <a:p>
-          <a:pPr marL="0" lvl="0" indent="0" algn="ctr" defTabSz="977900">
+          <a:pPr marL="0" lvl="0" indent="0" algn="ctr" defTabSz="800100">
             <a:lnSpc>
               <a:spcPct val="90000"/>
             </a:lnSpc>
@@ -3189,49 +4606,49 @@
             <a:buNone/>
           </a:pPr>
           <a:r>
-            <a:rPr lang="en-US" sz="2200" kern="1200" dirty="0"/>
-            <a:t>COD orders</a:t>
+            <a:rPr lang="en-US" sz="1800" kern="1200" dirty="0"/>
+            <a:t>%age of Prepaid orders </a:t>
           </a:r>
         </a:p>
       </dsp:txBody>
       <dsp:txXfrm>
-        <a:off x="30398" y="3953649"/>
-        <a:ext cx="3960278" cy="561909"/>
+        <a:off x="45629" y="47234"/>
+        <a:ext cx="4047123" cy="843448"/>
       </dsp:txXfrm>
     </dsp:sp>
-    <dsp:sp modelId="{C5CBE9F4-7D51-412A-9393-39BE2C91EB8B}">
+    <dsp:sp modelId="{E91A00CA-F6E6-47DC-832D-61F8BBF972FC}">
       <dsp:nvSpPr>
         <dsp:cNvPr id="0" name=""/>
         <dsp:cNvSpPr/>
       </dsp:nvSpPr>
       <dsp:spPr>
         <a:xfrm rot="5400000">
-          <a:off x="7346279" y="1314156"/>
-          <a:ext cx="498164" cy="7148576"/>
+          <a:off x="7443059" y="-2228160"/>
+          <a:ext cx="747765" cy="7357121"/>
         </a:xfrm>
         <a:prstGeom prst="round2SameRect">
           <a:avLst/>
         </a:prstGeom>
         <a:solidFill>
-          <a:srgbClr val="ED7D31">
+          <a:schemeClr val="accent3">
             <a:tint val="40000"/>
             <a:alpha val="90000"/>
-            <a:hueOff val="-849226"/>
-            <a:satOff val="-75346"/>
-            <a:lumOff val="-769"/>
+            <a:hueOff val="0"/>
+            <a:satOff val="0"/>
+            <a:lumOff val="0"/>
             <a:alphaOff val="0"/>
-          </a:srgbClr>
+          </a:schemeClr>
         </a:solidFill>
         <a:ln w="12700" cap="flat" cmpd="sng" algn="ctr">
           <a:solidFill>
-            <a:srgbClr val="ED7D31">
+            <a:schemeClr val="accent3">
               <a:tint val="40000"/>
               <a:alpha val="90000"/>
-              <a:hueOff val="-849226"/>
-              <a:satOff val="-75346"/>
-              <a:lumOff val="-769"/>
+              <a:hueOff val="0"/>
+              <a:satOff val="0"/>
+              <a:lumOff val="0"/>
               <a:alphaOff val="0"/>
-            </a:srgbClr>
+            </a:schemeClr>
           </a:solidFill>
           <a:prstDash val="solid"/>
           <a:miter lim="800000"/>
@@ -3251,12 +4668,12 @@
         <a:fontRef idx="minor"/>
       </dsp:style>
       <dsp:txBody>
-        <a:bodyPr spcFirstLastPara="0" vert="horz" wrap="square" lIns="76200" tIns="38100" rIns="76200" bIns="38100" numCol="1" spcCol="1270" anchor="ctr" anchorCtr="0">
+        <a:bodyPr spcFirstLastPara="0" vert="horz" wrap="square" lIns="247650" tIns="123825" rIns="247650" bIns="123825" numCol="1" spcCol="1270" anchor="ctr" anchorCtr="0">
           <a:noAutofit/>
         </a:bodyPr>
         <a:lstStyle/>
         <a:p>
-          <a:pPr marL="114300" lvl="1" indent="-114300" algn="l" defTabSz="533400">
+          <a:pPr marL="171450" lvl="1" indent="-171450" algn="l" defTabSz="800100">
             <a:lnSpc>
               <a:spcPct val="90000"/>
             </a:lnSpc>
@@ -3269,62 +4686,34 @@
             <a:buChar char="•"/>
           </a:pPr>
           <a:r>
-            <a:rPr lang="en-US" sz="2000" kern="1200">
-              <a:solidFill>
-                <a:prstClr val="black">
-                  <a:hueOff val="0"/>
-                  <a:satOff val="0"/>
-                  <a:lumOff val="0"/>
-                  <a:alphaOff val="0"/>
-                </a:prstClr>
-              </a:solidFill>
-              <a:latin typeface="Calibri"/>
-              <a:ea typeface="+mn-ea"/>
-              <a:cs typeface="+mn-cs"/>
-            </a:rPr>
-            <a:t> No. </a:t>
-          </a:r>
-          <a:r>
-            <a:rPr lang="en-US" sz="2000" kern="1200" dirty="0">
-              <a:solidFill>
-                <a:prstClr val="black">
-                  <a:hueOff val="0"/>
-                  <a:satOff val="0"/>
-                  <a:lumOff val="0"/>
-                  <a:alphaOff val="0"/>
-                </a:prstClr>
-              </a:solidFill>
-              <a:latin typeface="Calibri"/>
-              <a:ea typeface="+mn-ea"/>
-              <a:cs typeface="+mn-cs"/>
-            </a:rPr>
-            <a:t>of holidays in a week</a:t>
+            <a:rPr lang="en-US" sz="1800" kern="1200" dirty="0"/>
+            <a:t>% of orders delivered on COD out of total orders in a week</a:t>
           </a:r>
         </a:p>
       </dsp:txBody>
       <dsp:txXfrm rot="-5400000">
-        <a:off x="4021073" y="4663680"/>
-        <a:ext cx="7124258" cy="449528"/>
+        <a:off x="4138382" y="1113020"/>
+        <a:ext cx="7320618" cy="674759"/>
       </dsp:txXfrm>
     </dsp:sp>
-    <dsp:sp modelId="{8D38D577-B09E-4036-8E25-9D967F700D95}">
+    <dsp:sp modelId="{2EBDA4C6-D805-4FFA-B347-54243C7AAA63}">
       <dsp:nvSpPr>
         <dsp:cNvPr id="0" name=""/>
         <dsp:cNvSpPr/>
       </dsp:nvSpPr>
       <dsp:spPr>
         <a:xfrm>
-          <a:off x="0" y="4577092"/>
-          <a:ext cx="4021074" cy="622705"/>
+          <a:off x="0" y="983047"/>
+          <a:ext cx="4138381" cy="934706"/>
         </a:xfrm>
         <a:prstGeom prst="roundRect">
           <a:avLst/>
         </a:prstGeom>
         <a:solidFill>
-          <a:schemeClr val="accent2">
-            <a:hueOff val="-1455363"/>
-            <a:satOff val="-83928"/>
-            <a:lumOff val="8628"/>
+          <a:schemeClr val="accent3">
+            <a:hueOff val="0"/>
+            <a:satOff val="0"/>
+            <a:lumOff val="0"/>
             <a:alphaOff val="0"/>
           </a:schemeClr>
         </a:solidFill>
@@ -3357,12 +4746,12 @@
         </a:fontRef>
       </dsp:style>
       <dsp:txBody>
-        <a:bodyPr spcFirstLastPara="0" vert="horz" wrap="square" lIns="83820" tIns="41910" rIns="83820" bIns="41910" numCol="1" spcCol="1270" anchor="ctr" anchorCtr="0">
+        <a:bodyPr spcFirstLastPara="0" vert="horz" wrap="square" lIns="68580" tIns="34290" rIns="68580" bIns="34290" numCol="1" spcCol="1270" anchor="ctr" anchorCtr="0">
           <a:noAutofit/>
         </a:bodyPr>
         <a:lstStyle/>
         <a:p>
-          <a:pPr marL="0" lvl="0" indent="0" algn="ctr" defTabSz="977900">
+          <a:pPr marL="0" lvl="0" indent="0" algn="ctr" defTabSz="800100">
             <a:lnSpc>
               <a:spcPct val="90000"/>
             </a:lnSpc>
@@ -3375,14 +4764,734 @@
             <a:buNone/>
           </a:pPr>
           <a:r>
-            <a:rPr lang="en-US" sz="2200" b="0" kern="1200" dirty="0"/>
+            <a:rPr lang="en-US" sz="1800" kern="1200" dirty="0"/>
+            <a:t>%age of COD orders</a:t>
+          </a:r>
+        </a:p>
+      </dsp:txBody>
+      <dsp:txXfrm>
+        <a:off x="45629" y="1028676"/>
+        <a:ext cx="4047123" cy="843448"/>
+      </dsp:txXfrm>
+    </dsp:sp>
+    <dsp:sp modelId="{0BB85DF4-B5DF-4B16-B9B9-ACE0D54C63A1}">
+      <dsp:nvSpPr>
+        <dsp:cNvPr id="0" name=""/>
+        <dsp:cNvSpPr/>
+      </dsp:nvSpPr>
+      <dsp:spPr>
+        <a:xfrm rot="5400000">
+          <a:off x="7443059" y="-1246718"/>
+          <a:ext cx="747765" cy="7357121"/>
+        </a:xfrm>
+        <a:prstGeom prst="round2SameRect">
+          <a:avLst/>
+        </a:prstGeom>
+        <a:solidFill>
+          <a:schemeClr val="accent4">
+            <a:tint val="40000"/>
+            <a:alpha val="90000"/>
+            <a:hueOff val="0"/>
+            <a:satOff val="0"/>
+            <a:lumOff val="0"/>
+            <a:alphaOff val="0"/>
+          </a:schemeClr>
+        </a:solidFill>
+        <a:ln w="12700" cap="flat" cmpd="sng" algn="ctr">
+          <a:solidFill>
+            <a:schemeClr val="accent4">
+              <a:tint val="40000"/>
+              <a:alpha val="90000"/>
+              <a:hueOff val="0"/>
+              <a:satOff val="0"/>
+              <a:lumOff val="0"/>
+              <a:alphaOff val="0"/>
+            </a:schemeClr>
+          </a:solidFill>
+          <a:prstDash val="solid"/>
+          <a:miter lim="800000"/>
+        </a:ln>
+        <a:effectLst/>
+      </dsp:spPr>
+      <dsp:style>
+        <a:lnRef idx="2">
+          <a:scrgbClr r="0" g="0" b="0"/>
+        </a:lnRef>
+        <a:fillRef idx="1">
+          <a:scrgbClr r="0" g="0" b="0"/>
+        </a:fillRef>
+        <a:effectRef idx="0">
+          <a:scrgbClr r="0" g="0" b="0"/>
+        </a:effectRef>
+        <a:fontRef idx="minor"/>
+      </dsp:style>
+      <dsp:txBody>
+        <a:bodyPr spcFirstLastPara="0" vert="horz" wrap="square" lIns="247650" tIns="123825" rIns="247650" bIns="123825" numCol="1" spcCol="1270" anchor="ctr" anchorCtr="0">
+          <a:noAutofit/>
+        </a:bodyPr>
+        <a:lstStyle/>
+        <a:p>
+          <a:pPr marL="171450" lvl="1" indent="-171450" algn="l" defTabSz="800100">
+            <a:lnSpc>
+              <a:spcPct val="90000"/>
+            </a:lnSpc>
+            <a:spcBef>
+              <a:spcPct val="0"/>
+            </a:spcBef>
+            <a:spcAft>
+              <a:spcPct val="15000"/>
+            </a:spcAft>
+            <a:buChar char="•"/>
+          </a:pPr>
+          <a:r>
+            <a:rPr lang="en-US" sz="1800" kern="1200" dirty="0"/>
+            <a:t>No. of holidays in a week</a:t>
+          </a:r>
+        </a:p>
+      </dsp:txBody>
+      <dsp:txXfrm rot="-5400000">
+        <a:off x="4138382" y="2094462"/>
+        <a:ext cx="7320618" cy="674759"/>
+      </dsp:txXfrm>
+    </dsp:sp>
+    <dsp:sp modelId="{508458C7-E3A6-4B11-AFA6-634F22CD5570}">
+      <dsp:nvSpPr>
+        <dsp:cNvPr id="0" name=""/>
+        <dsp:cNvSpPr/>
+      </dsp:nvSpPr>
+      <dsp:spPr>
+        <a:xfrm>
+          <a:off x="0" y="1964488"/>
+          <a:ext cx="4138381" cy="934706"/>
+        </a:xfrm>
+        <a:prstGeom prst="roundRect">
+          <a:avLst/>
+        </a:prstGeom>
+        <a:solidFill>
+          <a:schemeClr val="accent4">
+            <a:hueOff val="0"/>
+            <a:satOff val="0"/>
+            <a:lumOff val="0"/>
+            <a:alphaOff val="0"/>
+          </a:schemeClr>
+        </a:solidFill>
+        <a:ln w="12700" cap="flat" cmpd="sng" algn="ctr">
+          <a:solidFill>
+            <a:schemeClr val="lt1">
+              <a:hueOff val="0"/>
+              <a:satOff val="0"/>
+              <a:lumOff val="0"/>
+              <a:alphaOff val="0"/>
+            </a:schemeClr>
+          </a:solidFill>
+          <a:prstDash val="solid"/>
+          <a:miter lim="800000"/>
+        </a:ln>
+        <a:effectLst/>
+      </dsp:spPr>
+      <dsp:style>
+        <a:lnRef idx="2">
+          <a:scrgbClr r="0" g="0" b="0"/>
+        </a:lnRef>
+        <a:fillRef idx="1">
+          <a:scrgbClr r="0" g="0" b="0"/>
+        </a:fillRef>
+        <a:effectRef idx="0">
+          <a:scrgbClr r="0" g="0" b="0"/>
+        </a:effectRef>
+        <a:fontRef idx="minor">
+          <a:schemeClr val="lt1"/>
+        </a:fontRef>
+      </dsp:style>
+      <dsp:txBody>
+        <a:bodyPr spcFirstLastPara="0" vert="horz" wrap="square" lIns="68580" tIns="34290" rIns="68580" bIns="34290" numCol="1" spcCol="1270" anchor="ctr" anchorCtr="0">
+          <a:noAutofit/>
+        </a:bodyPr>
+        <a:lstStyle/>
+        <a:p>
+          <a:pPr marL="0" lvl="0" indent="0" algn="ctr" defTabSz="800100">
+            <a:lnSpc>
+              <a:spcPct val="90000"/>
+            </a:lnSpc>
+            <a:spcBef>
+              <a:spcPct val="0"/>
+            </a:spcBef>
+            <a:spcAft>
+              <a:spcPct val="35000"/>
+            </a:spcAft>
+            <a:buNone/>
+          </a:pPr>
+          <a:r>
+            <a:rPr lang="en-US" sz="1800" kern="1200" dirty="0"/>
             <a:t>Holiday Frequency</a:t>
           </a:r>
         </a:p>
       </dsp:txBody>
       <dsp:txXfrm>
-        <a:off x="30398" y="4607490"/>
-        <a:ext cx="3960278" cy="561909"/>
+        <a:off x="45629" y="2010117"/>
+        <a:ext cx="4047123" cy="843448"/>
+      </dsp:txXfrm>
+    </dsp:sp>
+    <dsp:sp modelId="{076F41F0-3E2C-475B-BDEF-6AF649264A80}">
+      <dsp:nvSpPr>
+        <dsp:cNvPr id="0" name=""/>
+        <dsp:cNvSpPr/>
+      </dsp:nvSpPr>
+      <dsp:spPr>
+        <a:xfrm rot="5400000">
+          <a:off x="7443059" y="-265277"/>
+          <a:ext cx="747765" cy="7357121"/>
+        </a:xfrm>
+        <a:prstGeom prst="round2SameRect">
+          <a:avLst/>
+        </a:prstGeom>
+        <a:solidFill>
+          <a:schemeClr val="accent5">
+            <a:tint val="40000"/>
+            <a:alpha val="90000"/>
+            <a:hueOff val="0"/>
+            <a:satOff val="0"/>
+            <a:lumOff val="0"/>
+            <a:alphaOff val="0"/>
+          </a:schemeClr>
+        </a:solidFill>
+        <a:ln w="12700" cap="flat" cmpd="sng" algn="ctr">
+          <a:solidFill>
+            <a:schemeClr val="accent5">
+              <a:tint val="40000"/>
+              <a:alpha val="90000"/>
+              <a:hueOff val="0"/>
+              <a:satOff val="0"/>
+              <a:lumOff val="0"/>
+              <a:alphaOff val="0"/>
+            </a:schemeClr>
+          </a:solidFill>
+          <a:prstDash val="solid"/>
+          <a:miter lim="800000"/>
+        </a:ln>
+        <a:effectLst/>
+      </dsp:spPr>
+      <dsp:style>
+        <a:lnRef idx="2">
+          <a:scrgbClr r="0" g="0" b="0"/>
+        </a:lnRef>
+        <a:fillRef idx="1">
+          <a:scrgbClr r="0" g="0" b="0"/>
+        </a:fillRef>
+        <a:effectRef idx="0">
+          <a:scrgbClr r="0" g="0" b="0"/>
+        </a:effectRef>
+        <a:fontRef idx="minor"/>
+      </dsp:style>
+      <dsp:txBody>
+        <a:bodyPr spcFirstLastPara="0" vert="horz" wrap="square" lIns="247650" tIns="123825" rIns="247650" bIns="123825" numCol="1" spcCol="1270" anchor="ctr" anchorCtr="0">
+          <a:noAutofit/>
+        </a:bodyPr>
+        <a:lstStyle/>
+        <a:p>
+          <a:pPr marL="171450" lvl="1" indent="-171450" algn="l" defTabSz="711200">
+            <a:lnSpc>
+              <a:spcPct val="90000"/>
+            </a:lnSpc>
+            <a:spcBef>
+              <a:spcPct val="0"/>
+            </a:spcBef>
+            <a:spcAft>
+              <a:spcPct val="15000"/>
+            </a:spcAft>
+            <a:buChar char="•"/>
+          </a:pPr>
+          <a:r>
+            <a:rPr lang="en-US" sz="1600" kern="1200" dirty="0"/>
+            <a:t>Lag of </a:t>
+          </a:r>
+          <a:r>
+            <a:rPr lang="en-US" sz="1600" kern="1200" dirty="0" err="1"/>
+            <a:t>upto</a:t>
+          </a:r>
+          <a:r>
+            <a:rPr lang="en-US" sz="1600" kern="1200" dirty="0"/>
+            <a:t> 3 for:</a:t>
+          </a:r>
+        </a:p>
+        <a:p>
+          <a:pPr marL="342900" lvl="2" indent="-171450" algn="l" defTabSz="711200">
+            <a:lnSpc>
+              <a:spcPct val="90000"/>
+            </a:lnSpc>
+            <a:spcBef>
+              <a:spcPct val="0"/>
+            </a:spcBef>
+            <a:spcAft>
+              <a:spcPct val="15000"/>
+            </a:spcAft>
+            <a:buChar char="•"/>
+          </a:pPr>
+          <a:r>
+            <a:rPr lang="en-US" sz="1600" kern="1200" dirty="0"/>
+            <a:t>List Price</a:t>
+          </a:r>
+        </a:p>
+        <a:p>
+          <a:pPr marL="342900" lvl="2" indent="-171450" algn="l" defTabSz="711200">
+            <a:lnSpc>
+              <a:spcPct val="90000"/>
+            </a:lnSpc>
+            <a:spcBef>
+              <a:spcPct val="0"/>
+            </a:spcBef>
+            <a:spcAft>
+              <a:spcPct val="15000"/>
+            </a:spcAft>
+            <a:buChar char="•"/>
+          </a:pPr>
+          <a:r>
+            <a:rPr lang="en-US" sz="1600" kern="1200" dirty="0"/>
+            <a:t>Discount %age</a:t>
+          </a:r>
+        </a:p>
+      </dsp:txBody>
+      <dsp:txXfrm rot="-5400000">
+        <a:off x="4138382" y="3075903"/>
+        <a:ext cx="7320618" cy="674759"/>
+      </dsp:txXfrm>
+    </dsp:sp>
+    <dsp:sp modelId="{E2B8142F-E7C4-4A90-B1D8-7BA52262D892}">
+      <dsp:nvSpPr>
+        <dsp:cNvPr id="0" name=""/>
+        <dsp:cNvSpPr/>
+      </dsp:nvSpPr>
+      <dsp:spPr>
+        <a:xfrm>
+          <a:off x="0" y="2945930"/>
+          <a:ext cx="4138381" cy="934706"/>
+        </a:xfrm>
+        <a:prstGeom prst="roundRect">
+          <a:avLst/>
+        </a:prstGeom>
+        <a:solidFill>
+          <a:schemeClr val="accent5">
+            <a:hueOff val="0"/>
+            <a:satOff val="0"/>
+            <a:lumOff val="0"/>
+            <a:alphaOff val="0"/>
+          </a:schemeClr>
+        </a:solidFill>
+        <a:ln w="12700" cap="flat" cmpd="sng" algn="ctr">
+          <a:solidFill>
+            <a:schemeClr val="lt1">
+              <a:hueOff val="0"/>
+              <a:satOff val="0"/>
+              <a:lumOff val="0"/>
+              <a:alphaOff val="0"/>
+            </a:schemeClr>
+          </a:solidFill>
+          <a:prstDash val="solid"/>
+          <a:miter lim="800000"/>
+        </a:ln>
+        <a:effectLst/>
+      </dsp:spPr>
+      <dsp:style>
+        <a:lnRef idx="2">
+          <a:scrgbClr r="0" g="0" b="0"/>
+        </a:lnRef>
+        <a:fillRef idx="1">
+          <a:scrgbClr r="0" g="0" b="0"/>
+        </a:fillRef>
+        <a:effectRef idx="0">
+          <a:scrgbClr r="0" g="0" b="0"/>
+        </a:effectRef>
+        <a:fontRef idx="minor">
+          <a:schemeClr val="lt1"/>
+        </a:fontRef>
+      </dsp:style>
+      <dsp:txBody>
+        <a:bodyPr spcFirstLastPara="0" vert="horz" wrap="square" lIns="68580" tIns="34290" rIns="68580" bIns="34290" numCol="1" spcCol="1270" anchor="ctr" anchorCtr="0">
+          <a:noAutofit/>
+        </a:bodyPr>
+        <a:lstStyle/>
+        <a:p>
+          <a:pPr marL="0" lvl="0" indent="0" algn="ctr" defTabSz="800100">
+            <a:lnSpc>
+              <a:spcPct val="90000"/>
+            </a:lnSpc>
+            <a:spcBef>
+              <a:spcPct val="0"/>
+            </a:spcBef>
+            <a:spcAft>
+              <a:spcPct val="35000"/>
+            </a:spcAft>
+            <a:buNone/>
+          </a:pPr>
+          <a:r>
+            <a:rPr lang="en-US" sz="1800" kern="1200" dirty="0"/>
+            <a:t>Lag Variables:</a:t>
+          </a:r>
+        </a:p>
+      </dsp:txBody>
+      <dsp:txXfrm>
+        <a:off x="45629" y="2991559"/>
+        <a:ext cx="4047123" cy="843448"/>
+      </dsp:txXfrm>
+    </dsp:sp>
+    <dsp:sp modelId="{C8E0CE8E-FD7B-4A99-A833-1899627904B6}">
+      <dsp:nvSpPr>
+        <dsp:cNvPr id="0" name=""/>
+        <dsp:cNvSpPr/>
+      </dsp:nvSpPr>
+      <dsp:spPr>
+        <a:xfrm rot="5400000">
+          <a:off x="7443059" y="716164"/>
+          <a:ext cx="747765" cy="7357121"/>
+        </a:xfrm>
+        <a:prstGeom prst="round2SameRect">
+          <a:avLst/>
+        </a:prstGeom>
+        <a:solidFill>
+          <a:schemeClr val="accent6">
+            <a:tint val="40000"/>
+            <a:alpha val="90000"/>
+            <a:hueOff val="0"/>
+            <a:satOff val="0"/>
+            <a:lumOff val="0"/>
+            <a:alphaOff val="0"/>
+          </a:schemeClr>
+        </a:solidFill>
+        <a:ln w="12700" cap="flat" cmpd="sng" algn="ctr">
+          <a:solidFill>
+            <a:schemeClr val="accent6">
+              <a:tint val="40000"/>
+              <a:alpha val="90000"/>
+              <a:hueOff val="0"/>
+              <a:satOff val="0"/>
+              <a:lumOff val="0"/>
+              <a:alphaOff val="0"/>
+            </a:schemeClr>
+          </a:solidFill>
+          <a:prstDash val="solid"/>
+          <a:miter lim="800000"/>
+        </a:ln>
+        <a:effectLst/>
+      </dsp:spPr>
+      <dsp:style>
+        <a:lnRef idx="2">
+          <a:scrgbClr r="0" g="0" b="0"/>
+        </a:lnRef>
+        <a:fillRef idx="1">
+          <a:scrgbClr r="0" g="0" b="0"/>
+        </a:fillRef>
+        <a:effectRef idx="0">
+          <a:scrgbClr r="0" g="0" b="0"/>
+        </a:effectRef>
+        <a:fontRef idx="minor"/>
+      </dsp:style>
+      <dsp:txBody>
+        <a:bodyPr spcFirstLastPara="0" vert="horz" wrap="square" lIns="247650" tIns="123825" rIns="247650" bIns="123825" numCol="1" spcCol="1270" anchor="ctr" anchorCtr="0">
+          <a:noAutofit/>
+        </a:bodyPr>
+        <a:lstStyle/>
+        <a:p>
+          <a:pPr marL="171450" lvl="1" indent="-171450" algn="l" defTabSz="800100">
+            <a:lnSpc>
+              <a:spcPct val="90000"/>
+            </a:lnSpc>
+            <a:spcBef>
+              <a:spcPct val="0"/>
+            </a:spcBef>
+            <a:spcAft>
+              <a:spcPct val="15000"/>
+            </a:spcAft>
+            <a:buChar char="•"/>
+          </a:pPr>
+          <a:r>
+            <a:rPr lang="en-US" sz="1800" kern="1200" dirty="0" err="1"/>
+            <a:t>Adstock</a:t>
+          </a:r>
+          <a:r>
+            <a:rPr lang="en-US" sz="1800" kern="1200" dirty="0"/>
+            <a:t> for all advertising medium assuming the effect of advertisement is decreases by 40% every week</a:t>
+          </a:r>
+        </a:p>
+      </dsp:txBody>
+      <dsp:txXfrm rot="-5400000">
+        <a:off x="4138382" y="4057345"/>
+        <a:ext cx="7320618" cy="674759"/>
+      </dsp:txXfrm>
+    </dsp:sp>
+    <dsp:sp modelId="{B71A80D3-5ADC-4DE0-9056-7D728CEBFA8E}">
+      <dsp:nvSpPr>
+        <dsp:cNvPr id="0" name=""/>
+        <dsp:cNvSpPr/>
+      </dsp:nvSpPr>
+      <dsp:spPr>
+        <a:xfrm>
+          <a:off x="0" y="3927372"/>
+          <a:ext cx="4138381" cy="934706"/>
+        </a:xfrm>
+        <a:prstGeom prst="roundRect">
+          <a:avLst/>
+        </a:prstGeom>
+        <a:solidFill>
+          <a:schemeClr val="accent6">
+            <a:hueOff val="0"/>
+            <a:satOff val="0"/>
+            <a:lumOff val="0"/>
+            <a:alphaOff val="0"/>
+          </a:schemeClr>
+        </a:solidFill>
+        <a:ln w="12700" cap="flat" cmpd="sng" algn="ctr">
+          <a:solidFill>
+            <a:schemeClr val="lt1">
+              <a:hueOff val="0"/>
+              <a:satOff val="0"/>
+              <a:lumOff val="0"/>
+              <a:alphaOff val="0"/>
+            </a:schemeClr>
+          </a:solidFill>
+          <a:prstDash val="solid"/>
+          <a:miter lim="800000"/>
+        </a:ln>
+        <a:effectLst/>
+      </dsp:spPr>
+      <dsp:style>
+        <a:lnRef idx="2">
+          <a:scrgbClr r="0" g="0" b="0"/>
+        </a:lnRef>
+        <a:fillRef idx="1">
+          <a:scrgbClr r="0" g="0" b="0"/>
+        </a:fillRef>
+        <a:effectRef idx="0">
+          <a:scrgbClr r="0" g="0" b="0"/>
+        </a:effectRef>
+        <a:fontRef idx="minor">
+          <a:schemeClr val="lt1"/>
+        </a:fontRef>
+      </dsp:style>
+      <dsp:txBody>
+        <a:bodyPr spcFirstLastPara="0" vert="horz" wrap="square" lIns="68580" tIns="34290" rIns="68580" bIns="34290" numCol="1" spcCol="1270" anchor="ctr" anchorCtr="0">
+          <a:noAutofit/>
+        </a:bodyPr>
+        <a:lstStyle/>
+        <a:p>
+          <a:pPr marL="0" lvl="0" indent="0" algn="ctr" defTabSz="800100">
+            <a:lnSpc>
+              <a:spcPct val="90000"/>
+            </a:lnSpc>
+            <a:spcBef>
+              <a:spcPct val="0"/>
+            </a:spcBef>
+            <a:spcAft>
+              <a:spcPct val="35000"/>
+            </a:spcAft>
+            <a:buNone/>
+          </a:pPr>
+          <a:r>
+            <a:rPr lang="en-US" sz="1800" kern="1200" dirty="0" err="1"/>
+            <a:t>AdStock</a:t>
+          </a:r>
+          <a:r>
+            <a:rPr lang="en-US" sz="1800" kern="1200" dirty="0"/>
+            <a:t> </a:t>
+          </a:r>
+        </a:p>
+      </dsp:txBody>
+      <dsp:txXfrm>
+        <a:off x="45629" y="3973001"/>
+        <a:ext cx="4047123" cy="843448"/>
+      </dsp:txXfrm>
+    </dsp:sp>
+    <dsp:sp modelId="{D4F05393-F037-45E6-BCF1-0AF34393EADE}">
+      <dsp:nvSpPr>
+        <dsp:cNvPr id="0" name=""/>
+        <dsp:cNvSpPr/>
+      </dsp:nvSpPr>
+      <dsp:spPr>
+        <a:xfrm rot="5400000">
+          <a:off x="7443059" y="1697606"/>
+          <a:ext cx="747765" cy="7357121"/>
+        </a:xfrm>
+        <a:prstGeom prst="round2SameRect">
+          <a:avLst/>
+        </a:prstGeom>
+        <a:solidFill>
+          <a:schemeClr val="accent2">
+            <a:tint val="40000"/>
+            <a:alpha val="90000"/>
+            <a:hueOff val="0"/>
+            <a:satOff val="0"/>
+            <a:lumOff val="0"/>
+            <a:alphaOff val="0"/>
+          </a:schemeClr>
+        </a:solidFill>
+        <a:ln w="12700" cap="flat" cmpd="sng" algn="ctr">
+          <a:solidFill>
+            <a:schemeClr val="accent2">
+              <a:tint val="40000"/>
+              <a:alpha val="90000"/>
+              <a:hueOff val="0"/>
+              <a:satOff val="0"/>
+              <a:lumOff val="0"/>
+              <a:alphaOff val="0"/>
+            </a:schemeClr>
+          </a:solidFill>
+          <a:prstDash val="solid"/>
+          <a:miter lim="800000"/>
+        </a:ln>
+        <a:effectLst/>
+      </dsp:spPr>
+      <dsp:style>
+        <a:lnRef idx="2">
+          <a:scrgbClr r="0" g="0" b="0"/>
+        </a:lnRef>
+        <a:fillRef idx="1">
+          <a:scrgbClr r="0" g="0" b="0"/>
+        </a:fillRef>
+        <a:effectRef idx="0">
+          <a:scrgbClr r="0" g="0" b="0"/>
+        </a:effectRef>
+        <a:fontRef idx="minor"/>
+      </dsp:style>
+      <dsp:txBody>
+        <a:bodyPr spcFirstLastPara="0" vert="horz" wrap="square" lIns="247650" tIns="123825" rIns="247650" bIns="123825" numCol="1" spcCol="1270" anchor="ctr" anchorCtr="0">
+          <a:noAutofit/>
+        </a:bodyPr>
+        <a:lstStyle/>
+        <a:p>
+          <a:pPr marL="171450" lvl="1" indent="-171450" algn="l" defTabSz="711200">
+            <a:lnSpc>
+              <a:spcPct val="90000"/>
+            </a:lnSpc>
+            <a:spcBef>
+              <a:spcPct val="0"/>
+            </a:spcBef>
+            <a:spcAft>
+              <a:spcPct val="15000"/>
+            </a:spcAft>
+            <a:buChar char="•"/>
+          </a:pPr>
+          <a:r>
+            <a:rPr lang="en-US" sz="1600" kern="1200" dirty="0"/>
+            <a:t>3 week moving average for:</a:t>
+          </a:r>
+        </a:p>
+        <a:p>
+          <a:pPr marL="342900" lvl="2" indent="-171450" algn="l" defTabSz="711200">
+            <a:lnSpc>
+              <a:spcPct val="90000"/>
+            </a:lnSpc>
+            <a:spcBef>
+              <a:spcPct val="0"/>
+            </a:spcBef>
+            <a:spcAft>
+              <a:spcPct val="15000"/>
+            </a:spcAft>
+            <a:buChar char="•"/>
+          </a:pPr>
+          <a:r>
+            <a:rPr lang="en-US" sz="1600" kern="1200" dirty="0"/>
+            <a:t> List price</a:t>
+          </a:r>
+        </a:p>
+        <a:p>
+          <a:pPr marL="342900" lvl="2" indent="-171450" algn="l" defTabSz="711200">
+            <a:lnSpc>
+              <a:spcPct val="90000"/>
+            </a:lnSpc>
+            <a:spcBef>
+              <a:spcPct val="0"/>
+            </a:spcBef>
+            <a:spcAft>
+              <a:spcPct val="15000"/>
+            </a:spcAft>
+            <a:buChar char="•"/>
+          </a:pPr>
+          <a:r>
+            <a:rPr lang="en-US" sz="1600" kern="1200" dirty="0"/>
+            <a:t>Discount %age</a:t>
+          </a:r>
+        </a:p>
+      </dsp:txBody>
+      <dsp:txXfrm rot="-5400000">
+        <a:off x="4138382" y="5038787"/>
+        <a:ext cx="7320618" cy="674759"/>
+      </dsp:txXfrm>
+    </dsp:sp>
+    <dsp:sp modelId="{0E7CF6A8-389F-4155-87E5-1BD950EE0CE2}">
+      <dsp:nvSpPr>
+        <dsp:cNvPr id="0" name=""/>
+        <dsp:cNvSpPr/>
+      </dsp:nvSpPr>
+      <dsp:spPr>
+        <a:xfrm>
+          <a:off x="0" y="4908814"/>
+          <a:ext cx="4138381" cy="934706"/>
+        </a:xfrm>
+        <a:prstGeom prst="roundRect">
+          <a:avLst/>
+        </a:prstGeom>
+        <a:solidFill>
+          <a:schemeClr val="accent2">
+            <a:hueOff val="0"/>
+            <a:satOff val="0"/>
+            <a:lumOff val="0"/>
+            <a:alphaOff val="0"/>
+          </a:schemeClr>
+        </a:solidFill>
+        <a:ln w="12700" cap="flat" cmpd="sng" algn="ctr">
+          <a:solidFill>
+            <a:schemeClr val="lt1">
+              <a:hueOff val="0"/>
+              <a:satOff val="0"/>
+              <a:lumOff val="0"/>
+              <a:alphaOff val="0"/>
+            </a:schemeClr>
+          </a:solidFill>
+          <a:prstDash val="solid"/>
+          <a:miter lim="800000"/>
+        </a:ln>
+        <a:effectLst/>
+      </dsp:spPr>
+      <dsp:style>
+        <a:lnRef idx="2">
+          <a:scrgbClr r="0" g="0" b="0"/>
+        </a:lnRef>
+        <a:fillRef idx="1">
+          <a:scrgbClr r="0" g="0" b="0"/>
+        </a:fillRef>
+        <a:effectRef idx="0">
+          <a:scrgbClr r="0" g="0" b="0"/>
+        </a:effectRef>
+        <a:fontRef idx="minor">
+          <a:schemeClr val="lt1"/>
+        </a:fontRef>
+      </dsp:style>
+      <dsp:txBody>
+        <a:bodyPr spcFirstLastPara="0" vert="horz" wrap="square" lIns="68580" tIns="34290" rIns="68580" bIns="34290" numCol="1" spcCol="1270" anchor="ctr" anchorCtr="0">
+          <a:noAutofit/>
+        </a:bodyPr>
+        <a:lstStyle/>
+        <a:p>
+          <a:pPr marL="0" lvl="0" indent="0" algn="ctr" defTabSz="800100">
+            <a:lnSpc>
+              <a:spcPct val="90000"/>
+            </a:lnSpc>
+            <a:spcBef>
+              <a:spcPct val="0"/>
+            </a:spcBef>
+            <a:spcAft>
+              <a:spcPct val="35000"/>
+            </a:spcAft>
+            <a:buNone/>
+          </a:pPr>
+          <a:r>
+            <a:rPr lang="en-US" sz="1800" kern="1200" dirty="0"/>
+            <a:t>Moving Average</a:t>
+          </a:r>
+        </a:p>
+      </dsp:txBody>
+      <dsp:txXfrm>
+        <a:off x="45629" y="4954443"/>
+        <a:ext cx="4047123" cy="843448"/>
       </dsp:txXfrm>
     </dsp:sp>
   </dsp:spTree>
@@ -3390,6 +5499,239 @@
 </file>
 
 <file path=ppt/diagrams/layout1.xml><?xml version="1.0" encoding="utf-8"?>
+<dgm:layoutDef xmlns:dgm="http://schemas.openxmlformats.org/drawingml/2006/diagram" xmlns:a="http://schemas.openxmlformats.org/drawingml/2006/main" uniqueId="urn:microsoft.com/office/officeart/2005/8/layout/vList5">
+  <dgm:title val=""/>
+  <dgm:desc val=""/>
+  <dgm:catLst>
+    <dgm:cat type="list" pri="15000"/>
+    <dgm:cat type="convert" pri="2000"/>
+  </dgm:catLst>
+  <dgm:sampData>
+    <dgm:dataModel>
+      <dgm:ptLst>
+        <dgm:pt modelId="0" type="doc"/>
+        <dgm:pt modelId="1">
+          <dgm:prSet phldr="1"/>
+        </dgm:pt>
+        <dgm:pt modelId="11">
+          <dgm:prSet phldr="1"/>
+        </dgm:pt>
+        <dgm:pt modelId="12">
+          <dgm:prSet phldr="1"/>
+        </dgm:pt>
+        <dgm:pt modelId="2">
+          <dgm:prSet phldr="1"/>
+        </dgm:pt>
+        <dgm:pt modelId="21">
+          <dgm:prSet phldr="1"/>
+        </dgm:pt>
+        <dgm:pt modelId="22">
+          <dgm:prSet phldr="1"/>
+        </dgm:pt>
+        <dgm:pt modelId="3">
+          <dgm:prSet phldr="1"/>
+        </dgm:pt>
+        <dgm:pt modelId="31">
+          <dgm:prSet phldr="1"/>
+        </dgm:pt>
+        <dgm:pt modelId="32">
+          <dgm:prSet phldr="1"/>
+        </dgm:pt>
+      </dgm:ptLst>
+      <dgm:cxnLst>
+        <dgm:cxn modelId="4" srcId="0" destId="1" srcOrd="0" destOrd="0"/>
+        <dgm:cxn modelId="5" srcId="0" destId="2" srcOrd="1" destOrd="0"/>
+        <dgm:cxn modelId="6" srcId="0" destId="3" srcOrd="2" destOrd="0"/>
+        <dgm:cxn modelId="13" srcId="1" destId="11" srcOrd="0" destOrd="0"/>
+        <dgm:cxn modelId="14" srcId="1" destId="12" srcOrd="1" destOrd="0"/>
+        <dgm:cxn modelId="23" srcId="2" destId="21" srcOrd="0" destOrd="0"/>
+        <dgm:cxn modelId="24" srcId="2" destId="22" srcOrd="1" destOrd="0"/>
+        <dgm:cxn modelId="33" srcId="3" destId="31" srcOrd="0" destOrd="0"/>
+        <dgm:cxn modelId="34" srcId="3" destId="32" srcOrd="1" destOrd="0"/>
+      </dgm:cxnLst>
+      <dgm:bg/>
+      <dgm:whole/>
+    </dgm:dataModel>
+  </dgm:sampData>
+  <dgm:styleData>
+    <dgm:dataModel>
+      <dgm:ptLst>
+        <dgm:pt modelId="0" type="doc"/>
+        <dgm:pt modelId="1"/>
+        <dgm:pt modelId="11"/>
+        <dgm:pt modelId="2"/>
+        <dgm:pt modelId="21"/>
+      </dgm:ptLst>
+      <dgm:cxnLst>
+        <dgm:cxn modelId="4" srcId="0" destId="1" srcOrd="0" destOrd="0"/>
+        <dgm:cxn modelId="5" srcId="0" destId="2" srcOrd="1" destOrd="0"/>
+        <dgm:cxn modelId="13" srcId="1" destId="11" srcOrd="0" destOrd="0"/>
+        <dgm:cxn modelId="23" srcId="2" destId="21" srcOrd="0" destOrd="0"/>
+      </dgm:cxnLst>
+      <dgm:bg/>
+      <dgm:whole/>
+    </dgm:dataModel>
+  </dgm:styleData>
+  <dgm:clrData>
+    <dgm:dataModel>
+      <dgm:ptLst>
+        <dgm:pt modelId="0" type="doc"/>
+        <dgm:pt modelId="1"/>
+        <dgm:pt modelId="11"/>
+        <dgm:pt modelId="2"/>
+        <dgm:pt modelId="21"/>
+        <dgm:pt modelId="3"/>
+        <dgm:pt modelId="31"/>
+        <dgm:pt modelId="4"/>
+        <dgm:pt modelId="41"/>
+      </dgm:ptLst>
+      <dgm:cxnLst>
+        <dgm:cxn modelId="5" srcId="0" destId="1" srcOrd="0" destOrd="0"/>
+        <dgm:cxn modelId="6" srcId="0" destId="2" srcOrd="1" destOrd="0"/>
+        <dgm:cxn modelId="7" srcId="0" destId="3" srcOrd="2" destOrd="0"/>
+        <dgm:cxn modelId="8" srcId="0" destId="4" srcOrd="3" destOrd="0"/>
+        <dgm:cxn modelId="13" srcId="1" destId="11" srcOrd="0" destOrd="0"/>
+        <dgm:cxn modelId="23" srcId="2" destId="21" srcOrd="0" destOrd="0"/>
+        <dgm:cxn modelId="33" srcId="3" destId="31" srcOrd="0" destOrd="0"/>
+        <dgm:cxn modelId="43" srcId="4" destId="41" srcOrd="0" destOrd="0"/>
+      </dgm:cxnLst>
+      <dgm:bg/>
+      <dgm:whole/>
+    </dgm:dataModel>
+  </dgm:clrData>
+  <dgm:layoutNode name="Name0">
+    <dgm:varLst>
+      <dgm:dir/>
+      <dgm:animLvl val="lvl"/>
+      <dgm:resizeHandles val="exact"/>
+    </dgm:varLst>
+    <dgm:choose name="Name1">
+      <dgm:if name="Name2" func="var" arg="dir" op="equ" val="norm">
+        <dgm:alg type="lin">
+          <dgm:param type="linDir" val="fromT"/>
+          <dgm:param type="nodeHorzAlign" val="l"/>
+        </dgm:alg>
+      </dgm:if>
+      <dgm:else name="Name3">
+        <dgm:alg type="lin">
+          <dgm:param type="linDir" val="fromT"/>
+          <dgm:param type="nodeHorzAlign" val="r"/>
+        </dgm:alg>
+      </dgm:else>
+    </dgm:choose>
+    <dgm:shape xmlns:r="http://schemas.openxmlformats.org/officeDocument/2006/relationships" r:blip="">
+      <dgm:adjLst/>
+    </dgm:shape>
+    <dgm:presOf/>
+    <dgm:constrLst>
+      <dgm:constr type="h" for="ch" forName="linNode" refType="h"/>
+      <dgm:constr type="w" for="ch" forName="linNode" refType="w"/>
+      <dgm:constr type="h" for="ch" forName="sp" refType="h" fact="0.05"/>
+      <dgm:constr type="primFontSz" for="des" forName="parentText" op="equ" val="65"/>
+      <dgm:constr type="secFontSz" for="des" forName="descendantText" op="equ"/>
+    </dgm:constrLst>
+    <dgm:ruleLst/>
+    <dgm:forEach name="Name4" axis="ch" ptType="node">
+      <dgm:layoutNode name="linNode">
+        <dgm:choose name="Name5">
+          <dgm:if name="Name6" func="var" arg="dir" op="equ" val="norm">
+            <dgm:alg type="lin">
+              <dgm:param type="linDir" val="fromL"/>
+            </dgm:alg>
+          </dgm:if>
+          <dgm:else name="Name7">
+            <dgm:alg type="lin">
+              <dgm:param type="linDir" val="fromR"/>
+            </dgm:alg>
+          </dgm:else>
+        </dgm:choose>
+        <dgm:shape xmlns:r="http://schemas.openxmlformats.org/officeDocument/2006/relationships" r:blip="">
+          <dgm:adjLst/>
+        </dgm:shape>
+        <dgm:presOf/>
+        <dgm:constrLst>
+          <dgm:constr type="w" for="ch" forName="parentText" refType="w" fact="0.36"/>
+          <dgm:constr type="w" for="ch" forName="descendantText" refType="w" fact="0.64"/>
+          <dgm:constr type="h" for="ch" forName="parentText" refType="h"/>
+          <dgm:constr type="h" for="ch" forName="descendantText" refType="h" refFor="ch" refForName="parentText" fact="0.8"/>
+        </dgm:constrLst>
+        <dgm:ruleLst/>
+        <dgm:layoutNode name="parentText">
+          <dgm:varLst>
+            <dgm:chMax val="1"/>
+            <dgm:bulletEnabled val="1"/>
+          </dgm:varLst>
+          <dgm:alg type="tx"/>
+          <dgm:shape xmlns:r="http://schemas.openxmlformats.org/officeDocument/2006/relationships" type="roundRect" r:blip="" zOrderOff="3">
+            <dgm:adjLst/>
+          </dgm:shape>
+          <dgm:presOf axis="self" ptType="node"/>
+          <dgm:constrLst>
+            <dgm:constr type="tMarg" refType="primFontSz" fact="0.15"/>
+            <dgm:constr type="bMarg" refType="primFontSz" fact="0.15"/>
+            <dgm:constr type="lMarg" refType="primFontSz" fact="0.3"/>
+            <dgm:constr type="rMarg" refType="primFontSz" fact="0.3"/>
+          </dgm:constrLst>
+          <dgm:ruleLst>
+            <dgm:rule type="primFontSz" val="5" fact="NaN" max="NaN"/>
+          </dgm:ruleLst>
+        </dgm:layoutNode>
+        <dgm:choose name="Name8">
+          <dgm:if name="Name9" axis="ch" ptType="node" func="cnt" op="gte" val="1">
+            <dgm:layoutNode name="descendantText" styleLbl="alignAccFollowNode1">
+              <dgm:varLst>
+                <dgm:bulletEnabled val="1"/>
+              </dgm:varLst>
+              <dgm:alg type="tx">
+                <dgm:param type="stBulletLvl" val="1"/>
+                <dgm:param type="txAnchorVertCh" val="mid"/>
+              </dgm:alg>
+              <dgm:choose name="Name10">
+                <dgm:if name="Name11" func="var" arg="dir" op="equ" val="norm">
+                  <dgm:shape xmlns:r="http://schemas.openxmlformats.org/officeDocument/2006/relationships" rot="90" type="round2SameRect" r:blip="">
+                    <dgm:adjLst/>
+                  </dgm:shape>
+                </dgm:if>
+                <dgm:else name="Name12">
+                  <dgm:shape xmlns:r="http://schemas.openxmlformats.org/officeDocument/2006/relationships" rot="-90" type="round2SameRect" r:blip="">
+                    <dgm:adjLst/>
+                  </dgm:shape>
+                </dgm:else>
+              </dgm:choose>
+              <dgm:presOf axis="des" ptType="node"/>
+              <dgm:constrLst>
+                <dgm:constr type="secFontSz" val="65"/>
+                <dgm:constr type="primFontSz" refType="secFontSz"/>
+                <dgm:constr type="lMarg" refType="secFontSz" fact="0.3"/>
+                <dgm:constr type="rMarg" refType="secFontSz" fact="0.3"/>
+                <dgm:constr type="tMarg" refType="secFontSz" fact="0.15"/>
+                <dgm:constr type="bMarg" refType="secFontSz" fact="0.15"/>
+              </dgm:constrLst>
+              <dgm:ruleLst>
+                <dgm:rule type="secFontSz" val="5" fact="NaN" max="NaN"/>
+              </dgm:ruleLst>
+            </dgm:layoutNode>
+          </dgm:if>
+          <dgm:else name="Name13"/>
+        </dgm:choose>
+      </dgm:layoutNode>
+      <dgm:forEach name="Name14" axis="followSib" ptType="sibTrans" cnt="1">
+        <dgm:layoutNode name="sp">
+          <dgm:alg type="sp"/>
+          <dgm:shape xmlns:r="http://schemas.openxmlformats.org/officeDocument/2006/relationships" r:blip="">
+            <dgm:adjLst/>
+          </dgm:shape>
+          <dgm:presOf/>
+          <dgm:constrLst/>
+          <dgm:ruleLst/>
+        </dgm:layoutNode>
+      </dgm:forEach>
+    </dgm:forEach>
+  </dgm:layoutNode>
+</dgm:layoutDef>
+</file>
+
+<file path=ppt/diagrams/layout2.xml><?xml version="1.0" encoding="utf-8"?>
 <dgm:layoutDef xmlns:dgm="http://schemas.openxmlformats.org/drawingml/2006/diagram" xmlns:a="http://schemas.openxmlformats.org/drawingml/2006/main" uniqueId="urn:microsoft.com/office/officeart/2005/8/layout/vList5">
   <dgm:title val=""/>
   <dgm:desc val=""/>
@@ -4656,6 +6998,1040 @@
 </dgm:styleDef>
 </file>
 
+<file path=ppt/diagrams/quickStyle2.xml><?xml version="1.0" encoding="utf-8"?>
+<dgm:styleDef xmlns:dgm="http://schemas.openxmlformats.org/drawingml/2006/diagram" xmlns:a="http://schemas.openxmlformats.org/drawingml/2006/main" uniqueId="urn:microsoft.com/office/officeart/2005/8/quickstyle/simple1">
+  <dgm:title val=""/>
+  <dgm:desc val=""/>
+  <dgm:catLst>
+    <dgm:cat type="simple" pri="10100"/>
+  </dgm:catLst>
+  <dgm:scene3d>
+    <a:camera prst="orthographicFront"/>
+    <a:lightRig rig="threePt" dir="t"/>
+  </dgm:scene3d>
+  <dgm:styleLbl name="node0">
+    <dgm:scene3d>
+      <a:camera prst="orthographicFront"/>
+      <a:lightRig rig="threePt" dir="t"/>
+    </dgm:scene3d>
+    <dgm:sp3d/>
+    <dgm:txPr/>
+    <dgm:style>
+      <a:lnRef idx="2">
+        <a:scrgbClr r="0" g="0" b="0"/>
+      </a:lnRef>
+      <a:fillRef idx="1">
+        <a:scrgbClr r="0" g="0" b="0"/>
+      </a:fillRef>
+      <a:effectRef idx="0">
+        <a:scrgbClr r="0" g="0" b="0"/>
+      </a:effectRef>
+      <a:fontRef idx="minor">
+        <a:schemeClr val="lt1"/>
+      </a:fontRef>
+    </dgm:style>
+  </dgm:styleLbl>
+  <dgm:styleLbl name="lnNode1">
+    <dgm:scene3d>
+      <a:camera prst="orthographicFront"/>
+      <a:lightRig rig="threePt" dir="t"/>
+    </dgm:scene3d>
+    <dgm:sp3d/>
+    <dgm:txPr/>
+    <dgm:style>
+      <a:lnRef idx="2">
+        <a:scrgbClr r="0" g="0" b="0"/>
+      </a:lnRef>
+      <a:fillRef idx="1">
+        <a:scrgbClr r="0" g="0" b="0"/>
+      </a:fillRef>
+      <a:effectRef idx="0">
+        <a:scrgbClr r="0" g="0" b="0"/>
+      </a:effectRef>
+      <a:fontRef idx="minor">
+        <a:schemeClr val="lt1"/>
+      </a:fontRef>
+    </dgm:style>
+  </dgm:styleLbl>
+  <dgm:styleLbl name="vennNode1">
+    <dgm:scene3d>
+      <a:camera prst="orthographicFront"/>
+      <a:lightRig rig="threePt" dir="t"/>
+    </dgm:scene3d>
+    <dgm:sp3d/>
+    <dgm:txPr/>
+    <dgm:style>
+      <a:lnRef idx="2">
+        <a:scrgbClr r="0" g="0" b="0"/>
+      </a:lnRef>
+      <a:fillRef idx="1">
+        <a:scrgbClr r="0" g="0" b="0"/>
+      </a:fillRef>
+      <a:effectRef idx="0">
+        <a:scrgbClr r="0" g="0" b="0"/>
+      </a:effectRef>
+      <a:fontRef idx="minor">
+        <a:schemeClr val="tx1"/>
+      </a:fontRef>
+    </dgm:style>
+  </dgm:styleLbl>
+  <dgm:styleLbl name="alignNode1">
+    <dgm:scene3d>
+      <a:camera prst="orthographicFront"/>
+      <a:lightRig rig="threePt" dir="t"/>
+    </dgm:scene3d>
+    <dgm:sp3d/>
+    <dgm:txPr/>
+    <dgm:style>
+      <a:lnRef idx="2">
+        <a:scrgbClr r="0" g="0" b="0"/>
+      </a:lnRef>
+      <a:fillRef idx="1">
+        <a:scrgbClr r="0" g="0" b="0"/>
+      </a:fillRef>
+      <a:effectRef idx="0">
+        <a:scrgbClr r="0" g="0" b="0"/>
+      </a:effectRef>
+      <a:fontRef idx="minor">
+        <a:schemeClr val="lt1"/>
+      </a:fontRef>
+    </dgm:style>
+  </dgm:styleLbl>
+  <dgm:styleLbl name="node1">
+    <dgm:scene3d>
+      <a:camera prst="orthographicFront"/>
+      <a:lightRig rig="threePt" dir="t"/>
+    </dgm:scene3d>
+    <dgm:sp3d/>
+    <dgm:txPr/>
+    <dgm:style>
+      <a:lnRef idx="2">
+        <a:scrgbClr r="0" g="0" b="0"/>
+      </a:lnRef>
+      <a:fillRef idx="1">
+        <a:scrgbClr r="0" g="0" b="0"/>
+      </a:fillRef>
+      <a:effectRef idx="0">
+        <a:scrgbClr r="0" g="0" b="0"/>
+      </a:effectRef>
+      <a:fontRef idx="minor">
+        <a:schemeClr val="lt1"/>
+      </a:fontRef>
+    </dgm:style>
+  </dgm:styleLbl>
+  <dgm:styleLbl name="node2">
+    <dgm:scene3d>
+      <a:camera prst="orthographicFront"/>
+      <a:lightRig rig="threePt" dir="t"/>
+    </dgm:scene3d>
+    <dgm:sp3d/>
+    <dgm:txPr/>
+    <dgm:style>
+      <a:lnRef idx="2">
+        <a:scrgbClr r="0" g="0" b="0"/>
+      </a:lnRef>
+      <a:fillRef idx="1">
+        <a:scrgbClr r="0" g="0" b="0"/>
+      </a:fillRef>
+      <a:effectRef idx="0">
+        <a:scrgbClr r="0" g="0" b="0"/>
+      </a:effectRef>
+      <a:fontRef idx="minor">
+        <a:schemeClr val="lt1"/>
+      </a:fontRef>
+    </dgm:style>
+  </dgm:styleLbl>
+  <dgm:styleLbl name="node3">
+    <dgm:scene3d>
+      <a:camera prst="orthographicFront"/>
+      <a:lightRig rig="threePt" dir="t"/>
+    </dgm:scene3d>
+    <dgm:sp3d/>
+    <dgm:txPr/>
+    <dgm:style>
+      <a:lnRef idx="2">
+        <a:scrgbClr r="0" g="0" b="0"/>
+      </a:lnRef>
+      <a:fillRef idx="1">
+        <a:scrgbClr r="0" g="0" b="0"/>
+      </a:fillRef>
+      <a:effectRef idx="0">
+        <a:scrgbClr r="0" g="0" b="0"/>
+      </a:effectRef>
+      <a:fontRef idx="minor">
+        <a:schemeClr val="lt1"/>
+      </a:fontRef>
+    </dgm:style>
+  </dgm:styleLbl>
+  <dgm:styleLbl name="node4">
+    <dgm:scene3d>
+      <a:camera prst="orthographicFront"/>
+      <a:lightRig rig="threePt" dir="t"/>
+    </dgm:scene3d>
+    <dgm:sp3d/>
+    <dgm:txPr/>
+    <dgm:style>
+      <a:lnRef idx="2">
+        <a:scrgbClr r="0" g="0" b="0"/>
+      </a:lnRef>
+      <a:fillRef idx="1">
+        <a:scrgbClr r="0" g="0" b="0"/>
+      </a:fillRef>
+      <a:effectRef idx="0">
+        <a:scrgbClr r="0" g="0" b="0"/>
+      </a:effectRef>
+      <a:fontRef idx="minor">
+        <a:schemeClr val="lt1"/>
+      </a:fontRef>
+    </dgm:style>
+  </dgm:styleLbl>
+  <dgm:styleLbl name="fgImgPlace1">
+    <dgm:scene3d>
+      <a:camera prst="orthographicFront"/>
+      <a:lightRig rig="threePt" dir="t"/>
+    </dgm:scene3d>
+    <dgm:sp3d/>
+    <dgm:txPr/>
+    <dgm:style>
+      <a:lnRef idx="2">
+        <a:scrgbClr r="0" g="0" b="0"/>
+      </a:lnRef>
+      <a:fillRef idx="1">
+        <a:scrgbClr r="0" g="0" b="0"/>
+      </a:fillRef>
+      <a:effectRef idx="0">
+        <a:scrgbClr r="0" g="0" b="0"/>
+      </a:effectRef>
+      <a:fontRef idx="minor"/>
+    </dgm:style>
+  </dgm:styleLbl>
+  <dgm:styleLbl name="alignImgPlace1">
+    <dgm:scene3d>
+      <a:camera prst="orthographicFront"/>
+      <a:lightRig rig="threePt" dir="t"/>
+    </dgm:scene3d>
+    <dgm:sp3d/>
+    <dgm:txPr/>
+    <dgm:style>
+      <a:lnRef idx="2">
+        <a:scrgbClr r="0" g="0" b="0"/>
+      </a:lnRef>
+      <a:fillRef idx="1">
+        <a:scrgbClr r="0" g="0" b="0"/>
+      </a:fillRef>
+      <a:effectRef idx="0">
+        <a:scrgbClr r="0" g="0" b="0"/>
+      </a:effectRef>
+      <a:fontRef idx="minor"/>
+    </dgm:style>
+  </dgm:styleLbl>
+  <dgm:styleLbl name="bgImgPlace1">
+    <dgm:scene3d>
+      <a:camera prst="orthographicFront"/>
+      <a:lightRig rig="threePt" dir="t"/>
+    </dgm:scene3d>
+    <dgm:sp3d/>
+    <dgm:txPr/>
+    <dgm:style>
+      <a:lnRef idx="2">
+        <a:scrgbClr r="0" g="0" b="0"/>
+      </a:lnRef>
+      <a:fillRef idx="1">
+        <a:scrgbClr r="0" g="0" b="0"/>
+      </a:fillRef>
+      <a:effectRef idx="0">
+        <a:scrgbClr r="0" g="0" b="0"/>
+      </a:effectRef>
+      <a:fontRef idx="minor"/>
+    </dgm:style>
+  </dgm:styleLbl>
+  <dgm:styleLbl name="sibTrans2D1">
+    <dgm:scene3d>
+      <a:camera prst="orthographicFront"/>
+      <a:lightRig rig="threePt" dir="t"/>
+    </dgm:scene3d>
+    <dgm:sp3d/>
+    <dgm:txPr/>
+    <dgm:style>
+      <a:lnRef idx="0">
+        <a:scrgbClr r="0" g="0" b="0"/>
+      </a:lnRef>
+      <a:fillRef idx="1">
+        <a:scrgbClr r="0" g="0" b="0"/>
+      </a:fillRef>
+      <a:effectRef idx="0">
+        <a:scrgbClr r="0" g="0" b="0"/>
+      </a:effectRef>
+      <a:fontRef idx="minor">
+        <a:schemeClr val="lt1"/>
+      </a:fontRef>
+    </dgm:style>
+  </dgm:styleLbl>
+  <dgm:styleLbl name="fgSibTrans2D1">
+    <dgm:scene3d>
+      <a:camera prst="orthographicFront"/>
+      <a:lightRig rig="threePt" dir="t"/>
+    </dgm:scene3d>
+    <dgm:sp3d/>
+    <dgm:txPr/>
+    <dgm:style>
+      <a:lnRef idx="0">
+        <a:scrgbClr r="0" g="0" b="0"/>
+      </a:lnRef>
+      <a:fillRef idx="1">
+        <a:scrgbClr r="0" g="0" b="0"/>
+      </a:fillRef>
+      <a:effectRef idx="0">
+        <a:scrgbClr r="0" g="0" b="0"/>
+      </a:effectRef>
+      <a:fontRef idx="minor">
+        <a:schemeClr val="lt1"/>
+      </a:fontRef>
+    </dgm:style>
+  </dgm:styleLbl>
+  <dgm:styleLbl name="bgSibTrans2D1">
+    <dgm:scene3d>
+      <a:camera prst="orthographicFront"/>
+      <a:lightRig rig="threePt" dir="t"/>
+    </dgm:scene3d>
+    <dgm:sp3d/>
+    <dgm:txPr/>
+    <dgm:style>
+      <a:lnRef idx="0">
+        <a:scrgbClr r="0" g="0" b="0"/>
+      </a:lnRef>
+      <a:fillRef idx="1">
+        <a:scrgbClr r="0" g="0" b="0"/>
+      </a:fillRef>
+      <a:effectRef idx="0">
+        <a:scrgbClr r="0" g="0" b="0"/>
+      </a:effectRef>
+      <a:fontRef idx="minor">
+        <a:schemeClr val="lt1"/>
+      </a:fontRef>
+    </dgm:style>
+  </dgm:styleLbl>
+  <dgm:styleLbl name="sibTrans1D1">
+    <dgm:scene3d>
+      <a:camera prst="orthographicFront"/>
+      <a:lightRig rig="threePt" dir="t"/>
+    </dgm:scene3d>
+    <dgm:sp3d/>
+    <dgm:txPr/>
+    <dgm:style>
+      <a:lnRef idx="1">
+        <a:scrgbClr r="0" g="0" b="0"/>
+      </a:lnRef>
+      <a:fillRef idx="0">
+        <a:scrgbClr r="0" g="0" b="0"/>
+      </a:fillRef>
+      <a:effectRef idx="0">
+        <a:scrgbClr r="0" g="0" b="0"/>
+      </a:effectRef>
+      <a:fontRef idx="minor"/>
+    </dgm:style>
+  </dgm:styleLbl>
+  <dgm:styleLbl name="callout">
+    <dgm:scene3d>
+      <a:camera prst="orthographicFront"/>
+      <a:lightRig rig="threePt" dir="t"/>
+    </dgm:scene3d>
+    <dgm:sp3d/>
+    <dgm:txPr/>
+    <dgm:style>
+      <a:lnRef idx="2">
+        <a:scrgbClr r="0" g="0" b="0"/>
+      </a:lnRef>
+      <a:fillRef idx="1">
+        <a:scrgbClr r="0" g="0" b="0"/>
+      </a:fillRef>
+      <a:effectRef idx="0">
+        <a:scrgbClr r="0" g="0" b="0"/>
+      </a:effectRef>
+      <a:fontRef idx="minor"/>
+    </dgm:style>
+  </dgm:styleLbl>
+  <dgm:styleLbl name="asst0">
+    <dgm:scene3d>
+      <a:camera prst="orthographicFront"/>
+      <a:lightRig rig="threePt" dir="t"/>
+    </dgm:scene3d>
+    <dgm:sp3d/>
+    <dgm:txPr/>
+    <dgm:style>
+      <a:lnRef idx="2">
+        <a:scrgbClr r="0" g="0" b="0"/>
+      </a:lnRef>
+      <a:fillRef idx="1">
+        <a:scrgbClr r="0" g="0" b="0"/>
+      </a:fillRef>
+      <a:effectRef idx="0">
+        <a:scrgbClr r="0" g="0" b="0"/>
+      </a:effectRef>
+      <a:fontRef idx="minor">
+        <a:schemeClr val="lt1"/>
+      </a:fontRef>
+    </dgm:style>
+  </dgm:styleLbl>
+  <dgm:styleLbl name="asst1">
+    <dgm:scene3d>
+      <a:camera prst="orthographicFront"/>
+      <a:lightRig rig="threePt" dir="t"/>
+    </dgm:scene3d>
+    <dgm:sp3d/>
+    <dgm:txPr/>
+    <dgm:style>
+      <a:lnRef idx="2">
+        <a:scrgbClr r="0" g="0" b="0"/>
+      </a:lnRef>
+      <a:fillRef idx="1">
+        <a:scrgbClr r="0" g="0" b="0"/>
+      </a:fillRef>
+      <a:effectRef idx="0">
+        <a:scrgbClr r="0" g="0" b="0"/>
+      </a:effectRef>
+      <a:fontRef idx="minor">
+        <a:schemeClr val="lt1"/>
+      </a:fontRef>
+    </dgm:style>
+  </dgm:styleLbl>
+  <dgm:styleLbl name="asst2">
+    <dgm:scene3d>
+      <a:camera prst="orthographicFront"/>
+      <a:lightRig rig="threePt" dir="t"/>
+    </dgm:scene3d>
+    <dgm:sp3d/>
+    <dgm:txPr/>
+    <dgm:style>
+      <a:lnRef idx="2">
+        <a:scrgbClr r="0" g="0" b="0"/>
+      </a:lnRef>
+      <a:fillRef idx="1">
+        <a:scrgbClr r="0" g="0" b="0"/>
+      </a:fillRef>
+      <a:effectRef idx="0">
+        <a:scrgbClr r="0" g="0" b="0"/>
+      </a:effectRef>
+      <a:fontRef idx="minor">
+        <a:schemeClr val="lt1"/>
+      </a:fontRef>
+    </dgm:style>
+  </dgm:styleLbl>
+  <dgm:styleLbl name="asst3">
+    <dgm:scene3d>
+      <a:camera prst="orthographicFront"/>
+      <a:lightRig rig="threePt" dir="t"/>
+    </dgm:scene3d>
+    <dgm:sp3d/>
+    <dgm:txPr/>
+    <dgm:style>
+      <a:lnRef idx="2">
+        <a:scrgbClr r="0" g="0" b="0"/>
+      </a:lnRef>
+      <a:fillRef idx="1">
+        <a:scrgbClr r="0" g="0" b="0"/>
+      </a:fillRef>
+      <a:effectRef idx="0">
+        <a:scrgbClr r="0" g="0" b="0"/>
+      </a:effectRef>
+      <a:fontRef idx="minor">
+        <a:schemeClr val="lt1"/>
+      </a:fontRef>
+    </dgm:style>
+  </dgm:styleLbl>
+  <dgm:styleLbl name="asst4">
+    <dgm:scene3d>
+      <a:camera prst="orthographicFront"/>
+      <a:lightRig rig="threePt" dir="t"/>
+    </dgm:scene3d>
+    <dgm:sp3d/>
+    <dgm:txPr/>
+    <dgm:style>
+      <a:lnRef idx="2">
+        <a:scrgbClr r="0" g="0" b="0"/>
+      </a:lnRef>
+      <a:fillRef idx="1">
+        <a:scrgbClr r="0" g="0" b="0"/>
+      </a:fillRef>
+      <a:effectRef idx="0">
+        <a:scrgbClr r="0" g="0" b="0"/>
+      </a:effectRef>
+      <a:fontRef idx="minor">
+        <a:schemeClr val="lt1"/>
+      </a:fontRef>
+    </dgm:style>
+  </dgm:styleLbl>
+  <dgm:styleLbl name="parChTrans2D1">
+    <dgm:scene3d>
+      <a:camera prst="orthographicFront"/>
+      <a:lightRig rig="threePt" dir="t"/>
+    </dgm:scene3d>
+    <dgm:sp3d/>
+    <dgm:txPr/>
+    <dgm:style>
+      <a:lnRef idx="2">
+        <a:scrgbClr r="0" g="0" b="0"/>
+      </a:lnRef>
+      <a:fillRef idx="1">
+        <a:scrgbClr r="0" g="0" b="0"/>
+      </a:fillRef>
+      <a:effectRef idx="0">
+        <a:scrgbClr r="0" g="0" b="0"/>
+      </a:effectRef>
+      <a:fontRef idx="minor">
+        <a:schemeClr val="lt1"/>
+      </a:fontRef>
+    </dgm:style>
+  </dgm:styleLbl>
+  <dgm:styleLbl name="parChTrans2D2">
+    <dgm:scene3d>
+      <a:camera prst="orthographicFront"/>
+      <a:lightRig rig="threePt" dir="t"/>
+    </dgm:scene3d>
+    <dgm:sp3d/>
+    <dgm:txPr/>
+    <dgm:style>
+      <a:lnRef idx="2">
+        <a:scrgbClr r="0" g="0" b="0"/>
+      </a:lnRef>
+      <a:fillRef idx="1">
+        <a:scrgbClr r="0" g="0" b="0"/>
+      </a:fillRef>
+      <a:effectRef idx="0">
+        <a:scrgbClr r="0" g="0" b="0"/>
+      </a:effectRef>
+      <a:fontRef idx="minor">
+        <a:schemeClr val="lt1"/>
+      </a:fontRef>
+    </dgm:style>
+  </dgm:styleLbl>
+  <dgm:styleLbl name="parChTrans2D3">
+    <dgm:scene3d>
+      <a:camera prst="orthographicFront"/>
+      <a:lightRig rig="threePt" dir="t"/>
+    </dgm:scene3d>
+    <dgm:sp3d/>
+    <dgm:txPr/>
+    <dgm:style>
+      <a:lnRef idx="2">
+        <a:scrgbClr r="0" g="0" b="0"/>
+      </a:lnRef>
+      <a:fillRef idx="1">
+        <a:scrgbClr r="0" g="0" b="0"/>
+      </a:fillRef>
+      <a:effectRef idx="0">
+        <a:scrgbClr r="0" g="0" b="0"/>
+      </a:effectRef>
+      <a:fontRef idx="minor">
+        <a:schemeClr val="lt1"/>
+      </a:fontRef>
+    </dgm:style>
+  </dgm:styleLbl>
+  <dgm:styleLbl name="parChTrans2D4">
+    <dgm:scene3d>
+      <a:camera prst="orthographicFront"/>
+      <a:lightRig rig="threePt" dir="t"/>
+    </dgm:scene3d>
+    <dgm:sp3d/>
+    <dgm:txPr/>
+    <dgm:style>
+      <a:lnRef idx="2">
+        <a:scrgbClr r="0" g="0" b="0"/>
+      </a:lnRef>
+      <a:fillRef idx="1">
+        <a:scrgbClr r="0" g="0" b="0"/>
+      </a:fillRef>
+      <a:effectRef idx="0">
+        <a:scrgbClr r="0" g="0" b="0"/>
+      </a:effectRef>
+      <a:fontRef idx="minor">
+        <a:schemeClr val="lt1"/>
+      </a:fontRef>
+    </dgm:style>
+  </dgm:styleLbl>
+  <dgm:styleLbl name="parChTrans1D1">
+    <dgm:scene3d>
+      <a:camera prst="orthographicFront"/>
+      <a:lightRig rig="threePt" dir="t"/>
+    </dgm:scene3d>
+    <dgm:sp3d/>
+    <dgm:txPr/>
+    <dgm:style>
+      <a:lnRef idx="2">
+        <a:scrgbClr r="0" g="0" b="0"/>
+      </a:lnRef>
+      <a:fillRef idx="0">
+        <a:scrgbClr r="0" g="0" b="0"/>
+      </a:fillRef>
+      <a:effectRef idx="0">
+        <a:scrgbClr r="0" g="0" b="0"/>
+      </a:effectRef>
+      <a:fontRef idx="minor"/>
+    </dgm:style>
+  </dgm:styleLbl>
+  <dgm:styleLbl name="parChTrans1D2">
+    <dgm:scene3d>
+      <a:camera prst="orthographicFront"/>
+      <a:lightRig rig="threePt" dir="t"/>
+    </dgm:scene3d>
+    <dgm:sp3d/>
+    <dgm:txPr/>
+    <dgm:style>
+      <a:lnRef idx="2">
+        <a:scrgbClr r="0" g="0" b="0"/>
+      </a:lnRef>
+      <a:fillRef idx="0">
+        <a:scrgbClr r="0" g="0" b="0"/>
+      </a:fillRef>
+      <a:effectRef idx="0">
+        <a:scrgbClr r="0" g="0" b="0"/>
+      </a:effectRef>
+      <a:fontRef idx="minor"/>
+    </dgm:style>
+  </dgm:styleLbl>
+  <dgm:styleLbl name="parChTrans1D3">
+    <dgm:scene3d>
+      <a:camera prst="orthographicFront"/>
+      <a:lightRig rig="threePt" dir="t"/>
+    </dgm:scene3d>
+    <dgm:sp3d/>
+    <dgm:txPr/>
+    <dgm:style>
+      <a:lnRef idx="2">
+        <a:scrgbClr r="0" g="0" b="0"/>
+      </a:lnRef>
+      <a:fillRef idx="0">
+        <a:scrgbClr r="0" g="0" b="0"/>
+      </a:fillRef>
+      <a:effectRef idx="0">
+        <a:scrgbClr r="0" g="0" b="0"/>
+      </a:effectRef>
+      <a:fontRef idx="minor"/>
+    </dgm:style>
+  </dgm:styleLbl>
+  <dgm:styleLbl name="parChTrans1D4">
+    <dgm:scene3d>
+      <a:camera prst="orthographicFront"/>
+      <a:lightRig rig="threePt" dir="t"/>
+    </dgm:scene3d>
+    <dgm:sp3d/>
+    <dgm:txPr/>
+    <dgm:style>
+      <a:lnRef idx="2">
+        <a:scrgbClr r="0" g="0" b="0"/>
+      </a:lnRef>
+      <a:fillRef idx="0">
+        <a:scrgbClr r="0" g="0" b="0"/>
+      </a:fillRef>
+      <a:effectRef idx="0">
+        <a:scrgbClr r="0" g="0" b="0"/>
+      </a:effectRef>
+      <a:fontRef idx="minor"/>
+    </dgm:style>
+  </dgm:styleLbl>
+  <dgm:styleLbl name="fgAcc1">
+    <dgm:scene3d>
+      <a:camera prst="orthographicFront"/>
+      <a:lightRig rig="threePt" dir="t"/>
+    </dgm:scene3d>
+    <dgm:sp3d/>
+    <dgm:txPr/>
+    <dgm:style>
+      <a:lnRef idx="2">
+        <a:scrgbClr r="0" g="0" b="0"/>
+      </a:lnRef>
+      <a:fillRef idx="1">
+        <a:scrgbClr r="0" g="0" b="0"/>
+      </a:fillRef>
+      <a:effectRef idx="0">
+        <a:scrgbClr r="0" g="0" b="0"/>
+      </a:effectRef>
+      <a:fontRef idx="minor"/>
+    </dgm:style>
+  </dgm:styleLbl>
+  <dgm:styleLbl name="conFgAcc1">
+    <dgm:scene3d>
+      <a:camera prst="orthographicFront"/>
+      <a:lightRig rig="threePt" dir="t"/>
+    </dgm:scene3d>
+    <dgm:sp3d/>
+    <dgm:txPr/>
+    <dgm:style>
+      <a:lnRef idx="2">
+        <a:scrgbClr r="0" g="0" b="0"/>
+      </a:lnRef>
+      <a:fillRef idx="1">
+        <a:scrgbClr r="0" g="0" b="0"/>
+      </a:fillRef>
+      <a:effectRef idx="0">
+        <a:scrgbClr r="0" g="0" b="0"/>
+      </a:effectRef>
+      <a:fontRef idx="minor"/>
+    </dgm:style>
+  </dgm:styleLbl>
+  <dgm:styleLbl name="alignAcc1">
+    <dgm:scene3d>
+      <a:camera prst="orthographicFront"/>
+      <a:lightRig rig="threePt" dir="t"/>
+    </dgm:scene3d>
+    <dgm:sp3d/>
+    <dgm:txPr/>
+    <dgm:style>
+      <a:lnRef idx="2">
+        <a:scrgbClr r="0" g="0" b="0"/>
+      </a:lnRef>
+      <a:fillRef idx="1">
+        <a:scrgbClr r="0" g="0" b="0"/>
+      </a:fillRef>
+      <a:effectRef idx="0">
+        <a:scrgbClr r="0" g="0" b="0"/>
+      </a:effectRef>
+      <a:fontRef idx="minor"/>
+    </dgm:style>
+  </dgm:styleLbl>
+  <dgm:styleLbl name="trAlignAcc1">
+    <dgm:scene3d>
+      <a:camera prst="orthographicFront"/>
+      <a:lightRig rig="threePt" dir="t"/>
+    </dgm:scene3d>
+    <dgm:sp3d/>
+    <dgm:txPr/>
+    <dgm:style>
+      <a:lnRef idx="1">
+        <a:scrgbClr r="0" g="0" b="0"/>
+      </a:lnRef>
+      <a:fillRef idx="1">
+        <a:scrgbClr r="0" g="0" b="0"/>
+      </a:fillRef>
+      <a:effectRef idx="0">
+        <a:scrgbClr r="0" g="0" b="0"/>
+      </a:effectRef>
+      <a:fontRef idx="minor"/>
+    </dgm:style>
+  </dgm:styleLbl>
+  <dgm:styleLbl name="bgAcc1">
+    <dgm:scene3d>
+      <a:camera prst="orthographicFront"/>
+      <a:lightRig rig="threePt" dir="t"/>
+    </dgm:scene3d>
+    <dgm:sp3d/>
+    <dgm:txPr/>
+    <dgm:style>
+      <a:lnRef idx="2">
+        <a:scrgbClr r="0" g="0" b="0"/>
+      </a:lnRef>
+      <a:fillRef idx="1">
+        <a:scrgbClr r="0" g="0" b="0"/>
+      </a:fillRef>
+      <a:effectRef idx="0">
+        <a:scrgbClr r="0" g="0" b="0"/>
+      </a:effectRef>
+      <a:fontRef idx="minor"/>
+    </dgm:style>
+  </dgm:styleLbl>
+  <dgm:styleLbl name="solidFgAcc1">
+    <dgm:scene3d>
+      <a:camera prst="orthographicFront"/>
+      <a:lightRig rig="threePt" dir="t"/>
+    </dgm:scene3d>
+    <dgm:sp3d/>
+    <dgm:txPr/>
+    <dgm:style>
+      <a:lnRef idx="2">
+        <a:scrgbClr r="0" g="0" b="0"/>
+      </a:lnRef>
+      <a:fillRef idx="1">
+        <a:scrgbClr r="0" g="0" b="0"/>
+      </a:fillRef>
+      <a:effectRef idx="0">
+        <a:scrgbClr r="0" g="0" b="0"/>
+      </a:effectRef>
+      <a:fontRef idx="minor"/>
+    </dgm:style>
+  </dgm:styleLbl>
+  <dgm:styleLbl name="solidAlignAcc1">
+    <dgm:scene3d>
+      <a:camera prst="orthographicFront"/>
+      <a:lightRig rig="threePt" dir="t"/>
+    </dgm:scene3d>
+    <dgm:sp3d/>
+    <dgm:txPr/>
+    <dgm:style>
+      <a:lnRef idx="2">
+        <a:scrgbClr r="0" g="0" b="0"/>
+      </a:lnRef>
+      <a:fillRef idx="1">
+        <a:scrgbClr r="0" g="0" b="0"/>
+      </a:fillRef>
+      <a:effectRef idx="0">
+        <a:scrgbClr r="0" g="0" b="0"/>
+      </a:effectRef>
+      <a:fontRef idx="minor"/>
+    </dgm:style>
+  </dgm:styleLbl>
+  <dgm:styleLbl name="solidBgAcc1">
+    <dgm:scene3d>
+      <a:camera prst="orthographicFront"/>
+      <a:lightRig rig="threePt" dir="t"/>
+    </dgm:scene3d>
+    <dgm:sp3d/>
+    <dgm:txPr/>
+    <dgm:style>
+      <a:lnRef idx="2">
+        <a:scrgbClr r="0" g="0" b="0"/>
+      </a:lnRef>
+      <a:fillRef idx="1">
+        <a:scrgbClr r="0" g="0" b="0"/>
+      </a:fillRef>
+      <a:effectRef idx="0">
+        <a:scrgbClr r="0" g="0" b="0"/>
+      </a:effectRef>
+      <a:fontRef idx="minor"/>
+    </dgm:style>
+  </dgm:styleLbl>
+  <dgm:styleLbl name="fgAccFollowNode1">
+    <dgm:scene3d>
+      <a:camera prst="orthographicFront"/>
+      <a:lightRig rig="threePt" dir="t"/>
+    </dgm:scene3d>
+    <dgm:sp3d/>
+    <dgm:txPr/>
+    <dgm:style>
+      <a:lnRef idx="2">
+        <a:scrgbClr r="0" g="0" b="0"/>
+      </a:lnRef>
+      <a:fillRef idx="1">
+        <a:scrgbClr r="0" g="0" b="0"/>
+      </a:fillRef>
+      <a:effectRef idx="0">
+        <a:scrgbClr r="0" g="0" b="0"/>
+      </a:effectRef>
+      <a:fontRef idx="minor"/>
+    </dgm:style>
+  </dgm:styleLbl>
+  <dgm:styleLbl name="alignAccFollowNode1">
+    <dgm:scene3d>
+      <a:camera prst="orthographicFront"/>
+      <a:lightRig rig="threePt" dir="t"/>
+    </dgm:scene3d>
+    <dgm:sp3d/>
+    <dgm:txPr/>
+    <dgm:style>
+      <a:lnRef idx="2">
+        <a:scrgbClr r="0" g="0" b="0"/>
+      </a:lnRef>
+      <a:fillRef idx="1">
+        <a:scrgbClr r="0" g="0" b="0"/>
+      </a:fillRef>
+      <a:effectRef idx="0">
+        <a:scrgbClr r="0" g="0" b="0"/>
+      </a:effectRef>
+      <a:fontRef idx="minor"/>
+    </dgm:style>
+  </dgm:styleLbl>
+  <dgm:styleLbl name="bgAccFollowNode1">
+    <dgm:scene3d>
+      <a:camera prst="orthographicFront"/>
+      <a:lightRig rig="threePt" dir="t"/>
+    </dgm:scene3d>
+    <dgm:sp3d/>
+    <dgm:txPr/>
+    <dgm:style>
+      <a:lnRef idx="2">
+        <a:scrgbClr r="0" g="0" b="0"/>
+      </a:lnRef>
+      <a:fillRef idx="1">
+        <a:scrgbClr r="0" g="0" b="0"/>
+      </a:fillRef>
+      <a:effectRef idx="0">
+        <a:scrgbClr r="0" g="0" b="0"/>
+      </a:effectRef>
+      <a:fontRef idx="minor"/>
+    </dgm:style>
+  </dgm:styleLbl>
+  <dgm:styleLbl name="fgAcc0">
+    <dgm:scene3d>
+      <a:camera prst="orthographicFront"/>
+      <a:lightRig rig="threePt" dir="t"/>
+    </dgm:scene3d>
+    <dgm:sp3d/>
+    <dgm:txPr/>
+    <dgm:style>
+      <a:lnRef idx="2">
+        <a:scrgbClr r="0" g="0" b="0"/>
+      </a:lnRef>
+      <a:fillRef idx="1">
+        <a:scrgbClr r="0" g="0" b="0"/>
+      </a:fillRef>
+      <a:effectRef idx="0">
+        <a:scrgbClr r="0" g="0" b="0"/>
+      </a:effectRef>
+      <a:fontRef idx="minor"/>
+    </dgm:style>
+  </dgm:styleLbl>
+  <dgm:styleLbl name="fgAcc2">
+    <dgm:scene3d>
+      <a:camera prst="orthographicFront"/>
+      <a:lightRig rig="threePt" dir="t"/>
+    </dgm:scene3d>
+    <dgm:sp3d/>
+    <dgm:txPr/>
+    <dgm:style>
+      <a:lnRef idx="2">
+        <a:scrgbClr r="0" g="0" b="0"/>
+      </a:lnRef>
+      <a:fillRef idx="1">
+        <a:scrgbClr r="0" g="0" b="0"/>
+      </a:fillRef>
+      <a:effectRef idx="0">
+        <a:scrgbClr r="0" g="0" b="0"/>
+      </a:effectRef>
+      <a:fontRef idx="minor"/>
+    </dgm:style>
+  </dgm:styleLbl>
+  <dgm:styleLbl name="fgAcc3">
+    <dgm:scene3d>
+      <a:camera prst="orthographicFront"/>
+      <a:lightRig rig="threePt" dir="t"/>
+    </dgm:scene3d>
+    <dgm:sp3d/>
+    <dgm:txPr/>
+    <dgm:style>
+      <a:lnRef idx="2">
+        <a:scrgbClr r="0" g="0" b="0"/>
+      </a:lnRef>
+      <a:fillRef idx="1">
+        <a:scrgbClr r="0" g="0" b="0"/>
+      </a:fillRef>
+      <a:effectRef idx="0">
+        <a:scrgbClr r="0" g="0" b="0"/>
+      </a:effectRef>
+      <a:fontRef idx="minor"/>
+    </dgm:style>
+  </dgm:styleLbl>
+  <dgm:styleLbl name="fgAcc4">
+    <dgm:scene3d>
+      <a:camera prst="orthographicFront"/>
+      <a:lightRig rig="threePt" dir="t"/>
+    </dgm:scene3d>
+    <dgm:sp3d/>
+    <dgm:txPr/>
+    <dgm:style>
+      <a:lnRef idx="2">
+        <a:scrgbClr r="0" g="0" b="0"/>
+      </a:lnRef>
+      <a:fillRef idx="1">
+        <a:scrgbClr r="0" g="0" b="0"/>
+      </a:fillRef>
+      <a:effectRef idx="0">
+        <a:scrgbClr r="0" g="0" b="0"/>
+      </a:effectRef>
+      <a:fontRef idx="minor"/>
+    </dgm:style>
+  </dgm:styleLbl>
+  <dgm:styleLbl name="bgShp">
+    <dgm:scene3d>
+      <a:camera prst="orthographicFront"/>
+      <a:lightRig rig="threePt" dir="t"/>
+    </dgm:scene3d>
+    <dgm:sp3d/>
+    <dgm:txPr/>
+    <dgm:style>
+      <a:lnRef idx="0">
+        <a:scrgbClr r="0" g="0" b="0"/>
+      </a:lnRef>
+      <a:fillRef idx="1">
+        <a:scrgbClr r="0" g="0" b="0"/>
+      </a:fillRef>
+      <a:effectRef idx="0">
+        <a:scrgbClr r="0" g="0" b="0"/>
+      </a:effectRef>
+      <a:fontRef idx="minor"/>
+    </dgm:style>
+  </dgm:styleLbl>
+  <dgm:styleLbl name="dkBgShp">
+    <dgm:scene3d>
+      <a:camera prst="orthographicFront"/>
+      <a:lightRig rig="threePt" dir="t"/>
+    </dgm:scene3d>
+    <dgm:sp3d/>
+    <dgm:txPr/>
+    <dgm:style>
+      <a:lnRef idx="0">
+        <a:scrgbClr r="0" g="0" b="0"/>
+      </a:lnRef>
+      <a:fillRef idx="1">
+        <a:scrgbClr r="0" g="0" b="0"/>
+      </a:fillRef>
+      <a:effectRef idx="0">
+        <a:scrgbClr r="0" g="0" b="0"/>
+      </a:effectRef>
+      <a:fontRef idx="minor"/>
+    </dgm:style>
+  </dgm:styleLbl>
+  <dgm:styleLbl name="trBgShp">
+    <dgm:scene3d>
+      <a:camera prst="orthographicFront"/>
+      <a:lightRig rig="threePt" dir="t"/>
+    </dgm:scene3d>
+    <dgm:sp3d/>
+    <dgm:txPr/>
+    <dgm:style>
+      <a:lnRef idx="0">
+        <a:scrgbClr r="0" g="0" b="0"/>
+      </a:lnRef>
+      <a:fillRef idx="1">
+        <a:scrgbClr r="0" g="0" b="0"/>
+      </a:fillRef>
+      <a:effectRef idx="0">
+        <a:scrgbClr r="0" g="0" b="0"/>
+      </a:effectRef>
+      <a:fontRef idx="minor"/>
+    </dgm:style>
+  </dgm:styleLbl>
+  <dgm:styleLbl name="fgShp">
+    <dgm:scene3d>
+      <a:camera prst="orthographicFront"/>
+      <a:lightRig rig="threePt" dir="t"/>
+    </dgm:scene3d>
+    <dgm:sp3d/>
+    <dgm:txPr/>
+    <dgm:style>
+      <a:lnRef idx="2">
+        <a:scrgbClr r="0" g="0" b="0"/>
+      </a:lnRef>
+      <a:fillRef idx="1">
+        <a:scrgbClr r="0" g="0" b="0"/>
+      </a:fillRef>
+      <a:effectRef idx="0">
+        <a:scrgbClr r="0" g="0" b="0"/>
+      </a:effectRef>
+      <a:fontRef idx="minor"/>
+    </dgm:style>
+  </dgm:styleLbl>
+  <dgm:styleLbl name="revTx">
+    <dgm:scene3d>
+      <a:camera prst="orthographicFront"/>
+      <a:lightRig rig="threePt" dir="t"/>
+    </dgm:scene3d>
+    <dgm:sp3d/>
+    <dgm:txPr/>
+    <dgm:style>
+      <a:lnRef idx="0">
+        <a:scrgbClr r="0" g="0" b="0"/>
+      </a:lnRef>
+      <a:fillRef idx="0">
+        <a:scrgbClr r="0" g="0" b="0"/>
+      </a:fillRef>
+      <a:effectRef idx="0">
+        <a:scrgbClr r="0" g="0" b="0"/>
+      </a:effectRef>
+      <a:fontRef idx="minor"/>
+    </dgm:style>
+  </dgm:styleLbl>
+</dgm:styleDef>
+</file>
+
 <file path=ppt/notesMasters/notesMaster1.xml><?xml version="1.0" encoding="utf-8"?>
 <p:notesMaster xmlns:a="http://schemas.openxmlformats.org/drawingml/2006/main" xmlns:r="http://schemas.openxmlformats.org/officeDocument/2006/relationships" xmlns:p="http://schemas.openxmlformats.org/presentationml/2006/main">
   <p:cSld>
@@ -4739,7 +8115,7 @@
             <a:fld id="{2E309023-AF2B-4043-B228-F191CADC9BB1}" type="datetimeFigureOut">
               <a:rPr lang="en-IN" smtClean="0"/>
               <a:pPr/>
-              <a:t>19-06-2018</a:t>
+              <a:t>23-06-2018</a:t>
             </a:fld>
             <a:endParaRPr lang="en-IN"/>
           </a:p>
@@ -5140,7 +8516,7 @@
             <a:fld id="{70C018FE-C8D6-4A9C-A702-41F1E0C1C452}" type="datetimeFigureOut">
               <a:rPr lang="en-IN" smtClean="0"/>
               <a:pPr/>
-              <a:t>19-06-2018</a:t>
+              <a:t>23-06-2018</a:t>
             </a:fld>
             <a:endParaRPr lang="en-IN"/>
           </a:p>
@@ -5312,7 +8688,7 @@
             <a:fld id="{70C018FE-C8D6-4A9C-A702-41F1E0C1C452}" type="datetimeFigureOut">
               <a:rPr lang="en-IN" smtClean="0"/>
               <a:pPr/>
-              <a:t>19-06-2018</a:t>
+              <a:t>23-06-2018</a:t>
             </a:fld>
             <a:endParaRPr lang="en-IN"/>
           </a:p>
@@ -5494,7 +8870,7 @@
             <a:fld id="{70C018FE-C8D6-4A9C-A702-41F1E0C1C452}" type="datetimeFigureOut">
               <a:rPr lang="en-IN" smtClean="0"/>
               <a:pPr/>
-              <a:t>19-06-2018</a:t>
+              <a:t>23-06-2018</a:t>
             </a:fld>
             <a:endParaRPr lang="en-IN"/>
           </a:p>
@@ -5928,7 +9304,7 @@
             <a:fld id="{70C018FE-C8D6-4A9C-A702-41F1E0C1C452}" type="datetimeFigureOut">
               <a:rPr lang="en-IN" smtClean="0"/>
               <a:pPr/>
-              <a:t>19-06-2018</a:t>
+              <a:t>23-06-2018</a:t>
             </a:fld>
             <a:endParaRPr lang="en-IN"/>
           </a:p>
@@ -6162,7 +9538,7 @@
             <a:fld id="{70C018FE-C8D6-4A9C-A702-41F1E0C1C452}" type="datetimeFigureOut">
               <a:rPr lang="en-IN" smtClean="0"/>
               <a:pPr/>
-              <a:t>19-06-2018</a:t>
+              <a:t>23-06-2018</a:t>
             </a:fld>
             <a:endParaRPr lang="en-IN"/>
           </a:p>
@@ -6531,7 +9907,7 @@
             <a:fld id="{70C018FE-C8D6-4A9C-A702-41F1E0C1C452}" type="datetimeFigureOut">
               <a:rPr lang="en-IN" smtClean="0"/>
               <a:pPr/>
-              <a:t>19-06-2018</a:t>
+              <a:t>23-06-2018</a:t>
             </a:fld>
             <a:endParaRPr lang="en-IN"/>
           </a:p>
@@ -6651,7 +10027,7 @@
             <a:fld id="{70C018FE-C8D6-4A9C-A702-41F1E0C1C452}" type="datetimeFigureOut">
               <a:rPr lang="en-IN" smtClean="0"/>
               <a:pPr/>
-              <a:t>19-06-2018</a:t>
+              <a:t>23-06-2018</a:t>
             </a:fld>
             <a:endParaRPr lang="en-IN"/>
           </a:p>
@@ -6748,7 +10124,7 @@
             <a:fld id="{70C018FE-C8D6-4A9C-A702-41F1E0C1C452}" type="datetimeFigureOut">
               <a:rPr lang="en-IN" smtClean="0"/>
               <a:pPr/>
-              <a:t>19-06-2018</a:t>
+              <a:t>23-06-2018</a:t>
             </a:fld>
             <a:endParaRPr lang="en-IN"/>
           </a:p>
@@ -7026,7 +10402,7 @@
             <a:fld id="{70C018FE-C8D6-4A9C-A702-41F1E0C1C452}" type="datetimeFigureOut">
               <a:rPr lang="en-IN" smtClean="0"/>
               <a:pPr/>
-              <a:t>19-06-2018</a:t>
+              <a:t>23-06-2018</a:t>
             </a:fld>
             <a:endParaRPr lang="en-IN"/>
           </a:p>
@@ -7285,7 +10661,7 @@
             <a:fld id="{70C018FE-C8D6-4A9C-A702-41F1E0C1C452}" type="datetimeFigureOut">
               <a:rPr lang="en-IN" smtClean="0"/>
               <a:pPr/>
-              <a:t>19-06-2018</a:t>
+              <a:t>23-06-2018</a:t>
             </a:fld>
             <a:endParaRPr lang="en-IN"/>
           </a:p>
@@ -7498,7 +10874,7 @@
             <a:fld id="{70C018FE-C8D6-4A9C-A702-41F1E0C1C452}" type="datetimeFigureOut">
               <a:rPr lang="en-IN" smtClean="0"/>
               <a:pPr/>
-              <a:t>19-06-2018</a:t>
+              <a:t>23-06-2018</a:t>
             </a:fld>
             <a:endParaRPr lang="en-IN" dirty="0"/>
           </a:p>
@@ -8420,31 +11796,6 @@
           <a:chExt cx="0" cy="0"/>
         </a:xfrm>
       </p:grpSpPr>
-      <p:graphicFrame>
-        <p:nvGraphicFramePr>
-          <p:cNvPr id="5" name="Content Placeholder 4"/>
-          <p:cNvGraphicFramePr>
-            <a:graphicFrameLocks noGrp="1"/>
-          </p:cNvGraphicFramePr>
-          <p:nvPr>
-            <p:ph idx="1"/>
-            <p:extLst>
-              <p:ext uri="{D42A27DB-BD31-4B8C-83A1-F6EECF244321}">
-                <p14:modId xmlns:p14="http://schemas.microsoft.com/office/powerpoint/2010/main" val="2187496690"/>
-              </p:ext>
-            </p:extLst>
-          </p:nvPr>
-        </p:nvGraphicFramePr>
-        <p:xfrm>
-          <a:off x="432948" y="1116391"/>
-          <a:ext cx="11169650" cy="5200004"/>
-        </p:xfrm>
-        <a:graphic>
-          <a:graphicData uri="http://schemas.openxmlformats.org/drawingml/2006/diagram">
-            <dgm:relIds xmlns:dgm="http://schemas.openxmlformats.org/drawingml/2006/diagram" xmlns:r="http://schemas.openxmlformats.org/officeDocument/2006/relationships" r:dm="rId2" r:lo="rId3" r:qs="rId4" r:cs="rId5"/>
-          </a:graphicData>
-        </a:graphic>
-      </p:graphicFrame>
       <p:sp>
         <p:nvSpPr>
           <p:cNvPr id="4" name="Title 1"/>
@@ -8487,6 +11838,37 @@
           </a:p>
         </p:txBody>
       </p:sp>
+      <p:graphicFrame>
+        <p:nvGraphicFramePr>
+          <p:cNvPr id="3" name="Content Placeholder 2">
+            <a:extLst>
+              <a:ext uri="{FF2B5EF4-FFF2-40B4-BE49-F238E27FC236}">
+                <a16:creationId xmlns:a16="http://schemas.microsoft.com/office/drawing/2014/main" id="{F375544E-E3FD-4D16-B29F-07126EDCACEC}"/>
+              </a:ext>
+            </a:extLst>
+          </p:cNvPr>
+          <p:cNvGraphicFramePr>
+            <a:graphicFrameLocks noGrp="1"/>
+          </p:cNvGraphicFramePr>
+          <p:nvPr>
+            <p:ph idx="1"/>
+            <p:extLst>
+              <p:ext uri="{D42A27DB-BD31-4B8C-83A1-F6EECF244321}">
+                <p14:modId xmlns:p14="http://schemas.microsoft.com/office/powerpoint/2010/main" val="1830172062"/>
+              </p:ext>
+            </p:extLst>
+          </p:nvPr>
+        </p:nvGraphicFramePr>
+        <p:xfrm>
+          <a:off x="404948" y="1012874"/>
+          <a:ext cx="11495503" cy="5845126"/>
+        </p:xfrm>
+        <a:graphic>
+          <a:graphicData uri="http://schemas.openxmlformats.org/drawingml/2006/diagram">
+            <dgm:relIds xmlns:dgm="http://schemas.openxmlformats.org/drawingml/2006/diagram" xmlns:r="http://schemas.openxmlformats.org/officeDocument/2006/relationships" r:dm="rId2" r:lo="rId3" r:qs="rId4" r:cs="rId5"/>
+          </a:graphicData>
+        </a:graphic>
+      </p:graphicFrame>
     </p:spTree>
     <p:extLst>
       <p:ext uri="{BB962C8B-B14F-4D97-AF65-F5344CB8AC3E}">
@@ -8501,6 +11883,109 @@
 </file>
 
 <file path=ppt/slides/slide4.xml><?xml version="1.0" encoding="utf-8"?>
+<p:sld xmlns:a="http://schemas.openxmlformats.org/drawingml/2006/main" xmlns:r="http://schemas.openxmlformats.org/officeDocument/2006/relationships" xmlns:p="http://schemas.openxmlformats.org/presentationml/2006/main">
+  <p:cSld>
+    <p:spTree>
+      <p:nvGrpSpPr>
+        <p:cNvPr id="1" name=""/>
+        <p:cNvGrpSpPr/>
+        <p:nvPr/>
+      </p:nvGrpSpPr>
+      <p:grpSpPr>
+        <a:xfrm>
+          <a:off x="0" y="0"/>
+          <a:ext cx="0" cy="0"/>
+          <a:chOff x="0" y="0"/>
+          <a:chExt cx="0" cy="0"/>
+        </a:xfrm>
+      </p:grpSpPr>
+      <p:sp>
+        <p:nvSpPr>
+          <p:cNvPr id="4" name="Title 1"/>
+          <p:cNvSpPr>
+            <a:spLocks noGrp="1"/>
+          </p:cNvSpPr>
+          <p:nvPr>
+            <p:ph type="title"/>
+          </p:nvPr>
+        </p:nvSpPr>
+        <p:spPr>
+          <a:xfrm>
+            <a:off x="1164604" y="267286"/>
+            <a:ext cx="9313817" cy="590843"/>
+          </a:xfrm>
+        </p:spPr>
+        <p:txBody>
+          <a:bodyPr>
+            <a:noAutofit/>
+          </a:bodyPr>
+          <a:lstStyle/>
+          <a:p>
+            <a:r>
+              <a:rPr lang="en-US" sz="2800" dirty="0">
+                <a:latin typeface="Arial" panose="020B0604020202020204" pitchFamily="34" charset="0"/>
+                <a:cs typeface="Arial" panose="020B0604020202020204" pitchFamily="34" charset="0"/>
+              </a:rPr>
+              <a:t>Derived KPIs (contd.)</a:t>
+            </a:r>
+            <a:endParaRPr lang="en-US" sz="1800" dirty="0">
+              <a:solidFill>
+                <a:schemeClr val="accent1">
+                  <a:lumMod val="60000"/>
+                  <a:lumOff val="40000"/>
+                </a:schemeClr>
+              </a:solidFill>
+              <a:latin typeface="Arial" panose="020B0604020202020204" pitchFamily="34" charset="0"/>
+              <a:cs typeface="Arial" panose="020B0604020202020204" pitchFamily="34" charset="0"/>
+            </a:endParaRPr>
+          </a:p>
+        </p:txBody>
+      </p:sp>
+      <p:graphicFrame>
+        <p:nvGraphicFramePr>
+          <p:cNvPr id="3" name="Content Placeholder 2">
+            <a:extLst>
+              <a:ext uri="{FF2B5EF4-FFF2-40B4-BE49-F238E27FC236}">
+                <a16:creationId xmlns:a16="http://schemas.microsoft.com/office/drawing/2014/main" id="{F375544E-E3FD-4D16-B29F-07126EDCACEC}"/>
+              </a:ext>
+            </a:extLst>
+          </p:cNvPr>
+          <p:cNvGraphicFramePr>
+            <a:graphicFrameLocks noGrp="1"/>
+          </p:cNvGraphicFramePr>
+          <p:nvPr>
+            <p:ph idx="1"/>
+            <p:extLst>
+              <p:ext uri="{D42A27DB-BD31-4B8C-83A1-F6EECF244321}">
+                <p14:modId xmlns:p14="http://schemas.microsoft.com/office/powerpoint/2010/main" val="895391065"/>
+              </p:ext>
+            </p:extLst>
+          </p:nvPr>
+        </p:nvGraphicFramePr>
+        <p:xfrm>
+          <a:off x="404948" y="1012874"/>
+          <a:ext cx="11495503" cy="5845126"/>
+        </p:xfrm>
+        <a:graphic>
+          <a:graphicData uri="http://schemas.openxmlformats.org/drawingml/2006/diagram">
+            <dgm:relIds xmlns:dgm="http://schemas.openxmlformats.org/drawingml/2006/diagram" xmlns:r="http://schemas.openxmlformats.org/officeDocument/2006/relationships" r:dm="rId2" r:lo="rId3" r:qs="rId4" r:cs="rId5"/>
+          </a:graphicData>
+        </a:graphic>
+      </p:graphicFrame>
+    </p:spTree>
+    <p:extLst>
+      <p:ext uri="{BB962C8B-B14F-4D97-AF65-F5344CB8AC3E}">
+        <p14:creationId xmlns:p14="http://schemas.microsoft.com/office/powerpoint/2010/main" val="373958956"/>
+      </p:ext>
+    </p:extLst>
+  </p:cSld>
+  <p:clrMapOvr>
+    <a:masterClrMapping/>
+  </p:clrMapOvr>
+</p:sld>
+</file>
+
+<file path=ppt/slides/slide5.xml><?xml version="1.0" encoding="utf-8"?>
 <p:sld xmlns:a="http://schemas.openxmlformats.org/drawingml/2006/main" xmlns:r="http://schemas.openxmlformats.org/officeDocument/2006/relationships" xmlns:p="http://schemas.openxmlformats.org/presentationml/2006/main">
   <p:cSld>
     <p:spTree>
@@ -8589,7 +12074,7 @@
 </p:sld>
 </file>
 
-<file path=ppt/slides/slide5.xml><?xml version="1.0" encoding="utf-8"?>
+<file path=ppt/slides/slide6.xml><?xml version="1.0" encoding="utf-8"?>
 <p:sld xmlns:a="http://schemas.openxmlformats.org/drawingml/2006/main" xmlns:r="http://schemas.openxmlformats.org/officeDocument/2006/relationships" xmlns:p="http://schemas.openxmlformats.org/presentationml/2006/main">
   <p:cSld>
     <p:spTree>
@@ -8670,95 +12155,6 @@
     <p:extLst>
       <p:ext uri="{BB962C8B-B14F-4D97-AF65-F5344CB8AC3E}">
         <p14:creationId xmlns:p14="http://schemas.microsoft.com/office/powerpoint/2010/main" val="145861102"/>
-      </p:ext>
-    </p:extLst>
-  </p:cSld>
-  <p:clrMapOvr>
-    <a:masterClrMapping/>
-  </p:clrMapOvr>
-</p:sld>
-</file>
-
-<file path=ppt/slides/slide6.xml><?xml version="1.0" encoding="utf-8"?>
-<p:sld xmlns:a="http://schemas.openxmlformats.org/drawingml/2006/main" xmlns:r="http://schemas.openxmlformats.org/officeDocument/2006/relationships" xmlns:p="http://schemas.openxmlformats.org/presentationml/2006/main">
-  <p:cSld>
-    <p:spTree>
-      <p:nvGrpSpPr>
-        <p:cNvPr id="1" name=""/>
-        <p:cNvGrpSpPr/>
-        <p:nvPr/>
-      </p:nvGrpSpPr>
-      <p:grpSpPr>
-        <a:xfrm>
-          <a:off x="0" y="0"/>
-          <a:ext cx="0" cy="0"/>
-          <a:chOff x="0" y="0"/>
-          <a:chExt cx="0" cy="0"/>
-        </a:xfrm>
-      </p:grpSpPr>
-      <p:sp>
-        <p:nvSpPr>
-          <p:cNvPr id="4" name="Title 1"/>
-          <p:cNvSpPr>
-            <a:spLocks noGrp="1"/>
-          </p:cNvSpPr>
-          <p:nvPr>
-            <p:ph type="title"/>
-          </p:nvPr>
-        </p:nvSpPr>
-        <p:spPr>
-          <a:xfrm>
-            <a:off x="1497080" y="150683"/>
-            <a:ext cx="9313817" cy="856138"/>
-          </a:xfrm>
-        </p:spPr>
-        <p:txBody>
-          <a:bodyPr>
-            <a:normAutofit fontScale="90000"/>
-          </a:bodyPr>
-          <a:lstStyle/>
-          <a:p>
-            <a:r>
-              <a:rPr lang="en-US" dirty="0"/>
-              <a:t>Exploratory Data Analysis – Game Accessory</a:t>
-            </a:r>
-          </a:p>
-        </p:txBody>
-      </p:sp>
-      <p:pic>
-        <p:nvPicPr>
-          <p:cNvPr id="2" name="Picture 1">
-            <a:extLst>
-              <a:ext uri="{FF2B5EF4-FFF2-40B4-BE49-F238E27FC236}">
-                <a16:creationId xmlns:a16="http://schemas.microsoft.com/office/drawing/2014/main" id="{3F2F1386-33D7-4009-92B3-FD5A7D64AF95}"/>
-              </a:ext>
-            </a:extLst>
-          </p:cNvPr>
-          <p:cNvPicPr>
-            <a:picLocks noChangeAspect="1"/>
-          </p:cNvPicPr>
-          <p:nvPr/>
-        </p:nvPicPr>
-        <p:blipFill>
-          <a:blip r:embed="rId2"/>
-          <a:stretch>
-            <a:fillRect/>
-          </a:stretch>
-        </p:blipFill>
-        <p:spPr>
-          <a:xfrm>
-            <a:off x="734095" y="844062"/>
-            <a:ext cx="10723809" cy="5746842"/>
-          </a:xfrm>
-          <a:prstGeom prst="rect">
-            <a:avLst/>
-          </a:prstGeom>
-        </p:spPr>
-      </p:pic>
-    </p:spTree>
-    <p:extLst>
-      <p:ext uri="{BB962C8B-B14F-4D97-AF65-F5344CB8AC3E}">
-        <p14:creationId xmlns:p14="http://schemas.microsoft.com/office/powerpoint/2010/main" val="2737512139"/>
       </p:ext>
     </p:extLst>
   </p:cSld>
@@ -8808,6 +12204,95 @@
           <a:lstStyle/>
           <a:p>
             <a:r>
+              <a:rPr lang="en-US" dirty="0"/>
+              <a:t>Exploratory Data Analysis – Game Accessory</a:t>
+            </a:r>
+          </a:p>
+        </p:txBody>
+      </p:sp>
+      <p:pic>
+        <p:nvPicPr>
+          <p:cNvPr id="2" name="Picture 1">
+            <a:extLst>
+              <a:ext uri="{FF2B5EF4-FFF2-40B4-BE49-F238E27FC236}">
+                <a16:creationId xmlns:a16="http://schemas.microsoft.com/office/drawing/2014/main" id="{3F2F1386-33D7-4009-92B3-FD5A7D64AF95}"/>
+              </a:ext>
+            </a:extLst>
+          </p:cNvPr>
+          <p:cNvPicPr>
+            <a:picLocks noChangeAspect="1"/>
+          </p:cNvPicPr>
+          <p:nvPr/>
+        </p:nvPicPr>
+        <p:blipFill>
+          <a:blip r:embed="rId2"/>
+          <a:stretch>
+            <a:fillRect/>
+          </a:stretch>
+        </p:blipFill>
+        <p:spPr>
+          <a:xfrm>
+            <a:off x="734095" y="844062"/>
+            <a:ext cx="10723809" cy="5746842"/>
+          </a:xfrm>
+          <a:prstGeom prst="rect">
+            <a:avLst/>
+          </a:prstGeom>
+        </p:spPr>
+      </p:pic>
+    </p:spTree>
+    <p:extLst>
+      <p:ext uri="{BB962C8B-B14F-4D97-AF65-F5344CB8AC3E}">
+        <p14:creationId xmlns:p14="http://schemas.microsoft.com/office/powerpoint/2010/main" val="2737512139"/>
+      </p:ext>
+    </p:extLst>
+  </p:cSld>
+  <p:clrMapOvr>
+    <a:masterClrMapping/>
+  </p:clrMapOvr>
+</p:sld>
+</file>
+
+<file path=ppt/slides/slide8.xml><?xml version="1.0" encoding="utf-8"?>
+<p:sld xmlns:a="http://schemas.openxmlformats.org/drawingml/2006/main" xmlns:r="http://schemas.openxmlformats.org/officeDocument/2006/relationships" xmlns:p="http://schemas.openxmlformats.org/presentationml/2006/main">
+  <p:cSld>
+    <p:spTree>
+      <p:nvGrpSpPr>
+        <p:cNvPr id="1" name=""/>
+        <p:cNvGrpSpPr/>
+        <p:nvPr/>
+      </p:nvGrpSpPr>
+      <p:grpSpPr>
+        <a:xfrm>
+          <a:off x="0" y="0"/>
+          <a:ext cx="0" cy="0"/>
+          <a:chOff x="0" y="0"/>
+          <a:chExt cx="0" cy="0"/>
+        </a:xfrm>
+      </p:grpSpPr>
+      <p:sp>
+        <p:nvSpPr>
+          <p:cNvPr id="4" name="Title 1"/>
+          <p:cNvSpPr>
+            <a:spLocks noGrp="1"/>
+          </p:cNvSpPr>
+          <p:nvPr>
+            <p:ph type="title"/>
+          </p:nvPr>
+        </p:nvSpPr>
+        <p:spPr>
+          <a:xfrm>
+            <a:off x="1497080" y="150683"/>
+            <a:ext cx="9313817" cy="856138"/>
+          </a:xfrm>
+        </p:spPr>
+        <p:txBody>
+          <a:bodyPr>
+            <a:normAutofit fontScale="90000"/>
+          </a:bodyPr>
+          <a:lstStyle/>
+          <a:p>
+            <a:r>
               <a:rPr lang="en-US"/>
               <a:t>Exploratory Data Analysis –</a:t>
             </a:r>
@@ -8914,7 +12399,7 @@
 </p:sld>
 </file>
 
-<file path=ppt/slides/slide8.xml><?xml version="1.0" encoding="utf-8"?>
+<file path=ppt/slides/slide9.xml><?xml version="1.0" encoding="utf-8"?>
 <p:sld xmlns:a="http://schemas.openxmlformats.org/drawingml/2006/main" xmlns:r="http://schemas.openxmlformats.org/officeDocument/2006/relationships" xmlns:p="http://schemas.openxmlformats.org/presentationml/2006/main">
   <p:cSld>
     <p:spTree>

--- a/Capstone-Project/Market Mix Modelling.pptx
+++ b/Capstone-Project/Market Mix Modelling.pptx
@@ -11415,13 +11415,13 @@
         </p:nvSpPr>
         <p:spPr>
           <a:xfrm>
-            <a:off x="1524000" y="4984124"/>
+            <a:off x="1116037" y="4351078"/>
             <a:ext cx="9144000" cy="1873876"/>
           </a:xfrm>
         </p:spPr>
         <p:txBody>
-          <a:bodyPr>
-            <a:normAutofit/>
+          <a:bodyPr vert="horz" lIns="91440" tIns="45720" rIns="91440" bIns="45720" rtlCol="0">
+            <a:normAutofit fontScale="92500" lnSpcReduction="20000"/>
           </a:bodyPr>
           <a:lstStyle/>
           <a:p>
@@ -11432,20 +11432,95 @@
             </a:r>
           </a:p>
           <a:p>
-            <a:pPr marL="457200" indent="-457200" algn="l">
-              <a:buFont typeface="+mj-lt"/>
-              <a:buAutoNum type="arabicPeriod"/>
-            </a:pPr>
+            <a:pPr algn="l"/>
             <a:r>
               <a:rPr lang="en-US" dirty="0"/>
               <a:t>Nikhil Srivastava</a:t>
             </a:r>
           </a:p>
           <a:p>
+            <a:pPr algn="l"/>
+            <a:r>
+              <a:rPr lang="en-US" dirty="0" err="1"/>
+              <a:t>Nandakishore</a:t>
+            </a:r>
+            <a:r>
+              <a:rPr lang="en-US" dirty="0"/>
+              <a:t> </a:t>
+            </a:r>
+          </a:p>
+          <a:p>
+            <a:pPr algn="l"/>
+            <a:r>
+              <a:rPr lang="en-US" dirty="0"/>
+              <a:t>Ranju</a:t>
+            </a:r>
+          </a:p>
+          <a:p>
+            <a:pPr algn="l"/>
+            <a:r>
+              <a:rPr lang="en-US" dirty="0"/>
+              <a:t>Reena Poddar</a:t>
+            </a:r>
+          </a:p>
+          <a:p>
+            <a:pPr algn="l"/>
             <a:endParaRPr lang="en-US" dirty="0"/>
           </a:p>
           <a:p>
+            <a:pPr algn="l"/>
             <a:endParaRPr lang="en-US" dirty="0"/>
+          </a:p>
+          <a:p>
+            <a:pPr algn="l"/>
+            <a:endParaRPr lang="en-US" dirty="0"/>
+          </a:p>
+        </p:txBody>
+      </p:sp>
+      <p:sp>
+        <p:nvSpPr>
+          <p:cNvPr id="4" name="TextBox 3">
+            <a:extLst>
+              <a:ext uri="{FF2B5EF4-FFF2-40B4-BE49-F238E27FC236}">
+                <a16:creationId xmlns:a16="http://schemas.microsoft.com/office/drawing/2014/main" id="{8D9D1B71-6D16-4246-9760-F9CE5F5BBB5A}"/>
+              </a:ext>
+            </a:extLst>
+          </p:cNvPr>
+          <p:cNvSpPr txBox="1"/>
+          <p:nvPr/>
+        </p:nvSpPr>
+        <p:spPr>
+          <a:xfrm>
+            <a:off x="8145194" y="4557932"/>
+            <a:ext cx="3277772" cy="769441"/>
+          </a:xfrm>
+          <a:prstGeom prst="rect">
+            <a:avLst/>
+          </a:prstGeom>
+          <a:noFill/>
+        </p:spPr>
+        <p:txBody>
+          <a:bodyPr wrap="square" rtlCol="0">
+            <a:spAutoFit/>
+          </a:bodyPr>
+          <a:lstStyle/>
+          <a:p>
+            <a:r>
+              <a:rPr lang="en-US" sz="2200" dirty="0">
+                <a:latin typeface="Times New Roman" panose="02020603050405020304" pitchFamily="18" charset="0"/>
+                <a:cs typeface="Times New Roman" panose="02020603050405020304" pitchFamily="18" charset="0"/>
+              </a:rPr>
+              <a:t>Mentor:</a:t>
+            </a:r>
+          </a:p>
+          <a:p>
+            <a:r>
+              <a:rPr lang="en-US" sz="2200" dirty="0">
+                <a:latin typeface="Times New Roman" panose="02020603050405020304" pitchFamily="18" charset="0"/>
+                <a:cs typeface="Times New Roman" panose="02020603050405020304" pitchFamily="18" charset="0"/>
+              </a:rPr>
+              <a:t>Gunjan</a:t>
+            </a:r>
           </a:p>
         </p:txBody>
       </p:sp>
